--- a/courses/apcsa/processing/processing2.pptx
+++ b/courses/apcsa/processing/processing2.pptx
@@ -12,8 +12,9 @@
     <p:sldId id="424" r:id="rId6"/>
     <p:sldId id="426" r:id="rId7"/>
     <p:sldId id="427" r:id="rId8"/>
-    <p:sldId id="323" r:id="rId9"/>
-    <p:sldId id="425" r:id="rId10"/>
+    <p:sldId id="428" r:id="rId9"/>
+    <p:sldId id="323" r:id="rId10"/>
+    <p:sldId id="425" r:id="rId11"/>
   </p:sldIdLst>
   <p:sldSz cx="9144000" cy="5715000" type="screen16x10"/>
   <p:notesSz cx="6858000" cy="9144000"/>
@@ -123,7 +124,7 @@
 <file path=ppt/revisionInfo.xml><?xml version="1.0" encoding="utf-8"?>
 <p1510:revInfo xmlns:a="http://schemas.openxmlformats.org/drawingml/2006/main" xmlns:r="http://schemas.openxmlformats.org/officeDocument/2006/relationships" xmlns:p1510="http://schemas.microsoft.com/office/powerpoint/2015/10/main">
   <p1510:revLst>
-    <p1510:client id="{9203954A-054A-7F45-A5F4-0FB2C10E717B}" v="10" dt="2019-11-18T13:44:06.370"/>
+    <p1510:client id="{9203954A-054A-7F45-A5F4-0FB2C10E717B}" v="58" dt="2019-11-18T18:56:54.914"/>
   </p1510:revLst>
 </p1510:revInfo>
 </file>
@@ -133,16 +134,24 @@
   <pc:docChgLst>
     <pc:chgData name="Long B Nguyen" userId="f59fb8f3-a021-417a-8bc1-65c8d471c621" providerId="ADAL" clId="{9203954A-054A-7F45-A5F4-0FB2C10E717B}"/>
     <pc:docChg chg="custSel addSld delSld modSld">
-      <pc:chgData name="Long B Nguyen" userId="f59fb8f3-a021-417a-8bc1-65c8d471c621" providerId="ADAL" clId="{9203954A-054A-7F45-A5F4-0FB2C10E717B}" dt="2019-11-18T14:10:24.138" v="322" actId="2696"/>
+      <pc:chgData name="Long B Nguyen" userId="f59fb8f3-a021-417a-8bc1-65c8d471c621" providerId="ADAL" clId="{9203954A-054A-7F45-A5F4-0FB2C10E717B}" dt="2019-11-18T18:58:13.295" v="576" actId="255"/>
       <pc:docMkLst>
         <pc:docMk/>
       </pc:docMkLst>
-      <pc:sldChg chg="add">
-        <pc:chgData name="Long B Nguyen" userId="f59fb8f3-a021-417a-8bc1-65c8d471c621" providerId="ADAL" clId="{9203954A-054A-7F45-A5F4-0FB2C10E717B}" dt="2019-11-18T13:44:06.369" v="320"/>
+      <pc:sldChg chg="modSp add">
+        <pc:chgData name="Long B Nguyen" userId="f59fb8f3-a021-417a-8bc1-65c8d471c621" providerId="ADAL" clId="{9203954A-054A-7F45-A5F4-0FB2C10E717B}" dt="2019-11-18T18:58:13.295" v="576" actId="255"/>
         <pc:sldMkLst>
           <pc:docMk/>
           <pc:sldMk cId="33296356" sldId="323"/>
         </pc:sldMkLst>
+        <pc:spChg chg="mod">
+          <ac:chgData name="Long B Nguyen" userId="f59fb8f3-a021-417a-8bc1-65c8d471c621" providerId="ADAL" clId="{9203954A-054A-7F45-A5F4-0FB2C10E717B}" dt="2019-11-18T18:58:13.295" v="576" actId="255"/>
+          <ac:spMkLst>
+            <pc:docMk/>
+            <pc:sldMk cId="33296356" sldId="323"/>
+            <ac:spMk id="39938" creationId="{8B30D4E8-B5FD-A64F-B15C-85F2EA90B3F7}"/>
+          </ac:spMkLst>
+        </pc:spChg>
       </pc:sldChg>
       <pc:sldChg chg="del">
         <pc:chgData name="Long B Nguyen" userId="f59fb8f3-a021-417a-8bc1-65c8d471c621" providerId="ADAL" clId="{9203954A-054A-7F45-A5F4-0FB2C10E717B}" dt="2019-11-18T13:43:29.993" v="319" actId="2696"/>
@@ -158,8 +167,8 @@
           <pc:sldMk cId="2754669899" sldId="402"/>
         </pc:sldMkLst>
       </pc:sldChg>
-      <pc:sldChg chg="modSp">
-        <pc:chgData name="Long B Nguyen" userId="f59fb8f3-a021-417a-8bc1-65c8d471c621" providerId="ADAL" clId="{9203954A-054A-7F45-A5F4-0FB2C10E717B}" dt="2019-11-18T13:21:23.293" v="73" actId="20577"/>
+      <pc:sldChg chg="modSp modAnim">
+        <pc:chgData name="Long B Nguyen" userId="f59fb8f3-a021-417a-8bc1-65c8d471c621" providerId="ADAL" clId="{9203954A-054A-7F45-A5F4-0FB2C10E717B}" dt="2019-11-18T16:28:23.348" v="326"/>
         <pc:sldMkLst>
           <pc:docMk/>
           <pc:sldMk cId="2679786585" sldId="418"/>
@@ -173,14 +182,14 @@
           </ac:spMkLst>
         </pc:spChg>
       </pc:sldChg>
-      <pc:sldChg chg="modSp">
-        <pc:chgData name="Long B Nguyen" userId="f59fb8f3-a021-417a-8bc1-65c8d471c621" providerId="ADAL" clId="{9203954A-054A-7F45-A5F4-0FB2C10E717B}" dt="2019-11-18T13:22:38.385" v="239" actId="20577"/>
+      <pc:sldChg chg="modSp modAnim">
+        <pc:chgData name="Long B Nguyen" userId="f59fb8f3-a021-417a-8bc1-65c8d471c621" providerId="ADAL" clId="{9203954A-054A-7F45-A5F4-0FB2C10E717B}" dt="2019-11-18T16:29:01.696" v="364"/>
         <pc:sldMkLst>
           <pc:docMk/>
           <pc:sldMk cId="9623921" sldId="422"/>
         </pc:sldMkLst>
         <pc:spChg chg="mod">
-          <ac:chgData name="Long B Nguyen" userId="f59fb8f3-a021-417a-8bc1-65c8d471c621" providerId="ADAL" clId="{9203954A-054A-7F45-A5F4-0FB2C10E717B}" dt="2019-11-18T13:22:38.385" v="239" actId="20577"/>
+          <ac:chgData name="Long B Nguyen" userId="f59fb8f3-a021-417a-8bc1-65c8d471c621" providerId="ADAL" clId="{9203954A-054A-7F45-A5F4-0FB2C10E717B}" dt="2019-11-18T16:28:46.664" v="361" actId="20577"/>
           <ac:spMkLst>
             <pc:docMk/>
             <pc:sldMk cId="9623921" sldId="422"/>
@@ -188,8 +197,8 @@
           </ac:spMkLst>
         </pc:spChg>
       </pc:sldChg>
-      <pc:sldChg chg="modSp">
-        <pc:chgData name="Long B Nguyen" userId="f59fb8f3-a021-417a-8bc1-65c8d471c621" providerId="ADAL" clId="{9203954A-054A-7F45-A5F4-0FB2C10E717B}" dt="2019-11-18T13:25:04.384" v="317" actId="20577"/>
+      <pc:sldChg chg="modSp modAnim">
+        <pc:chgData name="Long B Nguyen" userId="f59fb8f3-a021-417a-8bc1-65c8d471c621" providerId="ADAL" clId="{9203954A-054A-7F45-A5F4-0FB2C10E717B}" dt="2019-11-18T16:29:09.882" v="367"/>
         <pc:sldMkLst>
           <pc:docMk/>
           <pc:sldMk cId="1113409002" sldId="423"/>
@@ -233,19 +242,42 @@
           <pc:sldMk cId="484339364" sldId="425"/>
         </pc:sldMkLst>
       </pc:sldChg>
-      <pc:sldChg chg="add">
-        <pc:chgData name="Long B Nguyen" userId="f59fb8f3-a021-417a-8bc1-65c8d471c621" providerId="ADAL" clId="{9203954A-054A-7F45-A5F4-0FB2C10E717B}" dt="2019-11-18T13:44:06.369" v="320"/>
+      <pc:sldChg chg="add modAnim">
+        <pc:chgData name="Long B Nguyen" userId="f59fb8f3-a021-417a-8bc1-65c8d471c621" providerId="ADAL" clId="{9203954A-054A-7F45-A5F4-0FB2C10E717B}" dt="2019-11-18T16:29:17.964" v="369"/>
         <pc:sldMkLst>
           <pc:docMk/>
           <pc:sldMk cId="694632301" sldId="426"/>
         </pc:sldMkLst>
       </pc:sldChg>
-      <pc:sldChg chg="add">
-        <pc:chgData name="Long B Nguyen" userId="f59fb8f3-a021-417a-8bc1-65c8d471c621" providerId="ADAL" clId="{9203954A-054A-7F45-A5F4-0FB2C10E717B}" dt="2019-11-18T13:44:06.369" v="320"/>
+      <pc:sldChg chg="modSp add">
+        <pc:chgData name="Long B Nguyen" userId="f59fb8f3-a021-417a-8bc1-65c8d471c621" providerId="ADAL" clId="{9203954A-054A-7F45-A5F4-0FB2C10E717B}" dt="2019-11-18T18:58:07.064" v="575" actId="20577"/>
         <pc:sldMkLst>
           <pc:docMk/>
           <pc:sldMk cId="1982394124" sldId="427"/>
         </pc:sldMkLst>
+        <pc:spChg chg="mod">
+          <ac:chgData name="Long B Nguyen" userId="f59fb8f3-a021-417a-8bc1-65c8d471c621" providerId="ADAL" clId="{9203954A-054A-7F45-A5F4-0FB2C10E717B}" dt="2019-11-18T18:58:07.064" v="575" actId="20577"/>
+          <ac:spMkLst>
+            <pc:docMk/>
+            <pc:sldMk cId="1982394124" sldId="427"/>
+            <ac:spMk id="20483" creationId="{A8F31A66-1B3E-984C-AD67-E6CB9676BCA4}"/>
+          </ac:spMkLst>
+        </pc:spChg>
+      </pc:sldChg>
+      <pc:sldChg chg="modSp add">
+        <pc:chgData name="Long B Nguyen" userId="f59fb8f3-a021-417a-8bc1-65c8d471c621" providerId="ADAL" clId="{9203954A-054A-7F45-A5F4-0FB2C10E717B}" dt="2019-11-18T18:57:59.719" v="574" actId="20577"/>
+        <pc:sldMkLst>
+          <pc:docMk/>
+          <pc:sldMk cId="1150545473" sldId="428"/>
+        </pc:sldMkLst>
+        <pc:spChg chg="mod">
+          <ac:chgData name="Long B Nguyen" userId="f59fb8f3-a021-417a-8bc1-65c8d471c621" providerId="ADAL" clId="{9203954A-054A-7F45-A5F4-0FB2C10E717B}" dt="2019-11-18T18:57:59.719" v="574" actId="20577"/>
+          <ac:spMkLst>
+            <pc:docMk/>
+            <pc:sldMk cId="1150545473" sldId="428"/>
+            <ac:spMk id="20483" creationId="{A8F31A66-1B3E-984C-AD67-E6CB9676BCA4}"/>
+          </ac:spMkLst>
+        </pc:spChg>
       </pc:sldChg>
       <pc:sldChg chg="add del">
         <pc:chgData name="Long B Nguyen" userId="f59fb8f3-a021-417a-8bc1-65c8d471c621" providerId="ADAL" clId="{9203954A-054A-7F45-A5F4-0FB2C10E717B}" dt="2019-11-18T14:10:24.138" v="322" actId="2696"/>
@@ -7930,6 +7962,222 @@
 </p:sld>
 </file>
 
+<file path=ppt/slides/slide10.xml><?xml version="1.0" encoding="utf-8"?>
+<p:sld xmlns:a="http://schemas.openxmlformats.org/drawingml/2006/main" xmlns:r="http://schemas.openxmlformats.org/officeDocument/2006/relationships" xmlns:p="http://schemas.openxmlformats.org/presentationml/2006/main">
+  <p:cSld>
+    <p:spTree>
+      <p:nvGrpSpPr>
+        <p:cNvPr id="1" name=""/>
+        <p:cNvGrpSpPr/>
+        <p:nvPr/>
+      </p:nvGrpSpPr>
+      <p:grpSpPr>
+        <a:xfrm>
+          <a:off x="0" y="0"/>
+          <a:ext cx="0" cy="0"/>
+          <a:chOff x="0" y="0"/>
+          <a:chExt cx="0" cy="0"/>
+        </a:xfrm>
+      </p:grpSpPr>
+      <p:sp>
+        <p:nvSpPr>
+          <p:cNvPr id="2" name="Title 1">
+            <a:extLst>
+              <a:ext uri="{FF2B5EF4-FFF2-40B4-BE49-F238E27FC236}">
+                <a16:creationId xmlns:a16="http://schemas.microsoft.com/office/drawing/2014/main" id="{7096C9FC-73B2-DF45-9220-87CF8E131026}"/>
+              </a:ext>
+            </a:extLst>
+          </p:cNvPr>
+          <p:cNvSpPr>
+            <a:spLocks noGrp="1"/>
+          </p:cNvSpPr>
+          <p:nvPr>
+            <p:ph type="title"/>
+          </p:nvPr>
+        </p:nvSpPr>
+        <p:spPr>
+          <a:xfrm>
+            <a:off x="1422180" y="178448"/>
+            <a:ext cx="6927999" cy="685710"/>
+          </a:xfrm>
+        </p:spPr>
+        <p:txBody>
+          <a:bodyPr/>
+          <a:lstStyle/>
+          <a:p>
+            <a:r>
+              <a:rPr lang="en-US" dirty="0"/>
+              <a:t>References</a:t>
+            </a:r>
+          </a:p>
+        </p:txBody>
+      </p:sp>
+      <p:sp>
+        <p:nvSpPr>
+          <p:cNvPr id="3" name="Content Placeholder 2">
+            <a:extLst>
+              <a:ext uri="{FF2B5EF4-FFF2-40B4-BE49-F238E27FC236}">
+                <a16:creationId xmlns:a16="http://schemas.microsoft.com/office/drawing/2014/main" id="{BFE83E29-C6D2-1346-875F-F3C7C40F68EE}"/>
+              </a:ext>
+            </a:extLst>
+          </p:cNvPr>
+          <p:cNvSpPr>
+            <a:spLocks noGrp="1"/>
+          </p:cNvSpPr>
+          <p:nvPr>
+            <p:ph idx="1"/>
+          </p:nvPr>
+        </p:nvSpPr>
+        <p:spPr>
+          <a:xfrm>
+            <a:off x="1422180" y="1155559"/>
+            <a:ext cx="7206279" cy="4371033"/>
+          </a:xfrm>
+        </p:spPr>
+        <p:txBody>
+          <a:bodyPr>
+            <a:normAutofit/>
+          </a:bodyPr>
+          <a:lstStyle/>
+          <a:p>
+            <a:pPr marL="0" indent="0">
+              <a:buFontTx/>
+              <a:buNone/>
+            </a:pPr>
+            <a:r>
+              <a:rPr lang="en-US" altLang="en-US" sz="1600" b="1" dirty="0">
+                <a:latin typeface="Tahoma" panose="020B0604030504040204" pitchFamily="34" charset="0"/>
+                <a:ea typeface="Tahoma" panose="020B0604030504040204" pitchFamily="34" charset="0"/>
+                <a:cs typeface="Tahoma" panose="020B0604030504040204" pitchFamily="34" charset="0"/>
+              </a:rPr>
+              <a:t>For more tutorials/lecture notes in Java, Python, game programming, artificial intelligence with neural networks:</a:t>
+            </a:r>
+          </a:p>
+          <a:p>
+            <a:pPr marL="0" indent="0">
+              <a:buFontTx/>
+              <a:buNone/>
+            </a:pPr>
+            <a:endParaRPr lang="en-US" altLang="en-US" sz="1600" dirty="0">
+              <a:ea typeface="ＭＳ Ｐゴシック" panose="020B0600070205080204" pitchFamily="34" charset="-128"/>
+            </a:endParaRPr>
+          </a:p>
+          <a:p>
+            <a:pPr marL="0" indent="0">
+              <a:buFontTx/>
+              <a:buNone/>
+            </a:pPr>
+            <a:r>
+              <a:rPr lang="en-US" altLang="en-US" sz="1600" dirty="0">
+                <a:ea typeface="ＭＳ Ｐゴシック" panose="020B0600070205080204" pitchFamily="34" charset="-128"/>
+                <a:hlinkClick r:id="rId2"/>
+              </a:rPr>
+              <a:t>https://longbaonguyen.github.io</a:t>
+            </a:r>
+            <a:endParaRPr lang="en-US" altLang="en-US" sz="1600" dirty="0">
+              <a:ea typeface="ＭＳ Ｐゴシック" panose="020B0600070205080204" pitchFamily="34" charset="-128"/>
+            </a:endParaRPr>
+          </a:p>
+          <a:p>
+            <a:pPr marL="0" indent="0">
+              <a:buFontTx/>
+              <a:buNone/>
+              <a:defRPr/>
+            </a:pPr>
+            <a:endParaRPr lang="en-US" sz="1600" dirty="0"/>
+          </a:p>
+          <a:p>
+            <a:pPr marL="0" indent="0">
+              <a:buFontTx/>
+              <a:buNone/>
+              <a:defRPr/>
+            </a:pPr>
+            <a:endParaRPr lang="en-US" sz="1600" dirty="0"/>
+          </a:p>
+          <a:p>
+            <a:pPr>
+              <a:defRPr/>
+            </a:pPr>
+            <a:r>
+              <a:rPr lang="en-US" sz="2000" dirty="0">
+                <a:latin typeface="Tahoma" panose="020B0604030504040204" pitchFamily="34" charset="0"/>
+                <a:ea typeface="Tahoma" panose="020B0604030504040204" pitchFamily="34" charset="0"/>
+                <a:cs typeface="Tahoma" panose="020B0604030504040204" pitchFamily="34" charset="0"/>
+              </a:rPr>
+              <a:t>Processing’s website: </a:t>
+            </a:r>
+            <a:r>
+              <a:rPr lang="en-US" sz="2000" dirty="0">
+                <a:latin typeface="Tahoma" panose="020B0604030504040204" pitchFamily="34" charset="0"/>
+                <a:ea typeface="Tahoma" panose="020B0604030504040204" pitchFamily="34" charset="0"/>
+                <a:cs typeface="Tahoma" panose="020B0604030504040204" pitchFamily="34" charset="0"/>
+                <a:hlinkClick r:id="rId3"/>
+              </a:rPr>
+              <a:t>www.processing.org</a:t>
+            </a:r>
+            <a:endParaRPr lang="en-US" sz="2000" dirty="0">
+              <a:solidFill>
+                <a:schemeClr val="accent1"/>
+              </a:solidFill>
+              <a:latin typeface="Tahoma" panose="020B0604030504040204" pitchFamily="34" charset="0"/>
+              <a:ea typeface="Tahoma" panose="020B0604030504040204" pitchFamily="34" charset="0"/>
+              <a:cs typeface="Tahoma" panose="020B0604030504040204" pitchFamily="34" charset="0"/>
+            </a:endParaRPr>
+          </a:p>
+          <a:p>
+            <a:pPr>
+              <a:defRPr/>
+            </a:pPr>
+            <a:endParaRPr lang="en-US" sz="2000" dirty="0">
+              <a:latin typeface="Tahoma" panose="020B0604030504040204" pitchFamily="34" charset="0"/>
+              <a:ea typeface="Tahoma" panose="020B0604030504040204" pitchFamily="34" charset="0"/>
+              <a:cs typeface="Tahoma" panose="020B0604030504040204" pitchFamily="34" charset="0"/>
+            </a:endParaRPr>
+          </a:p>
+          <a:p>
+            <a:pPr>
+              <a:defRPr/>
+            </a:pPr>
+            <a:r>
+              <a:rPr lang="en-US" sz="2000" dirty="0">
+                <a:latin typeface="Tahoma" panose="020B0604030504040204" pitchFamily="34" charset="0"/>
+                <a:ea typeface="Tahoma" panose="020B0604030504040204" pitchFamily="34" charset="0"/>
+                <a:cs typeface="Tahoma" panose="020B0604030504040204" pitchFamily="34" charset="0"/>
+                <a:hlinkClick r:id="rId4"/>
+              </a:rPr>
+              <a:t>https://processing.org/tutorials/</a:t>
+            </a:r>
+            <a:endParaRPr lang="en-US" sz="2000" dirty="0">
+              <a:latin typeface="Tahoma" panose="020B0604030504040204" pitchFamily="34" charset="0"/>
+              <a:ea typeface="Tahoma" panose="020B0604030504040204" pitchFamily="34" charset="0"/>
+              <a:cs typeface="Tahoma" panose="020B0604030504040204" pitchFamily="34" charset="0"/>
+            </a:endParaRPr>
+          </a:p>
+          <a:p>
+            <a:pPr>
+              <a:defRPr/>
+            </a:pPr>
+            <a:endParaRPr lang="en-US" sz="2000" dirty="0">
+              <a:latin typeface="Tahoma" panose="020B0604030504040204" pitchFamily="34" charset="0"/>
+              <a:ea typeface="Tahoma" panose="020B0604030504040204" pitchFamily="34" charset="0"/>
+              <a:cs typeface="Tahoma" panose="020B0604030504040204" pitchFamily="34" charset="0"/>
+            </a:endParaRPr>
+          </a:p>
+        </p:txBody>
+      </p:sp>
+    </p:spTree>
+    <p:extLst>
+      <p:ext uri="{BB962C8B-B14F-4D97-AF65-F5344CB8AC3E}">
+        <p14:creationId xmlns:p14="http://schemas.microsoft.com/office/powerpoint/2010/main" val="484339364"/>
+      </p:ext>
+    </p:extLst>
+  </p:cSld>
+  <p:clrMapOvr>
+    <a:masterClrMapping/>
+  </p:clrMapOvr>
+</p:sld>
+</file>
+
 <file path=ppt/slides/slide2.xml><?xml version="1.0" encoding="utf-8"?>
 <p:sld xmlns:a="http://schemas.openxmlformats.org/drawingml/2006/main" xmlns:r="http://schemas.openxmlformats.org/officeDocument/2006/relationships" xmlns:p="http://schemas.openxmlformats.org/presentationml/2006/main">
   <p:cSld>
@@ -8398,6 +8646,263 @@
     <a:masterClrMapping/>
   </p:clrMapOvr>
   <p:transition/>
+  <p:timing>
+    <p:tnLst>
+      <p:par>
+        <p:cTn id="1" dur="indefinite" restart="never" nodeType="tmRoot">
+          <p:childTnLst>
+            <p:seq concurrent="1" nextAc="seek">
+              <p:cTn id="2" dur="indefinite" nodeType="mainSeq">
+                <p:childTnLst>
+                  <p:par>
+                    <p:cTn id="3" fill="hold">
+                      <p:stCondLst>
+                        <p:cond delay="indefinite"/>
+                      </p:stCondLst>
+                      <p:childTnLst>
+                        <p:par>
+                          <p:cTn id="4" fill="hold">
+                            <p:stCondLst>
+                              <p:cond delay="0"/>
+                            </p:stCondLst>
+                            <p:childTnLst>
+                              <p:par>
+                                <p:cTn id="5" presetID="1" presetClass="entr" presetSubtype="0" fill="hold" nodeType="clickEffect">
+                                  <p:stCondLst>
+                                    <p:cond delay="0"/>
+                                  </p:stCondLst>
+                                  <p:childTnLst>
+                                    <p:set>
+                                      <p:cBhvr>
+                                        <p:cTn id="6" dur="1" fill="hold">
+                                          <p:stCondLst>
+                                            <p:cond delay="0"/>
+                                          </p:stCondLst>
+                                        </p:cTn>
+                                        <p:tgtEl>
+                                          <p:spTgt spid="20483">
+                                            <p:txEl>
+                                              <p:pRg st="2" end="2"/>
+                                            </p:txEl>
+                                          </p:spTgt>
+                                        </p:tgtEl>
+                                        <p:attrNameLst>
+                                          <p:attrName>style.visibility</p:attrName>
+                                        </p:attrNameLst>
+                                      </p:cBhvr>
+                                      <p:to>
+                                        <p:strVal val="visible"/>
+                                      </p:to>
+                                    </p:set>
+                                  </p:childTnLst>
+                                </p:cTn>
+                              </p:par>
+                            </p:childTnLst>
+                          </p:cTn>
+                        </p:par>
+                      </p:childTnLst>
+                    </p:cTn>
+                  </p:par>
+                  <p:par>
+                    <p:cTn id="7" fill="hold">
+                      <p:stCondLst>
+                        <p:cond delay="indefinite"/>
+                      </p:stCondLst>
+                      <p:childTnLst>
+                        <p:par>
+                          <p:cTn id="8" fill="hold">
+                            <p:stCondLst>
+                              <p:cond delay="0"/>
+                            </p:stCondLst>
+                            <p:childTnLst>
+                              <p:par>
+                                <p:cTn id="9" presetID="1" presetClass="entr" presetSubtype="0" fill="hold" nodeType="clickEffect">
+                                  <p:stCondLst>
+                                    <p:cond delay="0"/>
+                                  </p:stCondLst>
+                                  <p:childTnLst>
+                                    <p:set>
+                                      <p:cBhvr>
+                                        <p:cTn id="10" dur="1" fill="hold">
+                                          <p:stCondLst>
+                                            <p:cond delay="0"/>
+                                          </p:stCondLst>
+                                        </p:cTn>
+                                        <p:tgtEl>
+                                          <p:spTgt spid="20483">
+                                            <p:txEl>
+                                              <p:pRg st="4" end="4"/>
+                                            </p:txEl>
+                                          </p:spTgt>
+                                        </p:tgtEl>
+                                        <p:attrNameLst>
+                                          <p:attrName>style.visibility</p:attrName>
+                                        </p:attrNameLst>
+                                      </p:cBhvr>
+                                      <p:to>
+                                        <p:strVal val="visible"/>
+                                      </p:to>
+                                    </p:set>
+                                  </p:childTnLst>
+                                </p:cTn>
+                              </p:par>
+                            </p:childTnLst>
+                          </p:cTn>
+                        </p:par>
+                      </p:childTnLst>
+                    </p:cTn>
+                  </p:par>
+                  <p:par>
+                    <p:cTn id="11" fill="hold">
+                      <p:stCondLst>
+                        <p:cond delay="indefinite"/>
+                      </p:stCondLst>
+                      <p:childTnLst>
+                        <p:par>
+                          <p:cTn id="12" fill="hold">
+                            <p:stCondLst>
+                              <p:cond delay="0"/>
+                            </p:stCondLst>
+                            <p:childTnLst>
+                              <p:par>
+                                <p:cTn id="13" presetID="1" presetClass="entr" presetSubtype="0" fill="hold" nodeType="clickEffect">
+                                  <p:stCondLst>
+                                    <p:cond delay="0"/>
+                                  </p:stCondLst>
+                                  <p:childTnLst>
+                                    <p:set>
+                                      <p:cBhvr>
+                                        <p:cTn id="14" dur="1" fill="hold">
+                                          <p:stCondLst>
+                                            <p:cond delay="0"/>
+                                          </p:stCondLst>
+                                        </p:cTn>
+                                        <p:tgtEl>
+                                          <p:spTgt spid="20483">
+                                            <p:txEl>
+                                              <p:pRg st="5" end="5"/>
+                                            </p:txEl>
+                                          </p:spTgt>
+                                        </p:tgtEl>
+                                        <p:attrNameLst>
+                                          <p:attrName>style.visibility</p:attrName>
+                                        </p:attrNameLst>
+                                      </p:cBhvr>
+                                      <p:to>
+                                        <p:strVal val="visible"/>
+                                      </p:to>
+                                    </p:set>
+                                  </p:childTnLst>
+                                </p:cTn>
+                              </p:par>
+                              <p:par>
+                                <p:cTn id="15" presetID="1" presetClass="entr" presetSubtype="0" fill="hold" nodeType="withEffect">
+                                  <p:stCondLst>
+                                    <p:cond delay="0"/>
+                                  </p:stCondLst>
+                                  <p:childTnLst>
+                                    <p:set>
+                                      <p:cBhvr>
+                                        <p:cTn id="16" dur="1" fill="hold">
+                                          <p:stCondLst>
+                                            <p:cond delay="0"/>
+                                          </p:stCondLst>
+                                        </p:cTn>
+                                        <p:tgtEl>
+                                          <p:spTgt spid="20483">
+                                            <p:txEl>
+                                              <p:pRg st="6" end="6"/>
+                                            </p:txEl>
+                                          </p:spTgt>
+                                        </p:tgtEl>
+                                        <p:attrNameLst>
+                                          <p:attrName>style.visibility</p:attrName>
+                                        </p:attrNameLst>
+                                      </p:cBhvr>
+                                      <p:to>
+                                        <p:strVal val="visible"/>
+                                      </p:to>
+                                    </p:set>
+                                  </p:childTnLst>
+                                </p:cTn>
+                              </p:par>
+                            </p:childTnLst>
+                          </p:cTn>
+                        </p:par>
+                      </p:childTnLst>
+                    </p:cTn>
+                  </p:par>
+                  <p:par>
+                    <p:cTn id="17" fill="hold">
+                      <p:stCondLst>
+                        <p:cond delay="indefinite"/>
+                      </p:stCondLst>
+                      <p:childTnLst>
+                        <p:par>
+                          <p:cTn id="18" fill="hold">
+                            <p:stCondLst>
+                              <p:cond delay="0"/>
+                            </p:stCondLst>
+                            <p:childTnLst>
+                              <p:par>
+                                <p:cTn id="19" presetID="1" presetClass="entr" presetSubtype="0" fill="hold" nodeType="clickEffect">
+                                  <p:stCondLst>
+                                    <p:cond delay="0"/>
+                                  </p:stCondLst>
+                                  <p:childTnLst>
+                                    <p:set>
+                                      <p:cBhvr>
+                                        <p:cTn id="20" dur="1" fill="hold">
+                                          <p:stCondLst>
+                                            <p:cond delay="0"/>
+                                          </p:stCondLst>
+                                        </p:cTn>
+                                        <p:tgtEl>
+                                          <p:spTgt spid="20483">
+                                            <p:txEl>
+                                              <p:pRg st="9" end="9"/>
+                                            </p:txEl>
+                                          </p:spTgt>
+                                        </p:tgtEl>
+                                        <p:attrNameLst>
+                                          <p:attrName>style.visibility</p:attrName>
+                                        </p:attrNameLst>
+                                      </p:cBhvr>
+                                      <p:to>
+                                        <p:strVal val="visible"/>
+                                      </p:to>
+                                    </p:set>
+                                  </p:childTnLst>
+                                </p:cTn>
+                              </p:par>
+                            </p:childTnLst>
+                          </p:cTn>
+                        </p:par>
+                      </p:childTnLst>
+                    </p:cTn>
+                  </p:par>
+                </p:childTnLst>
+              </p:cTn>
+              <p:prevCondLst>
+                <p:cond evt="onPrev" delay="0">
+                  <p:tgtEl>
+                    <p:sldTgt/>
+                  </p:tgtEl>
+                </p:cond>
+              </p:prevCondLst>
+              <p:nextCondLst>
+                <p:cond evt="onNext" delay="0">
+                  <p:tgtEl>
+                    <p:sldTgt/>
+                  </p:tgtEl>
+                </p:cond>
+              </p:nextCondLst>
+            </p:seq>
+          </p:childTnLst>
+        </p:cTn>
+      </p:par>
+    </p:tnLst>
+  </p:timing>
 </p:sld>
 </file>
 
@@ -8479,7 +8984,7 @@
             </a:r>
             <a:r>
               <a:rPr lang="en-US" sz="2000" dirty="0"/>
-              <a:t>, a, b);</a:t>
+              <a:t>, x, y);</a:t>
             </a:r>
           </a:p>
           <a:p>
@@ -8497,7 +9002,7 @@
             </a:r>
             <a:r>
               <a:rPr lang="en-US" sz="2000" dirty="0"/>
-              <a:t>, a, b, c, d);</a:t>
+              <a:t>, x, y, width, height);</a:t>
             </a:r>
           </a:p>
           <a:p>
@@ -8534,7 +9039,7 @@
                 <a:ea typeface="Tahoma" panose="020B0604030504040204" pitchFamily="34" charset="0"/>
                 <a:cs typeface="Tahoma" panose="020B0604030504040204" pitchFamily="34" charset="0"/>
               </a:rPr>
-              <a:t> parameter specifies the image to display and by default the a and b parameters define the location of its upper-left corner.</a:t>
+              <a:t> parameter specifies the image to display and by default the x and y parameters define the location of its upper-left corner.</a:t>
             </a:r>
           </a:p>
           <a:p>
@@ -8797,6 +9302,214 @@
     <a:masterClrMapping/>
   </p:clrMapOvr>
   <p:transition/>
+  <p:timing>
+    <p:tnLst>
+      <p:par>
+        <p:cTn id="1" dur="indefinite" restart="never" nodeType="tmRoot">
+          <p:childTnLst>
+            <p:seq concurrent="1" nextAc="seek">
+              <p:cTn id="2" dur="indefinite" nodeType="mainSeq">
+                <p:childTnLst>
+                  <p:par>
+                    <p:cTn id="3" fill="hold">
+                      <p:stCondLst>
+                        <p:cond delay="indefinite"/>
+                      </p:stCondLst>
+                      <p:childTnLst>
+                        <p:par>
+                          <p:cTn id="4" fill="hold">
+                            <p:stCondLst>
+                              <p:cond delay="0"/>
+                            </p:stCondLst>
+                            <p:childTnLst>
+                              <p:par>
+                                <p:cTn id="5" presetID="1" presetClass="entr" presetSubtype="0" fill="hold" nodeType="clickEffect">
+                                  <p:stCondLst>
+                                    <p:cond delay="0"/>
+                                  </p:stCondLst>
+                                  <p:childTnLst>
+                                    <p:set>
+                                      <p:cBhvr>
+                                        <p:cTn id="6" dur="1" fill="hold">
+                                          <p:stCondLst>
+                                            <p:cond delay="0"/>
+                                          </p:stCondLst>
+                                        </p:cTn>
+                                        <p:tgtEl>
+                                          <p:spTgt spid="20483">
+                                            <p:txEl>
+                                              <p:pRg st="4" end="4"/>
+                                            </p:txEl>
+                                          </p:spTgt>
+                                        </p:tgtEl>
+                                        <p:attrNameLst>
+                                          <p:attrName>style.visibility</p:attrName>
+                                        </p:attrNameLst>
+                                      </p:cBhvr>
+                                      <p:to>
+                                        <p:strVal val="visible"/>
+                                      </p:to>
+                                    </p:set>
+                                  </p:childTnLst>
+                                </p:cTn>
+                              </p:par>
+                            </p:childTnLst>
+                          </p:cTn>
+                        </p:par>
+                      </p:childTnLst>
+                    </p:cTn>
+                  </p:par>
+                  <p:par>
+                    <p:cTn id="7" fill="hold">
+                      <p:stCondLst>
+                        <p:cond delay="indefinite"/>
+                      </p:stCondLst>
+                      <p:childTnLst>
+                        <p:par>
+                          <p:cTn id="8" fill="hold">
+                            <p:stCondLst>
+                              <p:cond delay="0"/>
+                            </p:stCondLst>
+                            <p:childTnLst>
+                              <p:par>
+                                <p:cTn id="9" presetID="1" presetClass="entr" presetSubtype="0" fill="hold" nodeType="clickEffect">
+                                  <p:stCondLst>
+                                    <p:cond delay="0"/>
+                                  </p:stCondLst>
+                                  <p:childTnLst>
+                                    <p:set>
+                                      <p:cBhvr>
+                                        <p:cTn id="10" dur="1" fill="hold">
+                                          <p:stCondLst>
+                                            <p:cond delay="0"/>
+                                          </p:stCondLst>
+                                        </p:cTn>
+                                        <p:tgtEl>
+                                          <p:spTgt spid="20483">
+                                            <p:txEl>
+                                              <p:pRg st="6" end="6"/>
+                                            </p:txEl>
+                                          </p:spTgt>
+                                        </p:tgtEl>
+                                        <p:attrNameLst>
+                                          <p:attrName>style.visibility</p:attrName>
+                                        </p:attrNameLst>
+                                      </p:cBhvr>
+                                      <p:to>
+                                        <p:strVal val="visible"/>
+                                      </p:to>
+                                    </p:set>
+                                  </p:childTnLst>
+                                </p:cTn>
+                              </p:par>
+                            </p:childTnLst>
+                          </p:cTn>
+                        </p:par>
+                      </p:childTnLst>
+                    </p:cTn>
+                  </p:par>
+                  <p:par>
+                    <p:cTn id="11" fill="hold">
+                      <p:stCondLst>
+                        <p:cond delay="indefinite"/>
+                      </p:stCondLst>
+                      <p:childTnLst>
+                        <p:par>
+                          <p:cTn id="12" fill="hold">
+                            <p:stCondLst>
+                              <p:cond delay="0"/>
+                            </p:stCondLst>
+                            <p:childTnLst>
+                              <p:par>
+                                <p:cTn id="13" presetID="1" presetClass="entr" presetSubtype="0" fill="hold" nodeType="clickEffect">
+                                  <p:stCondLst>
+                                    <p:cond delay="0"/>
+                                  </p:stCondLst>
+                                  <p:childTnLst>
+                                    <p:set>
+                                      <p:cBhvr>
+                                        <p:cTn id="14" dur="1" fill="hold">
+                                          <p:stCondLst>
+                                            <p:cond delay="0"/>
+                                          </p:stCondLst>
+                                        </p:cTn>
+                                        <p:tgtEl>
+                                          <p:spTgt spid="20483">
+                                            <p:txEl>
+                                              <p:pRg st="7" end="7"/>
+                                            </p:txEl>
+                                          </p:spTgt>
+                                        </p:tgtEl>
+                                        <p:attrNameLst>
+                                          <p:attrName>style.visibility</p:attrName>
+                                        </p:attrNameLst>
+                                      </p:cBhvr>
+                                      <p:to>
+                                        <p:strVal val="visible"/>
+                                      </p:to>
+                                    </p:set>
+                                  </p:childTnLst>
+                                </p:cTn>
+                              </p:par>
+                              <p:par>
+                                <p:cTn id="15" presetID="1" presetClass="entr" presetSubtype="0" fill="hold" nodeType="withEffect">
+                                  <p:stCondLst>
+                                    <p:cond delay="0"/>
+                                  </p:stCondLst>
+                                  <p:childTnLst>
+                                    <p:set>
+                                      <p:cBhvr>
+                                        <p:cTn id="16" dur="1" fill="hold">
+                                          <p:stCondLst>
+                                            <p:cond delay="0"/>
+                                          </p:stCondLst>
+                                        </p:cTn>
+                                        <p:tgtEl>
+                                          <p:spTgt spid="20483">
+                                            <p:txEl>
+                                              <p:pRg st="8" end="8"/>
+                                            </p:txEl>
+                                          </p:spTgt>
+                                        </p:tgtEl>
+                                        <p:attrNameLst>
+                                          <p:attrName>style.visibility</p:attrName>
+                                        </p:attrNameLst>
+                                      </p:cBhvr>
+                                      <p:to>
+                                        <p:strVal val="visible"/>
+                                      </p:to>
+                                    </p:set>
+                                  </p:childTnLst>
+                                </p:cTn>
+                              </p:par>
+                            </p:childTnLst>
+                          </p:cTn>
+                        </p:par>
+                      </p:childTnLst>
+                    </p:cTn>
+                  </p:par>
+                </p:childTnLst>
+              </p:cTn>
+              <p:prevCondLst>
+                <p:cond evt="onPrev" delay="0">
+                  <p:tgtEl>
+                    <p:sldTgt/>
+                  </p:tgtEl>
+                </p:cond>
+              </p:prevCondLst>
+              <p:nextCondLst>
+                <p:cond evt="onNext" delay="0">
+                  <p:tgtEl>
+                    <p:sldTgt/>
+                  </p:tgtEl>
+                </p:cond>
+              </p:nextCondLst>
+            </p:seq>
+          </p:childTnLst>
+        </p:cTn>
+      </p:par>
+    </p:tnLst>
+  </p:timing>
 </p:sld>
 </file>
 
@@ -9068,6 +9781,183 @@
     <a:masterClrMapping/>
   </p:clrMapOvr>
   <p:transition/>
+  <p:timing>
+    <p:tnLst>
+      <p:par>
+        <p:cTn id="1" dur="indefinite" restart="never" nodeType="tmRoot">
+          <p:childTnLst>
+            <p:seq concurrent="1" nextAc="seek">
+              <p:cTn id="2" dur="indefinite" nodeType="mainSeq">
+                <p:childTnLst>
+                  <p:par>
+                    <p:cTn id="3" fill="hold">
+                      <p:stCondLst>
+                        <p:cond delay="indefinite"/>
+                      </p:stCondLst>
+                      <p:childTnLst>
+                        <p:par>
+                          <p:cTn id="4" fill="hold">
+                            <p:stCondLst>
+                              <p:cond delay="0"/>
+                            </p:stCondLst>
+                            <p:childTnLst>
+                              <p:par>
+                                <p:cTn id="5" presetID="1" presetClass="entr" presetSubtype="0" fill="hold" nodeType="clickEffect">
+                                  <p:stCondLst>
+                                    <p:cond delay="0"/>
+                                  </p:stCondLst>
+                                  <p:childTnLst>
+                                    <p:set>
+                                      <p:cBhvr>
+                                        <p:cTn id="6" dur="1" fill="hold">
+                                          <p:stCondLst>
+                                            <p:cond delay="0"/>
+                                          </p:stCondLst>
+                                        </p:cTn>
+                                        <p:tgtEl>
+                                          <p:spTgt spid="20483">
+                                            <p:txEl>
+                                              <p:pRg st="3" end="3"/>
+                                            </p:txEl>
+                                          </p:spTgt>
+                                        </p:tgtEl>
+                                        <p:attrNameLst>
+                                          <p:attrName>style.visibility</p:attrName>
+                                        </p:attrNameLst>
+                                      </p:cBhvr>
+                                      <p:to>
+                                        <p:strVal val="visible"/>
+                                      </p:to>
+                                    </p:set>
+                                  </p:childTnLst>
+                                </p:cTn>
+                              </p:par>
+                            </p:childTnLst>
+                          </p:cTn>
+                        </p:par>
+                      </p:childTnLst>
+                    </p:cTn>
+                  </p:par>
+                  <p:par>
+                    <p:cTn id="7" fill="hold">
+                      <p:stCondLst>
+                        <p:cond delay="indefinite"/>
+                      </p:stCondLst>
+                      <p:childTnLst>
+                        <p:par>
+                          <p:cTn id="8" fill="hold">
+                            <p:stCondLst>
+                              <p:cond delay="0"/>
+                            </p:stCondLst>
+                            <p:childTnLst>
+                              <p:par>
+                                <p:cTn id="9" presetID="1" presetClass="entr" presetSubtype="0" fill="hold" nodeType="clickEffect">
+                                  <p:stCondLst>
+                                    <p:cond delay="0"/>
+                                  </p:stCondLst>
+                                  <p:childTnLst>
+                                    <p:set>
+                                      <p:cBhvr>
+                                        <p:cTn id="10" dur="1" fill="hold">
+                                          <p:stCondLst>
+                                            <p:cond delay="0"/>
+                                          </p:stCondLst>
+                                        </p:cTn>
+                                        <p:tgtEl>
+                                          <p:spTgt spid="20483">
+                                            <p:txEl>
+                                              <p:pRg st="5" end="5"/>
+                                            </p:txEl>
+                                          </p:spTgt>
+                                        </p:tgtEl>
+                                        <p:attrNameLst>
+                                          <p:attrName>style.visibility</p:attrName>
+                                        </p:attrNameLst>
+                                      </p:cBhvr>
+                                      <p:to>
+                                        <p:strVal val="visible"/>
+                                      </p:to>
+                                    </p:set>
+                                  </p:childTnLst>
+                                </p:cTn>
+                              </p:par>
+                            </p:childTnLst>
+                          </p:cTn>
+                        </p:par>
+                      </p:childTnLst>
+                    </p:cTn>
+                  </p:par>
+                  <p:par>
+                    <p:cTn id="11" fill="hold">
+                      <p:stCondLst>
+                        <p:cond delay="indefinite"/>
+                      </p:stCondLst>
+                      <p:childTnLst>
+                        <p:par>
+                          <p:cTn id="12" fill="hold">
+                            <p:stCondLst>
+                              <p:cond delay="0"/>
+                            </p:stCondLst>
+                            <p:childTnLst>
+                              <p:par>
+                                <p:cTn id="13" presetID="1" presetClass="entr" presetSubtype="0" fill="hold" nodeType="clickEffect">
+                                  <p:stCondLst>
+                                    <p:cond delay="0"/>
+                                  </p:stCondLst>
+                                  <p:childTnLst>
+                                    <p:set>
+                                      <p:cBhvr>
+                                        <p:cTn id="14" dur="1" fill="hold">
+                                          <p:stCondLst>
+                                            <p:cond delay="0"/>
+                                          </p:stCondLst>
+                                        </p:cTn>
+                                        <p:tgtEl>
+                                          <p:spTgt spid="20483">
+                                            <p:txEl>
+                                              <p:pRg st="7" end="7"/>
+                                            </p:txEl>
+                                          </p:spTgt>
+                                        </p:tgtEl>
+                                        <p:attrNameLst>
+                                          <p:attrName>style.visibility</p:attrName>
+                                        </p:attrNameLst>
+                                      </p:cBhvr>
+                                      <p:to>
+                                        <p:strVal val="visible"/>
+                                      </p:to>
+                                    </p:set>
+                                  </p:childTnLst>
+                                </p:cTn>
+                              </p:par>
+                            </p:childTnLst>
+                          </p:cTn>
+                        </p:par>
+                      </p:childTnLst>
+                    </p:cTn>
+                  </p:par>
+                </p:childTnLst>
+              </p:cTn>
+              <p:prevCondLst>
+                <p:cond evt="onPrev" delay="0">
+                  <p:tgtEl>
+                    <p:sldTgt/>
+                  </p:tgtEl>
+                </p:cond>
+              </p:prevCondLst>
+              <p:nextCondLst>
+                <p:cond evt="onNext" delay="0">
+                  <p:tgtEl>
+                    <p:sldTgt/>
+                  </p:tgtEl>
+                </p:cond>
+              </p:nextCondLst>
+            </p:seq>
+          </p:childTnLst>
+        </p:cTn>
+      </p:par>
+    </p:tnLst>
+  </p:timing>
 </p:sld>
 </file>
 
@@ -9662,6 +10552,134 @@
     <a:masterClrMapping/>
   </p:clrMapOvr>
   <p:transition/>
+  <p:timing>
+    <p:tnLst>
+      <p:par>
+        <p:cTn id="1" dur="indefinite" restart="never" nodeType="tmRoot">
+          <p:childTnLst>
+            <p:seq concurrent="1" nextAc="seek">
+              <p:cTn id="2" dur="indefinite" nodeType="mainSeq">
+                <p:childTnLst>
+                  <p:par>
+                    <p:cTn id="3" fill="hold">
+                      <p:stCondLst>
+                        <p:cond delay="indefinite"/>
+                      </p:stCondLst>
+                      <p:childTnLst>
+                        <p:par>
+                          <p:cTn id="4" fill="hold">
+                            <p:stCondLst>
+                              <p:cond delay="0"/>
+                            </p:stCondLst>
+                            <p:childTnLst>
+                              <p:par>
+                                <p:cTn id="5" presetID="1" presetClass="entr" presetSubtype="0" fill="hold" nodeType="clickEffect">
+                                  <p:stCondLst>
+                                    <p:cond delay="0"/>
+                                  </p:stCondLst>
+                                  <p:childTnLst>
+                                    <p:set>
+                                      <p:cBhvr>
+                                        <p:cTn id="6" dur="1" fill="hold">
+                                          <p:stCondLst>
+                                            <p:cond delay="0"/>
+                                          </p:stCondLst>
+                                        </p:cTn>
+                                        <p:tgtEl>
+                                          <p:spTgt spid="20483">
+                                            <p:txEl>
+                                              <p:pRg st="3" end="3"/>
+                                            </p:txEl>
+                                          </p:spTgt>
+                                        </p:tgtEl>
+                                        <p:attrNameLst>
+                                          <p:attrName>style.visibility</p:attrName>
+                                        </p:attrNameLst>
+                                      </p:cBhvr>
+                                      <p:to>
+                                        <p:strVal val="visible"/>
+                                      </p:to>
+                                    </p:set>
+                                  </p:childTnLst>
+                                </p:cTn>
+                              </p:par>
+                            </p:childTnLst>
+                          </p:cTn>
+                        </p:par>
+                      </p:childTnLst>
+                    </p:cTn>
+                  </p:par>
+                  <p:par>
+                    <p:cTn id="7" fill="hold">
+                      <p:stCondLst>
+                        <p:cond delay="indefinite"/>
+                      </p:stCondLst>
+                      <p:childTnLst>
+                        <p:par>
+                          <p:cTn id="8" fill="hold">
+                            <p:stCondLst>
+                              <p:cond delay="0"/>
+                            </p:stCondLst>
+                            <p:childTnLst>
+                              <p:par>
+                                <p:cTn id="9" presetID="1" presetClass="entr" presetSubtype="0" fill="hold" nodeType="clickEffect">
+                                  <p:stCondLst>
+                                    <p:cond delay="0"/>
+                                  </p:stCondLst>
+                                  <p:childTnLst>
+                                    <p:set>
+                                      <p:cBhvr>
+                                        <p:cTn id="10" dur="1" fill="hold">
+                                          <p:stCondLst>
+                                            <p:cond delay="0"/>
+                                          </p:stCondLst>
+                                        </p:cTn>
+                                        <p:tgtEl>
+                                          <p:spTgt spid="20483">
+                                            <p:txEl>
+                                              <p:pRg st="5" end="5"/>
+                                            </p:txEl>
+                                          </p:spTgt>
+                                        </p:tgtEl>
+                                        <p:attrNameLst>
+                                          <p:attrName>style.visibility</p:attrName>
+                                        </p:attrNameLst>
+                                      </p:cBhvr>
+                                      <p:to>
+                                        <p:strVal val="visible"/>
+                                      </p:to>
+                                    </p:set>
+                                  </p:childTnLst>
+                                </p:cTn>
+                              </p:par>
+                            </p:childTnLst>
+                          </p:cTn>
+                        </p:par>
+                      </p:childTnLst>
+                    </p:cTn>
+                  </p:par>
+                </p:childTnLst>
+              </p:cTn>
+              <p:prevCondLst>
+                <p:cond evt="onPrev" delay="0">
+                  <p:tgtEl>
+                    <p:sldTgt/>
+                  </p:tgtEl>
+                </p:cond>
+              </p:prevCondLst>
+              <p:nextCondLst>
+                <p:cond evt="onNext" delay="0">
+                  <p:tgtEl>
+                    <p:sldTgt/>
+                  </p:tgtEl>
+                </p:cond>
+              </p:nextCondLst>
+            </p:seq>
+          </p:childTnLst>
+        </p:cTn>
+      </p:par>
+    </p:tnLst>
+  </p:timing>
 </p:sld>
 </file>
 
@@ -9860,7 +10878,7 @@
                 <a:ea typeface="Tahoma" panose="020B0604030504040204" pitchFamily="34" charset="0"/>
                 <a:cs typeface="Tahoma" panose="020B0604030504040204" pitchFamily="34" charset="0"/>
               </a:rPr>
-              <a:t>Then, if a user presses a key, change the velocity component according to which key was pressed. </a:t>
+              <a:t>Then, if a user presses a key, change the velocity component according to which key was pressed. If a key is released, reset the velocity in that direction to 0. </a:t>
             </a:r>
           </a:p>
           <a:p>
@@ -9868,14 +10886,11 @@
               <a:buNone/>
               <a:defRPr/>
             </a:pPr>
-            <a:r>
-              <a:rPr lang="en-US" sz="2000" dirty="0">
-                <a:latin typeface="Tahoma" panose="020B0604030504040204" pitchFamily="34" charset="0"/>
-                <a:ea typeface="Tahoma" panose="020B0604030504040204" pitchFamily="34" charset="0"/>
-                <a:cs typeface="Tahoma" panose="020B0604030504040204" pitchFamily="34" charset="0"/>
-              </a:rPr>
-              <a:t>If a key is released, reset the velocity in that direction to 0. </a:t>
-            </a:r>
+            <a:endParaRPr lang="en-US" sz="2000" dirty="0">
+              <a:latin typeface="Tahoma" panose="020B0604030504040204" pitchFamily="34" charset="0"/>
+              <a:ea typeface="Tahoma" panose="020B0604030504040204" pitchFamily="34" charset="0"/>
+              <a:cs typeface="Tahoma" panose="020B0604030504040204" pitchFamily="34" charset="0"/>
+            </a:endParaRPr>
           </a:p>
           <a:p>
             <a:pPr marL="0" indent="0">
@@ -10071,50 +11086,10 @@
       </p:grpSpPr>
       <p:sp>
         <p:nvSpPr>
-          <p:cNvPr id="20482" name="Rectangle 2">
+          <p:cNvPr id="20483" name="Rectangle 3">
             <a:extLst>
               <a:ext uri="{FF2B5EF4-FFF2-40B4-BE49-F238E27FC236}">
-                <a16:creationId xmlns:a16="http://schemas.microsoft.com/office/drawing/2014/main" id="{715B9C82-A852-1148-8BDF-9817DF71C5AF}"/>
-              </a:ext>
-            </a:extLst>
-          </p:cNvPr>
-          <p:cNvSpPr>
-            <a:spLocks noGrp="1" noChangeArrowheads="1"/>
-          </p:cNvSpPr>
-          <p:nvPr>
-            <p:ph type="title" idx="4294967295"/>
-          </p:nvPr>
-        </p:nvSpPr>
-        <p:spPr>
-          <a:xfrm>
-            <a:off x="1944694" y="520092"/>
-            <a:ext cx="6683765" cy="549756"/>
-          </a:xfrm>
-        </p:spPr>
-        <p:txBody>
-          <a:bodyPr vert="horz" lIns="0" tIns="45720" rIns="0" bIns="0" rtlCol="0" anchor="b">
-            <a:normAutofit/>
-          </a:bodyPr>
-          <a:lstStyle/>
-          <a:p>
-            <a:pPr eaLnBrk="1" hangingPunct="1">
-              <a:defRPr/>
-            </a:pPr>
-            <a:r>
-              <a:rPr lang="en-US" dirty="0">
-                <a:latin typeface="Century Gothic" panose="020B0502020202020204" pitchFamily="34" charset="0"/>
-              </a:rPr>
-              <a:t>Things to Try</a:t>
-            </a:r>
-          </a:p>
-        </p:txBody>
-      </p:sp>
-      <p:sp>
-        <p:nvSpPr>
-          <p:cNvPr id="39938" name="Rectangle 3">
-            <a:extLst>
-              <a:ext uri="{FF2B5EF4-FFF2-40B4-BE49-F238E27FC236}">
-                <a16:creationId xmlns:a16="http://schemas.microsoft.com/office/drawing/2014/main" id="{8B30D4E8-B5FD-A64F-B15C-85F2EA90B3F7}"/>
+                <a16:creationId xmlns:a16="http://schemas.microsoft.com/office/drawing/2014/main" id="{A8F31A66-1B3E-984C-AD67-E6CB9676BCA4}"/>
               </a:ext>
             </a:extLst>
           </p:cNvPr>
@@ -10127,34 +11102,376 @@
         </p:nvSpPr>
         <p:spPr>
           <a:xfrm>
-            <a:off x="1941909" y="1170432"/>
-            <a:ext cx="6686550" cy="3846068"/>
+            <a:off x="1430338" y="652463"/>
+            <a:ext cx="7713662" cy="5062537"/>
           </a:xfrm>
         </p:spPr>
         <p:txBody>
           <a:bodyPr>
-            <a:normAutofit/>
+            <a:noAutofit/>
           </a:bodyPr>
           <a:lstStyle/>
           <a:p>
             <a:pPr marL="0" indent="0">
               <a:buNone/>
+              <a:defRPr/>
             </a:pPr>
-            <a:endParaRPr lang="en-US" altLang="en-US" sz="1600" dirty="0">
-              <a:solidFill>
-                <a:schemeClr val="tx2"/>
-              </a:solidFill>
-              <a:ea typeface="ＭＳ Ｐゴシック" panose="020B0600070205080204" pitchFamily="34" charset="-128"/>
-            </a:endParaRPr>
+            <a:r>
+              <a:rPr lang="en-US" sz="1700" b="1" dirty="0">
+                <a:latin typeface="Courier New" panose="02070309020205020404" pitchFamily="49" charset="0"/>
+                <a:ea typeface="Tahoma" panose="020B0604030504040204" pitchFamily="34" charset="0"/>
+                <a:cs typeface="Courier New" panose="02070309020205020404" pitchFamily="49" charset="0"/>
+              </a:rPr>
+              <a:t>…</a:t>
+            </a:r>
           </a:p>
           <a:p>
             <a:pPr marL="0" indent="0">
               <a:buNone/>
+              <a:defRPr/>
             </a:pPr>
-            <a:endParaRPr lang="en-US" altLang="en-US" sz="1600" dirty="0">
-              <a:solidFill>
-                <a:schemeClr val="tx1"/>
-              </a:solidFill>
+            <a:r>
+              <a:rPr lang="en-US" sz="1700" b="1" dirty="0">
+                <a:latin typeface="Courier New" panose="02070309020205020404" pitchFamily="49" charset="0"/>
+                <a:ea typeface="Tahoma" panose="020B0604030504040204" pitchFamily="34" charset="0"/>
+                <a:cs typeface="Courier New" panose="02070309020205020404" pitchFamily="49" charset="0"/>
+              </a:rPr>
+              <a:t>void draw(){</a:t>
+            </a:r>
+          </a:p>
+          <a:p>
+            <a:pPr marL="0" indent="0">
+              <a:buNone/>
+              <a:defRPr/>
+            </a:pPr>
+            <a:r>
+              <a:rPr lang="en-US" sz="1700" b="1" dirty="0" err="1">
+                <a:latin typeface="Courier New" panose="02070309020205020404" pitchFamily="49" charset="0"/>
+                <a:ea typeface="Tahoma" panose="020B0604030504040204" pitchFamily="34" charset="0"/>
+                <a:cs typeface="Courier New" panose="02070309020205020404" pitchFamily="49" charset="0"/>
+              </a:rPr>
+              <a:t>center_x</a:t>
+            </a:r>
+            <a:r>
+              <a:rPr lang="en-US" sz="1700" b="1" dirty="0">
+                <a:latin typeface="Courier New" panose="02070309020205020404" pitchFamily="49" charset="0"/>
+                <a:ea typeface="Tahoma" panose="020B0604030504040204" pitchFamily="34" charset="0"/>
+                <a:cs typeface="Courier New" panose="02070309020205020404" pitchFamily="49" charset="0"/>
+              </a:rPr>
+              <a:t> += </a:t>
+            </a:r>
+            <a:r>
+              <a:rPr lang="en-US" sz="1700" b="1" dirty="0" err="1">
+                <a:latin typeface="Courier New" panose="02070309020205020404" pitchFamily="49" charset="0"/>
+                <a:ea typeface="Tahoma" panose="020B0604030504040204" pitchFamily="34" charset="0"/>
+                <a:cs typeface="Courier New" panose="02070309020205020404" pitchFamily="49" charset="0"/>
+              </a:rPr>
+              <a:t>change_x</a:t>
+            </a:r>
+            <a:r>
+              <a:rPr lang="en-US" sz="1700" b="1" dirty="0">
+                <a:latin typeface="Courier New" panose="02070309020205020404" pitchFamily="49" charset="0"/>
+                <a:ea typeface="Tahoma" panose="020B0604030504040204" pitchFamily="34" charset="0"/>
+                <a:cs typeface="Courier New" panose="02070309020205020404" pitchFamily="49" charset="0"/>
+              </a:rPr>
+              <a:t>;</a:t>
+            </a:r>
+          </a:p>
+          <a:p>
+            <a:pPr marL="0" indent="0">
+              <a:buNone/>
+              <a:defRPr/>
+            </a:pPr>
+            <a:r>
+              <a:rPr lang="en-US" sz="1700" b="1" dirty="0" err="1">
+                <a:latin typeface="Courier New" panose="02070309020205020404" pitchFamily="49" charset="0"/>
+                <a:ea typeface="Tahoma" panose="020B0604030504040204" pitchFamily="34" charset="0"/>
+                <a:cs typeface="Courier New" panose="02070309020205020404" pitchFamily="49" charset="0"/>
+              </a:rPr>
+              <a:t>center_y</a:t>
+            </a:r>
+            <a:r>
+              <a:rPr lang="en-US" sz="1700" b="1" dirty="0">
+                <a:latin typeface="Courier New" panose="02070309020205020404" pitchFamily="49" charset="0"/>
+                <a:ea typeface="Tahoma" panose="020B0604030504040204" pitchFamily="34" charset="0"/>
+                <a:cs typeface="Courier New" panose="02070309020205020404" pitchFamily="49" charset="0"/>
+              </a:rPr>
+              <a:t> += </a:t>
+            </a:r>
+            <a:r>
+              <a:rPr lang="en-US" sz="1700" b="1" dirty="0" err="1">
+                <a:latin typeface="Courier New" panose="02070309020205020404" pitchFamily="49" charset="0"/>
+                <a:ea typeface="Tahoma" panose="020B0604030504040204" pitchFamily="34" charset="0"/>
+                <a:cs typeface="Courier New" panose="02070309020205020404" pitchFamily="49" charset="0"/>
+              </a:rPr>
+              <a:t>change_y</a:t>
+            </a:r>
+            <a:r>
+              <a:rPr lang="en-US" sz="1700" b="1" dirty="0">
+                <a:latin typeface="Courier New" panose="02070309020205020404" pitchFamily="49" charset="0"/>
+                <a:ea typeface="Tahoma" panose="020B0604030504040204" pitchFamily="34" charset="0"/>
+                <a:cs typeface="Courier New" panose="02070309020205020404" pitchFamily="49" charset="0"/>
+              </a:rPr>
+              <a:t>;</a:t>
+            </a:r>
+          </a:p>
+          <a:p>
+            <a:pPr marL="0" indent="0">
+              <a:buNone/>
+              <a:defRPr/>
+            </a:pPr>
+            <a:r>
+              <a:rPr lang="en-US" sz="1700" b="1" dirty="0">
+                <a:latin typeface="Courier New" panose="02070309020205020404" pitchFamily="49" charset="0"/>
+                <a:ea typeface="Tahoma" panose="020B0604030504040204" pitchFamily="34" charset="0"/>
+                <a:cs typeface="Courier New" panose="02070309020205020404" pitchFamily="49" charset="0"/>
+              </a:rPr>
+              <a:t>}</a:t>
+            </a:r>
+          </a:p>
+          <a:p>
+            <a:pPr marL="0" indent="0">
+              <a:buNone/>
+              <a:defRPr/>
+            </a:pPr>
+            <a:r>
+              <a:rPr lang="en-US" sz="1700" b="1" dirty="0">
+                <a:latin typeface="Courier New" panose="02070309020205020404" pitchFamily="49" charset="0"/>
+                <a:ea typeface="Tahoma" panose="020B0604030504040204" pitchFamily="34" charset="0"/>
+                <a:cs typeface="Courier New" panose="02070309020205020404" pitchFamily="49" charset="0"/>
+              </a:rPr>
+              <a:t>void </a:t>
+            </a:r>
+            <a:r>
+              <a:rPr lang="en-US" sz="1700" b="1" dirty="0" err="1">
+                <a:latin typeface="Courier New" panose="02070309020205020404" pitchFamily="49" charset="0"/>
+                <a:ea typeface="Tahoma" panose="020B0604030504040204" pitchFamily="34" charset="0"/>
+                <a:cs typeface="Courier New" panose="02070309020205020404" pitchFamily="49" charset="0"/>
+              </a:rPr>
+              <a:t>keyPressed</a:t>
+            </a:r>
+            <a:r>
+              <a:rPr lang="en-US" sz="1700" b="1" dirty="0">
+                <a:latin typeface="Courier New" panose="02070309020205020404" pitchFamily="49" charset="0"/>
+                <a:ea typeface="Tahoma" panose="020B0604030504040204" pitchFamily="34" charset="0"/>
+                <a:cs typeface="Courier New" panose="02070309020205020404" pitchFamily="49" charset="0"/>
+              </a:rPr>
+              <a:t>(){</a:t>
+            </a:r>
+          </a:p>
+          <a:p>
+            <a:pPr marL="0" indent="0">
+              <a:buNone/>
+              <a:defRPr/>
+            </a:pPr>
+            <a:r>
+              <a:rPr lang="en-US" sz="1700" b="1" dirty="0">
+                <a:latin typeface="Courier New" panose="02070309020205020404" pitchFamily="49" charset="0"/>
+                <a:ea typeface="Tahoma" panose="020B0604030504040204" pitchFamily="34" charset="0"/>
+                <a:cs typeface="Courier New" panose="02070309020205020404" pitchFamily="49" charset="0"/>
+              </a:rPr>
+              <a:t>	if(</a:t>
+            </a:r>
+            <a:r>
+              <a:rPr lang="en-US" sz="1700" b="1" dirty="0" err="1">
+                <a:latin typeface="Courier New" panose="02070309020205020404" pitchFamily="49" charset="0"/>
+                <a:ea typeface="Tahoma" panose="020B0604030504040204" pitchFamily="34" charset="0"/>
+                <a:cs typeface="Courier New" panose="02070309020205020404" pitchFamily="49" charset="0"/>
+              </a:rPr>
+              <a:t>keyCode</a:t>
+            </a:r>
+            <a:r>
+              <a:rPr lang="en-US" sz="1700" b="1" dirty="0">
+                <a:latin typeface="Courier New" panose="02070309020205020404" pitchFamily="49" charset="0"/>
+                <a:ea typeface="Tahoma" panose="020B0604030504040204" pitchFamily="34" charset="0"/>
+                <a:cs typeface="Courier New" panose="02070309020205020404" pitchFamily="49" charset="0"/>
+              </a:rPr>
+              <a:t> == RIGHT)</a:t>
+            </a:r>
+          </a:p>
+          <a:p>
+            <a:pPr marL="0" indent="0">
+              <a:buNone/>
+              <a:defRPr/>
+            </a:pPr>
+            <a:r>
+              <a:rPr lang="en-US" sz="1700" b="1" dirty="0">
+                <a:latin typeface="Courier New" panose="02070309020205020404" pitchFamily="49" charset="0"/>
+                <a:ea typeface="Tahoma" panose="020B0604030504040204" pitchFamily="34" charset="0"/>
+                <a:cs typeface="Courier New" panose="02070309020205020404" pitchFamily="49" charset="0"/>
+              </a:rPr>
+              <a:t>		</a:t>
+            </a:r>
+            <a:r>
+              <a:rPr lang="en-US" sz="1700" b="1" dirty="0" err="1">
+                <a:latin typeface="Courier New" panose="02070309020205020404" pitchFamily="49" charset="0"/>
+                <a:ea typeface="Tahoma" panose="020B0604030504040204" pitchFamily="34" charset="0"/>
+                <a:cs typeface="Courier New" panose="02070309020205020404" pitchFamily="49" charset="0"/>
+              </a:rPr>
+              <a:t>change_x</a:t>
+            </a:r>
+            <a:r>
+              <a:rPr lang="en-US" sz="1700" b="1" dirty="0">
+                <a:latin typeface="Courier New" panose="02070309020205020404" pitchFamily="49" charset="0"/>
+                <a:ea typeface="Tahoma" panose="020B0604030504040204" pitchFamily="34" charset="0"/>
+                <a:cs typeface="Courier New" panose="02070309020205020404" pitchFamily="49" charset="0"/>
+              </a:rPr>
+              <a:t> = 5;</a:t>
+            </a:r>
+          </a:p>
+          <a:p>
+            <a:pPr marL="0" indent="0">
+              <a:buNone/>
+              <a:defRPr/>
+            </a:pPr>
+            <a:r>
+              <a:rPr lang="en-US" sz="1700" b="1" dirty="0">
+                <a:latin typeface="Courier New" panose="02070309020205020404" pitchFamily="49" charset="0"/>
+                <a:ea typeface="Tahoma" panose="020B0604030504040204" pitchFamily="34" charset="0"/>
+                <a:cs typeface="Courier New" panose="02070309020205020404" pitchFamily="49" charset="0"/>
+              </a:rPr>
+              <a:t>	…</a:t>
+            </a:r>
+          </a:p>
+          <a:p>
+            <a:pPr marL="0" indent="0">
+              <a:buNone/>
+              <a:defRPr/>
+            </a:pPr>
+            <a:r>
+              <a:rPr lang="en-US" sz="1700" b="1" dirty="0">
+                <a:latin typeface="Courier New" panose="02070309020205020404" pitchFamily="49" charset="0"/>
+                <a:ea typeface="Tahoma" panose="020B0604030504040204" pitchFamily="34" charset="0"/>
+                <a:cs typeface="Courier New" panose="02070309020205020404" pitchFamily="49" charset="0"/>
+              </a:rPr>
+              <a:t>}</a:t>
+            </a:r>
+          </a:p>
+          <a:p>
+            <a:pPr marL="0" indent="0">
+              <a:buNone/>
+              <a:defRPr/>
+            </a:pPr>
+            <a:r>
+              <a:rPr lang="en-US" sz="1700" b="1" dirty="0">
+                <a:latin typeface="Courier New" panose="02070309020205020404" pitchFamily="49" charset="0"/>
+                <a:ea typeface="Tahoma" panose="020B0604030504040204" pitchFamily="34" charset="0"/>
+                <a:cs typeface="Courier New" panose="02070309020205020404" pitchFamily="49" charset="0"/>
+              </a:rPr>
+              <a:t>void </a:t>
+            </a:r>
+            <a:r>
+              <a:rPr lang="en-US" sz="1700" b="1" dirty="0" err="1">
+                <a:latin typeface="Courier New" panose="02070309020205020404" pitchFamily="49" charset="0"/>
+                <a:ea typeface="Tahoma" panose="020B0604030504040204" pitchFamily="34" charset="0"/>
+                <a:cs typeface="Courier New" panose="02070309020205020404" pitchFamily="49" charset="0"/>
+              </a:rPr>
+              <a:t>keyReleased</a:t>
+            </a:r>
+            <a:r>
+              <a:rPr lang="en-US" sz="1700" b="1" dirty="0">
+                <a:latin typeface="Courier New" panose="02070309020205020404" pitchFamily="49" charset="0"/>
+                <a:ea typeface="Tahoma" panose="020B0604030504040204" pitchFamily="34" charset="0"/>
+                <a:cs typeface="Courier New" panose="02070309020205020404" pitchFamily="49" charset="0"/>
+              </a:rPr>
+              <a:t>(){</a:t>
+            </a:r>
+          </a:p>
+          <a:p>
+            <a:pPr marL="0" indent="0">
+              <a:buNone/>
+              <a:defRPr/>
+            </a:pPr>
+            <a:r>
+              <a:rPr lang="en-US" sz="1700" b="1" dirty="0">
+                <a:latin typeface="Courier New" panose="02070309020205020404" pitchFamily="49" charset="0"/>
+                <a:ea typeface="Tahoma" panose="020B0604030504040204" pitchFamily="34" charset="0"/>
+                <a:cs typeface="Courier New" panose="02070309020205020404" pitchFamily="49" charset="0"/>
+              </a:rPr>
+              <a:t>	if(</a:t>
+            </a:r>
+            <a:r>
+              <a:rPr lang="en-US" sz="1700" b="1" dirty="0" err="1">
+                <a:latin typeface="Courier New" panose="02070309020205020404" pitchFamily="49" charset="0"/>
+                <a:ea typeface="Tahoma" panose="020B0604030504040204" pitchFamily="34" charset="0"/>
+                <a:cs typeface="Courier New" panose="02070309020205020404" pitchFamily="49" charset="0"/>
+              </a:rPr>
+              <a:t>keyCode</a:t>
+            </a:r>
+            <a:r>
+              <a:rPr lang="en-US" sz="1700" b="1" dirty="0">
+                <a:latin typeface="Courier New" panose="02070309020205020404" pitchFamily="49" charset="0"/>
+                <a:ea typeface="Tahoma" panose="020B0604030504040204" pitchFamily="34" charset="0"/>
+                <a:cs typeface="Courier New" panose="02070309020205020404" pitchFamily="49" charset="0"/>
+              </a:rPr>
+              <a:t> == RIGHT)</a:t>
+            </a:r>
+          </a:p>
+          <a:p>
+            <a:pPr marL="0" indent="0">
+              <a:buNone/>
+              <a:defRPr/>
+            </a:pPr>
+            <a:r>
+              <a:rPr lang="en-US" sz="1700" b="1" dirty="0">
+                <a:latin typeface="Courier New" panose="02070309020205020404" pitchFamily="49" charset="0"/>
+                <a:ea typeface="Tahoma" panose="020B0604030504040204" pitchFamily="34" charset="0"/>
+                <a:cs typeface="Courier New" panose="02070309020205020404" pitchFamily="49" charset="0"/>
+              </a:rPr>
+              <a:t>		</a:t>
+            </a:r>
+            <a:r>
+              <a:rPr lang="en-US" sz="1700" b="1" dirty="0" err="1">
+                <a:latin typeface="Courier New" panose="02070309020205020404" pitchFamily="49" charset="0"/>
+                <a:ea typeface="Tahoma" panose="020B0604030504040204" pitchFamily="34" charset="0"/>
+                <a:cs typeface="Courier New" panose="02070309020205020404" pitchFamily="49" charset="0"/>
+              </a:rPr>
+              <a:t>change_x</a:t>
+            </a:r>
+            <a:r>
+              <a:rPr lang="en-US" sz="1700" b="1" dirty="0">
+                <a:latin typeface="Courier New" panose="02070309020205020404" pitchFamily="49" charset="0"/>
+                <a:ea typeface="Tahoma" panose="020B0604030504040204" pitchFamily="34" charset="0"/>
+                <a:cs typeface="Courier New" panose="02070309020205020404" pitchFamily="49" charset="0"/>
+              </a:rPr>
+              <a:t> = 0;</a:t>
+            </a:r>
+          </a:p>
+          <a:p>
+            <a:pPr marL="0" indent="0">
+              <a:buNone/>
+              <a:defRPr/>
+            </a:pPr>
+            <a:r>
+              <a:rPr lang="en-US" sz="1700" b="1" dirty="0">
+                <a:latin typeface="Courier New" panose="02070309020205020404" pitchFamily="49" charset="0"/>
+                <a:ea typeface="Tahoma" panose="020B0604030504040204" pitchFamily="34" charset="0"/>
+                <a:cs typeface="Courier New" panose="02070309020205020404" pitchFamily="49" charset="0"/>
+              </a:rPr>
+              <a:t>}</a:t>
+            </a:r>
+          </a:p>
+          <a:p>
+            <a:pPr marL="0" indent="0">
+              <a:buNone/>
+              <a:defRPr/>
+            </a:pPr>
+            <a:r>
+              <a:rPr lang="en-US" sz="1700" b="1" dirty="0">
+                <a:latin typeface="Tahoma" panose="020B0604030504040204" pitchFamily="34" charset="0"/>
+                <a:ea typeface="Tahoma" panose="020B0604030504040204" pitchFamily="34" charset="0"/>
+                <a:cs typeface="Tahoma" panose="020B0604030504040204" pitchFamily="34" charset="0"/>
+              </a:rPr>
+              <a:t> </a:t>
+            </a:r>
+            <a:br>
+              <a:rPr lang="en-US" sz="1700" b="1" dirty="0">
+                <a:latin typeface="Tahoma" panose="020B0604030504040204" pitchFamily="34" charset="0"/>
+                <a:ea typeface="Tahoma" panose="020B0604030504040204" pitchFamily="34" charset="0"/>
+                <a:cs typeface="Tahoma" panose="020B0604030504040204" pitchFamily="34" charset="0"/>
+              </a:rPr>
+            </a:br>
+            <a:endParaRPr lang="en-US" sz="1700" b="1" dirty="0">
               <a:latin typeface="Tahoma" panose="020B0604030504040204" pitchFamily="34" charset="0"/>
               <a:ea typeface="Tahoma" panose="020B0604030504040204" pitchFamily="34" charset="0"/>
               <a:cs typeface="Tahoma" panose="020B0604030504040204" pitchFamily="34" charset="0"/>
@@ -10163,81 +11480,123 @@
           <a:p>
             <a:pPr marL="0" indent="0">
               <a:buNone/>
+              <a:defRPr/>
             </a:pPr>
-            <a:endParaRPr lang="en-US" altLang="en-US" sz="1600" dirty="0">
-              <a:solidFill>
-                <a:schemeClr val="tx1"/>
-              </a:solidFill>
+            <a:endParaRPr lang="en-US" sz="1700" b="1" dirty="0">
               <a:latin typeface="Tahoma" panose="020B0604030504040204" pitchFamily="34" charset="0"/>
               <a:ea typeface="Tahoma" panose="020B0604030504040204" pitchFamily="34" charset="0"/>
               <a:cs typeface="Tahoma" panose="020B0604030504040204" pitchFamily="34" charset="0"/>
             </a:endParaRPr>
           </a:p>
-          <a:p>
-            <a:pPr marL="0" indent="0">
-              <a:buNone/>
+        </p:txBody>
+      </p:sp>
+      <p:sp>
+        <p:nvSpPr>
+          <p:cNvPr id="4" name="Title 1">
+            <a:extLst>
+              <a:ext uri="{FF2B5EF4-FFF2-40B4-BE49-F238E27FC236}">
+                <a16:creationId xmlns:a16="http://schemas.microsoft.com/office/drawing/2014/main" id="{5180DD97-6C9D-934A-9866-DD38BE145E87}"/>
+              </a:ext>
+            </a:extLst>
+          </p:cNvPr>
+          <p:cNvSpPr txBox="1">
+            <a:spLocks/>
+          </p:cNvSpPr>
+          <p:nvPr/>
+        </p:nvSpPr>
+        <p:spPr>
+          <a:xfrm>
+            <a:off x="1381986" y="98061"/>
+            <a:ext cx="6693068" cy="555082"/>
+          </a:xfrm>
+          <a:prstGeom prst="rect">
+            <a:avLst/>
+          </a:prstGeom>
+        </p:spPr>
+        <p:txBody>
+          <a:bodyPr/>
+          <a:lstStyle>
+            <a:lvl1pPr algn="l" defTabSz="342900" rtl="0" eaLnBrk="1" latinLnBrk="0" hangingPunct="1">
+              <a:spcBef>
+                <a:spcPct val="0"/>
+              </a:spcBef>
+              <a:buNone/>
+              <a:defRPr sz="2700" kern="1200">
+                <a:solidFill>
+                  <a:schemeClr val="tx1">
+                    <a:lumMod val="85000"/>
+                    <a:lumOff val="15000"/>
+                  </a:schemeClr>
+                </a:solidFill>
+                <a:latin typeface="+mj-lt"/>
+                <a:ea typeface="+mj-ea"/>
+                <a:cs typeface="+mj-cs"/>
+              </a:defRPr>
+            </a:lvl1pPr>
+            <a:lvl2pPr eaLnBrk="1" hangingPunct="1">
+              <a:defRPr>
+                <a:solidFill>
+                  <a:schemeClr val="tx2"/>
+                </a:solidFill>
+              </a:defRPr>
+            </a:lvl2pPr>
+            <a:lvl3pPr eaLnBrk="1" hangingPunct="1">
+              <a:defRPr>
+                <a:solidFill>
+                  <a:schemeClr val="tx2"/>
+                </a:solidFill>
+              </a:defRPr>
+            </a:lvl3pPr>
+            <a:lvl4pPr eaLnBrk="1" hangingPunct="1">
+              <a:defRPr>
+                <a:solidFill>
+                  <a:schemeClr val="tx2"/>
+                </a:solidFill>
+              </a:defRPr>
+            </a:lvl4pPr>
+            <a:lvl5pPr eaLnBrk="1" hangingPunct="1">
+              <a:defRPr>
+                <a:solidFill>
+                  <a:schemeClr val="tx2"/>
+                </a:solidFill>
+              </a:defRPr>
+            </a:lvl5pPr>
+            <a:lvl6pPr eaLnBrk="1" hangingPunct="1">
+              <a:defRPr>
+                <a:solidFill>
+                  <a:schemeClr val="tx2"/>
+                </a:solidFill>
+              </a:defRPr>
+            </a:lvl6pPr>
+            <a:lvl7pPr eaLnBrk="1" hangingPunct="1">
+              <a:defRPr>
+                <a:solidFill>
+                  <a:schemeClr val="tx2"/>
+                </a:solidFill>
+              </a:defRPr>
+            </a:lvl7pPr>
+            <a:lvl8pPr eaLnBrk="1" hangingPunct="1">
+              <a:defRPr>
+                <a:solidFill>
+                  <a:schemeClr val="tx2"/>
+                </a:solidFill>
+              </a:defRPr>
+            </a:lvl8pPr>
+            <a:lvl9pPr eaLnBrk="1" hangingPunct="1">
+              <a:defRPr>
+                <a:solidFill>
+                  <a:schemeClr val="tx2"/>
+                </a:solidFill>
+              </a:defRPr>
+            </a:lvl9pPr>
+          </a:lstStyle>
+          <a:p>
+            <a:pPr>
+              <a:defRPr/>
             </a:pPr>
             <a:r>
-              <a:rPr lang="en-US" altLang="en-US" sz="1600" dirty="0">
-                <a:solidFill>
-                  <a:schemeClr val="tx1"/>
-                </a:solidFill>
-                <a:latin typeface="Tahoma" panose="020B0604030504040204" pitchFamily="34" charset="0"/>
-                <a:ea typeface="Tahoma" panose="020B0604030504040204" pitchFamily="34" charset="0"/>
-                <a:cs typeface="Tahoma" panose="020B0604030504040204" pitchFamily="34" charset="0"/>
-              </a:rPr>
-              <a:t>Download the zip folder from this lecture slides on the website. </a:t>
-            </a:r>
-          </a:p>
-          <a:p>
-            <a:pPr marL="0" indent="0">
-              <a:buNone/>
-            </a:pPr>
-            <a:endParaRPr lang="en-US" altLang="en-US" sz="1600" dirty="0">
-              <a:solidFill>
-                <a:schemeClr val="tx1"/>
-              </a:solidFill>
-              <a:latin typeface="Tahoma" panose="020B0604030504040204" pitchFamily="34" charset="0"/>
-              <a:ea typeface="Tahoma" panose="020B0604030504040204" pitchFamily="34" charset="0"/>
-              <a:cs typeface="Tahoma" panose="020B0604030504040204" pitchFamily="34" charset="0"/>
-            </a:endParaRPr>
-          </a:p>
-          <a:p>
-            <a:pPr marL="0" indent="0">
-              <a:buNone/>
-            </a:pPr>
-            <a:r>
-              <a:rPr lang="en-US" altLang="en-US" sz="1600" dirty="0">
-                <a:solidFill>
-                  <a:schemeClr val="tx1"/>
-                </a:solidFill>
-                <a:latin typeface="Tahoma" panose="020B0604030504040204" pitchFamily="34" charset="0"/>
-                <a:ea typeface="Tahoma" panose="020B0604030504040204" pitchFamily="34" charset="0"/>
-                <a:cs typeface="Tahoma" panose="020B0604030504040204" pitchFamily="34" charset="0"/>
-              </a:rPr>
-              <a:t>An .</a:t>
-            </a:r>
-            <a:r>
-              <a:rPr lang="en-US" altLang="en-US" sz="1600" dirty="0" err="1">
-                <a:solidFill>
-                  <a:schemeClr val="tx1"/>
-                </a:solidFill>
-                <a:latin typeface="Tahoma" panose="020B0604030504040204" pitchFamily="34" charset="0"/>
-                <a:ea typeface="Tahoma" panose="020B0604030504040204" pitchFamily="34" charset="0"/>
-                <a:cs typeface="Tahoma" panose="020B0604030504040204" pitchFamily="34" charset="0"/>
-              </a:rPr>
-              <a:t>png</a:t>
-            </a:r>
-            <a:r>
-              <a:rPr lang="en-US" altLang="en-US" sz="1600" dirty="0">
-                <a:solidFill>
-                  <a:schemeClr val="tx1"/>
-                </a:solidFill>
-                <a:latin typeface="Tahoma" panose="020B0604030504040204" pitchFamily="34" charset="0"/>
-                <a:ea typeface="Tahoma" panose="020B0604030504040204" pitchFamily="34" charset="0"/>
-                <a:cs typeface="Tahoma" panose="020B0604030504040204" pitchFamily="34" charset="0"/>
-              </a:rPr>
-              <a:t> is included. Write code to move this image around on the screen. </a:t>
+              <a:rPr lang="en-US" dirty="0"/>
+              <a:t>Controlling a Character</a:t>
             </a:r>
           </a:p>
         </p:txBody>
@@ -10245,7 +11604,7 @@
     </p:spTree>
     <p:extLst>
       <p:ext uri="{BB962C8B-B14F-4D97-AF65-F5344CB8AC3E}">
-        <p14:creationId xmlns:p14="http://schemas.microsoft.com/office/powerpoint/2010/main" val="33296356"/>
+        <p14:creationId xmlns:p14="http://schemas.microsoft.com/office/powerpoint/2010/main" val="1150545473"/>
       </p:ext>
     </p:extLst>
   </p:cSld>
@@ -10275,57 +11634,64 @@
       </p:grpSpPr>
       <p:sp>
         <p:nvSpPr>
-          <p:cNvPr id="2" name="Title 1">
+          <p:cNvPr id="20482" name="Rectangle 2">
             <a:extLst>
               <a:ext uri="{FF2B5EF4-FFF2-40B4-BE49-F238E27FC236}">
-                <a16:creationId xmlns:a16="http://schemas.microsoft.com/office/drawing/2014/main" id="{7096C9FC-73B2-DF45-9220-87CF8E131026}"/>
+                <a16:creationId xmlns:a16="http://schemas.microsoft.com/office/drawing/2014/main" id="{715B9C82-A852-1148-8BDF-9817DF71C5AF}"/>
               </a:ext>
             </a:extLst>
           </p:cNvPr>
           <p:cNvSpPr>
-            <a:spLocks noGrp="1"/>
+            <a:spLocks noGrp="1" noChangeArrowheads="1"/>
           </p:cNvSpPr>
           <p:nvPr>
-            <p:ph type="title"/>
+            <p:ph type="title" idx="4294967295"/>
           </p:nvPr>
         </p:nvSpPr>
         <p:spPr>
           <a:xfrm>
-            <a:off x="1422180" y="178448"/>
-            <a:ext cx="6927999" cy="685710"/>
+            <a:off x="1944694" y="520092"/>
+            <a:ext cx="6683765" cy="549756"/>
           </a:xfrm>
         </p:spPr>
         <p:txBody>
-          <a:bodyPr/>
+          <a:bodyPr vert="horz" lIns="0" tIns="45720" rIns="0" bIns="0" rtlCol="0" anchor="b">
+            <a:normAutofit/>
+          </a:bodyPr>
           <a:lstStyle/>
           <a:p>
-            <a:r>
-              <a:rPr lang="en-US" dirty="0"/>
-              <a:t>References</a:t>
+            <a:pPr eaLnBrk="1" hangingPunct="1">
+              <a:defRPr/>
+            </a:pPr>
+            <a:r>
+              <a:rPr lang="en-US" dirty="0">
+                <a:latin typeface="Century Gothic" panose="020B0502020202020204" pitchFamily="34" charset="0"/>
+              </a:rPr>
+              <a:t>Things to Try</a:t>
             </a:r>
           </a:p>
         </p:txBody>
       </p:sp>
       <p:sp>
         <p:nvSpPr>
-          <p:cNvPr id="3" name="Content Placeholder 2">
+          <p:cNvPr id="39938" name="Rectangle 3">
             <a:extLst>
               <a:ext uri="{FF2B5EF4-FFF2-40B4-BE49-F238E27FC236}">
-                <a16:creationId xmlns:a16="http://schemas.microsoft.com/office/drawing/2014/main" id="{BFE83E29-C6D2-1346-875F-F3C7C40F68EE}"/>
+                <a16:creationId xmlns:a16="http://schemas.microsoft.com/office/drawing/2014/main" id="{8B30D4E8-B5FD-A64F-B15C-85F2EA90B3F7}"/>
               </a:ext>
             </a:extLst>
           </p:cNvPr>
           <p:cNvSpPr>
-            <a:spLocks noGrp="1"/>
+            <a:spLocks noGrp="1" noChangeArrowheads="1"/>
           </p:cNvSpPr>
           <p:nvPr>
-            <p:ph idx="1"/>
+            <p:ph idx="4294967295"/>
           </p:nvPr>
         </p:nvSpPr>
         <p:spPr>
           <a:xfrm>
-            <a:off x="1422180" y="1155559"/>
-            <a:ext cx="7206279" cy="4371033"/>
+            <a:off x="1941909" y="1170432"/>
+            <a:ext cx="6686550" cy="3846068"/>
           </a:xfrm>
         </p:spPr>
         <p:txBody>
@@ -10335,83 +11701,22 @@
           <a:lstStyle/>
           <a:p>
             <a:pPr marL="0" indent="0">
-              <a:buFontTx/>
               <a:buNone/>
             </a:pPr>
-            <a:r>
-              <a:rPr lang="en-US" altLang="en-US" sz="1600" b="1" dirty="0">
-                <a:latin typeface="Tahoma" panose="020B0604030504040204" pitchFamily="34" charset="0"/>
-                <a:ea typeface="Tahoma" panose="020B0604030504040204" pitchFamily="34" charset="0"/>
-                <a:cs typeface="Tahoma" panose="020B0604030504040204" pitchFamily="34" charset="0"/>
-              </a:rPr>
-              <a:t>For more tutorials/lecture notes in Java, Python, game programming, artificial intelligence with neural networks:</a:t>
-            </a:r>
-          </a:p>
-          <a:p>
-            <a:pPr marL="0" indent="0">
-              <a:buFontTx/>
-              <a:buNone/>
-            </a:pPr>
-            <a:endParaRPr lang="en-US" altLang="en-US" sz="1600" dirty="0">
+            <a:endParaRPr lang="en-US" altLang="en-US" sz="2000" dirty="0">
+              <a:solidFill>
+                <a:schemeClr val="tx2"/>
+              </a:solidFill>
               <a:ea typeface="ＭＳ Ｐゴシック" panose="020B0600070205080204" pitchFamily="34" charset="-128"/>
             </a:endParaRPr>
           </a:p>
           <a:p>
             <a:pPr marL="0" indent="0">
-              <a:buFontTx/>
               <a:buNone/>
             </a:pPr>
-            <a:r>
-              <a:rPr lang="en-US" altLang="en-US" sz="1600" dirty="0">
-                <a:ea typeface="ＭＳ Ｐゴシック" panose="020B0600070205080204" pitchFamily="34" charset="-128"/>
-                <a:hlinkClick r:id="rId2"/>
-              </a:rPr>
-              <a:t>https://longbaonguyen.github.io</a:t>
-            </a:r>
-            <a:endParaRPr lang="en-US" altLang="en-US" sz="1600" dirty="0">
-              <a:ea typeface="ＭＳ Ｐゴシック" panose="020B0600070205080204" pitchFamily="34" charset="-128"/>
-            </a:endParaRPr>
-          </a:p>
-          <a:p>
-            <a:pPr marL="0" indent="0">
-              <a:buFontTx/>
-              <a:buNone/>
-              <a:defRPr/>
-            </a:pPr>
-            <a:endParaRPr lang="en-US" sz="1600" dirty="0"/>
-          </a:p>
-          <a:p>
-            <a:pPr marL="0" indent="0">
-              <a:buFontTx/>
-              <a:buNone/>
-              <a:defRPr/>
-            </a:pPr>
-            <a:endParaRPr lang="en-US" sz="1600" dirty="0"/>
-          </a:p>
-          <a:p>
-            <a:pPr>
-              <a:defRPr/>
-            </a:pPr>
-            <a:r>
-              <a:rPr lang="en-US" sz="2000" dirty="0">
-                <a:latin typeface="Tahoma" panose="020B0604030504040204" pitchFamily="34" charset="0"/>
-                <a:ea typeface="Tahoma" panose="020B0604030504040204" pitchFamily="34" charset="0"/>
-                <a:cs typeface="Tahoma" panose="020B0604030504040204" pitchFamily="34" charset="0"/>
-              </a:rPr>
-              <a:t>Processing’s website: </a:t>
-            </a:r>
-            <a:r>
-              <a:rPr lang="en-US" sz="2000" dirty="0">
-                <a:latin typeface="Tahoma" panose="020B0604030504040204" pitchFamily="34" charset="0"/>
-                <a:ea typeface="Tahoma" panose="020B0604030504040204" pitchFamily="34" charset="0"/>
-                <a:cs typeface="Tahoma" panose="020B0604030504040204" pitchFamily="34" charset="0"/>
-                <a:hlinkClick r:id="rId3"/>
-              </a:rPr>
-              <a:t>www.processing.org</a:t>
-            </a:r>
-            <a:endParaRPr lang="en-US" sz="2000" dirty="0">
+            <a:endParaRPr lang="en-US" altLang="en-US" sz="2000" dirty="0">
               <a:solidFill>
-                <a:schemeClr val="accent1"/>
+                <a:schemeClr val="tx1"/>
               </a:solidFill>
               <a:latin typeface="Tahoma" panose="020B0604030504040204" pitchFamily="34" charset="0"/>
               <a:ea typeface="Tahoma" panose="020B0604030504040204" pitchFamily="34" charset="0"/>
@@ -10419,56 +11724,98 @@
             </a:endParaRPr>
           </a:p>
           <a:p>
-            <a:pPr>
-              <a:defRPr/>
+            <a:pPr marL="0" indent="0">
+              <a:buNone/>
             </a:pPr>
-            <a:endParaRPr lang="en-US" sz="2000" dirty="0">
+            <a:endParaRPr lang="en-US" altLang="en-US" sz="2000" dirty="0">
+              <a:solidFill>
+                <a:schemeClr val="tx1"/>
+              </a:solidFill>
               <a:latin typeface="Tahoma" panose="020B0604030504040204" pitchFamily="34" charset="0"/>
               <a:ea typeface="Tahoma" panose="020B0604030504040204" pitchFamily="34" charset="0"/>
               <a:cs typeface="Tahoma" panose="020B0604030504040204" pitchFamily="34" charset="0"/>
             </a:endParaRPr>
           </a:p>
           <a:p>
-            <a:pPr>
-              <a:defRPr/>
+            <a:pPr marL="0" indent="0">
+              <a:buNone/>
             </a:pPr>
             <a:r>
-              <a:rPr lang="en-US" sz="2000" dirty="0">
+              <a:rPr lang="en-US" altLang="en-US" sz="2000" dirty="0">
+                <a:solidFill>
+                  <a:schemeClr val="tx1"/>
+                </a:solidFill>
                 <a:latin typeface="Tahoma" panose="020B0604030504040204" pitchFamily="34" charset="0"/>
                 <a:ea typeface="Tahoma" panose="020B0604030504040204" pitchFamily="34" charset="0"/>
                 <a:cs typeface="Tahoma" panose="020B0604030504040204" pitchFamily="34" charset="0"/>
-                <a:hlinkClick r:id="rId4"/>
               </a:rPr>
-              <a:t>https://processing.org/tutorials/</a:t>
-            </a:r>
-            <a:endParaRPr lang="en-US" sz="2000" dirty="0">
+              <a:t>Download the zip folder from this lecture slides on the website. </a:t>
+            </a:r>
+          </a:p>
+          <a:p>
+            <a:pPr marL="0" indent="0">
+              <a:buNone/>
+            </a:pPr>
+            <a:endParaRPr lang="en-US" altLang="en-US" sz="2000" dirty="0">
+              <a:solidFill>
+                <a:schemeClr val="tx1"/>
+              </a:solidFill>
               <a:latin typeface="Tahoma" panose="020B0604030504040204" pitchFamily="34" charset="0"/>
               <a:ea typeface="Tahoma" panose="020B0604030504040204" pitchFamily="34" charset="0"/>
               <a:cs typeface="Tahoma" panose="020B0604030504040204" pitchFamily="34" charset="0"/>
             </a:endParaRPr>
           </a:p>
           <a:p>
-            <a:pPr>
-              <a:defRPr/>
+            <a:pPr marL="0" indent="0">
+              <a:buNone/>
             </a:pPr>
-            <a:endParaRPr lang="en-US" sz="2000" dirty="0">
-              <a:latin typeface="Tahoma" panose="020B0604030504040204" pitchFamily="34" charset="0"/>
-              <a:ea typeface="Tahoma" panose="020B0604030504040204" pitchFamily="34" charset="0"/>
-              <a:cs typeface="Tahoma" panose="020B0604030504040204" pitchFamily="34" charset="0"/>
-            </a:endParaRPr>
+            <a:r>
+              <a:rPr lang="en-US" altLang="en-US" sz="2000" dirty="0">
+                <a:solidFill>
+                  <a:schemeClr val="tx1"/>
+                </a:solidFill>
+                <a:latin typeface="Tahoma" panose="020B0604030504040204" pitchFamily="34" charset="0"/>
+                <a:ea typeface="Tahoma" panose="020B0604030504040204" pitchFamily="34" charset="0"/>
+                <a:cs typeface="Tahoma" panose="020B0604030504040204" pitchFamily="34" charset="0"/>
+              </a:rPr>
+              <a:t>An .</a:t>
+            </a:r>
+            <a:r>
+              <a:rPr lang="en-US" altLang="en-US" sz="2000" dirty="0" err="1">
+                <a:solidFill>
+                  <a:schemeClr val="tx1"/>
+                </a:solidFill>
+                <a:latin typeface="Tahoma" panose="020B0604030504040204" pitchFamily="34" charset="0"/>
+                <a:ea typeface="Tahoma" panose="020B0604030504040204" pitchFamily="34" charset="0"/>
+                <a:cs typeface="Tahoma" panose="020B0604030504040204" pitchFamily="34" charset="0"/>
+              </a:rPr>
+              <a:t>png</a:t>
+            </a:r>
+            <a:r>
+              <a:rPr lang="en-US" altLang="en-US" sz="2000" dirty="0">
+                <a:solidFill>
+                  <a:schemeClr val="tx1"/>
+                </a:solidFill>
+                <a:latin typeface="Tahoma" panose="020B0604030504040204" pitchFamily="34" charset="0"/>
+                <a:ea typeface="Tahoma" panose="020B0604030504040204" pitchFamily="34" charset="0"/>
+                <a:cs typeface="Tahoma" panose="020B0604030504040204" pitchFamily="34" charset="0"/>
+              </a:rPr>
+              <a:t> is included. Write code to move this image around on the screen. </a:t>
+            </a:r>
           </a:p>
         </p:txBody>
       </p:sp>
     </p:spTree>
     <p:extLst>
       <p:ext uri="{BB962C8B-B14F-4D97-AF65-F5344CB8AC3E}">
-        <p14:creationId xmlns:p14="http://schemas.microsoft.com/office/powerpoint/2010/main" val="484339364"/>
+        <p14:creationId xmlns:p14="http://schemas.microsoft.com/office/powerpoint/2010/main" val="33296356"/>
       </p:ext>
     </p:extLst>
   </p:cSld>
   <p:clrMapOvr>
     <a:masterClrMapping/>
   </p:clrMapOvr>
+  <p:transition/>
 </p:sld>
 </file>
 

--- a/courses/apcsa/processing/processing2.pptx
+++ b/courses/apcsa/processing/processing2.pptx
@@ -1,20 +1,23 @@
 
 <file path=ppt/presentation.xml><?xml version="1.0" encoding="utf-8"?>
-<p:presentation xmlns:a="http://schemas.openxmlformats.org/drawingml/2006/main" xmlns:r="http://schemas.openxmlformats.org/officeDocument/2006/relationships" xmlns:p="http://schemas.openxmlformats.org/presentationml/2006/main" saveSubsetFonts="1" autoCompressPictures="0">
+<p:presentation xmlns:a="http://schemas.openxmlformats.org/drawingml/2006/main" xmlns:r="http://schemas.openxmlformats.org/officeDocument/2006/relationships" xmlns:p="http://schemas.openxmlformats.org/presentationml/2006/main" autoCompressPictures="0">
   <p:sldMasterIdLst>
-    <p:sldMasterId id="2147484242" r:id="rId1"/>
+    <p:sldMasterId id="2147483791" r:id="rId1"/>
   </p:sldMasterIdLst>
+  <p:notesMasterIdLst>
+    <p:notesMasterId r:id="rId12"/>
+  </p:notesMasterIdLst>
   <p:sldIdLst>
     <p:sldId id="256" r:id="rId2"/>
     <p:sldId id="418" r:id="rId3"/>
     <p:sldId id="422" r:id="rId4"/>
     <p:sldId id="423" r:id="rId5"/>
-    <p:sldId id="424" r:id="rId6"/>
-    <p:sldId id="426" r:id="rId7"/>
+    <p:sldId id="567" r:id="rId6"/>
+    <p:sldId id="568" r:id="rId7"/>
     <p:sldId id="427" r:id="rId8"/>
     <p:sldId id="428" r:id="rId9"/>
-    <p:sldId id="323" r:id="rId10"/>
-    <p:sldId id="425" r:id="rId11"/>
+    <p:sldId id="569" r:id="rId10"/>
+    <p:sldId id="570" r:id="rId11"/>
   </p:sldIdLst>
   <p:sldSz cx="9144000" cy="5715000" type="screen16x10"/>
   <p:notesSz cx="6858000" cy="9144000"/>
@@ -22,7 +25,7 @@
     <a:defPPr>
       <a:defRPr lang="en-US"/>
     </a:defPPr>
-    <a:lvl1pPr marL="0" algn="l" defTabSz="713232" rtl="0" eaLnBrk="1" latinLnBrk="0" hangingPunct="1">
+    <a:lvl1pPr marL="0" algn="l" defTabSz="356616" rtl="0" eaLnBrk="1" latinLnBrk="0" hangingPunct="1">
       <a:defRPr sz="1404" kern="1200">
         <a:solidFill>
           <a:schemeClr val="tx1"/>
@@ -32,7 +35,7 @@
         <a:cs typeface="+mn-cs"/>
       </a:defRPr>
     </a:lvl1pPr>
-    <a:lvl2pPr marL="356616" algn="l" defTabSz="713232" rtl="0" eaLnBrk="1" latinLnBrk="0" hangingPunct="1">
+    <a:lvl2pPr marL="356616" algn="l" defTabSz="356616" rtl="0" eaLnBrk="1" latinLnBrk="0" hangingPunct="1">
       <a:defRPr sz="1404" kern="1200">
         <a:solidFill>
           <a:schemeClr val="tx1"/>
@@ -42,7 +45,7 @@
         <a:cs typeface="+mn-cs"/>
       </a:defRPr>
     </a:lvl2pPr>
-    <a:lvl3pPr marL="713232" algn="l" defTabSz="713232" rtl="0" eaLnBrk="1" latinLnBrk="0" hangingPunct="1">
+    <a:lvl3pPr marL="713232" algn="l" defTabSz="356616" rtl="0" eaLnBrk="1" latinLnBrk="0" hangingPunct="1">
       <a:defRPr sz="1404" kern="1200">
         <a:solidFill>
           <a:schemeClr val="tx1"/>
@@ -52,7 +55,7 @@
         <a:cs typeface="+mn-cs"/>
       </a:defRPr>
     </a:lvl3pPr>
-    <a:lvl4pPr marL="1069848" algn="l" defTabSz="713232" rtl="0" eaLnBrk="1" latinLnBrk="0" hangingPunct="1">
+    <a:lvl4pPr marL="1069848" algn="l" defTabSz="356616" rtl="0" eaLnBrk="1" latinLnBrk="0" hangingPunct="1">
       <a:defRPr sz="1404" kern="1200">
         <a:solidFill>
           <a:schemeClr val="tx1"/>
@@ -62,7 +65,7 @@
         <a:cs typeface="+mn-cs"/>
       </a:defRPr>
     </a:lvl4pPr>
-    <a:lvl5pPr marL="1426464" algn="l" defTabSz="713232" rtl="0" eaLnBrk="1" latinLnBrk="0" hangingPunct="1">
+    <a:lvl5pPr marL="1426464" algn="l" defTabSz="356616" rtl="0" eaLnBrk="1" latinLnBrk="0" hangingPunct="1">
       <a:defRPr sz="1404" kern="1200">
         <a:solidFill>
           <a:schemeClr val="tx1"/>
@@ -72,7 +75,7 @@
         <a:cs typeface="+mn-cs"/>
       </a:defRPr>
     </a:lvl5pPr>
-    <a:lvl6pPr marL="1783080" algn="l" defTabSz="713232" rtl="0" eaLnBrk="1" latinLnBrk="0" hangingPunct="1">
+    <a:lvl6pPr marL="1783080" algn="l" defTabSz="356616" rtl="0" eaLnBrk="1" latinLnBrk="0" hangingPunct="1">
       <a:defRPr sz="1404" kern="1200">
         <a:solidFill>
           <a:schemeClr val="tx1"/>
@@ -82,7 +85,7 @@
         <a:cs typeface="+mn-cs"/>
       </a:defRPr>
     </a:lvl6pPr>
-    <a:lvl7pPr marL="2139696" algn="l" defTabSz="713232" rtl="0" eaLnBrk="1" latinLnBrk="0" hangingPunct="1">
+    <a:lvl7pPr marL="2139696" algn="l" defTabSz="356616" rtl="0" eaLnBrk="1" latinLnBrk="0" hangingPunct="1">
       <a:defRPr sz="1404" kern="1200">
         <a:solidFill>
           <a:schemeClr val="tx1"/>
@@ -92,7 +95,7 @@
         <a:cs typeface="+mn-cs"/>
       </a:defRPr>
     </a:lvl7pPr>
-    <a:lvl8pPr marL="2496312" algn="l" defTabSz="713232" rtl="0" eaLnBrk="1" latinLnBrk="0" hangingPunct="1">
+    <a:lvl8pPr marL="2496312" algn="l" defTabSz="356616" rtl="0" eaLnBrk="1" latinLnBrk="0" hangingPunct="1">
       <a:defRPr sz="1404" kern="1200">
         <a:solidFill>
           <a:schemeClr val="tx1"/>
@@ -102,7 +105,7 @@
         <a:cs typeface="+mn-cs"/>
       </a:defRPr>
     </a:lvl8pPr>
-    <a:lvl9pPr marL="2852928" algn="l" defTabSz="713232" rtl="0" eaLnBrk="1" latinLnBrk="0" hangingPunct="1">
+    <a:lvl9pPr marL="2852928" algn="l" defTabSz="356616" rtl="0" eaLnBrk="1" latinLnBrk="0" hangingPunct="1">
       <a:defRPr sz="1404" kern="1200">
         <a:solidFill>
           <a:schemeClr val="tx1"/>
@@ -124,7 +127,9 @@
 <file path=ppt/revisionInfo.xml><?xml version="1.0" encoding="utf-8"?>
 <p1510:revInfo xmlns:a="http://schemas.openxmlformats.org/drawingml/2006/main" xmlns:r="http://schemas.openxmlformats.org/officeDocument/2006/relationships" xmlns:p1510="http://schemas.microsoft.com/office/powerpoint/2015/10/main">
   <p1510:revLst>
-    <p1510:client id="{9203954A-054A-7F45-A5F4-0FB2C10E717B}" v="58" dt="2019-11-18T18:56:54.914"/>
+    <p1510:client id="{308CFCF3-47BA-8D4A-8A80-5ECC75BA7E52}" v="2" dt="2019-11-19T12:50:23.367"/>
+    <p1510:client id="{59CB9C7B-CBC7-E549-B176-97F9C29CB310}" v="4309" dt="2019-11-19T12:45:57.102"/>
+    <p1510:client id="{BDC82348-6690-564E-BA8B-82B4FD2B7CED}" v="5" dt="2019-11-19T12:51:58.075"/>
   </p1510:revLst>
 </p1510:revInfo>
 </file>
@@ -132,163 +137,1272 @@
 <file path=ppt/changesInfos/changesInfo1.xml><?xml version="1.0" encoding="utf-8"?>
 <pc:chgInfo xmlns:a="http://schemas.openxmlformats.org/drawingml/2006/main" xmlns:r="http://schemas.openxmlformats.org/officeDocument/2006/relationships" xmlns:ac="http://schemas.microsoft.com/office/drawing/2013/main/command" xmlns:pc="http://schemas.microsoft.com/office/powerpoint/2013/main/command">
   <pc:docChgLst>
-    <pc:chgData name="Long B Nguyen" userId="f59fb8f3-a021-417a-8bc1-65c8d471c621" providerId="ADAL" clId="{9203954A-054A-7F45-A5F4-0FB2C10E717B}"/>
-    <pc:docChg chg="custSel addSld delSld modSld">
-      <pc:chgData name="Long B Nguyen" userId="f59fb8f3-a021-417a-8bc1-65c8d471c621" providerId="ADAL" clId="{9203954A-054A-7F45-A5F4-0FB2C10E717B}" dt="2019-11-18T18:58:13.295" v="576" actId="255"/>
+    <pc:chgData name="Long B Nguyen" userId="f59fb8f3-a021-417a-8bc1-65c8d471c621" providerId="ADAL" clId="{59CB9C7B-CBC7-E549-B176-97F9C29CB310}"/>
+    <pc:docChg chg="undo custSel addSld delSld modSld">
+      <pc:chgData name="Long B Nguyen" userId="f59fb8f3-a021-417a-8bc1-65c8d471c621" providerId="ADAL" clId="{59CB9C7B-CBC7-E549-B176-97F9C29CB310}" dt="2019-11-19T12:47:14.779" v="13175" actId="20577"/>
       <pc:docMkLst>
         <pc:docMk/>
       </pc:docMkLst>
+      <pc:sldChg chg="add del">
+        <pc:chgData name="Long B Nguyen" userId="f59fb8f3-a021-417a-8bc1-65c8d471c621" providerId="ADAL" clId="{59CB9C7B-CBC7-E549-B176-97F9C29CB310}" dt="2019-11-19T12:45:40.186" v="12957" actId="2696"/>
+        <pc:sldMkLst>
+          <pc:docMk/>
+          <pc:sldMk cId="1559918550" sldId="552"/>
+        </pc:sldMkLst>
+      </pc:sldChg>
       <pc:sldChg chg="modSp add">
-        <pc:chgData name="Long B Nguyen" userId="f59fb8f3-a021-417a-8bc1-65c8d471c621" providerId="ADAL" clId="{9203954A-054A-7F45-A5F4-0FB2C10E717B}" dt="2019-11-18T18:58:13.295" v="576" actId="255"/>
-        <pc:sldMkLst>
-          <pc:docMk/>
-          <pc:sldMk cId="33296356" sldId="323"/>
+        <pc:chgData name="Long B Nguyen" userId="f59fb8f3-a021-417a-8bc1-65c8d471c621" providerId="ADAL" clId="{59CB9C7B-CBC7-E549-B176-97F9C29CB310}" dt="2019-11-19T12:47:14.779" v="13175" actId="20577"/>
+        <pc:sldMkLst>
+          <pc:docMk/>
+          <pc:sldMk cId="3027756854" sldId="554"/>
         </pc:sldMkLst>
         <pc:spChg chg="mod">
-          <ac:chgData name="Long B Nguyen" userId="f59fb8f3-a021-417a-8bc1-65c8d471c621" providerId="ADAL" clId="{9203954A-054A-7F45-A5F4-0FB2C10E717B}" dt="2019-11-18T18:58:13.295" v="576" actId="255"/>
+          <ac:chgData name="Long B Nguyen" userId="f59fb8f3-a021-417a-8bc1-65c8d471c621" providerId="ADAL" clId="{59CB9C7B-CBC7-E549-B176-97F9C29CB310}" dt="2019-11-19T12:47:14.779" v="13175" actId="20577"/>
           <ac:spMkLst>
             <pc:docMk/>
-            <pc:sldMk cId="33296356" sldId="323"/>
+            <pc:sldMk cId="3027756854" sldId="554"/>
+            <ac:spMk id="9" creationId="{E3B2E017-30B2-884B-A113-B419A2ED51AD}"/>
+          </ac:spMkLst>
+        </pc:spChg>
+      </pc:sldChg>
+    </pc:docChg>
+  </pc:docChgLst>
+  <pc:docChgLst>
+    <pc:chgData name="Long B Nguyen" userId="f59fb8f3-a021-417a-8bc1-65c8d471c621" providerId="ADAL" clId="{308CFCF3-47BA-8D4A-8A80-5ECC75BA7E52}"/>
+    <pc:docChg chg="addSld delSld modSld">
+      <pc:chgData name="Long B Nguyen" userId="f59fb8f3-a021-417a-8bc1-65c8d471c621" providerId="ADAL" clId="{308CFCF3-47BA-8D4A-8A80-5ECC75BA7E52}" dt="2019-11-19T12:50:23.367" v="38" actId="207"/>
+      <pc:docMkLst>
+        <pc:docMk/>
+      </pc:docMkLst>
+      <pc:sldChg chg="del">
+        <pc:chgData name="Long B Nguyen" userId="f59fb8f3-a021-417a-8bc1-65c8d471c621" providerId="ADAL" clId="{308CFCF3-47BA-8D4A-8A80-5ECC75BA7E52}" dt="2019-11-19T12:49:13.963" v="1" actId="2696"/>
+        <pc:sldMkLst>
+          <pc:docMk/>
+          <pc:sldMk cId="4247104139" sldId="256"/>
+        </pc:sldMkLst>
+      </pc:sldChg>
+      <pc:sldChg chg="del">
+        <pc:chgData name="Long B Nguyen" userId="f59fb8f3-a021-417a-8bc1-65c8d471c621" providerId="ADAL" clId="{308CFCF3-47BA-8D4A-8A80-5ECC75BA7E52}" dt="2019-11-19T12:49:54.751" v="6" actId="2696"/>
+        <pc:sldMkLst>
+          <pc:docMk/>
+          <pc:sldMk cId="278045358" sldId="257"/>
+        </pc:sldMkLst>
+      </pc:sldChg>
+      <pc:sldChg chg="del">
+        <pc:chgData name="Long B Nguyen" userId="f59fb8f3-a021-417a-8bc1-65c8d471c621" providerId="ADAL" clId="{308CFCF3-47BA-8D4A-8A80-5ECC75BA7E52}" dt="2019-11-19T12:49:55.390" v="35" actId="2696"/>
+        <pc:sldMkLst>
+          <pc:docMk/>
+          <pc:sldMk cId="1438711869" sldId="284"/>
+        </pc:sldMkLst>
+      </pc:sldChg>
+      <pc:sldChg chg="del">
+        <pc:chgData name="Long B Nguyen" userId="f59fb8f3-a021-417a-8bc1-65c8d471c621" providerId="ADAL" clId="{308CFCF3-47BA-8D4A-8A80-5ECC75BA7E52}" dt="2019-11-19T12:49:54.721" v="4" actId="2696"/>
+        <pc:sldMkLst>
+          <pc:docMk/>
+          <pc:sldMk cId="131840209" sldId="286"/>
+        </pc:sldMkLst>
+      </pc:sldChg>
+      <pc:sldChg chg="add">
+        <pc:chgData name="Long B Nguyen" userId="f59fb8f3-a021-417a-8bc1-65c8d471c621" providerId="ADAL" clId="{308CFCF3-47BA-8D4A-8A80-5ECC75BA7E52}" dt="2019-11-19T12:49:08.416" v="0"/>
+        <pc:sldMkLst>
+          <pc:docMk/>
+          <pc:sldMk cId="1769313612" sldId="306"/>
+        </pc:sldMkLst>
+      </pc:sldChg>
+      <pc:sldChg chg="add">
+        <pc:chgData name="Long B Nguyen" userId="f59fb8f3-a021-417a-8bc1-65c8d471c621" providerId="ADAL" clId="{308CFCF3-47BA-8D4A-8A80-5ECC75BA7E52}" dt="2019-11-19T12:49:08.416" v="0"/>
+        <pc:sldMkLst>
+          <pc:docMk/>
+          <pc:sldMk cId="3175113722" sldId="307"/>
+        </pc:sldMkLst>
+      </pc:sldChg>
+      <pc:sldChg chg="add">
+        <pc:chgData name="Long B Nguyen" userId="f59fb8f3-a021-417a-8bc1-65c8d471c621" providerId="ADAL" clId="{308CFCF3-47BA-8D4A-8A80-5ECC75BA7E52}" dt="2019-11-19T12:49:08.416" v="0"/>
+        <pc:sldMkLst>
+          <pc:docMk/>
+          <pc:sldMk cId="3855133670" sldId="308"/>
+        </pc:sldMkLst>
+      </pc:sldChg>
+      <pc:sldChg chg="add">
+        <pc:chgData name="Long B Nguyen" userId="f59fb8f3-a021-417a-8bc1-65c8d471c621" providerId="ADAL" clId="{308CFCF3-47BA-8D4A-8A80-5ECC75BA7E52}" dt="2019-11-19T12:49:08.416" v="0"/>
+        <pc:sldMkLst>
+          <pc:docMk/>
+          <pc:sldMk cId="3585856351" sldId="309"/>
+        </pc:sldMkLst>
+      </pc:sldChg>
+      <pc:sldChg chg="add">
+        <pc:chgData name="Long B Nguyen" userId="f59fb8f3-a021-417a-8bc1-65c8d471c621" providerId="ADAL" clId="{308CFCF3-47BA-8D4A-8A80-5ECC75BA7E52}" dt="2019-11-19T12:49:08.416" v="0"/>
+        <pc:sldMkLst>
+          <pc:docMk/>
+          <pc:sldMk cId="3276587347" sldId="310"/>
+        </pc:sldMkLst>
+      </pc:sldChg>
+      <pc:sldChg chg="add">
+        <pc:chgData name="Long B Nguyen" userId="f59fb8f3-a021-417a-8bc1-65c8d471c621" providerId="ADAL" clId="{308CFCF3-47BA-8D4A-8A80-5ECC75BA7E52}" dt="2019-11-19T12:49:08.416" v="0"/>
+        <pc:sldMkLst>
+          <pc:docMk/>
+          <pc:sldMk cId="863905040" sldId="312"/>
+        </pc:sldMkLst>
+      </pc:sldChg>
+      <pc:sldChg chg="add">
+        <pc:chgData name="Long B Nguyen" userId="f59fb8f3-a021-417a-8bc1-65c8d471c621" providerId="ADAL" clId="{308CFCF3-47BA-8D4A-8A80-5ECC75BA7E52}" dt="2019-11-19T12:49:08.416" v="0"/>
+        <pc:sldMkLst>
+          <pc:docMk/>
+          <pc:sldMk cId="1871198671" sldId="313"/>
+        </pc:sldMkLst>
+      </pc:sldChg>
+      <pc:sldChg chg="add">
+        <pc:chgData name="Long B Nguyen" userId="f59fb8f3-a021-417a-8bc1-65c8d471c621" providerId="ADAL" clId="{308CFCF3-47BA-8D4A-8A80-5ECC75BA7E52}" dt="2019-11-19T12:49:08.416" v="0"/>
+        <pc:sldMkLst>
+          <pc:docMk/>
+          <pc:sldMk cId="1880090826" sldId="316"/>
+        </pc:sldMkLst>
+      </pc:sldChg>
+      <pc:sldChg chg="add">
+        <pc:chgData name="Long B Nguyen" userId="f59fb8f3-a021-417a-8bc1-65c8d471c621" providerId="ADAL" clId="{308CFCF3-47BA-8D4A-8A80-5ECC75BA7E52}" dt="2019-11-19T12:49:08.416" v="0"/>
+        <pc:sldMkLst>
+          <pc:docMk/>
+          <pc:sldMk cId="518539467" sldId="317"/>
+        </pc:sldMkLst>
+      </pc:sldChg>
+      <pc:sldChg chg="add">
+        <pc:chgData name="Long B Nguyen" userId="f59fb8f3-a021-417a-8bc1-65c8d471c621" providerId="ADAL" clId="{308CFCF3-47BA-8D4A-8A80-5ECC75BA7E52}" dt="2019-11-19T12:49:08.416" v="0"/>
+        <pc:sldMkLst>
+          <pc:docMk/>
+          <pc:sldMk cId="2878693247" sldId="318"/>
+        </pc:sldMkLst>
+      </pc:sldChg>
+      <pc:sldChg chg="add">
+        <pc:chgData name="Long B Nguyen" userId="f59fb8f3-a021-417a-8bc1-65c8d471c621" providerId="ADAL" clId="{308CFCF3-47BA-8D4A-8A80-5ECC75BA7E52}" dt="2019-11-19T12:49:08.416" v="0"/>
+        <pc:sldMkLst>
+          <pc:docMk/>
+          <pc:sldMk cId="3014449171" sldId="319"/>
+        </pc:sldMkLst>
+      </pc:sldChg>
+      <pc:sldChg chg="del">
+        <pc:chgData name="Long B Nguyen" userId="f59fb8f3-a021-417a-8bc1-65c8d471c621" providerId="ADAL" clId="{308CFCF3-47BA-8D4A-8A80-5ECC75BA7E52}" dt="2019-11-19T12:49:55.067" v="19" actId="2696"/>
+        <pc:sldMkLst>
+          <pc:docMk/>
+          <pc:sldMk cId="3036972376" sldId="321"/>
+        </pc:sldMkLst>
+      </pc:sldChg>
+      <pc:sldChg chg="add">
+        <pc:chgData name="Long B Nguyen" userId="f59fb8f3-a021-417a-8bc1-65c8d471c621" providerId="ADAL" clId="{308CFCF3-47BA-8D4A-8A80-5ECC75BA7E52}" dt="2019-11-19T12:49:08.416" v="0"/>
+        <pc:sldMkLst>
+          <pc:docMk/>
+          <pc:sldMk cId="1925491708" sldId="322"/>
+        </pc:sldMkLst>
+      </pc:sldChg>
+      <pc:sldChg chg="add">
+        <pc:chgData name="Long B Nguyen" userId="f59fb8f3-a021-417a-8bc1-65c8d471c621" providerId="ADAL" clId="{308CFCF3-47BA-8D4A-8A80-5ECC75BA7E52}" dt="2019-11-19T12:49:08.416" v="0"/>
+        <pc:sldMkLst>
+          <pc:docMk/>
+          <pc:sldMk cId="856464997" sldId="323"/>
+        </pc:sldMkLst>
+      </pc:sldChg>
+      <pc:sldChg chg="del">
+        <pc:chgData name="Long B Nguyen" userId="f59fb8f3-a021-417a-8bc1-65c8d471c621" providerId="ADAL" clId="{308CFCF3-47BA-8D4A-8A80-5ECC75BA7E52}" dt="2019-11-19T12:49:54.854" v="12" actId="2696"/>
+        <pc:sldMkLst>
+          <pc:docMk/>
+          <pc:sldMk cId="3329169435" sldId="324"/>
+        </pc:sldMkLst>
+      </pc:sldChg>
+      <pc:sldChg chg="add">
+        <pc:chgData name="Long B Nguyen" userId="f59fb8f3-a021-417a-8bc1-65c8d471c621" providerId="ADAL" clId="{308CFCF3-47BA-8D4A-8A80-5ECC75BA7E52}" dt="2019-11-19T12:49:08.416" v="0"/>
+        <pc:sldMkLst>
+          <pc:docMk/>
+          <pc:sldMk cId="2537719982" sldId="325"/>
+        </pc:sldMkLst>
+      </pc:sldChg>
+      <pc:sldChg chg="add">
+        <pc:chgData name="Long B Nguyen" userId="f59fb8f3-a021-417a-8bc1-65c8d471c621" providerId="ADAL" clId="{308CFCF3-47BA-8D4A-8A80-5ECC75BA7E52}" dt="2019-11-19T12:49:08.416" v="0"/>
+        <pc:sldMkLst>
+          <pc:docMk/>
+          <pc:sldMk cId="73332731" sldId="326"/>
+        </pc:sldMkLst>
+      </pc:sldChg>
+      <pc:sldChg chg="add">
+        <pc:chgData name="Long B Nguyen" userId="f59fb8f3-a021-417a-8bc1-65c8d471c621" providerId="ADAL" clId="{308CFCF3-47BA-8D4A-8A80-5ECC75BA7E52}" dt="2019-11-19T12:49:08.416" v="0"/>
+        <pc:sldMkLst>
+          <pc:docMk/>
+          <pc:sldMk cId="3935762855" sldId="327"/>
+        </pc:sldMkLst>
+      </pc:sldChg>
+      <pc:sldChg chg="del">
+        <pc:chgData name="Long B Nguyen" userId="f59fb8f3-a021-417a-8bc1-65c8d471c621" providerId="ADAL" clId="{308CFCF3-47BA-8D4A-8A80-5ECC75BA7E52}" dt="2019-11-19T12:49:54.890" v="13" actId="2696"/>
+        <pc:sldMkLst>
+          <pc:docMk/>
+          <pc:sldMk cId="1776864183" sldId="328"/>
+        </pc:sldMkLst>
+      </pc:sldChg>
+      <pc:sldChg chg="add">
+        <pc:chgData name="Long B Nguyen" userId="f59fb8f3-a021-417a-8bc1-65c8d471c621" providerId="ADAL" clId="{308CFCF3-47BA-8D4A-8A80-5ECC75BA7E52}" dt="2019-11-19T12:49:08.416" v="0"/>
+        <pc:sldMkLst>
+          <pc:docMk/>
+          <pc:sldMk cId="1369627949" sldId="330"/>
+        </pc:sldMkLst>
+      </pc:sldChg>
+      <pc:sldChg chg="del">
+        <pc:chgData name="Long B Nguyen" userId="f59fb8f3-a021-417a-8bc1-65c8d471c621" providerId="ADAL" clId="{308CFCF3-47BA-8D4A-8A80-5ECC75BA7E52}" dt="2019-11-19T12:49:55.092" v="20" actId="2696"/>
+        <pc:sldMkLst>
+          <pc:docMk/>
+          <pc:sldMk cId="1403592009" sldId="331"/>
+        </pc:sldMkLst>
+      </pc:sldChg>
+      <pc:sldChg chg="del">
+        <pc:chgData name="Long B Nguyen" userId="f59fb8f3-a021-417a-8bc1-65c8d471c621" providerId="ADAL" clId="{308CFCF3-47BA-8D4A-8A80-5ECC75BA7E52}" dt="2019-11-19T12:49:55.001" v="17" actId="2696"/>
+        <pc:sldMkLst>
+          <pc:docMk/>
+          <pc:sldMk cId="1776526477" sldId="332"/>
+        </pc:sldMkLst>
+      </pc:sldChg>
+      <pc:sldChg chg="del">
+        <pc:chgData name="Long B Nguyen" userId="f59fb8f3-a021-417a-8bc1-65c8d471c621" providerId="ADAL" clId="{308CFCF3-47BA-8D4A-8A80-5ECC75BA7E52}" dt="2019-11-19T12:49:54.925" v="14" actId="2696"/>
+        <pc:sldMkLst>
+          <pc:docMk/>
+          <pc:sldMk cId="3768911574" sldId="333"/>
+        </pc:sldMkLst>
+      </pc:sldChg>
+      <pc:sldChg chg="del">
+        <pc:chgData name="Long B Nguyen" userId="f59fb8f3-a021-417a-8bc1-65c8d471c621" providerId="ADAL" clId="{308CFCF3-47BA-8D4A-8A80-5ECC75BA7E52}" dt="2019-11-19T12:49:55.115" v="21" actId="2696"/>
+        <pc:sldMkLst>
+          <pc:docMk/>
+          <pc:sldMk cId="1520390356" sldId="334"/>
+        </pc:sldMkLst>
+      </pc:sldChg>
+      <pc:sldChg chg="del">
+        <pc:chgData name="Long B Nguyen" userId="f59fb8f3-a021-417a-8bc1-65c8d471c621" providerId="ADAL" clId="{308CFCF3-47BA-8D4A-8A80-5ECC75BA7E52}" dt="2019-11-19T12:49:54.938" v="15" actId="2696"/>
+        <pc:sldMkLst>
+          <pc:docMk/>
+          <pc:sldMk cId="1370301937" sldId="335"/>
+        </pc:sldMkLst>
+      </pc:sldChg>
+      <pc:sldChg chg="del">
+        <pc:chgData name="Long B Nguyen" userId="f59fb8f3-a021-417a-8bc1-65c8d471c621" providerId="ADAL" clId="{308CFCF3-47BA-8D4A-8A80-5ECC75BA7E52}" dt="2019-11-19T12:49:55.033" v="18" actId="2696"/>
+        <pc:sldMkLst>
+          <pc:docMk/>
+          <pc:sldMk cId="649473723" sldId="336"/>
+        </pc:sldMkLst>
+      </pc:sldChg>
+      <pc:sldChg chg="del">
+        <pc:chgData name="Long B Nguyen" userId="f59fb8f3-a021-417a-8bc1-65c8d471c621" providerId="ADAL" clId="{308CFCF3-47BA-8D4A-8A80-5ECC75BA7E52}" dt="2019-11-19T12:49:55.295" v="29" actId="2696"/>
+        <pc:sldMkLst>
+          <pc:docMk/>
+          <pc:sldMk cId="1454819895" sldId="337"/>
+        </pc:sldMkLst>
+      </pc:sldChg>
+      <pc:sldChg chg="del">
+        <pc:chgData name="Long B Nguyen" userId="f59fb8f3-a021-417a-8bc1-65c8d471c621" providerId="ADAL" clId="{308CFCF3-47BA-8D4A-8A80-5ECC75BA7E52}" dt="2019-11-19T12:49:55.313" v="30" actId="2696"/>
+        <pc:sldMkLst>
+          <pc:docMk/>
+          <pc:sldMk cId="3761802647" sldId="338"/>
+        </pc:sldMkLst>
+      </pc:sldChg>
+      <pc:sldChg chg="del">
+        <pc:chgData name="Long B Nguyen" userId="f59fb8f3-a021-417a-8bc1-65c8d471c621" providerId="ADAL" clId="{308CFCF3-47BA-8D4A-8A80-5ECC75BA7E52}" dt="2019-11-19T12:49:54.789" v="9" actId="2696"/>
+        <pc:sldMkLst>
+          <pc:docMk/>
+          <pc:sldMk cId="2700872664" sldId="339"/>
+        </pc:sldMkLst>
+      </pc:sldChg>
+      <pc:sldChg chg="del">
+        <pc:chgData name="Long B Nguyen" userId="f59fb8f3-a021-417a-8bc1-65c8d471c621" providerId="ADAL" clId="{308CFCF3-47BA-8D4A-8A80-5ECC75BA7E52}" dt="2019-11-19T12:49:54.803" v="10" actId="2696"/>
+        <pc:sldMkLst>
+          <pc:docMk/>
+          <pc:sldMk cId="2044636910" sldId="340"/>
+        </pc:sldMkLst>
+      </pc:sldChg>
+      <pc:sldChg chg="del">
+        <pc:chgData name="Long B Nguyen" userId="f59fb8f3-a021-417a-8bc1-65c8d471c621" providerId="ADAL" clId="{308CFCF3-47BA-8D4A-8A80-5ECC75BA7E52}" dt="2019-11-19T12:49:54.775" v="8" actId="2696"/>
+        <pc:sldMkLst>
+          <pc:docMk/>
+          <pc:sldMk cId="2849583976" sldId="341"/>
+        </pc:sldMkLst>
+      </pc:sldChg>
+      <pc:sldChg chg="del">
+        <pc:chgData name="Long B Nguyen" userId="f59fb8f3-a021-417a-8bc1-65c8d471c621" providerId="ADAL" clId="{308CFCF3-47BA-8D4A-8A80-5ECC75BA7E52}" dt="2019-11-19T12:49:54.762" v="7" actId="2696"/>
+        <pc:sldMkLst>
+          <pc:docMk/>
+          <pc:sldMk cId="1097937752" sldId="342"/>
+        </pc:sldMkLst>
+      </pc:sldChg>
+      <pc:sldChg chg="del">
+        <pc:chgData name="Long B Nguyen" userId="f59fb8f3-a021-417a-8bc1-65c8d471c621" providerId="ADAL" clId="{308CFCF3-47BA-8D4A-8A80-5ECC75BA7E52}" dt="2019-11-19T12:49:55.133" v="22" actId="2696"/>
+        <pc:sldMkLst>
+          <pc:docMk/>
+          <pc:sldMk cId="2946703032" sldId="346"/>
+        </pc:sldMkLst>
+      </pc:sldChg>
+      <pc:sldChg chg="del">
+        <pc:chgData name="Long B Nguyen" userId="f59fb8f3-a021-417a-8bc1-65c8d471c621" providerId="ADAL" clId="{308CFCF3-47BA-8D4A-8A80-5ECC75BA7E52}" dt="2019-11-19T12:49:55.164" v="23" actId="2696"/>
+        <pc:sldMkLst>
+          <pc:docMk/>
+          <pc:sldMk cId="3861312264" sldId="347"/>
+        </pc:sldMkLst>
+      </pc:sldChg>
+      <pc:sldChg chg="del">
+        <pc:chgData name="Long B Nguyen" userId="f59fb8f3-a021-417a-8bc1-65c8d471c621" providerId="ADAL" clId="{308CFCF3-47BA-8D4A-8A80-5ECC75BA7E52}" dt="2019-11-19T12:49:55.189" v="24" actId="2696"/>
+        <pc:sldMkLst>
+          <pc:docMk/>
+          <pc:sldMk cId="4152312606" sldId="348"/>
+        </pc:sldMkLst>
+      </pc:sldChg>
+      <pc:sldChg chg="del">
+        <pc:chgData name="Long B Nguyen" userId="f59fb8f3-a021-417a-8bc1-65c8d471c621" providerId="ADAL" clId="{308CFCF3-47BA-8D4A-8A80-5ECC75BA7E52}" dt="2019-11-19T12:49:55.235" v="26" actId="2696"/>
+        <pc:sldMkLst>
+          <pc:docMk/>
+          <pc:sldMk cId="2239308720" sldId="349"/>
+        </pc:sldMkLst>
+      </pc:sldChg>
+      <pc:sldChg chg="del">
+        <pc:chgData name="Long B Nguyen" userId="f59fb8f3-a021-417a-8bc1-65c8d471c621" providerId="ADAL" clId="{308CFCF3-47BA-8D4A-8A80-5ECC75BA7E52}" dt="2019-11-19T12:49:55.252" v="27" actId="2696"/>
+        <pc:sldMkLst>
+          <pc:docMk/>
+          <pc:sldMk cId="1532134668" sldId="350"/>
+        </pc:sldMkLst>
+      </pc:sldChg>
+      <pc:sldChg chg="del">
+        <pc:chgData name="Long B Nguyen" userId="f59fb8f3-a021-417a-8bc1-65c8d471c621" providerId="ADAL" clId="{308CFCF3-47BA-8D4A-8A80-5ECC75BA7E52}" dt="2019-11-19T12:49:55.212" v="25" actId="2696"/>
+        <pc:sldMkLst>
+          <pc:docMk/>
+          <pc:sldMk cId="3420249496" sldId="351"/>
+        </pc:sldMkLst>
+      </pc:sldChg>
+      <pc:sldChg chg="add">
+        <pc:chgData name="Long B Nguyen" userId="f59fb8f3-a021-417a-8bc1-65c8d471c621" providerId="ADAL" clId="{308CFCF3-47BA-8D4A-8A80-5ECC75BA7E52}" dt="2019-11-19T12:49:08.416" v="0"/>
+        <pc:sldMkLst>
+          <pc:docMk/>
+          <pc:sldMk cId="3212712238" sldId="424"/>
+        </pc:sldMkLst>
+      </pc:sldChg>
+      <pc:sldChg chg="add">
+        <pc:chgData name="Long B Nguyen" userId="f59fb8f3-a021-417a-8bc1-65c8d471c621" providerId="ADAL" clId="{308CFCF3-47BA-8D4A-8A80-5ECC75BA7E52}" dt="2019-11-19T12:49:08.416" v="0"/>
+        <pc:sldMkLst>
+          <pc:docMk/>
+          <pc:sldMk cId="2744089513" sldId="425"/>
+        </pc:sldMkLst>
+      </pc:sldChg>
+      <pc:sldChg chg="add">
+        <pc:chgData name="Long B Nguyen" userId="f59fb8f3-a021-417a-8bc1-65c8d471c621" providerId="ADAL" clId="{308CFCF3-47BA-8D4A-8A80-5ECC75BA7E52}" dt="2019-11-19T12:49:08.416" v="0"/>
+        <pc:sldMkLst>
+          <pc:docMk/>
+          <pc:sldMk cId="3169230028" sldId="426"/>
+        </pc:sldMkLst>
+      </pc:sldChg>
+      <pc:sldChg chg="del">
+        <pc:chgData name="Long B Nguyen" userId="f59fb8f3-a021-417a-8bc1-65c8d471c621" providerId="ADAL" clId="{308CFCF3-47BA-8D4A-8A80-5ECC75BA7E52}" dt="2019-11-19T12:49:54.737" v="5" actId="2696"/>
+        <pc:sldMkLst>
+          <pc:docMk/>
+          <pc:sldMk cId="2101795491" sldId="545"/>
+        </pc:sldMkLst>
+      </pc:sldChg>
+      <pc:sldChg chg="del">
+        <pc:chgData name="Long B Nguyen" userId="f59fb8f3-a021-417a-8bc1-65c8d471c621" providerId="ADAL" clId="{308CFCF3-47BA-8D4A-8A80-5ECC75BA7E52}" dt="2019-11-19T12:49:55.369" v="33" actId="2696"/>
+        <pc:sldMkLst>
+          <pc:docMk/>
+          <pc:sldMk cId="1854861563" sldId="546"/>
+        </pc:sldMkLst>
+      </pc:sldChg>
+      <pc:sldChg chg="del">
+        <pc:chgData name="Long B Nguyen" userId="f59fb8f3-a021-417a-8bc1-65c8d471c621" providerId="ADAL" clId="{308CFCF3-47BA-8D4A-8A80-5ECC75BA7E52}" dt="2019-11-19T12:49:54.838" v="11" actId="2696"/>
+        <pc:sldMkLst>
+          <pc:docMk/>
+          <pc:sldMk cId="906346442" sldId="547"/>
+        </pc:sldMkLst>
+      </pc:sldChg>
+      <pc:sldChg chg="del">
+        <pc:chgData name="Long B Nguyen" userId="f59fb8f3-a021-417a-8bc1-65c8d471c621" providerId="ADAL" clId="{308CFCF3-47BA-8D4A-8A80-5ECC75BA7E52}" dt="2019-11-19T12:49:54.972" v="16" actId="2696"/>
+        <pc:sldMkLst>
+          <pc:docMk/>
+          <pc:sldMk cId="2079192273" sldId="548"/>
+        </pc:sldMkLst>
+      </pc:sldChg>
+      <pc:sldChg chg="del">
+        <pc:chgData name="Long B Nguyen" userId="f59fb8f3-a021-417a-8bc1-65c8d471c621" providerId="ADAL" clId="{308CFCF3-47BA-8D4A-8A80-5ECC75BA7E52}" dt="2019-11-19T12:49:55.340" v="31" actId="2696"/>
+        <pc:sldMkLst>
+          <pc:docMk/>
+          <pc:sldMk cId="1299838656" sldId="549"/>
+        </pc:sldMkLst>
+      </pc:sldChg>
+      <pc:sldChg chg="del">
+        <pc:chgData name="Long B Nguyen" userId="f59fb8f3-a021-417a-8bc1-65c8d471c621" providerId="ADAL" clId="{308CFCF3-47BA-8D4A-8A80-5ECC75BA7E52}" dt="2019-11-19T12:49:55.357" v="32" actId="2696"/>
+        <pc:sldMkLst>
+          <pc:docMk/>
+          <pc:sldMk cId="2820908233" sldId="551"/>
+        </pc:sldMkLst>
+      </pc:sldChg>
+      <pc:sldChg chg="del">
+        <pc:chgData name="Long B Nguyen" userId="f59fb8f3-a021-417a-8bc1-65c8d471c621" providerId="ADAL" clId="{308CFCF3-47BA-8D4A-8A80-5ECC75BA7E52}" dt="2019-11-19T12:49:55.279" v="28" actId="2696"/>
+        <pc:sldMkLst>
+          <pc:docMk/>
+          <pc:sldMk cId="1358728332" sldId="553"/>
+        </pc:sldMkLst>
+      </pc:sldChg>
+      <pc:sldChg chg="del">
+        <pc:chgData name="Long B Nguyen" userId="f59fb8f3-a021-417a-8bc1-65c8d471c621" providerId="ADAL" clId="{308CFCF3-47BA-8D4A-8A80-5ECC75BA7E52}" dt="2019-11-19T12:49:55.378" v="34" actId="2696"/>
+        <pc:sldMkLst>
+          <pc:docMk/>
+          <pc:sldMk cId="3027756854" sldId="554"/>
+        </pc:sldMkLst>
+      </pc:sldChg>
+      <pc:sldChg chg="add">
+        <pc:chgData name="Long B Nguyen" userId="f59fb8f3-a021-417a-8bc1-65c8d471c621" providerId="ADAL" clId="{308CFCF3-47BA-8D4A-8A80-5ECC75BA7E52}" dt="2019-11-19T12:49:08.416" v="0"/>
+        <pc:sldMkLst>
+          <pc:docMk/>
+          <pc:sldMk cId="847347657" sldId="555"/>
+        </pc:sldMkLst>
+      </pc:sldChg>
+      <pc:sldChg chg="modSp add">
+        <pc:chgData name="Long B Nguyen" userId="f59fb8f3-a021-417a-8bc1-65c8d471c621" providerId="ADAL" clId="{308CFCF3-47BA-8D4A-8A80-5ECC75BA7E52}" dt="2019-11-19T12:50:23.367" v="38" actId="207"/>
+        <pc:sldMkLst>
+          <pc:docMk/>
+          <pc:sldMk cId="3515362357" sldId="556"/>
+        </pc:sldMkLst>
+        <pc:spChg chg="mod">
+          <ac:chgData name="Long B Nguyen" userId="f59fb8f3-a021-417a-8bc1-65c8d471c621" providerId="ADAL" clId="{308CFCF3-47BA-8D4A-8A80-5ECC75BA7E52}" dt="2019-11-19T12:50:23.367" v="38" actId="207"/>
+          <ac:spMkLst>
+            <pc:docMk/>
+            <pc:sldMk cId="3515362357" sldId="556"/>
+            <ac:spMk id="20483" creationId="{11D6A34E-F264-984B-AD46-8F4C5C826246}"/>
+          </ac:spMkLst>
+        </pc:spChg>
+      </pc:sldChg>
+      <pc:sldChg chg="modSp add">
+        <pc:chgData name="Long B Nguyen" userId="f59fb8f3-a021-417a-8bc1-65c8d471c621" providerId="ADAL" clId="{308CFCF3-47BA-8D4A-8A80-5ECC75BA7E52}" dt="2019-11-19T12:49:34.413" v="3" actId="1076"/>
+        <pc:sldMkLst>
+          <pc:docMk/>
+          <pc:sldMk cId="56364418" sldId="557"/>
+        </pc:sldMkLst>
+        <pc:spChg chg="mod">
+          <ac:chgData name="Long B Nguyen" userId="f59fb8f3-a021-417a-8bc1-65c8d471c621" providerId="ADAL" clId="{308CFCF3-47BA-8D4A-8A80-5ECC75BA7E52}" dt="2019-11-19T12:49:34.413" v="3" actId="1076"/>
+          <ac:spMkLst>
+            <pc:docMk/>
+            <pc:sldMk cId="56364418" sldId="557"/>
+            <ac:spMk id="20482" creationId="{6D756BCF-3D62-744E-A1A2-5EA11AF1F5DE}"/>
+          </ac:spMkLst>
+        </pc:spChg>
+      </pc:sldChg>
+      <pc:sldChg chg="modSp add">
+        <pc:chgData name="Long B Nguyen" userId="f59fb8f3-a021-417a-8bc1-65c8d471c621" providerId="ADAL" clId="{308CFCF3-47BA-8D4A-8A80-5ECC75BA7E52}" dt="2019-11-19T12:49:29.575" v="2" actId="1076"/>
+        <pc:sldMkLst>
+          <pc:docMk/>
+          <pc:sldMk cId="4185702486" sldId="558"/>
+        </pc:sldMkLst>
+        <pc:spChg chg="mod">
+          <ac:chgData name="Long B Nguyen" userId="f59fb8f3-a021-417a-8bc1-65c8d471c621" providerId="ADAL" clId="{308CFCF3-47BA-8D4A-8A80-5ECC75BA7E52}" dt="2019-11-19T12:49:29.575" v="2" actId="1076"/>
+          <ac:spMkLst>
+            <pc:docMk/>
+            <pc:sldMk cId="4185702486" sldId="558"/>
+            <ac:spMk id="20482" creationId="{6D756BCF-3D62-744E-A1A2-5EA11AF1F5DE}"/>
+          </ac:spMkLst>
+        </pc:spChg>
+      </pc:sldChg>
+      <pc:sldChg chg="add">
+        <pc:chgData name="Long B Nguyen" userId="f59fb8f3-a021-417a-8bc1-65c8d471c621" providerId="ADAL" clId="{308CFCF3-47BA-8D4A-8A80-5ECC75BA7E52}" dt="2019-11-19T12:49:08.416" v="0"/>
+        <pc:sldMkLst>
+          <pc:docMk/>
+          <pc:sldMk cId="2190184513" sldId="559"/>
+        </pc:sldMkLst>
+      </pc:sldChg>
+      <pc:sldChg chg="add">
+        <pc:chgData name="Long B Nguyen" userId="f59fb8f3-a021-417a-8bc1-65c8d471c621" providerId="ADAL" clId="{308CFCF3-47BA-8D4A-8A80-5ECC75BA7E52}" dt="2019-11-19T12:49:08.416" v="0"/>
+        <pc:sldMkLst>
+          <pc:docMk/>
+          <pc:sldMk cId="3797534927" sldId="560"/>
+        </pc:sldMkLst>
+      </pc:sldChg>
+      <pc:sldChg chg="add">
+        <pc:chgData name="Long B Nguyen" userId="f59fb8f3-a021-417a-8bc1-65c8d471c621" providerId="ADAL" clId="{308CFCF3-47BA-8D4A-8A80-5ECC75BA7E52}" dt="2019-11-19T12:49:08.416" v="0"/>
+        <pc:sldMkLst>
+          <pc:docMk/>
+          <pc:sldMk cId="3461972299" sldId="561"/>
+        </pc:sldMkLst>
+      </pc:sldChg>
+      <pc:sldChg chg="add">
+        <pc:chgData name="Long B Nguyen" userId="f59fb8f3-a021-417a-8bc1-65c8d471c621" providerId="ADAL" clId="{308CFCF3-47BA-8D4A-8A80-5ECC75BA7E52}" dt="2019-11-19T12:49:08.416" v="0"/>
+        <pc:sldMkLst>
+          <pc:docMk/>
+          <pc:sldMk cId="2056856836" sldId="562"/>
+        </pc:sldMkLst>
+      </pc:sldChg>
+      <pc:sldChg chg="add">
+        <pc:chgData name="Long B Nguyen" userId="f59fb8f3-a021-417a-8bc1-65c8d471c621" providerId="ADAL" clId="{308CFCF3-47BA-8D4A-8A80-5ECC75BA7E52}" dt="2019-11-19T12:49:08.416" v="0"/>
+        <pc:sldMkLst>
+          <pc:docMk/>
+          <pc:sldMk cId="1129266536" sldId="563"/>
+        </pc:sldMkLst>
+      </pc:sldChg>
+      <pc:sldChg chg="add">
+        <pc:chgData name="Long B Nguyen" userId="f59fb8f3-a021-417a-8bc1-65c8d471c621" providerId="ADAL" clId="{308CFCF3-47BA-8D4A-8A80-5ECC75BA7E52}" dt="2019-11-19T12:49:08.416" v="0"/>
+        <pc:sldMkLst>
+          <pc:docMk/>
+          <pc:sldMk cId="602950482" sldId="564"/>
+        </pc:sldMkLst>
+      </pc:sldChg>
+      <pc:sldChg chg="add">
+        <pc:chgData name="Long B Nguyen" userId="f59fb8f3-a021-417a-8bc1-65c8d471c621" providerId="ADAL" clId="{308CFCF3-47BA-8D4A-8A80-5ECC75BA7E52}" dt="2019-11-19T12:49:08.416" v="0"/>
+        <pc:sldMkLst>
+          <pc:docMk/>
+          <pc:sldMk cId="4104989124" sldId="565"/>
+        </pc:sldMkLst>
+      </pc:sldChg>
+      <pc:sldChg chg="add">
+        <pc:chgData name="Long B Nguyen" userId="f59fb8f3-a021-417a-8bc1-65c8d471c621" providerId="ADAL" clId="{308CFCF3-47BA-8D4A-8A80-5ECC75BA7E52}" dt="2019-11-19T12:49:08.416" v="0"/>
+        <pc:sldMkLst>
+          <pc:docMk/>
+          <pc:sldMk cId="2615412358" sldId="566"/>
+        </pc:sldMkLst>
+      </pc:sldChg>
+    </pc:docChg>
+  </pc:docChgLst>
+  <pc:docChgLst>
+    <pc:chgData name="Long B Nguyen" userId="f59fb8f3-a021-417a-8bc1-65c8d471c621" providerId="ADAL" clId="{359527BD-9D28-FA41-9B76-D4C412CACD55}"/>
+  </pc:docChgLst>
+  <pc:docChgLst>
+    <pc:chgData name="Long B Nguyen" userId="f59fb8f3-a021-417a-8bc1-65c8d471c621" providerId="ADAL" clId="{D93B77CE-F394-FC41-B6D8-2FD1D9E1B7A2}"/>
+  </pc:docChgLst>
+  <pc:docChgLst>
+    <pc:chgData name="Long B Nguyen" userId="f59fb8f3-a021-417a-8bc1-65c8d471c621" providerId="ADAL" clId="{BDC82348-6690-564E-BA8B-82B4FD2B7CED}"/>
+    <pc:docChg chg="addSld delSld modSld">
+      <pc:chgData name="Long B Nguyen" userId="f59fb8f3-a021-417a-8bc1-65c8d471c621" providerId="ADAL" clId="{BDC82348-6690-564E-BA8B-82B4FD2B7CED}" dt="2019-11-19T12:52:47.581" v="47" actId="2711"/>
+      <pc:docMkLst>
+        <pc:docMk/>
+      </pc:docMkLst>
+      <pc:sldChg chg="add">
+        <pc:chgData name="Long B Nguyen" userId="f59fb8f3-a021-417a-8bc1-65c8d471c621" providerId="ADAL" clId="{BDC82348-6690-564E-BA8B-82B4FD2B7CED}" dt="2019-11-19T12:50:59.549" v="0"/>
+        <pc:sldMkLst>
+          <pc:docMk/>
+          <pc:sldMk cId="1714056449" sldId="256"/>
+        </pc:sldMkLst>
+      </pc:sldChg>
+      <pc:sldChg chg="del">
+        <pc:chgData name="Long B Nguyen" userId="f59fb8f3-a021-417a-8bc1-65c8d471c621" providerId="ADAL" clId="{BDC82348-6690-564E-BA8B-82B4FD2B7CED}" dt="2019-11-19T12:51:17.187" v="8" actId="2696"/>
+        <pc:sldMkLst>
+          <pc:docMk/>
+          <pc:sldMk cId="1769313612" sldId="306"/>
+        </pc:sldMkLst>
+      </pc:sldChg>
+      <pc:sldChg chg="del">
+        <pc:chgData name="Long B Nguyen" userId="f59fb8f3-a021-417a-8bc1-65c8d471c621" providerId="ADAL" clId="{BDC82348-6690-564E-BA8B-82B4FD2B7CED}" dt="2019-11-19T12:51:17.261" v="13" actId="2696"/>
+        <pc:sldMkLst>
+          <pc:docMk/>
+          <pc:sldMk cId="3175113722" sldId="307"/>
+        </pc:sldMkLst>
+      </pc:sldChg>
+      <pc:sldChg chg="del">
+        <pc:chgData name="Long B Nguyen" userId="f59fb8f3-a021-417a-8bc1-65c8d471c621" providerId="ADAL" clId="{BDC82348-6690-564E-BA8B-82B4FD2B7CED}" dt="2019-11-19T12:51:17.200" v="9" actId="2696"/>
+        <pc:sldMkLst>
+          <pc:docMk/>
+          <pc:sldMk cId="3855133670" sldId="308"/>
+        </pc:sldMkLst>
+      </pc:sldChg>
+      <pc:sldChg chg="del">
+        <pc:chgData name="Long B Nguyen" userId="f59fb8f3-a021-417a-8bc1-65c8d471c621" providerId="ADAL" clId="{BDC82348-6690-564E-BA8B-82B4FD2B7CED}" dt="2019-11-19T12:51:17.246" v="11" actId="2696"/>
+        <pc:sldMkLst>
+          <pc:docMk/>
+          <pc:sldMk cId="3585856351" sldId="309"/>
+        </pc:sldMkLst>
+      </pc:sldChg>
+      <pc:sldChg chg="del">
+        <pc:chgData name="Long B Nguyen" userId="f59fb8f3-a021-417a-8bc1-65c8d471c621" providerId="ADAL" clId="{BDC82348-6690-564E-BA8B-82B4FD2B7CED}" dt="2019-11-19T12:51:17.275" v="14" actId="2696"/>
+        <pc:sldMkLst>
+          <pc:docMk/>
+          <pc:sldMk cId="3276587347" sldId="310"/>
+        </pc:sldMkLst>
+      </pc:sldChg>
+      <pc:sldChg chg="del">
+        <pc:chgData name="Long B Nguyen" userId="f59fb8f3-a021-417a-8bc1-65c8d471c621" providerId="ADAL" clId="{BDC82348-6690-564E-BA8B-82B4FD2B7CED}" dt="2019-11-19T12:51:17.254" v="12" actId="2696"/>
+        <pc:sldMkLst>
+          <pc:docMk/>
+          <pc:sldMk cId="863905040" sldId="312"/>
+        </pc:sldMkLst>
+      </pc:sldChg>
+      <pc:sldChg chg="del">
+        <pc:chgData name="Long B Nguyen" userId="f59fb8f3-a021-417a-8bc1-65c8d471c621" providerId="ADAL" clId="{BDC82348-6690-564E-BA8B-82B4FD2B7CED}" dt="2019-11-19T12:51:17.222" v="10" actId="2696"/>
+        <pc:sldMkLst>
+          <pc:docMk/>
+          <pc:sldMk cId="1871198671" sldId="313"/>
+        </pc:sldMkLst>
+      </pc:sldChg>
+      <pc:sldChg chg="del">
+        <pc:chgData name="Long B Nguyen" userId="f59fb8f3-a021-417a-8bc1-65c8d471c621" providerId="ADAL" clId="{BDC82348-6690-564E-BA8B-82B4FD2B7CED}" dt="2019-11-19T12:51:17.173" v="7" actId="2696"/>
+        <pc:sldMkLst>
+          <pc:docMk/>
+          <pc:sldMk cId="1880090826" sldId="316"/>
+        </pc:sldMkLst>
+      </pc:sldChg>
+      <pc:sldChg chg="del">
+        <pc:chgData name="Long B Nguyen" userId="f59fb8f3-a021-417a-8bc1-65c8d471c621" providerId="ADAL" clId="{BDC82348-6690-564E-BA8B-82B4FD2B7CED}" dt="2019-11-19T12:51:17.304" v="16" actId="2696"/>
+        <pc:sldMkLst>
+          <pc:docMk/>
+          <pc:sldMk cId="518539467" sldId="317"/>
+        </pc:sldMkLst>
+      </pc:sldChg>
+      <pc:sldChg chg="del">
+        <pc:chgData name="Long B Nguyen" userId="f59fb8f3-a021-417a-8bc1-65c8d471c621" providerId="ADAL" clId="{BDC82348-6690-564E-BA8B-82B4FD2B7CED}" dt="2019-11-19T12:51:17.321" v="17" actId="2696"/>
+        <pc:sldMkLst>
+          <pc:docMk/>
+          <pc:sldMk cId="2878693247" sldId="318"/>
+        </pc:sldMkLst>
+      </pc:sldChg>
+      <pc:sldChg chg="del">
+        <pc:chgData name="Long B Nguyen" userId="f59fb8f3-a021-417a-8bc1-65c8d471c621" providerId="ADAL" clId="{BDC82348-6690-564E-BA8B-82B4FD2B7CED}" dt="2019-11-19T12:51:17.338" v="18" actId="2696"/>
+        <pc:sldMkLst>
+          <pc:docMk/>
+          <pc:sldMk cId="3014449171" sldId="319"/>
+        </pc:sldMkLst>
+      </pc:sldChg>
+      <pc:sldChg chg="del">
+        <pc:chgData name="Long B Nguyen" userId="f59fb8f3-a021-417a-8bc1-65c8d471c621" providerId="ADAL" clId="{BDC82348-6690-564E-BA8B-82B4FD2B7CED}" dt="2019-11-19T12:51:17.481" v="28" actId="2696"/>
+        <pc:sldMkLst>
+          <pc:docMk/>
+          <pc:sldMk cId="1925491708" sldId="322"/>
+        </pc:sldMkLst>
+      </pc:sldChg>
+      <pc:sldChg chg="del">
+        <pc:chgData name="Long B Nguyen" userId="f59fb8f3-a021-417a-8bc1-65c8d471c621" providerId="ADAL" clId="{BDC82348-6690-564E-BA8B-82B4FD2B7CED}" dt="2019-11-19T12:51:17.515" v="31" actId="2696"/>
+        <pc:sldMkLst>
+          <pc:docMk/>
+          <pc:sldMk cId="856464997" sldId="323"/>
+        </pc:sldMkLst>
+      </pc:sldChg>
+      <pc:sldChg chg="del">
+        <pc:chgData name="Long B Nguyen" userId="f59fb8f3-a021-417a-8bc1-65c8d471c621" providerId="ADAL" clId="{BDC82348-6690-564E-BA8B-82B4FD2B7CED}" dt="2019-11-19T12:51:17.359" v="19" actId="2696"/>
+        <pc:sldMkLst>
+          <pc:docMk/>
+          <pc:sldMk cId="2537719982" sldId="325"/>
+        </pc:sldMkLst>
+      </pc:sldChg>
+      <pc:sldChg chg="del">
+        <pc:chgData name="Long B Nguyen" userId="f59fb8f3-a021-417a-8bc1-65c8d471c621" providerId="ADAL" clId="{BDC82348-6690-564E-BA8B-82B4FD2B7CED}" dt="2019-11-19T12:51:17.375" v="20" actId="2696"/>
+        <pc:sldMkLst>
+          <pc:docMk/>
+          <pc:sldMk cId="73332731" sldId="326"/>
+        </pc:sldMkLst>
+      </pc:sldChg>
+      <pc:sldChg chg="del">
+        <pc:chgData name="Long B Nguyen" userId="f59fb8f3-a021-417a-8bc1-65c8d471c621" providerId="ADAL" clId="{BDC82348-6690-564E-BA8B-82B4FD2B7CED}" dt="2019-11-19T12:51:17.394" v="21" actId="2696"/>
+        <pc:sldMkLst>
+          <pc:docMk/>
+          <pc:sldMk cId="3935762855" sldId="327"/>
+        </pc:sldMkLst>
+      </pc:sldChg>
+      <pc:sldChg chg="del">
+        <pc:chgData name="Long B Nguyen" userId="f59fb8f3-a021-417a-8bc1-65c8d471c621" providerId="ADAL" clId="{BDC82348-6690-564E-BA8B-82B4FD2B7CED}" dt="2019-11-19T12:51:17.492" v="29" actId="2696"/>
+        <pc:sldMkLst>
+          <pc:docMk/>
+          <pc:sldMk cId="1369627949" sldId="330"/>
+        </pc:sldMkLst>
+      </pc:sldChg>
+      <pc:sldChg chg="modSp add">
+        <pc:chgData name="Long B Nguyen" userId="f59fb8f3-a021-417a-8bc1-65c8d471c621" providerId="ADAL" clId="{BDC82348-6690-564E-BA8B-82B4FD2B7CED}" dt="2019-11-19T12:51:37.977" v="34" actId="2711"/>
+        <pc:sldMkLst>
+          <pc:docMk/>
+          <pc:sldMk cId="168213597" sldId="418"/>
+        </pc:sldMkLst>
+        <pc:spChg chg="mod">
+          <ac:chgData name="Long B Nguyen" userId="f59fb8f3-a021-417a-8bc1-65c8d471c621" providerId="ADAL" clId="{BDC82348-6690-564E-BA8B-82B4FD2B7CED}" dt="2019-11-19T12:51:37.977" v="34" actId="2711"/>
+          <ac:spMkLst>
+            <pc:docMk/>
+            <pc:sldMk cId="168213597" sldId="418"/>
+            <ac:spMk id="20483" creationId="{A8F31A66-1B3E-984C-AD67-E6CB9676BCA4}"/>
+          </ac:spMkLst>
+        </pc:spChg>
+      </pc:sldChg>
+      <pc:sldChg chg="modSp add">
+        <pc:chgData name="Long B Nguyen" userId="f59fb8f3-a021-417a-8bc1-65c8d471c621" providerId="ADAL" clId="{BDC82348-6690-564E-BA8B-82B4FD2B7CED}" dt="2019-11-19T12:51:30.718" v="33" actId="2711"/>
+        <pc:sldMkLst>
+          <pc:docMk/>
+          <pc:sldMk cId="4194890169" sldId="422"/>
+        </pc:sldMkLst>
+        <pc:spChg chg="mod">
+          <ac:chgData name="Long B Nguyen" userId="f59fb8f3-a021-417a-8bc1-65c8d471c621" providerId="ADAL" clId="{BDC82348-6690-564E-BA8B-82B4FD2B7CED}" dt="2019-11-19T12:51:30.718" v="33" actId="2711"/>
+          <ac:spMkLst>
+            <pc:docMk/>
+            <pc:sldMk cId="4194890169" sldId="422"/>
+            <ac:spMk id="20483" creationId="{A8F31A66-1B3E-984C-AD67-E6CB9676BCA4}"/>
+          </ac:spMkLst>
+        </pc:spChg>
+      </pc:sldChg>
+      <pc:sldChg chg="modSp add">
+        <pc:chgData name="Long B Nguyen" userId="f59fb8f3-a021-417a-8bc1-65c8d471c621" providerId="ADAL" clId="{BDC82348-6690-564E-BA8B-82B4FD2B7CED}" dt="2019-11-19T12:51:46.895" v="35" actId="2711"/>
+        <pc:sldMkLst>
+          <pc:docMk/>
+          <pc:sldMk cId="716297116" sldId="423"/>
+        </pc:sldMkLst>
+        <pc:spChg chg="mod">
+          <ac:chgData name="Long B Nguyen" userId="f59fb8f3-a021-417a-8bc1-65c8d471c621" providerId="ADAL" clId="{BDC82348-6690-564E-BA8B-82B4FD2B7CED}" dt="2019-11-19T12:51:46.895" v="35" actId="2711"/>
+          <ac:spMkLst>
+            <pc:docMk/>
+            <pc:sldMk cId="716297116" sldId="423"/>
+            <ac:spMk id="20483" creationId="{A8F31A66-1B3E-984C-AD67-E6CB9676BCA4}"/>
+          </ac:spMkLst>
+        </pc:spChg>
+      </pc:sldChg>
+      <pc:sldChg chg="del">
+        <pc:chgData name="Long B Nguyen" userId="f59fb8f3-a021-417a-8bc1-65c8d471c621" providerId="ADAL" clId="{BDC82348-6690-564E-BA8B-82B4FD2B7CED}" dt="2019-11-19T12:51:17.433" v="24" actId="2696"/>
+        <pc:sldMkLst>
+          <pc:docMk/>
+          <pc:sldMk cId="3212712238" sldId="424"/>
+        </pc:sldMkLst>
+      </pc:sldChg>
+      <pc:sldChg chg="del">
+        <pc:chgData name="Long B Nguyen" userId="f59fb8f3-a021-417a-8bc1-65c8d471c621" providerId="ADAL" clId="{BDC82348-6690-564E-BA8B-82B4FD2B7CED}" dt="2019-11-19T12:51:17.458" v="26" actId="2696"/>
+        <pc:sldMkLst>
+          <pc:docMk/>
+          <pc:sldMk cId="2744089513" sldId="425"/>
+        </pc:sldMkLst>
+      </pc:sldChg>
+      <pc:sldChg chg="del">
+        <pc:chgData name="Long B Nguyen" userId="f59fb8f3-a021-417a-8bc1-65c8d471c621" providerId="ADAL" clId="{BDC82348-6690-564E-BA8B-82B4FD2B7CED}" dt="2019-11-19T12:51:17.529" v="32" actId="2696"/>
+        <pc:sldMkLst>
+          <pc:docMk/>
+          <pc:sldMk cId="3169230028" sldId="426"/>
+        </pc:sldMkLst>
+      </pc:sldChg>
+      <pc:sldChg chg="modSp add">
+        <pc:chgData name="Long B Nguyen" userId="f59fb8f3-a021-417a-8bc1-65c8d471c621" providerId="ADAL" clId="{BDC82348-6690-564E-BA8B-82B4FD2B7CED}" dt="2019-11-19T12:52:10.243" v="39" actId="2711"/>
+        <pc:sldMkLst>
+          <pc:docMk/>
+          <pc:sldMk cId="1883803649" sldId="427"/>
+        </pc:sldMkLst>
+        <pc:spChg chg="mod">
+          <ac:chgData name="Long B Nguyen" userId="f59fb8f3-a021-417a-8bc1-65c8d471c621" providerId="ADAL" clId="{BDC82348-6690-564E-BA8B-82B4FD2B7CED}" dt="2019-11-19T12:52:10.243" v="39" actId="2711"/>
+          <ac:spMkLst>
+            <pc:docMk/>
+            <pc:sldMk cId="1883803649" sldId="427"/>
+            <ac:spMk id="20483" creationId="{A8F31A66-1B3E-984C-AD67-E6CB9676BCA4}"/>
+          </ac:spMkLst>
+        </pc:spChg>
+      </pc:sldChg>
+      <pc:sldChg chg="add">
+        <pc:chgData name="Long B Nguyen" userId="f59fb8f3-a021-417a-8bc1-65c8d471c621" providerId="ADAL" clId="{BDC82348-6690-564E-BA8B-82B4FD2B7CED}" dt="2019-11-19T12:50:59.549" v="0"/>
+        <pc:sldMkLst>
+          <pc:docMk/>
+          <pc:sldMk cId="665576319" sldId="428"/>
+        </pc:sldMkLst>
+      </pc:sldChg>
+      <pc:sldChg chg="del">
+        <pc:chgData name="Long B Nguyen" userId="f59fb8f3-a021-417a-8bc1-65c8d471c621" providerId="ADAL" clId="{BDC82348-6690-564E-BA8B-82B4FD2B7CED}" dt="2019-11-19T12:51:04.293" v="1" actId="2696"/>
+        <pc:sldMkLst>
+          <pc:docMk/>
+          <pc:sldMk cId="847347657" sldId="555"/>
+        </pc:sldMkLst>
+      </pc:sldChg>
+      <pc:sldChg chg="del">
+        <pc:chgData name="Long B Nguyen" userId="f59fb8f3-a021-417a-8bc1-65c8d471c621" providerId="ADAL" clId="{BDC82348-6690-564E-BA8B-82B4FD2B7CED}" dt="2019-11-19T12:51:17.100" v="2" actId="2696"/>
+        <pc:sldMkLst>
+          <pc:docMk/>
+          <pc:sldMk cId="3515362357" sldId="556"/>
+        </pc:sldMkLst>
+      </pc:sldChg>
+      <pc:sldChg chg="del">
+        <pc:chgData name="Long B Nguyen" userId="f59fb8f3-a021-417a-8bc1-65c8d471c621" providerId="ADAL" clId="{BDC82348-6690-564E-BA8B-82B4FD2B7CED}" dt="2019-11-19T12:51:17.116" v="3" actId="2696"/>
+        <pc:sldMkLst>
+          <pc:docMk/>
+          <pc:sldMk cId="56364418" sldId="557"/>
+        </pc:sldMkLst>
+      </pc:sldChg>
+      <pc:sldChg chg="del">
+        <pc:chgData name="Long B Nguyen" userId="f59fb8f3-a021-417a-8bc1-65c8d471c621" providerId="ADAL" clId="{BDC82348-6690-564E-BA8B-82B4FD2B7CED}" dt="2019-11-19T12:51:17.130" v="4" actId="2696"/>
+        <pc:sldMkLst>
+          <pc:docMk/>
+          <pc:sldMk cId="4185702486" sldId="558"/>
+        </pc:sldMkLst>
+      </pc:sldChg>
+      <pc:sldChg chg="del">
+        <pc:chgData name="Long B Nguyen" userId="f59fb8f3-a021-417a-8bc1-65c8d471c621" providerId="ADAL" clId="{BDC82348-6690-564E-BA8B-82B4FD2B7CED}" dt="2019-11-19T12:51:17.146" v="5" actId="2696"/>
+        <pc:sldMkLst>
+          <pc:docMk/>
+          <pc:sldMk cId="2190184513" sldId="559"/>
+        </pc:sldMkLst>
+      </pc:sldChg>
+      <pc:sldChg chg="del">
+        <pc:chgData name="Long B Nguyen" userId="f59fb8f3-a021-417a-8bc1-65c8d471c621" providerId="ADAL" clId="{BDC82348-6690-564E-BA8B-82B4FD2B7CED}" dt="2019-11-19T12:51:17.161" v="6" actId="2696"/>
+        <pc:sldMkLst>
+          <pc:docMk/>
+          <pc:sldMk cId="3797534927" sldId="560"/>
+        </pc:sldMkLst>
+      </pc:sldChg>
+      <pc:sldChg chg="del">
+        <pc:chgData name="Long B Nguyen" userId="f59fb8f3-a021-417a-8bc1-65c8d471c621" providerId="ADAL" clId="{BDC82348-6690-564E-BA8B-82B4FD2B7CED}" dt="2019-11-19T12:51:17.291" v="15" actId="2696"/>
+        <pc:sldMkLst>
+          <pc:docMk/>
+          <pc:sldMk cId="3461972299" sldId="561"/>
+        </pc:sldMkLst>
+      </pc:sldChg>
+      <pc:sldChg chg="del">
+        <pc:chgData name="Long B Nguyen" userId="f59fb8f3-a021-417a-8bc1-65c8d471c621" providerId="ADAL" clId="{BDC82348-6690-564E-BA8B-82B4FD2B7CED}" dt="2019-11-19T12:51:17.405" v="22" actId="2696"/>
+        <pc:sldMkLst>
+          <pc:docMk/>
+          <pc:sldMk cId="2056856836" sldId="562"/>
+        </pc:sldMkLst>
+      </pc:sldChg>
+      <pc:sldChg chg="del">
+        <pc:chgData name="Long B Nguyen" userId="f59fb8f3-a021-417a-8bc1-65c8d471c621" providerId="ADAL" clId="{BDC82348-6690-564E-BA8B-82B4FD2B7CED}" dt="2019-11-19T12:51:17.419" v="23" actId="2696"/>
+        <pc:sldMkLst>
+          <pc:docMk/>
+          <pc:sldMk cId="1129266536" sldId="563"/>
+        </pc:sldMkLst>
+      </pc:sldChg>
+      <pc:sldChg chg="del">
+        <pc:chgData name="Long B Nguyen" userId="f59fb8f3-a021-417a-8bc1-65c8d471c621" providerId="ADAL" clId="{BDC82348-6690-564E-BA8B-82B4FD2B7CED}" dt="2019-11-19T12:51:17.448" v="25" actId="2696"/>
+        <pc:sldMkLst>
+          <pc:docMk/>
+          <pc:sldMk cId="602950482" sldId="564"/>
+        </pc:sldMkLst>
+      </pc:sldChg>
+      <pc:sldChg chg="del">
+        <pc:chgData name="Long B Nguyen" userId="f59fb8f3-a021-417a-8bc1-65c8d471c621" providerId="ADAL" clId="{BDC82348-6690-564E-BA8B-82B4FD2B7CED}" dt="2019-11-19T12:51:17.471" v="27" actId="2696"/>
+        <pc:sldMkLst>
+          <pc:docMk/>
+          <pc:sldMk cId="4104989124" sldId="565"/>
+        </pc:sldMkLst>
+      </pc:sldChg>
+      <pc:sldChg chg="del">
+        <pc:chgData name="Long B Nguyen" userId="f59fb8f3-a021-417a-8bc1-65c8d471c621" providerId="ADAL" clId="{BDC82348-6690-564E-BA8B-82B4FD2B7CED}" dt="2019-11-19T12:51:17.502" v="30" actId="2696"/>
+        <pc:sldMkLst>
+          <pc:docMk/>
+          <pc:sldMk cId="2615412358" sldId="566"/>
+        </pc:sldMkLst>
+      </pc:sldChg>
+      <pc:sldChg chg="modSp add">
+        <pc:chgData name="Long B Nguyen" userId="f59fb8f3-a021-417a-8bc1-65c8d471c621" providerId="ADAL" clId="{BDC82348-6690-564E-BA8B-82B4FD2B7CED}" dt="2019-11-19T12:51:53.034" v="36" actId="2711"/>
+        <pc:sldMkLst>
+          <pc:docMk/>
+          <pc:sldMk cId="1459311756" sldId="567"/>
+        </pc:sldMkLst>
+        <pc:spChg chg="mod">
+          <ac:chgData name="Long B Nguyen" userId="f59fb8f3-a021-417a-8bc1-65c8d471c621" providerId="ADAL" clId="{BDC82348-6690-564E-BA8B-82B4FD2B7CED}" dt="2019-11-19T12:51:53.034" v="36" actId="2711"/>
+          <ac:spMkLst>
+            <pc:docMk/>
+            <pc:sldMk cId="1459311756" sldId="567"/>
+            <ac:spMk id="20483" creationId="{A8F31A66-1B3E-984C-AD67-E6CB9676BCA4}"/>
+          </ac:spMkLst>
+        </pc:spChg>
+      </pc:sldChg>
+      <pc:sldChg chg="modSp add">
+        <pc:chgData name="Long B Nguyen" userId="f59fb8f3-a021-417a-8bc1-65c8d471c621" providerId="ADAL" clId="{BDC82348-6690-564E-BA8B-82B4FD2B7CED}" dt="2019-11-19T12:51:58.075" v="37" actId="2711"/>
+        <pc:sldMkLst>
+          <pc:docMk/>
+          <pc:sldMk cId="1532997108" sldId="568"/>
+        </pc:sldMkLst>
+        <pc:spChg chg="mod">
+          <ac:chgData name="Long B Nguyen" userId="f59fb8f3-a021-417a-8bc1-65c8d471c621" providerId="ADAL" clId="{BDC82348-6690-564E-BA8B-82B4FD2B7CED}" dt="2019-11-19T12:51:58.075" v="37" actId="2711"/>
+          <ac:spMkLst>
+            <pc:docMk/>
+            <pc:sldMk cId="1532997108" sldId="568"/>
+            <ac:spMk id="20483" creationId="{A8F31A66-1B3E-984C-AD67-E6CB9676BCA4}"/>
+          </ac:spMkLst>
+        </pc:spChg>
+      </pc:sldChg>
+      <pc:sldChg chg="modSp add">
+        <pc:chgData name="Long B Nguyen" userId="f59fb8f3-a021-417a-8bc1-65c8d471c621" providerId="ADAL" clId="{BDC82348-6690-564E-BA8B-82B4FD2B7CED}" dt="2019-11-19T12:52:27.188" v="43" actId="2711"/>
+        <pc:sldMkLst>
+          <pc:docMk/>
+          <pc:sldMk cId="3024345487" sldId="569"/>
+        </pc:sldMkLst>
+        <pc:spChg chg="mod">
+          <ac:chgData name="Long B Nguyen" userId="f59fb8f3-a021-417a-8bc1-65c8d471c621" providerId="ADAL" clId="{BDC82348-6690-564E-BA8B-82B4FD2B7CED}" dt="2019-11-19T12:52:18.839" v="40" actId="1076"/>
+          <ac:spMkLst>
+            <pc:docMk/>
+            <pc:sldMk cId="3024345487" sldId="569"/>
+            <ac:spMk id="20482" creationId="{715B9C82-A852-1148-8BDF-9817DF71C5AF}"/>
+          </ac:spMkLst>
+        </pc:spChg>
+        <pc:spChg chg="mod">
+          <ac:chgData name="Long B Nguyen" userId="f59fb8f3-a021-417a-8bc1-65c8d471c621" providerId="ADAL" clId="{BDC82348-6690-564E-BA8B-82B4FD2B7CED}" dt="2019-11-19T12:52:27.188" v="43" actId="2711"/>
+          <ac:spMkLst>
+            <pc:docMk/>
+            <pc:sldMk cId="3024345487" sldId="569"/>
             <ac:spMk id="39938" creationId="{8B30D4E8-B5FD-A64F-B15C-85F2EA90B3F7}"/>
           </ac:spMkLst>
         </pc:spChg>
       </pc:sldChg>
-      <pc:sldChg chg="del">
-        <pc:chgData name="Long B Nguyen" userId="f59fb8f3-a021-417a-8bc1-65c8d471c621" providerId="ADAL" clId="{9203954A-054A-7F45-A5F4-0FB2C10E717B}" dt="2019-11-18T13:43:29.993" v="319" actId="2696"/>
-        <pc:sldMkLst>
-          <pc:docMk/>
-          <pc:sldMk cId="2452940635" sldId="402"/>
-        </pc:sldMkLst>
-      </pc:sldChg>
-      <pc:sldChg chg="add del">
-        <pc:chgData name="Long B Nguyen" userId="f59fb8f3-a021-417a-8bc1-65c8d471c621" providerId="ADAL" clId="{9203954A-054A-7F45-A5F4-0FB2C10E717B}" dt="2019-11-18T13:44:26.476" v="321" actId="2696"/>
-        <pc:sldMkLst>
-          <pc:docMk/>
-          <pc:sldMk cId="2754669899" sldId="402"/>
-        </pc:sldMkLst>
-      </pc:sldChg>
-      <pc:sldChg chg="modSp modAnim">
-        <pc:chgData name="Long B Nguyen" userId="f59fb8f3-a021-417a-8bc1-65c8d471c621" providerId="ADAL" clId="{9203954A-054A-7F45-A5F4-0FB2C10E717B}" dt="2019-11-18T16:28:23.348" v="326"/>
-        <pc:sldMkLst>
-          <pc:docMk/>
-          <pc:sldMk cId="2679786585" sldId="418"/>
+      <pc:sldChg chg="modSp add">
+        <pc:chgData name="Long B Nguyen" userId="f59fb8f3-a021-417a-8bc1-65c8d471c621" providerId="ADAL" clId="{BDC82348-6690-564E-BA8B-82B4FD2B7CED}" dt="2019-11-19T12:52:47.581" v="47" actId="2711"/>
+        <pc:sldMkLst>
+          <pc:docMk/>
+          <pc:sldMk cId="3694176140" sldId="570"/>
         </pc:sldMkLst>
         <pc:spChg chg="mod">
-          <ac:chgData name="Long B Nguyen" userId="f59fb8f3-a021-417a-8bc1-65c8d471c621" providerId="ADAL" clId="{9203954A-054A-7F45-A5F4-0FB2C10E717B}" dt="2019-11-18T13:21:23.293" v="73" actId="20577"/>
+          <ac:chgData name="Long B Nguyen" userId="f59fb8f3-a021-417a-8bc1-65c8d471c621" providerId="ADAL" clId="{BDC82348-6690-564E-BA8B-82B4FD2B7CED}" dt="2019-11-19T12:52:33.167" v="45" actId="1076"/>
           <ac:spMkLst>
             <pc:docMk/>
-            <pc:sldMk cId="2679786585" sldId="418"/>
-            <ac:spMk id="20483" creationId="{A8F31A66-1B3E-984C-AD67-E6CB9676BCA4}"/>
-          </ac:spMkLst>
-        </pc:spChg>
-      </pc:sldChg>
-      <pc:sldChg chg="modSp modAnim">
-        <pc:chgData name="Long B Nguyen" userId="f59fb8f3-a021-417a-8bc1-65c8d471c621" providerId="ADAL" clId="{9203954A-054A-7F45-A5F4-0FB2C10E717B}" dt="2019-11-18T16:29:01.696" v="364"/>
-        <pc:sldMkLst>
-          <pc:docMk/>
-          <pc:sldMk cId="9623921" sldId="422"/>
-        </pc:sldMkLst>
-        <pc:spChg chg="mod">
-          <ac:chgData name="Long B Nguyen" userId="f59fb8f3-a021-417a-8bc1-65c8d471c621" providerId="ADAL" clId="{9203954A-054A-7F45-A5F4-0FB2C10E717B}" dt="2019-11-18T16:28:46.664" v="361" actId="20577"/>
-          <ac:spMkLst>
-            <pc:docMk/>
-            <pc:sldMk cId="9623921" sldId="422"/>
-            <ac:spMk id="20483" creationId="{A8F31A66-1B3E-984C-AD67-E6CB9676BCA4}"/>
-          </ac:spMkLst>
-        </pc:spChg>
-      </pc:sldChg>
-      <pc:sldChg chg="modSp modAnim">
-        <pc:chgData name="Long B Nguyen" userId="f59fb8f3-a021-417a-8bc1-65c8d471c621" providerId="ADAL" clId="{9203954A-054A-7F45-A5F4-0FB2C10E717B}" dt="2019-11-18T16:29:09.882" v="367"/>
-        <pc:sldMkLst>
-          <pc:docMk/>
-          <pc:sldMk cId="1113409002" sldId="423"/>
-        </pc:sldMkLst>
-        <pc:spChg chg="mod">
-          <ac:chgData name="Long B Nguyen" userId="f59fb8f3-a021-417a-8bc1-65c8d471c621" providerId="ADAL" clId="{9203954A-054A-7F45-A5F4-0FB2C10E717B}" dt="2019-11-18T13:25:04.384" v="317" actId="20577"/>
-          <ac:spMkLst>
-            <pc:docMk/>
-            <pc:sldMk cId="1113409002" sldId="423"/>
-            <ac:spMk id="20483" creationId="{A8F31A66-1B3E-984C-AD67-E6CB9676BCA4}"/>
-          </ac:spMkLst>
-        </pc:spChg>
-      </pc:sldChg>
-      <pc:sldChg chg="modSp add">
-        <pc:chgData name="Long B Nguyen" userId="f59fb8f3-a021-417a-8bc1-65c8d471c621" providerId="ADAL" clId="{9203954A-054A-7F45-A5F4-0FB2C10E717B}" dt="2019-11-18T13:24:54.773" v="316" actId="20577"/>
-        <pc:sldMkLst>
-          <pc:docMk/>
-          <pc:sldMk cId="3479415306" sldId="424"/>
-        </pc:sldMkLst>
-        <pc:spChg chg="mod">
-          <ac:chgData name="Long B Nguyen" userId="f59fb8f3-a021-417a-8bc1-65c8d471c621" providerId="ADAL" clId="{9203954A-054A-7F45-A5F4-0FB2C10E717B}" dt="2019-11-18T13:24:30.111" v="257" actId="20577"/>
-          <ac:spMkLst>
-            <pc:docMk/>
-            <pc:sldMk cId="3479415306" sldId="424"/>
-            <ac:spMk id="4" creationId="{5180DD97-6C9D-934A-9866-DD38BE145E87}"/>
+            <pc:sldMk cId="3694176140" sldId="570"/>
+            <ac:spMk id="2" creationId="{7096C9FC-73B2-DF45-9220-87CF8E131026}"/>
           </ac:spMkLst>
         </pc:spChg>
         <pc:spChg chg="mod">
-          <ac:chgData name="Long B Nguyen" userId="f59fb8f3-a021-417a-8bc1-65c8d471c621" providerId="ADAL" clId="{9203954A-054A-7F45-A5F4-0FB2C10E717B}" dt="2019-11-18T13:24:54.773" v="316" actId="20577"/>
+          <ac:chgData name="Long B Nguyen" userId="f59fb8f3-a021-417a-8bc1-65c8d471c621" providerId="ADAL" clId="{BDC82348-6690-564E-BA8B-82B4FD2B7CED}" dt="2019-11-19T12:52:47.581" v="47" actId="2711"/>
           <ac:spMkLst>
             <pc:docMk/>
-            <pc:sldMk cId="3479415306" sldId="424"/>
-            <ac:spMk id="20483" creationId="{A8F31A66-1B3E-984C-AD67-E6CB9676BCA4}"/>
+            <pc:sldMk cId="3694176140" sldId="570"/>
+            <ac:spMk id="3" creationId="{BFE83E29-C6D2-1346-875F-F3C7C40F68EE}"/>
           </ac:spMkLst>
         </pc:spChg>
       </pc:sldChg>
-      <pc:sldChg chg="add">
-        <pc:chgData name="Long B Nguyen" userId="f59fb8f3-a021-417a-8bc1-65c8d471c621" providerId="ADAL" clId="{9203954A-054A-7F45-A5F4-0FB2C10E717B}" dt="2019-11-18T13:43:28.534" v="318"/>
-        <pc:sldMkLst>
-          <pc:docMk/>
-          <pc:sldMk cId="484339364" sldId="425"/>
-        </pc:sldMkLst>
-      </pc:sldChg>
-      <pc:sldChg chg="add modAnim">
-        <pc:chgData name="Long B Nguyen" userId="f59fb8f3-a021-417a-8bc1-65c8d471c621" providerId="ADAL" clId="{9203954A-054A-7F45-A5F4-0FB2C10E717B}" dt="2019-11-18T16:29:17.964" v="369"/>
-        <pc:sldMkLst>
-          <pc:docMk/>
-          <pc:sldMk cId="694632301" sldId="426"/>
-        </pc:sldMkLst>
-      </pc:sldChg>
-      <pc:sldChg chg="modSp add">
-        <pc:chgData name="Long B Nguyen" userId="f59fb8f3-a021-417a-8bc1-65c8d471c621" providerId="ADAL" clId="{9203954A-054A-7F45-A5F4-0FB2C10E717B}" dt="2019-11-18T18:58:07.064" v="575" actId="20577"/>
-        <pc:sldMkLst>
-          <pc:docMk/>
-          <pc:sldMk cId="1982394124" sldId="427"/>
-        </pc:sldMkLst>
-        <pc:spChg chg="mod">
-          <ac:chgData name="Long B Nguyen" userId="f59fb8f3-a021-417a-8bc1-65c8d471c621" providerId="ADAL" clId="{9203954A-054A-7F45-A5F4-0FB2C10E717B}" dt="2019-11-18T18:58:07.064" v="575" actId="20577"/>
-          <ac:spMkLst>
-            <pc:docMk/>
-            <pc:sldMk cId="1982394124" sldId="427"/>
-            <ac:spMk id="20483" creationId="{A8F31A66-1B3E-984C-AD67-E6CB9676BCA4}"/>
-          </ac:spMkLst>
-        </pc:spChg>
-      </pc:sldChg>
-      <pc:sldChg chg="modSp add">
-        <pc:chgData name="Long B Nguyen" userId="f59fb8f3-a021-417a-8bc1-65c8d471c621" providerId="ADAL" clId="{9203954A-054A-7F45-A5F4-0FB2C10E717B}" dt="2019-11-18T18:57:59.719" v="574" actId="20577"/>
-        <pc:sldMkLst>
-          <pc:docMk/>
-          <pc:sldMk cId="1150545473" sldId="428"/>
-        </pc:sldMkLst>
-        <pc:spChg chg="mod">
-          <ac:chgData name="Long B Nguyen" userId="f59fb8f3-a021-417a-8bc1-65c8d471c621" providerId="ADAL" clId="{9203954A-054A-7F45-A5F4-0FB2C10E717B}" dt="2019-11-18T18:57:59.719" v="574" actId="20577"/>
-          <ac:spMkLst>
-            <pc:docMk/>
-            <pc:sldMk cId="1150545473" sldId="428"/>
-            <ac:spMk id="20483" creationId="{A8F31A66-1B3E-984C-AD67-E6CB9676BCA4}"/>
-          </ac:spMkLst>
-        </pc:spChg>
-      </pc:sldChg>
-      <pc:sldChg chg="add del">
-        <pc:chgData name="Long B Nguyen" userId="f59fb8f3-a021-417a-8bc1-65c8d471c621" providerId="ADAL" clId="{9203954A-054A-7F45-A5F4-0FB2C10E717B}" dt="2019-11-18T14:10:24.138" v="322" actId="2696"/>
-        <pc:sldMkLst>
-          <pc:docMk/>
-          <pc:sldMk cId="1772199182" sldId="428"/>
-        </pc:sldMkLst>
-      </pc:sldChg>
     </pc:docChg>
   </pc:docChgLst>
+  <pc:docChgLst>
+    <pc:chgData name="Long B Nguyen" userId="f59fb8f3-a021-417a-8bc1-65c8d471c621" providerId="ADAL" clId="{069311B8-5E56-E24D-993B-38D0A9C45058}"/>
+  </pc:docChgLst>
+  <pc:docChgLst>
+    <pc:chgData name="Long B Nguyen" userId="f59fb8f3-a021-417a-8bc1-65c8d471c621" providerId="ADAL" clId="{6CD83B71-C243-244B-B302-DE2E82069201}"/>
+  </pc:docChgLst>
+  <pc:docChgLst>
+    <pc:chgData name="Long B Nguyen" userId="f59fb8f3-a021-417a-8bc1-65c8d471c621" providerId="ADAL" clId="{7CBD4C01-BEFF-0849-BF53-33422C5BC0A3}"/>
+  </pc:docChgLst>
 </pc:chgInfo>
+</file>
+
+<file path=ppt/notesMasters/notesMaster1.xml><?xml version="1.0" encoding="utf-8"?>
+<p:notesMaster xmlns:a="http://schemas.openxmlformats.org/drawingml/2006/main" xmlns:r="http://schemas.openxmlformats.org/officeDocument/2006/relationships" xmlns:p="http://schemas.openxmlformats.org/presentationml/2006/main">
+  <p:cSld>
+    <p:bg>
+      <p:bgRef idx="1001">
+        <a:schemeClr val="bg1"/>
+      </p:bgRef>
+    </p:bg>
+    <p:spTree>
+      <p:nvGrpSpPr>
+        <p:cNvPr id="1" name=""/>
+        <p:cNvGrpSpPr/>
+        <p:nvPr/>
+      </p:nvGrpSpPr>
+      <p:grpSpPr>
+        <a:xfrm>
+          <a:off x="0" y="0"/>
+          <a:ext cx="0" cy="0"/>
+          <a:chOff x="0" y="0"/>
+          <a:chExt cx="0" cy="0"/>
+        </a:xfrm>
+      </p:grpSpPr>
+      <p:sp>
+        <p:nvSpPr>
+          <p:cNvPr id="2" name="Header Placeholder 1"/>
+          <p:cNvSpPr>
+            <a:spLocks noGrp="1"/>
+          </p:cNvSpPr>
+          <p:nvPr>
+            <p:ph type="hdr" sz="quarter"/>
+          </p:nvPr>
+        </p:nvSpPr>
+        <p:spPr>
+          <a:xfrm>
+            <a:off x="0" y="0"/>
+            <a:ext cx="2971800" cy="458788"/>
+          </a:xfrm>
+          <a:prstGeom prst="rect">
+            <a:avLst/>
+          </a:prstGeom>
+        </p:spPr>
+        <p:txBody>
+          <a:bodyPr vert="horz" lIns="91440" tIns="45720" rIns="91440" bIns="45720" rtlCol="0"/>
+          <a:lstStyle>
+            <a:lvl1pPr algn="l">
+              <a:defRPr sz="1200"/>
+            </a:lvl1pPr>
+          </a:lstStyle>
+          <a:p>
+            <a:endParaRPr lang="en-US"/>
+          </a:p>
+        </p:txBody>
+      </p:sp>
+      <p:sp>
+        <p:nvSpPr>
+          <p:cNvPr id="3" name="Date Placeholder 2"/>
+          <p:cNvSpPr>
+            <a:spLocks noGrp="1"/>
+          </p:cNvSpPr>
+          <p:nvPr>
+            <p:ph type="dt" idx="1"/>
+          </p:nvPr>
+        </p:nvSpPr>
+        <p:spPr>
+          <a:xfrm>
+            <a:off x="3884613" y="0"/>
+            <a:ext cx="2971800" cy="458788"/>
+          </a:xfrm>
+          <a:prstGeom prst="rect">
+            <a:avLst/>
+          </a:prstGeom>
+        </p:spPr>
+        <p:txBody>
+          <a:bodyPr vert="horz" lIns="91440" tIns="45720" rIns="91440" bIns="45720" rtlCol="0"/>
+          <a:lstStyle>
+            <a:lvl1pPr algn="r">
+              <a:defRPr sz="1200"/>
+            </a:lvl1pPr>
+          </a:lstStyle>
+          <a:p>
+            <a:fld id="{29FB45CD-1365-4F4B-B580-C19222E1A371}" type="datetimeFigureOut">
+              <a:rPr lang="en-US" smtClean="0"/>
+              <a:t>11/19/19</a:t>
+            </a:fld>
+            <a:endParaRPr lang="en-US"/>
+          </a:p>
+        </p:txBody>
+      </p:sp>
+      <p:sp>
+        <p:nvSpPr>
+          <p:cNvPr id="4" name="Slide Image Placeholder 3"/>
+          <p:cNvSpPr>
+            <a:spLocks noGrp="1" noRot="1" noChangeAspect="1"/>
+          </p:cNvSpPr>
+          <p:nvPr>
+            <p:ph type="sldImg" idx="2"/>
+          </p:nvPr>
+        </p:nvSpPr>
+        <p:spPr>
+          <a:xfrm>
+            <a:off x="960438" y="1143000"/>
+            <a:ext cx="4937125" cy="3086100"/>
+          </a:xfrm>
+          <a:prstGeom prst="rect">
+            <a:avLst/>
+          </a:prstGeom>
+          <a:noFill/>
+          <a:ln w="12700">
+            <a:solidFill>
+              <a:prstClr val="black"/>
+            </a:solidFill>
+          </a:ln>
+        </p:spPr>
+        <p:txBody>
+          <a:bodyPr vert="horz" lIns="91440" tIns="45720" rIns="91440" bIns="45720" rtlCol="0" anchor="ctr"/>
+          <a:lstStyle/>
+          <a:p>
+            <a:endParaRPr lang="en-US"/>
+          </a:p>
+        </p:txBody>
+      </p:sp>
+      <p:sp>
+        <p:nvSpPr>
+          <p:cNvPr id="5" name="Notes Placeholder 4"/>
+          <p:cNvSpPr>
+            <a:spLocks noGrp="1"/>
+          </p:cNvSpPr>
+          <p:nvPr>
+            <p:ph type="body" sz="quarter" idx="3"/>
+          </p:nvPr>
+        </p:nvSpPr>
+        <p:spPr>
+          <a:xfrm>
+            <a:off x="685800" y="4400550"/>
+            <a:ext cx="5486400" cy="3600450"/>
+          </a:xfrm>
+          <a:prstGeom prst="rect">
+            <a:avLst/>
+          </a:prstGeom>
+        </p:spPr>
+        <p:txBody>
+          <a:bodyPr vert="horz" lIns="91440" tIns="45720" rIns="91440" bIns="45720" rtlCol="0"/>
+          <a:lstStyle/>
+          <a:p>
+            <a:pPr lvl="0"/>
+            <a:r>
+              <a:rPr lang="en-US"/>
+              <a:t>Click to edit Master text styles</a:t>
+            </a:r>
+          </a:p>
+          <a:p>
+            <a:pPr lvl="1"/>
+            <a:r>
+              <a:rPr lang="en-US"/>
+              <a:t>Second level</a:t>
+            </a:r>
+          </a:p>
+          <a:p>
+            <a:pPr lvl="2"/>
+            <a:r>
+              <a:rPr lang="en-US"/>
+              <a:t>Third level</a:t>
+            </a:r>
+          </a:p>
+          <a:p>
+            <a:pPr lvl="3"/>
+            <a:r>
+              <a:rPr lang="en-US"/>
+              <a:t>Fourth level</a:t>
+            </a:r>
+          </a:p>
+          <a:p>
+            <a:pPr lvl="4"/>
+            <a:r>
+              <a:rPr lang="en-US"/>
+              <a:t>Fifth level</a:t>
+            </a:r>
+          </a:p>
+        </p:txBody>
+      </p:sp>
+      <p:sp>
+        <p:nvSpPr>
+          <p:cNvPr id="6" name="Footer Placeholder 5"/>
+          <p:cNvSpPr>
+            <a:spLocks noGrp="1"/>
+          </p:cNvSpPr>
+          <p:nvPr>
+            <p:ph type="ftr" sz="quarter" idx="4"/>
+          </p:nvPr>
+        </p:nvSpPr>
+        <p:spPr>
+          <a:xfrm>
+            <a:off x="0" y="8685213"/>
+            <a:ext cx="2971800" cy="458787"/>
+          </a:xfrm>
+          <a:prstGeom prst="rect">
+            <a:avLst/>
+          </a:prstGeom>
+        </p:spPr>
+        <p:txBody>
+          <a:bodyPr vert="horz" lIns="91440" tIns="45720" rIns="91440" bIns="45720" rtlCol="0" anchor="b"/>
+          <a:lstStyle>
+            <a:lvl1pPr algn="l">
+              <a:defRPr sz="1200"/>
+            </a:lvl1pPr>
+          </a:lstStyle>
+          <a:p>
+            <a:endParaRPr lang="en-US"/>
+          </a:p>
+        </p:txBody>
+      </p:sp>
+      <p:sp>
+        <p:nvSpPr>
+          <p:cNvPr id="7" name="Slide Number Placeholder 6"/>
+          <p:cNvSpPr>
+            <a:spLocks noGrp="1"/>
+          </p:cNvSpPr>
+          <p:nvPr>
+            <p:ph type="sldNum" sz="quarter" idx="5"/>
+          </p:nvPr>
+        </p:nvSpPr>
+        <p:spPr>
+          <a:xfrm>
+            <a:off x="3884613" y="8685213"/>
+            <a:ext cx="2971800" cy="458787"/>
+          </a:xfrm>
+          <a:prstGeom prst="rect">
+            <a:avLst/>
+          </a:prstGeom>
+        </p:spPr>
+        <p:txBody>
+          <a:bodyPr vert="horz" lIns="91440" tIns="45720" rIns="91440" bIns="45720" rtlCol="0" anchor="b"/>
+          <a:lstStyle>
+            <a:lvl1pPr algn="r">
+              <a:defRPr sz="1200"/>
+            </a:lvl1pPr>
+          </a:lstStyle>
+          <a:p>
+            <a:fld id="{B8FF1548-1F50-8049-A5B3-6549A1D01BC5}" type="slidenum">
+              <a:rPr lang="en-US" smtClean="0"/>
+              <a:t>‹#›</a:t>
+            </a:fld>
+            <a:endParaRPr lang="en-US"/>
+          </a:p>
+        </p:txBody>
+      </p:sp>
+    </p:spTree>
+    <p:extLst>
+      <p:ext uri="{BB962C8B-B14F-4D97-AF65-F5344CB8AC3E}">
+        <p14:creationId xmlns:p14="http://schemas.microsoft.com/office/powerpoint/2010/main" val="678156317"/>
+      </p:ext>
+    </p:extLst>
+  </p:cSld>
+  <p:clrMap bg1="lt1" tx1="dk1" bg2="lt2" tx2="dk2" accent1="accent1" accent2="accent2" accent3="accent3" accent4="accent4" accent5="accent5" accent6="accent6" hlink="hlink" folHlink="folHlink"/>
+  <p:notesStyle>
+    <a:lvl1pPr marL="0" algn="l" defTabSz="914400" rtl="0" eaLnBrk="1" latinLnBrk="0" hangingPunct="1">
+      <a:defRPr sz="1200" kern="1200">
+        <a:solidFill>
+          <a:schemeClr val="tx1"/>
+        </a:solidFill>
+        <a:latin typeface="+mn-lt"/>
+        <a:ea typeface="+mn-ea"/>
+        <a:cs typeface="+mn-cs"/>
+      </a:defRPr>
+    </a:lvl1pPr>
+    <a:lvl2pPr marL="457200" algn="l" defTabSz="914400" rtl="0" eaLnBrk="1" latinLnBrk="0" hangingPunct="1">
+      <a:defRPr sz="1200" kern="1200">
+        <a:solidFill>
+          <a:schemeClr val="tx1"/>
+        </a:solidFill>
+        <a:latin typeface="+mn-lt"/>
+        <a:ea typeface="+mn-ea"/>
+        <a:cs typeface="+mn-cs"/>
+      </a:defRPr>
+    </a:lvl2pPr>
+    <a:lvl3pPr marL="914400" algn="l" defTabSz="914400" rtl="0" eaLnBrk="1" latinLnBrk="0" hangingPunct="1">
+      <a:defRPr sz="1200" kern="1200">
+        <a:solidFill>
+          <a:schemeClr val="tx1"/>
+        </a:solidFill>
+        <a:latin typeface="+mn-lt"/>
+        <a:ea typeface="+mn-ea"/>
+        <a:cs typeface="+mn-cs"/>
+      </a:defRPr>
+    </a:lvl3pPr>
+    <a:lvl4pPr marL="1371600" algn="l" defTabSz="914400" rtl="0" eaLnBrk="1" latinLnBrk="0" hangingPunct="1">
+      <a:defRPr sz="1200" kern="1200">
+        <a:solidFill>
+          <a:schemeClr val="tx1"/>
+        </a:solidFill>
+        <a:latin typeface="+mn-lt"/>
+        <a:ea typeface="+mn-ea"/>
+        <a:cs typeface="+mn-cs"/>
+      </a:defRPr>
+    </a:lvl4pPr>
+    <a:lvl5pPr marL="1828800" algn="l" defTabSz="914400" rtl="0" eaLnBrk="1" latinLnBrk="0" hangingPunct="1">
+      <a:defRPr sz="1200" kern="1200">
+        <a:solidFill>
+          <a:schemeClr val="tx1"/>
+        </a:solidFill>
+        <a:latin typeface="+mn-lt"/>
+        <a:ea typeface="+mn-ea"/>
+        <a:cs typeface="+mn-cs"/>
+      </a:defRPr>
+    </a:lvl5pPr>
+    <a:lvl6pPr marL="2286000" algn="l" defTabSz="914400" rtl="0" eaLnBrk="1" latinLnBrk="0" hangingPunct="1">
+      <a:defRPr sz="1200" kern="1200">
+        <a:solidFill>
+          <a:schemeClr val="tx1"/>
+        </a:solidFill>
+        <a:latin typeface="+mn-lt"/>
+        <a:ea typeface="+mn-ea"/>
+        <a:cs typeface="+mn-cs"/>
+      </a:defRPr>
+    </a:lvl6pPr>
+    <a:lvl7pPr marL="2743200" algn="l" defTabSz="914400" rtl="0" eaLnBrk="1" latinLnBrk="0" hangingPunct="1">
+      <a:defRPr sz="1200" kern="1200">
+        <a:solidFill>
+          <a:schemeClr val="tx1"/>
+        </a:solidFill>
+        <a:latin typeface="+mn-lt"/>
+        <a:ea typeface="+mn-ea"/>
+        <a:cs typeface="+mn-cs"/>
+      </a:defRPr>
+    </a:lvl7pPr>
+    <a:lvl8pPr marL="3200400" algn="l" defTabSz="914400" rtl="0" eaLnBrk="1" latinLnBrk="0" hangingPunct="1">
+      <a:defRPr sz="1200" kern="1200">
+        <a:solidFill>
+          <a:schemeClr val="tx1"/>
+        </a:solidFill>
+        <a:latin typeface="+mn-lt"/>
+        <a:ea typeface="+mn-ea"/>
+        <a:cs typeface="+mn-cs"/>
+      </a:defRPr>
+    </a:lvl8pPr>
+    <a:lvl9pPr marL="3657600" algn="l" defTabSz="914400" rtl="0" eaLnBrk="1" latinLnBrk="0" hangingPunct="1">
+      <a:defRPr sz="1200" kern="1200">
+        <a:solidFill>
+          <a:schemeClr val="tx1"/>
+        </a:solidFill>
+        <a:latin typeface="+mn-lt"/>
+        <a:ea typeface="+mn-ea"/>
+        <a:cs typeface="+mn-cs"/>
+      </a:defRPr>
+    </a:lvl9pPr>
+  </p:notesStyle>
+</p:notesMaster>
 </file>
 
 <file path=ppt/slideLayouts/slideLayout1.xml><?xml version="1.0" encoding="utf-8"?>
@@ -320,17 +1434,15 @@
         </p:nvSpPr>
         <p:spPr>
           <a:xfrm>
-            <a:off x="1941910" y="2095500"/>
-            <a:ext cx="6686549" cy="1885651"/>
+            <a:off x="1143000" y="935302"/>
+            <a:ext cx="6858000" cy="1989667"/>
           </a:xfrm>
         </p:spPr>
         <p:txBody>
-          <a:bodyPr anchor="b">
-            <a:normAutofit/>
-          </a:bodyPr>
+          <a:bodyPr anchor="b"/>
           <a:lstStyle>
-            <a:lvl1pPr>
-              <a:defRPr sz="4050"/>
+            <a:lvl1pPr algn="ctr">
+              <a:defRPr sz="4500"/>
             </a:lvl1pPr>
           </a:lstStyle>
           <a:p>
@@ -354,103 +1466,48 @@
         </p:nvSpPr>
         <p:spPr>
           <a:xfrm>
-            <a:off x="1941910" y="3981150"/>
-            <a:ext cx="6686549" cy="938569"/>
+            <a:off x="1143000" y="3001698"/>
+            <a:ext cx="6858000" cy="1379802"/>
           </a:xfrm>
         </p:spPr>
         <p:txBody>
-          <a:bodyPr anchor="t"/>
+          <a:bodyPr/>
           <a:lstStyle>
-            <a:lvl1pPr marL="0" indent="0" algn="l">
-              <a:buNone/>
-              <a:defRPr>
-                <a:solidFill>
-                  <a:schemeClr val="tx1">
-                    <a:lumMod val="65000"/>
-                    <a:lumOff val="35000"/>
-                  </a:schemeClr>
-                </a:solidFill>
-              </a:defRPr>
+            <a:lvl1pPr marL="0" indent="0" algn="ctr">
+              <a:buNone/>
+              <a:defRPr sz="1800"/>
             </a:lvl1pPr>
             <a:lvl2pPr marL="342900" indent="0" algn="ctr">
               <a:buNone/>
-              <a:defRPr>
-                <a:solidFill>
-                  <a:schemeClr val="tx1">
-                    <a:tint val="75000"/>
-                  </a:schemeClr>
-                </a:solidFill>
-              </a:defRPr>
+              <a:defRPr sz="1500"/>
             </a:lvl2pPr>
             <a:lvl3pPr marL="685800" indent="0" algn="ctr">
               <a:buNone/>
-              <a:defRPr>
-                <a:solidFill>
-                  <a:schemeClr val="tx1">
-                    <a:tint val="75000"/>
-                  </a:schemeClr>
-                </a:solidFill>
-              </a:defRPr>
+              <a:defRPr sz="1350"/>
             </a:lvl3pPr>
             <a:lvl4pPr marL="1028700" indent="0" algn="ctr">
               <a:buNone/>
-              <a:defRPr>
-                <a:solidFill>
-                  <a:schemeClr val="tx1">
-                    <a:tint val="75000"/>
-                  </a:schemeClr>
-                </a:solidFill>
-              </a:defRPr>
+              <a:defRPr sz="1200"/>
             </a:lvl4pPr>
             <a:lvl5pPr marL="1371600" indent="0" algn="ctr">
               <a:buNone/>
-              <a:defRPr>
-                <a:solidFill>
-                  <a:schemeClr val="tx1">
-                    <a:tint val="75000"/>
-                  </a:schemeClr>
-                </a:solidFill>
-              </a:defRPr>
+              <a:defRPr sz="1200"/>
             </a:lvl5pPr>
             <a:lvl6pPr marL="1714500" indent="0" algn="ctr">
               <a:buNone/>
-              <a:defRPr>
-                <a:solidFill>
-                  <a:schemeClr val="tx1">
-                    <a:tint val="75000"/>
-                  </a:schemeClr>
-                </a:solidFill>
-              </a:defRPr>
+              <a:defRPr sz="1200"/>
             </a:lvl6pPr>
             <a:lvl7pPr marL="2057400" indent="0" algn="ctr">
               <a:buNone/>
-              <a:defRPr>
-                <a:solidFill>
-                  <a:schemeClr val="tx1">
-                    <a:tint val="75000"/>
-                  </a:schemeClr>
-                </a:solidFill>
-              </a:defRPr>
+              <a:defRPr sz="1200"/>
             </a:lvl7pPr>
             <a:lvl8pPr marL="2400300" indent="0" algn="ctr">
               <a:buNone/>
-              <a:defRPr>
-                <a:solidFill>
-                  <a:schemeClr val="tx1">
-                    <a:tint val="75000"/>
-                  </a:schemeClr>
-                </a:solidFill>
-              </a:defRPr>
+              <a:defRPr sz="1200"/>
             </a:lvl8pPr>
             <a:lvl9pPr marL="2743200" indent="0" algn="ctr">
               <a:buNone/>
-              <a:defRPr>
-                <a:solidFill>
-                  <a:schemeClr val="tx1">
-                    <a:tint val="75000"/>
-                  </a:schemeClr>
-                </a:solidFill>
-              </a:defRPr>
+              <a:defRPr sz="1200"/>
             </a:lvl9pPr>
           </a:lstStyle>
           <a:p>
@@ -477,11 +1534,11 @@
           <a:bodyPr/>
           <a:lstStyle/>
           <a:p>
-            <a:fld id="{AB2458EA-1F5A-154D-AFF5-4CF2DF8977D4}" type="datetimeFigureOut">
+            <a:fld id="{4AAD347D-5ACD-4C99-B74B-A9C85AD731AF}" type="datetimeFigureOut">
               <a:rPr lang="en-US" smtClean="0"/>
-              <a:t>11/18/19</a:t>
+              <a:t>11/19/19</a:t>
             </a:fld>
-            <a:endParaRPr lang="en-US"/>
+            <a:endParaRPr lang="en-US" dirty="0"/>
           </a:p>
         </p:txBody>
       </p:sp>
@@ -500,91 +1557,9 @@
           <a:bodyPr/>
           <a:lstStyle/>
           <a:p>
-            <a:endParaRPr lang="en-US"/>
-          </a:p>
-        </p:txBody>
-      </p:sp>
-      <p:sp>
-        <p:nvSpPr>
-          <p:cNvPr id="7" name="Freeform 6"/>
-          <p:cNvSpPr/>
-          <p:nvPr/>
-        </p:nvSpPr>
-        <p:spPr bwMode="auto">
-          <a:xfrm>
-            <a:off x="0" y="3603176"/>
-            <a:ext cx="1308489" cy="648824"/>
-          </a:xfrm>
-          <a:custGeom>
-            <a:avLst/>
-            <a:gdLst/>
-            <a:ahLst/>
-            <a:cxnLst/>
-            <a:rect l="0" t="0" r="r" b="b"/>
-            <a:pathLst>
-              <a:path w="372" h="166">
-                <a:moveTo>
-                  <a:pt x="287" y="166"/>
-                </a:moveTo>
-                <a:cubicBezTo>
-                  <a:pt x="290" y="166"/>
-                  <a:pt x="292" y="165"/>
-                  <a:pt x="293" y="164"/>
-                </a:cubicBezTo>
-                <a:cubicBezTo>
-                  <a:pt x="293" y="163"/>
-                  <a:pt x="294" y="163"/>
-                  <a:pt x="294" y="163"/>
-                </a:cubicBezTo>
-                <a:cubicBezTo>
-                  <a:pt x="370" y="87"/>
-                  <a:pt x="370" y="87"/>
-                  <a:pt x="370" y="87"/>
-                </a:cubicBezTo>
-                <a:cubicBezTo>
-                  <a:pt x="372" y="85"/>
-                  <a:pt x="372" y="81"/>
-                  <a:pt x="370" y="78"/>
-                </a:cubicBezTo>
-                <a:cubicBezTo>
-                  <a:pt x="294" y="3"/>
-                  <a:pt x="294" y="3"/>
-                  <a:pt x="294" y="3"/>
-                </a:cubicBezTo>
-                <a:cubicBezTo>
-                  <a:pt x="294" y="2"/>
-                  <a:pt x="293" y="2"/>
-                  <a:pt x="293" y="2"/>
-                </a:cubicBezTo>
-                <a:cubicBezTo>
-                  <a:pt x="292" y="1"/>
-                  <a:pt x="290" y="0"/>
-                  <a:pt x="287" y="0"/>
-                </a:cubicBezTo>
-                <a:cubicBezTo>
-                  <a:pt x="0" y="0"/>
-                  <a:pt x="0" y="0"/>
-                  <a:pt x="0" y="0"/>
-                </a:cubicBezTo>
-                <a:cubicBezTo>
-                  <a:pt x="0" y="166"/>
-                  <a:pt x="0" y="166"/>
-                  <a:pt x="0" y="166"/>
-                </a:cubicBezTo>
-                <a:lnTo>
-                  <a:pt x="287" y="166"/>
-                </a:lnTo>
-                <a:close/>
-              </a:path>
-            </a:pathLst>
-          </a:custGeom>
-          <a:solidFill>
-            <a:schemeClr val="accent1"/>
-          </a:solidFill>
-          <a:ln>
-            <a:noFill/>
-          </a:ln>
-        </p:spPr>
+            <a:endParaRPr lang="en-US" dirty="0"/>
+          </a:p>
+        </p:txBody>
       </p:sp>
       <p:sp>
         <p:nvSpPr>
@@ -596,28 +1571,23 @@
             <p:ph type="sldNum" sz="quarter" idx="12"/>
           </p:nvPr>
         </p:nvSpPr>
-        <p:spPr>
-          <a:xfrm>
-            <a:off x="398860" y="3774617"/>
-            <a:ext cx="584825" cy="304271"/>
-          </a:xfrm>
-        </p:spPr>
+        <p:spPr/>
         <p:txBody>
           <a:bodyPr/>
           <a:lstStyle/>
           <a:p>
-            <a:fld id="{45D8DECA-3F01-4D4D-9CE8-CE0BA91433C8}" type="slidenum">
+            <a:fld id="{D57F1E4F-1CFF-5643-939E-02111984F565}" type="slidenum">
               <a:rPr lang="en-US" smtClean="0"/>
               <a:t>‹#›</a:t>
             </a:fld>
-            <a:endParaRPr lang="en-US"/>
+            <a:endParaRPr lang="en-US" dirty="0"/>
           </a:p>
         </p:txBody>
       </p:sp>
     </p:spTree>
     <p:extLst>
       <p:ext uri="{BB962C8B-B14F-4D97-AF65-F5344CB8AC3E}">
-        <p14:creationId xmlns:p14="http://schemas.microsoft.com/office/powerpoint/2010/main" val="2335492032"/>
+        <p14:creationId xmlns:p14="http://schemas.microsoft.com/office/powerpoint/2010/main" val="2242896309"/>
       </p:ext>
     </p:extLst>
   </p:cSld>
@@ -628,1797 +1598,6 @@
 </file>
 
 <file path=ppt/slideLayouts/slideLayout10.xml><?xml version="1.0" encoding="utf-8"?>
-<p:sldLayout xmlns:a="http://schemas.openxmlformats.org/drawingml/2006/main" xmlns:r="http://schemas.openxmlformats.org/officeDocument/2006/relationships" xmlns:p="http://schemas.openxmlformats.org/presentationml/2006/main" preserve="1">
-  <p:cSld name="Title and Caption">
-    <p:spTree>
-      <p:nvGrpSpPr>
-        <p:cNvPr id="1" name=""/>
-        <p:cNvGrpSpPr/>
-        <p:nvPr/>
-      </p:nvGrpSpPr>
-      <p:grpSpPr>
-        <a:xfrm>
-          <a:off x="0" y="0"/>
-          <a:ext cx="0" cy="0"/>
-          <a:chOff x="0" y="0"/>
-          <a:chExt cx="0" cy="0"/>
-        </a:xfrm>
-      </p:grpSpPr>
-      <p:sp>
-        <p:nvSpPr>
-          <p:cNvPr id="2" name="Title 1"/>
-          <p:cNvSpPr>
-            <a:spLocks noGrp="1"/>
-          </p:cNvSpPr>
-          <p:nvPr>
-            <p:ph type="title"/>
-          </p:nvPr>
-        </p:nvSpPr>
-        <p:spPr>
-          <a:xfrm>
-            <a:off x="1941910" y="508000"/>
-            <a:ext cx="6686549" cy="2597533"/>
-          </a:xfrm>
-        </p:spPr>
-        <p:txBody>
-          <a:bodyPr anchor="ctr">
-            <a:normAutofit/>
-          </a:bodyPr>
-          <a:lstStyle>
-            <a:lvl1pPr algn="l">
-              <a:defRPr sz="3600" b="0" cap="none"/>
-            </a:lvl1pPr>
-          </a:lstStyle>
-          <a:p>
-            <a:r>
-              <a:rPr lang="en-US"/>
-              <a:t>Click to edit Master title style</a:t>
-            </a:r>
-            <a:endParaRPr lang="en-US" dirty="0"/>
-          </a:p>
-        </p:txBody>
-      </p:sp>
-      <p:sp>
-        <p:nvSpPr>
-          <p:cNvPr id="3" name="Text Placeholder 2"/>
-          <p:cNvSpPr>
-            <a:spLocks noGrp="1"/>
-          </p:cNvSpPr>
-          <p:nvPr>
-            <p:ph type="body" idx="1"/>
-          </p:nvPr>
-        </p:nvSpPr>
-        <p:spPr>
-          <a:xfrm>
-            <a:off x="1941910" y="3628372"/>
-            <a:ext cx="6686549" cy="1296553"/>
-          </a:xfrm>
-        </p:spPr>
-        <p:txBody>
-          <a:bodyPr anchor="ctr">
-            <a:normAutofit/>
-          </a:bodyPr>
-          <a:lstStyle>
-            <a:lvl1pPr marL="0" indent="0" algn="l">
-              <a:buNone/>
-              <a:defRPr sz="1350">
-                <a:solidFill>
-                  <a:schemeClr val="tx1">
-                    <a:lumMod val="65000"/>
-                    <a:lumOff val="35000"/>
-                  </a:schemeClr>
-                </a:solidFill>
-              </a:defRPr>
-            </a:lvl1pPr>
-            <a:lvl2pPr marL="342900" indent="0">
-              <a:buNone/>
-              <a:defRPr sz="1350">
-                <a:solidFill>
-                  <a:schemeClr val="tx1">
-                    <a:tint val="75000"/>
-                  </a:schemeClr>
-                </a:solidFill>
-              </a:defRPr>
-            </a:lvl2pPr>
-            <a:lvl3pPr marL="685800" indent="0">
-              <a:buNone/>
-              <a:defRPr sz="1200">
-                <a:solidFill>
-                  <a:schemeClr val="tx1">
-                    <a:tint val="75000"/>
-                  </a:schemeClr>
-                </a:solidFill>
-              </a:defRPr>
-            </a:lvl3pPr>
-            <a:lvl4pPr marL="1028700" indent="0">
-              <a:buNone/>
-              <a:defRPr sz="1050">
-                <a:solidFill>
-                  <a:schemeClr val="tx1">
-                    <a:tint val="75000"/>
-                  </a:schemeClr>
-                </a:solidFill>
-              </a:defRPr>
-            </a:lvl4pPr>
-            <a:lvl5pPr marL="1371600" indent="0">
-              <a:buNone/>
-              <a:defRPr sz="1050">
-                <a:solidFill>
-                  <a:schemeClr val="tx1">
-                    <a:tint val="75000"/>
-                  </a:schemeClr>
-                </a:solidFill>
-              </a:defRPr>
-            </a:lvl5pPr>
-            <a:lvl6pPr marL="1714500" indent="0">
-              <a:buNone/>
-              <a:defRPr sz="1050">
-                <a:solidFill>
-                  <a:schemeClr val="tx1">
-                    <a:tint val="75000"/>
-                  </a:schemeClr>
-                </a:solidFill>
-              </a:defRPr>
-            </a:lvl6pPr>
-            <a:lvl7pPr marL="2057400" indent="0">
-              <a:buNone/>
-              <a:defRPr sz="1050">
-                <a:solidFill>
-                  <a:schemeClr val="tx1">
-                    <a:tint val="75000"/>
-                  </a:schemeClr>
-                </a:solidFill>
-              </a:defRPr>
-            </a:lvl7pPr>
-            <a:lvl8pPr marL="2400300" indent="0">
-              <a:buNone/>
-              <a:defRPr sz="1050">
-                <a:solidFill>
-                  <a:schemeClr val="tx1">
-                    <a:tint val="75000"/>
-                  </a:schemeClr>
-                </a:solidFill>
-              </a:defRPr>
-            </a:lvl8pPr>
-            <a:lvl9pPr marL="2743200" indent="0">
-              <a:buNone/>
-              <a:defRPr sz="1050">
-                <a:solidFill>
-                  <a:schemeClr val="tx1">
-                    <a:tint val="75000"/>
-                  </a:schemeClr>
-                </a:solidFill>
-              </a:defRPr>
-            </a:lvl9pPr>
-          </a:lstStyle>
-          <a:p>
-            <a:pPr lvl="0"/>
-            <a:r>
-              <a:rPr lang="en-US"/>
-              <a:t>Edit Master text styles</a:t>
-            </a:r>
-          </a:p>
-        </p:txBody>
-      </p:sp>
-      <p:sp>
-        <p:nvSpPr>
-          <p:cNvPr id="4" name="Date Placeholder 3"/>
-          <p:cNvSpPr>
-            <a:spLocks noGrp="1"/>
-          </p:cNvSpPr>
-          <p:nvPr>
-            <p:ph type="dt" sz="half" idx="10"/>
-          </p:nvPr>
-        </p:nvSpPr>
-        <p:spPr/>
-        <p:txBody>
-          <a:bodyPr/>
-          <a:lstStyle/>
-          <a:p>
-            <a:fld id="{AB2458EA-1F5A-154D-AFF5-4CF2DF8977D4}" type="datetimeFigureOut">
-              <a:rPr lang="en-US" smtClean="0"/>
-              <a:t>11/18/19</a:t>
-            </a:fld>
-            <a:endParaRPr lang="en-US"/>
-          </a:p>
-        </p:txBody>
-      </p:sp>
-      <p:sp>
-        <p:nvSpPr>
-          <p:cNvPr id="5" name="Footer Placeholder 4"/>
-          <p:cNvSpPr>
-            <a:spLocks noGrp="1"/>
-          </p:cNvSpPr>
-          <p:nvPr>
-            <p:ph type="ftr" sz="quarter" idx="11"/>
-          </p:nvPr>
-        </p:nvSpPr>
-        <p:spPr/>
-        <p:txBody>
-          <a:bodyPr/>
-          <a:lstStyle/>
-          <a:p>
-            <a:endParaRPr lang="en-US"/>
-          </a:p>
-        </p:txBody>
-      </p:sp>
-      <p:sp>
-        <p:nvSpPr>
-          <p:cNvPr id="9" name="Freeform 11"/>
-          <p:cNvSpPr/>
-          <p:nvPr/>
-        </p:nvSpPr>
-        <p:spPr bwMode="auto">
-          <a:xfrm flipV="1">
-            <a:off x="-3141" y="2648479"/>
-            <a:ext cx="1191395" cy="422748"/>
-          </a:xfrm>
-          <a:custGeom>
-            <a:avLst/>
-            <a:gdLst/>
-            <a:ahLst/>
-            <a:cxnLst/>
-            <a:rect l="l" t="t" r="r" b="b"/>
-            <a:pathLst>
-              <a:path w="9248" h="10000">
-                <a:moveTo>
-                  <a:pt x="9248" y="4701"/>
-                </a:moveTo>
-                <a:lnTo>
-                  <a:pt x="7915" y="188"/>
-                </a:lnTo>
-                <a:cubicBezTo>
-                  <a:pt x="7906" y="156"/>
-                  <a:pt x="7895" y="126"/>
-                  <a:pt x="7886" y="94"/>
-                </a:cubicBezTo>
-                <a:cubicBezTo>
-                  <a:pt x="7859" y="0"/>
-                  <a:pt x="7831" y="0"/>
-                  <a:pt x="7803" y="0"/>
-                </a:cubicBezTo>
-                <a:lnTo>
-                  <a:pt x="7275" y="0"/>
-                </a:lnTo>
-                <a:lnTo>
-                  <a:pt x="0" y="70"/>
-                </a:lnTo>
-                <a:cubicBezTo>
-                  <a:pt x="8" y="3380"/>
-                  <a:pt x="17" y="6690"/>
-                  <a:pt x="25" y="10000"/>
-                </a:cubicBezTo>
-                <a:lnTo>
-                  <a:pt x="7275" y="9966"/>
-                </a:lnTo>
-                <a:lnTo>
-                  <a:pt x="7803" y="9966"/>
-                </a:lnTo>
-                <a:cubicBezTo>
-                  <a:pt x="7831" y="9966"/>
-                  <a:pt x="7859" y="9872"/>
-                  <a:pt x="7886" y="9872"/>
-                </a:cubicBezTo>
-                <a:cubicBezTo>
-                  <a:pt x="7886" y="9778"/>
-                  <a:pt x="7915" y="9778"/>
-                  <a:pt x="7915" y="9778"/>
-                </a:cubicBezTo>
-                <a:lnTo>
-                  <a:pt x="9248" y="5265"/>
-                </a:lnTo>
-                <a:cubicBezTo>
-                  <a:pt x="9303" y="5077"/>
-                  <a:pt x="9303" y="4889"/>
-                  <a:pt x="9248" y="4701"/>
-                </a:cubicBezTo>
-                <a:close/>
-              </a:path>
-            </a:pathLst>
-          </a:custGeom>
-          <a:solidFill>
-            <a:schemeClr val="accent1"/>
-          </a:solidFill>
-          <a:ln>
-            <a:noFill/>
-          </a:ln>
-        </p:spPr>
-      </p:sp>
-      <p:sp>
-        <p:nvSpPr>
-          <p:cNvPr id="6" name="Slide Number Placeholder 5"/>
-          <p:cNvSpPr>
-            <a:spLocks noGrp="1"/>
-          </p:cNvSpPr>
-          <p:nvPr>
-            <p:ph type="sldNum" sz="quarter" idx="12"/>
-          </p:nvPr>
-        </p:nvSpPr>
-        <p:spPr>
-          <a:xfrm>
-            <a:off x="398860" y="2703450"/>
-            <a:ext cx="584825" cy="304271"/>
-          </a:xfrm>
-        </p:spPr>
-        <p:txBody>
-          <a:bodyPr/>
-          <a:lstStyle/>
-          <a:p>
-            <a:fld id="{45D8DECA-3F01-4D4D-9CE8-CE0BA91433C8}" type="slidenum">
-              <a:rPr lang="en-US" smtClean="0"/>
-              <a:t>‹#›</a:t>
-            </a:fld>
-            <a:endParaRPr lang="en-US"/>
-          </a:p>
-        </p:txBody>
-      </p:sp>
-    </p:spTree>
-    <p:extLst>
-      <p:ext uri="{BB962C8B-B14F-4D97-AF65-F5344CB8AC3E}">
-        <p14:creationId xmlns:p14="http://schemas.microsoft.com/office/powerpoint/2010/main" val="3252351407"/>
-      </p:ext>
-    </p:extLst>
-  </p:cSld>
-  <p:clrMapOvr>
-    <a:masterClrMapping/>
-  </p:clrMapOvr>
-</p:sldLayout>
-</file>
-
-<file path=ppt/slideLayouts/slideLayout11.xml><?xml version="1.0" encoding="utf-8"?>
-<p:sldLayout xmlns:a="http://schemas.openxmlformats.org/drawingml/2006/main" xmlns:r="http://schemas.openxmlformats.org/officeDocument/2006/relationships" xmlns:p="http://schemas.openxmlformats.org/presentationml/2006/main" preserve="1">
-  <p:cSld name="Quote with Caption">
-    <p:spTree>
-      <p:nvGrpSpPr>
-        <p:cNvPr id="1" name=""/>
-        <p:cNvGrpSpPr/>
-        <p:nvPr/>
-      </p:nvGrpSpPr>
-      <p:grpSpPr>
-        <a:xfrm>
-          <a:off x="0" y="0"/>
-          <a:ext cx="0" cy="0"/>
-          <a:chOff x="0" y="0"/>
-          <a:chExt cx="0" cy="0"/>
-        </a:xfrm>
-      </p:grpSpPr>
-      <p:sp>
-        <p:nvSpPr>
-          <p:cNvPr id="2" name="Title 1"/>
-          <p:cNvSpPr>
-            <a:spLocks noGrp="1"/>
-          </p:cNvSpPr>
-          <p:nvPr>
-            <p:ph type="title"/>
-          </p:nvPr>
-        </p:nvSpPr>
-        <p:spPr>
-          <a:xfrm>
-            <a:off x="2137462" y="508000"/>
-            <a:ext cx="6295445" cy="2413000"/>
-          </a:xfrm>
-        </p:spPr>
-        <p:txBody>
-          <a:bodyPr anchor="ctr">
-            <a:normAutofit/>
-          </a:bodyPr>
-          <a:lstStyle>
-            <a:lvl1pPr algn="l">
-              <a:defRPr sz="3600" b="0" cap="none"/>
-            </a:lvl1pPr>
-          </a:lstStyle>
-          <a:p>
-            <a:r>
-              <a:rPr lang="en-US"/>
-              <a:t>Click to edit Master title style</a:t>
-            </a:r>
-            <a:endParaRPr lang="en-US" dirty="0"/>
-          </a:p>
-        </p:txBody>
-      </p:sp>
-      <p:sp>
-        <p:nvSpPr>
-          <p:cNvPr id="13" name="Text Placeholder 9"/>
-          <p:cNvSpPr>
-            <a:spLocks noGrp="1"/>
-          </p:cNvSpPr>
-          <p:nvPr>
-            <p:ph type="body" sz="quarter" idx="13"/>
-          </p:nvPr>
-        </p:nvSpPr>
-        <p:spPr>
-          <a:xfrm>
-            <a:off x="2456259" y="2921000"/>
-            <a:ext cx="5652416" cy="317500"/>
-          </a:xfrm>
-        </p:spPr>
-        <p:txBody>
-          <a:bodyPr anchor="ctr">
-            <a:noAutofit/>
-          </a:bodyPr>
-          <a:lstStyle>
-            <a:lvl1pPr marL="0" indent="0">
-              <a:buFontTx/>
-              <a:buNone/>
-              <a:defRPr sz="1200">
-                <a:solidFill>
-                  <a:schemeClr val="tx1">
-                    <a:lumMod val="50000"/>
-                    <a:lumOff val="50000"/>
-                  </a:schemeClr>
-                </a:solidFill>
-              </a:defRPr>
-            </a:lvl1pPr>
-            <a:lvl2pPr marL="342900" indent="0">
-              <a:buFontTx/>
-              <a:buNone/>
-              <a:defRPr/>
-            </a:lvl2pPr>
-            <a:lvl3pPr marL="685800" indent="0">
-              <a:buFontTx/>
-              <a:buNone/>
-              <a:defRPr/>
-            </a:lvl3pPr>
-            <a:lvl4pPr marL="1028700" indent="0">
-              <a:buFontTx/>
-              <a:buNone/>
-              <a:defRPr/>
-            </a:lvl4pPr>
-            <a:lvl5pPr marL="1371600" indent="0">
-              <a:buFontTx/>
-              <a:buNone/>
-              <a:defRPr/>
-            </a:lvl5pPr>
-          </a:lstStyle>
-          <a:p>
-            <a:pPr lvl="0"/>
-            <a:r>
-              <a:rPr lang="en-US"/>
-              <a:t>Edit Master text styles</a:t>
-            </a:r>
-          </a:p>
-        </p:txBody>
-      </p:sp>
-      <p:sp>
-        <p:nvSpPr>
-          <p:cNvPr id="3" name="Text Placeholder 2"/>
-          <p:cNvSpPr>
-            <a:spLocks noGrp="1"/>
-          </p:cNvSpPr>
-          <p:nvPr>
-            <p:ph type="body" idx="1"/>
-          </p:nvPr>
-        </p:nvSpPr>
-        <p:spPr>
-          <a:xfrm>
-            <a:off x="1941910" y="3628372"/>
-            <a:ext cx="6686549" cy="1296553"/>
-          </a:xfrm>
-        </p:spPr>
-        <p:txBody>
-          <a:bodyPr anchor="ctr">
-            <a:normAutofit/>
-          </a:bodyPr>
-          <a:lstStyle>
-            <a:lvl1pPr marL="0" indent="0" algn="l">
-              <a:buNone/>
-              <a:defRPr sz="1350">
-                <a:solidFill>
-                  <a:schemeClr val="tx1">
-                    <a:lumMod val="65000"/>
-                    <a:lumOff val="35000"/>
-                  </a:schemeClr>
-                </a:solidFill>
-              </a:defRPr>
-            </a:lvl1pPr>
-            <a:lvl2pPr marL="342900" indent="0">
-              <a:buNone/>
-              <a:defRPr sz="1350">
-                <a:solidFill>
-                  <a:schemeClr val="tx1">
-                    <a:tint val="75000"/>
-                  </a:schemeClr>
-                </a:solidFill>
-              </a:defRPr>
-            </a:lvl2pPr>
-            <a:lvl3pPr marL="685800" indent="0">
-              <a:buNone/>
-              <a:defRPr sz="1200">
-                <a:solidFill>
-                  <a:schemeClr val="tx1">
-                    <a:tint val="75000"/>
-                  </a:schemeClr>
-                </a:solidFill>
-              </a:defRPr>
-            </a:lvl3pPr>
-            <a:lvl4pPr marL="1028700" indent="0">
-              <a:buNone/>
-              <a:defRPr sz="1050">
-                <a:solidFill>
-                  <a:schemeClr val="tx1">
-                    <a:tint val="75000"/>
-                  </a:schemeClr>
-                </a:solidFill>
-              </a:defRPr>
-            </a:lvl4pPr>
-            <a:lvl5pPr marL="1371600" indent="0">
-              <a:buNone/>
-              <a:defRPr sz="1050">
-                <a:solidFill>
-                  <a:schemeClr val="tx1">
-                    <a:tint val="75000"/>
-                  </a:schemeClr>
-                </a:solidFill>
-              </a:defRPr>
-            </a:lvl5pPr>
-            <a:lvl6pPr marL="1714500" indent="0">
-              <a:buNone/>
-              <a:defRPr sz="1050">
-                <a:solidFill>
-                  <a:schemeClr val="tx1">
-                    <a:tint val="75000"/>
-                  </a:schemeClr>
-                </a:solidFill>
-              </a:defRPr>
-            </a:lvl6pPr>
-            <a:lvl7pPr marL="2057400" indent="0">
-              <a:buNone/>
-              <a:defRPr sz="1050">
-                <a:solidFill>
-                  <a:schemeClr val="tx1">
-                    <a:tint val="75000"/>
-                  </a:schemeClr>
-                </a:solidFill>
-              </a:defRPr>
-            </a:lvl7pPr>
-            <a:lvl8pPr marL="2400300" indent="0">
-              <a:buNone/>
-              <a:defRPr sz="1050">
-                <a:solidFill>
-                  <a:schemeClr val="tx1">
-                    <a:tint val="75000"/>
-                  </a:schemeClr>
-                </a:solidFill>
-              </a:defRPr>
-            </a:lvl8pPr>
-            <a:lvl9pPr marL="2743200" indent="0">
-              <a:buNone/>
-              <a:defRPr sz="1050">
-                <a:solidFill>
-                  <a:schemeClr val="tx1">
-                    <a:tint val="75000"/>
-                  </a:schemeClr>
-                </a:solidFill>
-              </a:defRPr>
-            </a:lvl9pPr>
-          </a:lstStyle>
-          <a:p>
-            <a:pPr lvl="0"/>
-            <a:r>
-              <a:rPr lang="en-US"/>
-              <a:t>Edit Master text styles</a:t>
-            </a:r>
-          </a:p>
-        </p:txBody>
-      </p:sp>
-      <p:sp>
-        <p:nvSpPr>
-          <p:cNvPr id="4" name="Date Placeholder 3"/>
-          <p:cNvSpPr>
-            <a:spLocks noGrp="1"/>
-          </p:cNvSpPr>
-          <p:nvPr>
-            <p:ph type="dt" sz="half" idx="10"/>
-          </p:nvPr>
-        </p:nvSpPr>
-        <p:spPr/>
-        <p:txBody>
-          <a:bodyPr/>
-          <a:lstStyle/>
-          <a:p>
-            <a:fld id="{AB2458EA-1F5A-154D-AFF5-4CF2DF8977D4}" type="datetimeFigureOut">
-              <a:rPr lang="en-US" smtClean="0"/>
-              <a:t>11/18/19</a:t>
-            </a:fld>
-            <a:endParaRPr lang="en-US"/>
-          </a:p>
-        </p:txBody>
-      </p:sp>
-      <p:sp>
-        <p:nvSpPr>
-          <p:cNvPr id="5" name="Footer Placeholder 4"/>
-          <p:cNvSpPr>
-            <a:spLocks noGrp="1"/>
-          </p:cNvSpPr>
-          <p:nvPr>
-            <p:ph type="ftr" sz="quarter" idx="11"/>
-          </p:nvPr>
-        </p:nvSpPr>
-        <p:spPr/>
-        <p:txBody>
-          <a:bodyPr/>
-          <a:lstStyle/>
-          <a:p>
-            <a:endParaRPr lang="en-US"/>
-          </a:p>
-        </p:txBody>
-      </p:sp>
-      <p:sp>
-        <p:nvSpPr>
-          <p:cNvPr id="11" name="Freeform 11"/>
-          <p:cNvSpPr/>
-          <p:nvPr/>
-        </p:nvSpPr>
-        <p:spPr bwMode="auto">
-          <a:xfrm flipV="1">
-            <a:off x="-3141" y="2648479"/>
-            <a:ext cx="1191395" cy="422748"/>
-          </a:xfrm>
-          <a:custGeom>
-            <a:avLst/>
-            <a:gdLst/>
-            <a:ahLst/>
-            <a:cxnLst/>
-            <a:rect l="l" t="t" r="r" b="b"/>
-            <a:pathLst>
-              <a:path w="9248" h="10000">
-                <a:moveTo>
-                  <a:pt x="9248" y="4701"/>
-                </a:moveTo>
-                <a:lnTo>
-                  <a:pt x="7915" y="188"/>
-                </a:lnTo>
-                <a:cubicBezTo>
-                  <a:pt x="7906" y="156"/>
-                  <a:pt x="7895" y="126"/>
-                  <a:pt x="7886" y="94"/>
-                </a:cubicBezTo>
-                <a:cubicBezTo>
-                  <a:pt x="7859" y="0"/>
-                  <a:pt x="7831" y="0"/>
-                  <a:pt x="7803" y="0"/>
-                </a:cubicBezTo>
-                <a:lnTo>
-                  <a:pt x="7275" y="0"/>
-                </a:lnTo>
-                <a:lnTo>
-                  <a:pt x="0" y="70"/>
-                </a:lnTo>
-                <a:cubicBezTo>
-                  <a:pt x="8" y="3380"/>
-                  <a:pt x="17" y="6690"/>
-                  <a:pt x="25" y="10000"/>
-                </a:cubicBezTo>
-                <a:lnTo>
-                  <a:pt x="7275" y="9966"/>
-                </a:lnTo>
-                <a:lnTo>
-                  <a:pt x="7803" y="9966"/>
-                </a:lnTo>
-                <a:cubicBezTo>
-                  <a:pt x="7831" y="9966"/>
-                  <a:pt x="7859" y="9872"/>
-                  <a:pt x="7886" y="9872"/>
-                </a:cubicBezTo>
-                <a:cubicBezTo>
-                  <a:pt x="7886" y="9778"/>
-                  <a:pt x="7915" y="9778"/>
-                  <a:pt x="7915" y="9778"/>
-                </a:cubicBezTo>
-                <a:lnTo>
-                  <a:pt x="9248" y="5265"/>
-                </a:lnTo>
-                <a:cubicBezTo>
-                  <a:pt x="9303" y="5077"/>
-                  <a:pt x="9303" y="4889"/>
-                  <a:pt x="9248" y="4701"/>
-                </a:cubicBezTo>
-                <a:close/>
-              </a:path>
-            </a:pathLst>
-          </a:custGeom>
-          <a:solidFill>
-            <a:schemeClr val="accent1"/>
-          </a:solidFill>
-          <a:ln>
-            <a:noFill/>
-          </a:ln>
-        </p:spPr>
-      </p:sp>
-      <p:sp>
-        <p:nvSpPr>
-          <p:cNvPr id="6" name="Slide Number Placeholder 5"/>
-          <p:cNvSpPr>
-            <a:spLocks noGrp="1"/>
-          </p:cNvSpPr>
-          <p:nvPr>
-            <p:ph type="sldNum" sz="quarter" idx="12"/>
-          </p:nvPr>
-        </p:nvSpPr>
-        <p:spPr>
-          <a:xfrm>
-            <a:off x="398860" y="2703450"/>
-            <a:ext cx="584825" cy="304271"/>
-          </a:xfrm>
-        </p:spPr>
-        <p:txBody>
-          <a:bodyPr/>
-          <a:lstStyle/>
-          <a:p>
-            <a:fld id="{45D8DECA-3F01-4D4D-9CE8-CE0BA91433C8}" type="slidenum">
-              <a:rPr lang="en-US" smtClean="0"/>
-              <a:t>‹#›</a:t>
-            </a:fld>
-            <a:endParaRPr lang="en-US"/>
-          </a:p>
-        </p:txBody>
-      </p:sp>
-      <p:sp>
-        <p:nvSpPr>
-          <p:cNvPr id="14" name="TextBox 13"/>
-          <p:cNvSpPr txBox="1"/>
-          <p:nvPr/>
-        </p:nvSpPr>
-        <p:spPr>
-          <a:xfrm>
-            <a:off x="1850739" y="540004"/>
-            <a:ext cx="457200" cy="487313"/>
-          </a:xfrm>
-          <a:prstGeom prst="rect">
-            <a:avLst/>
-          </a:prstGeom>
-        </p:spPr>
-        <p:txBody>
-          <a:bodyPr vert="horz" lIns="68580" tIns="34290" rIns="68580" bIns="34290" rtlCol="0" anchor="ctr">
-            <a:noAutofit/>
-          </a:bodyPr>
-          <a:lstStyle/>
-          <a:p>
-            <a:pPr lvl="0"/>
-            <a:r>
-              <a:rPr lang="en-US" sz="6000" baseline="0" dirty="0">
-                <a:ln w="3175" cmpd="sng">
-                  <a:noFill/>
-                </a:ln>
-                <a:solidFill>
-                  <a:schemeClr val="accent1"/>
-                </a:solidFill>
-                <a:effectLst/>
-                <a:latin typeface="Arial"/>
-              </a:rPr>
-              <a:t>“</a:t>
-            </a:r>
-          </a:p>
-        </p:txBody>
-      </p:sp>
-      <p:sp>
-        <p:nvSpPr>
-          <p:cNvPr id="15" name="TextBox 14"/>
-          <p:cNvSpPr txBox="1"/>
-          <p:nvPr/>
-        </p:nvSpPr>
-        <p:spPr>
-          <a:xfrm>
-            <a:off x="8336139" y="2421089"/>
-            <a:ext cx="457200" cy="487313"/>
-          </a:xfrm>
-          <a:prstGeom prst="rect">
-            <a:avLst/>
-          </a:prstGeom>
-        </p:spPr>
-        <p:txBody>
-          <a:bodyPr vert="horz" lIns="68580" tIns="34290" rIns="68580" bIns="34290" rtlCol="0" anchor="ctr">
-            <a:noAutofit/>
-          </a:bodyPr>
-          <a:lstStyle/>
-          <a:p>
-            <a:pPr lvl="0"/>
-            <a:r>
-              <a:rPr lang="en-US" sz="6000" baseline="0" dirty="0">
-                <a:ln w="3175" cmpd="sng">
-                  <a:noFill/>
-                </a:ln>
-                <a:solidFill>
-                  <a:schemeClr val="accent1"/>
-                </a:solidFill>
-                <a:effectLst/>
-                <a:latin typeface="Arial"/>
-              </a:rPr>
-              <a:t>”</a:t>
-            </a:r>
-          </a:p>
-        </p:txBody>
-      </p:sp>
-    </p:spTree>
-    <p:extLst>
-      <p:ext uri="{BB962C8B-B14F-4D97-AF65-F5344CB8AC3E}">
-        <p14:creationId xmlns:p14="http://schemas.microsoft.com/office/powerpoint/2010/main" val="3717801437"/>
-      </p:ext>
-    </p:extLst>
-  </p:cSld>
-  <p:clrMapOvr>
-    <a:masterClrMapping/>
-  </p:clrMapOvr>
-</p:sldLayout>
-</file>
-
-<file path=ppt/slideLayouts/slideLayout12.xml><?xml version="1.0" encoding="utf-8"?>
-<p:sldLayout xmlns:a="http://schemas.openxmlformats.org/drawingml/2006/main" xmlns:r="http://schemas.openxmlformats.org/officeDocument/2006/relationships" xmlns:p="http://schemas.openxmlformats.org/presentationml/2006/main" preserve="1">
-  <p:cSld name="Name Card">
-    <p:spTree>
-      <p:nvGrpSpPr>
-        <p:cNvPr id="1" name=""/>
-        <p:cNvGrpSpPr/>
-        <p:nvPr/>
-      </p:nvGrpSpPr>
-      <p:grpSpPr>
-        <a:xfrm>
-          <a:off x="0" y="0"/>
-          <a:ext cx="0" cy="0"/>
-          <a:chOff x="0" y="0"/>
-          <a:chExt cx="0" cy="0"/>
-        </a:xfrm>
-      </p:grpSpPr>
-      <p:sp>
-        <p:nvSpPr>
-          <p:cNvPr id="2" name="Title 1"/>
-          <p:cNvSpPr>
-            <a:spLocks noGrp="1"/>
-          </p:cNvSpPr>
-          <p:nvPr>
-            <p:ph type="title"/>
-          </p:nvPr>
-        </p:nvSpPr>
-        <p:spPr>
-          <a:xfrm>
-            <a:off x="1941910" y="2032001"/>
-            <a:ext cx="6686550" cy="2270704"/>
-          </a:xfrm>
-        </p:spPr>
-        <p:txBody>
-          <a:bodyPr anchor="b">
-            <a:normAutofit/>
-          </a:bodyPr>
-          <a:lstStyle>
-            <a:lvl1pPr algn="l">
-              <a:defRPr sz="3600" b="0"/>
-            </a:lvl1pPr>
-          </a:lstStyle>
-          <a:p>
-            <a:r>
-              <a:rPr lang="en-US"/>
-              <a:t>Click to edit Master title style</a:t>
-            </a:r>
-            <a:endParaRPr lang="en-US" dirty="0"/>
-          </a:p>
-        </p:txBody>
-      </p:sp>
-      <p:sp>
-        <p:nvSpPr>
-          <p:cNvPr id="4" name="Text Placeholder 3"/>
-          <p:cNvSpPr>
-            <a:spLocks noGrp="1"/>
-          </p:cNvSpPr>
-          <p:nvPr>
-            <p:ph type="body" sz="half" idx="2"/>
-          </p:nvPr>
-        </p:nvSpPr>
-        <p:spPr>
-          <a:xfrm>
-            <a:off x="1941910" y="4318000"/>
-            <a:ext cx="6686550" cy="608018"/>
-          </a:xfrm>
-        </p:spPr>
-        <p:txBody>
-          <a:bodyPr vert="horz" lIns="91440" tIns="45720" rIns="91440" bIns="45720" rtlCol="0" anchor="t">
-            <a:normAutofit/>
-          </a:bodyPr>
-          <a:lstStyle>
-            <a:lvl1pPr>
-              <a:buNone/>
-              <a:defRPr lang="en-US">
-                <a:solidFill>
-                  <a:schemeClr val="tx1">
-                    <a:lumMod val="65000"/>
-                    <a:lumOff val="35000"/>
-                  </a:schemeClr>
-                </a:solidFill>
-              </a:defRPr>
-            </a:lvl1pPr>
-          </a:lstStyle>
-          <a:p>
-            <a:pPr marL="0" lvl="0" indent="0">
-              <a:buNone/>
-            </a:pPr>
-            <a:r>
-              <a:rPr lang="en-US"/>
-              <a:t>Edit Master text styles</a:t>
-            </a:r>
-          </a:p>
-        </p:txBody>
-      </p:sp>
-      <p:sp>
-        <p:nvSpPr>
-          <p:cNvPr id="5" name="Date Placeholder 4"/>
-          <p:cNvSpPr>
-            <a:spLocks noGrp="1"/>
-          </p:cNvSpPr>
-          <p:nvPr>
-            <p:ph type="dt" sz="half" idx="10"/>
-          </p:nvPr>
-        </p:nvSpPr>
-        <p:spPr/>
-        <p:txBody>
-          <a:bodyPr/>
-          <a:lstStyle/>
-          <a:p>
-            <a:fld id="{AB2458EA-1F5A-154D-AFF5-4CF2DF8977D4}" type="datetimeFigureOut">
-              <a:rPr lang="en-US" smtClean="0"/>
-              <a:t>11/18/19</a:t>
-            </a:fld>
-            <a:endParaRPr lang="en-US"/>
-          </a:p>
-        </p:txBody>
-      </p:sp>
-      <p:sp>
-        <p:nvSpPr>
-          <p:cNvPr id="6" name="Footer Placeholder 5"/>
-          <p:cNvSpPr>
-            <a:spLocks noGrp="1"/>
-          </p:cNvSpPr>
-          <p:nvPr>
-            <p:ph type="ftr" sz="quarter" idx="11"/>
-          </p:nvPr>
-        </p:nvSpPr>
-        <p:spPr/>
-        <p:txBody>
-          <a:bodyPr/>
-          <a:lstStyle/>
-          <a:p>
-            <a:endParaRPr lang="en-US"/>
-          </a:p>
-        </p:txBody>
-      </p:sp>
-      <p:sp>
-        <p:nvSpPr>
-          <p:cNvPr id="9" name="Freeform 11"/>
-          <p:cNvSpPr/>
-          <p:nvPr/>
-        </p:nvSpPr>
-        <p:spPr bwMode="auto">
-          <a:xfrm flipV="1">
-            <a:off x="-3141" y="4093104"/>
-            <a:ext cx="1191395" cy="422748"/>
-          </a:xfrm>
-          <a:custGeom>
-            <a:avLst/>
-            <a:gdLst/>
-            <a:ahLst/>
-            <a:cxnLst/>
-            <a:rect l="l" t="t" r="r" b="b"/>
-            <a:pathLst>
-              <a:path w="9248" h="10000">
-                <a:moveTo>
-                  <a:pt x="9248" y="4701"/>
-                </a:moveTo>
-                <a:lnTo>
-                  <a:pt x="7915" y="188"/>
-                </a:lnTo>
-                <a:cubicBezTo>
-                  <a:pt x="7906" y="156"/>
-                  <a:pt x="7895" y="126"/>
-                  <a:pt x="7886" y="94"/>
-                </a:cubicBezTo>
-                <a:cubicBezTo>
-                  <a:pt x="7859" y="0"/>
-                  <a:pt x="7831" y="0"/>
-                  <a:pt x="7803" y="0"/>
-                </a:cubicBezTo>
-                <a:lnTo>
-                  <a:pt x="7275" y="0"/>
-                </a:lnTo>
-                <a:lnTo>
-                  <a:pt x="0" y="70"/>
-                </a:lnTo>
-                <a:cubicBezTo>
-                  <a:pt x="8" y="3380"/>
-                  <a:pt x="17" y="6690"/>
-                  <a:pt x="25" y="10000"/>
-                </a:cubicBezTo>
-                <a:lnTo>
-                  <a:pt x="7275" y="9966"/>
-                </a:lnTo>
-                <a:lnTo>
-                  <a:pt x="7803" y="9966"/>
-                </a:lnTo>
-                <a:cubicBezTo>
-                  <a:pt x="7831" y="9966"/>
-                  <a:pt x="7859" y="9872"/>
-                  <a:pt x="7886" y="9872"/>
-                </a:cubicBezTo>
-                <a:cubicBezTo>
-                  <a:pt x="7886" y="9778"/>
-                  <a:pt x="7915" y="9778"/>
-                  <a:pt x="7915" y="9778"/>
-                </a:cubicBezTo>
-                <a:lnTo>
-                  <a:pt x="9248" y="5265"/>
-                </a:lnTo>
-                <a:cubicBezTo>
-                  <a:pt x="9303" y="5077"/>
-                  <a:pt x="9303" y="4889"/>
-                  <a:pt x="9248" y="4701"/>
-                </a:cubicBezTo>
-                <a:close/>
-              </a:path>
-            </a:pathLst>
-          </a:custGeom>
-          <a:solidFill>
-            <a:schemeClr val="accent1"/>
-          </a:solidFill>
-          <a:ln>
-            <a:noFill/>
-          </a:ln>
-        </p:spPr>
-      </p:sp>
-      <p:sp>
-        <p:nvSpPr>
-          <p:cNvPr id="7" name="Slide Number Placeholder 6"/>
-          <p:cNvSpPr>
-            <a:spLocks noGrp="1"/>
-          </p:cNvSpPr>
-          <p:nvPr>
-            <p:ph type="sldNum" sz="quarter" idx="12"/>
-          </p:nvPr>
-        </p:nvSpPr>
-        <p:spPr>
-          <a:xfrm>
-            <a:off x="398860" y="4152573"/>
-            <a:ext cx="584825" cy="304271"/>
-          </a:xfrm>
-        </p:spPr>
-        <p:txBody>
-          <a:bodyPr/>
-          <a:lstStyle/>
-          <a:p>
-            <a:fld id="{45D8DECA-3F01-4D4D-9CE8-CE0BA91433C8}" type="slidenum">
-              <a:rPr lang="en-US" smtClean="0"/>
-              <a:t>‹#›</a:t>
-            </a:fld>
-            <a:endParaRPr lang="en-US"/>
-          </a:p>
-        </p:txBody>
-      </p:sp>
-    </p:spTree>
-    <p:extLst>
-      <p:ext uri="{BB962C8B-B14F-4D97-AF65-F5344CB8AC3E}">
-        <p14:creationId xmlns:p14="http://schemas.microsoft.com/office/powerpoint/2010/main" val="4261027299"/>
-      </p:ext>
-    </p:extLst>
-  </p:cSld>
-  <p:clrMapOvr>
-    <a:masterClrMapping/>
-  </p:clrMapOvr>
-</p:sldLayout>
-</file>
-
-<file path=ppt/slideLayouts/slideLayout13.xml><?xml version="1.0" encoding="utf-8"?>
-<p:sldLayout xmlns:a="http://schemas.openxmlformats.org/drawingml/2006/main" xmlns:r="http://schemas.openxmlformats.org/officeDocument/2006/relationships" xmlns:p="http://schemas.openxmlformats.org/presentationml/2006/main" preserve="1">
-  <p:cSld name="Quote Name Card">
-    <p:spTree>
-      <p:nvGrpSpPr>
-        <p:cNvPr id="1" name=""/>
-        <p:cNvGrpSpPr/>
-        <p:nvPr/>
-      </p:nvGrpSpPr>
-      <p:grpSpPr>
-        <a:xfrm>
-          <a:off x="0" y="0"/>
-          <a:ext cx="0" cy="0"/>
-          <a:chOff x="0" y="0"/>
-          <a:chExt cx="0" cy="0"/>
-        </a:xfrm>
-      </p:grpSpPr>
-      <p:sp>
-        <p:nvSpPr>
-          <p:cNvPr id="12" name="Title 1"/>
-          <p:cNvSpPr>
-            <a:spLocks noGrp="1"/>
-          </p:cNvSpPr>
-          <p:nvPr>
-            <p:ph type="title"/>
-          </p:nvPr>
-        </p:nvSpPr>
-        <p:spPr>
-          <a:xfrm>
-            <a:off x="2137462" y="508000"/>
-            <a:ext cx="6295445" cy="2413000"/>
-          </a:xfrm>
-        </p:spPr>
-        <p:txBody>
-          <a:bodyPr anchor="ctr">
-            <a:normAutofit/>
-          </a:bodyPr>
-          <a:lstStyle>
-            <a:lvl1pPr algn="l">
-              <a:defRPr sz="3600" b="0" cap="none"/>
-            </a:lvl1pPr>
-          </a:lstStyle>
-          <a:p>
-            <a:r>
-              <a:rPr lang="en-US"/>
-              <a:t>Click to edit Master title style</a:t>
-            </a:r>
-            <a:endParaRPr lang="en-US" dirty="0"/>
-          </a:p>
-        </p:txBody>
-      </p:sp>
-      <p:sp>
-        <p:nvSpPr>
-          <p:cNvPr id="21" name="Text Placeholder 9"/>
-          <p:cNvSpPr>
-            <a:spLocks noGrp="1"/>
-          </p:cNvSpPr>
-          <p:nvPr>
-            <p:ph type="body" sz="quarter" idx="13"/>
-          </p:nvPr>
-        </p:nvSpPr>
-        <p:spPr>
-          <a:xfrm>
-            <a:off x="1941909" y="3619500"/>
-            <a:ext cx="6686550" cy="698500"/>
-          </a:xfrm>
-        </p:spPr>
-        <p:txBody>
-          <a:bodyPr anchor="b">
-            <a:noAutofit/>
-          </a:bodyPr>
-          <a:lstStyle>
-            <a:lvl1pPr marL="0" indent="0">
-              <a:buFontTx/>
-              <a:buNone/>
-              <a:defRPr sz="1800">
-                <a:solidFill>
-                  <a:schemeClr val="accent1"/>
-                </a:solidFill>
-              </a:defRPr>
-            </a:lvl1pPr>
-            <a:lvl2pPr marL="342900" indent="0">
-              <a:buFontTx/>
-              <a:buNone/>
-              <a:defRPr/>
-            </a:lvl2pPr>
-            <a:lvl3pPr marL="685800" indent="0">
-              <a:buFontTx/>
-              <a:buNone/>
-              <a:defRPr/>
-            </a:lvl3pPr>
-            <a:lvl4pPr marL="1028700" indent="0">
-              <a:buFontTx/>
-              <a:buNone/>
-              <a:defRPr/>
-            </a:lvl4pPr>
-            <a:lvl5pPr marL="1371600" indent="0">
-              <a:buFontTx/>
-              <a:buNone/>
-              <a:defRPr/>
-            </a:lvl5pPr>
-          </a:lstStyle>
-          <a:p>
-            <a:pPr lvl="0"/>
-            <a:r>
-              <a:rPr lang="en-US"/>
-              <a:t>Edit Master text styles</a:t>
-            </a:r>
-          </a:p>
-        </p:txBody>
-      </p:sp>
-      <p:sp>
-        <p:nvSpPr>
-          <p:cNvPr id="4" name="Text Placeholder 3"/>
-          <p:cNvSpPr>
-            <a:spLocks noGrp="1"/>
-          </p:cNvSpPr>
-          <p:nvPr>
-            <p:ph type="body" sz="half" idx="2"/>
-          </p:nvPr>
-        </p:nvSpPr>
-        <p:spPr>
-          <a:xfrm>
-            <a:off x="1941910" y="4318000"/>
-            <a:ext cx="6686550" cy="608018"/>
-          </a:xfrm>
-        </p:spPr>
-        <p:txBody>
-          <a:bodyPr vert="horz" lIns="91440" tIns="45720" rIns="91440" bIns="45720" rtlCol="0" anchor="t">
-            <a:normAutofit/>
-          </a:bodyPr>
-          <a:lstStyle>
-            <a:lvl1pPr>
-              <a:buNone/>
-              <a:defRPr lang="en-US">
-                <a:solidFill>
-                  <a:schemeClr val="tx1">
-                    <a:lumMod val="65000"/>
-                    <a:lumOff val="35000"/>
-                  </a:schemeClr>
-                </a:solidFill>
-              </a:defRPr>
-            </a:lvl1pPr>
-          </a:lstStyle>
-          <a:p>
-            <a:pPr marL="0" lvl="0" indent="0">
-              <a:buNone/>
-            </a:pPr>
-            <a:r>
-              <a:rPr lang="en-US"/>
-              <a:t>Edit Master text styles</a:t>
-            </a:r>
-          </a:p>
-        </p:txBody>
-      </p:sp>
-      <p:sp>
-        <p:nvSpPr>
-          <p:cNvPr id="5" name="Date Placeholder 4"/>
-          <p:cNvSpPr>
-            <a:spLocks noGrp="1"/>
-          </p:cNvSpPr>
-          <p:nvPr>
-            <p:ph type="dt" sz="half" idx="10"/>
-          </p:nvPr>
-        </p:nvSpPr>
-        <p:spPr/>
-        <p:txBody>
-          <a:bodyPr/>
-          <a:lstStyle/>
-          <a:p>
-            <a:fld id="{AB2458EA-1F5A-154D-AFF5-4CF2DF8977D4}" type="datetimeFigureOut">
-              <a:rPr lang="en-US" smtClean="0"/>
-              <a:t>11/18/19</a:t>
-            </a:fld>
-            <a:endParaRPr lang="en-US"/>
-          </a:p>
-        </p:txBody>
-      </p:sp>
-      <p:sp>
-        <p:nvSpPr>
-          <p:cNvPr id="6" name="Footer Placeholder 5"/>
-          <p:cNvSpPr>
-            <a:spLocks noGrp="1"/>
-          </p:cNvSpPr>
-          <p:nvPr>
-            <p:ph type="ftr" sz="quarter" idx="11"/>
-          </p:nvPr>
-        </p:nvSpPr>
-        <p:spPr/>
-        <p:txBody>
-          <a:bodyPr/>
-          <a:lstStyle/>
-          <a:p>
-            <a:endParaRPr lang="en-US"/>
-          </a:p>
-        </p:txBody>
-      </p:sp>
-      <p:sp>
-        <p:nvSpPr>
-          <p:cNvPr id="11" name="Freeform 11"/>
-          <p:cNvSpPr/>
-          <p:nvPr/>
-        </p:nvSpPr>
-        <p:spPr bwMode="auto">
-          <a:xfrm flipV="1">
-            <a:off x="-3141" y="4093104"/>
-            <a:ext cx="1191395" cy="422748"/>
-          </a:xfrm>
-          <a:custGeom>
-            <a:avLst/>
-            <a:gdLst/>
-            <a:ahLst/>
-            <a:cxnLst/>
-            <a:rect l="l" t="t" r="r" b="b"/>
-            <a:pathLst>
-              <a:path w="9248" h="10000">
-                <a:moveTo>
-                  <a:pt x="9248" y="4701"/>
-                </a:moveTo>
-                <a:lnTo>
-                  <a:pt x="7915" y="188"/>
-                </a:lnTo>
-                <a:cubicBezTo>
-                  <a:pt x="7906" y="156"/>
-                  <a:pt x="7895" y="126"/>
-                  <a:pt x="7886" y="94"/>
-                </a:cubicBezTo>
-                <a:cubicBezTo>
-                  <a:pt x="7859" y="0"/>
-                  <a:pt x="7831" y="0"/>
-                  <a:pt x="7803" y="0"/>
-                </a:cubicBezTo>
-                <a:lnTo>
-                  <a:pt x="7275" y="0"/>
-                </a:lnTo>
-                <a:lnTo>
-                  <a:pt x="0" y="70"/>
-                </a:lnTo>
-                <a:cubicBezTo>
-                  <a:pt x="8" y="3380"/>
-                  <a:pt x="17" y="6690"/>
-                  <a:pt x="25" y="10000"/>
-                </a:cubicBezTo>
-                <a:lnTo>
-                  <a:pt x="7275" y="9966"/>
-                </a:lnTo>
-                <a:lnTo>
-                  <a:pt x="7803" y="9966"/>
-                </a:lnTo>
-                <a:cubicBezTo>
-                  <a:pt x="7831" y="9966"/>
-                  <a:pt x="7859" y="9872"/>
-                  <a:pt x="7886" y="9872"/>
-                </a:cubicBezTo>
-                <a:cubicBezTo>
-                  <a:pt x="7886" y="9778"/>
-                  <a:pt x="7915" y="9778"/>
-                  <a:pt x="7915" y="9778"/>
-                </a:cubicBezTo>
-                <a:lnTo>
-                  <a:pt x="9248" y="5265"/>
-                </a:lnTo>
-                <a:cubicBezTo>
-                  <a:pt x="9303" y="5077"/>
-                  <a:pt x="9303" y="4889"/>
-                  <a:pt x="9248" y="4701"/>
-                </a:cubicBezTo>
-                <a:close/>
-              </a:path>
-            </a:pathLst>
-          </a:custGeom>
-          <a:solidFill>
-            <a:schemeClr val="accent1"/>
-          </a:solidFill>
-          <a:ln>
-            <a:noFill/>
-          </a:ln>
-        </p:spPr>
-      </p:sp>
-      <p:sp>
-        <p:nvSpPr>
-          <p:cNvPr id="7" name="Slide Number Placeholder 6"/>
-          <p:cNvSpPr>
-            <a:spLocks noGrp="1"/>
-          </p:cNvSpPr>
-          <p:nvPr>
-            <p:ph type="sldNum" sz="quarter" idx="12"/>
-          </p:nvPr>
-        </p:nvSpPr>
-        <p:spPr>
-          <a:xfrm>
-            <a:off x="398860" y="4152573"/>
-            <a:ext cx="584825" cy="304271"/>
-          </a:xfrm>
-        </p:spPr>
-        <p:txBody>
-          <a:bodyPr/>
-          <a:lstStyle/>
-          <a:p>
-            <a:fld id="{45D8DECA-3F01-4D4D-9CE8-CE0BA91433C8}" type="slidenum">
-              <a:rPr lang="en-US" smtClean="0"/>
-              <a:t>‹#›</a:t>
-            </a:fld>
-            <a:endParaRPr lang="en-US"/>
-          </a:p>
-        </p:txBody>
-      </p:sp>
-      <p:sp>
-        <p:nvSpPr>
-          <p:cNvPr id="17" name="TextBox 16"/>
-          <p:cNvSpPr txBox="1"/>
-          <p:nvPr/>
-        </p:nvSpPr>
-        <p:spPr>
-          <a:xfrm>
-            <a:off x="1850739" y="540004"/>
-            <a:ext cx="457200" cy="487313"/>
-          </a:xfrm>
-          <a:prstGeom prst="rect">
-            <a:avLst/>
-          </a:prstGeom>
-        </p:spPr>
-        <p:txBody>
-          <a:bodyPr vert="horz" lIns="68580" tIns="34290" rIns="68580" bIns="34290" rtlCol="0" anchor="ctr">
-            <a:noAutofit/>
-          </a:bodyPr>
-          <a:lstStyle/>
-          <a:p>
-            <a:pPr lvl="0"/>
-            <a:r>
-              <a:rPr lang="en-US" sz="6000" baseline="0" dirty="0">
-                <a:ln w="3175" cmpd="sng">
-                  <a:noFill/>
-                </a:ln>
-                <a:solidFill>
-                  <a:schemeClr val="accent1"/>
-                </a:solidFill>
-                <a:effectLst/>
-                <a:latin typeface="Arial"/>
-              </a:rPr>
-              <a:t>“</a:t>
-            </a:r>
-          </a:p>
-        </p:txBody>
-      </p:sp>
-      <p:sp>
-        <p:nvSpPr>
-          <p:cNvPr id="18" name="TextBox 17"/>
-          <p:cNvSpPr txBox="1"/>
-          <p:nvPr/>
-        </p:nvSpPr>
-        <p:spPr>
-          <a:xfrm>
-            <a:off x="8336139" y="2421089"/>
-            <a:ext cx="457200" cy="487313"/>
-          </a:xfrm>
-          <a:prstGeom prst="rect">
-            <a:avLst/>
-          </a:prstGeom>
-        </p:spPr>
-        <p:txBody>
-          <a:bodyPr vert="horz" lIns="68580" tIns="34290" rIns="68580" bIns="34290" rtlCol="0" anchor="ctr">
-            <a:noAutofit/>
-          </a:bodyPr>
-          <a:lstStyle/>
-          <a:p>
-            <a:pPr lvl="0"/>
-            <a:r>
-              <a:rPr lang="en-US" sz="6000" baseline="0" dirty="0">
-                <a:ln w="3175" cmpd="sng">
-                  <a:noFill/>
-                </a:ln>
-                <a:solidFill>
-                  <a:schemeClr val="accent1"/>
-                </a:solidFill>
-                <a:effectLst/>
-                <a:latin typeface="Arial"/>
-              </a:rPr>
-              <a:t>”</a:t>
-            </a:r>
-          </a:p>
-        </p:txBody>
-      </p:sp>
-    </p:spTree>
-    <p:extLst>
-      <p:ext uri="{BB962C8B-B14F-4D97-AF65-F5344CB8AC3E}">
-        <p14:creationId xmlns:p14="http://schemas.microsoft.com/office/powerpoint/2010/main" val="2658242710"/>
-      </p:ext>
-    </p:extLst>
-  </p:cSld>
-  <p:clrMapOvr>
-    <a:masterClrMapping/>
-  </p:clrMapOvr>
-</p:sldLayout>
-</file>
-
-<file path=ppt/slideLayouts/slideLayout14.xml><?xml version="1.0" encoding="utf-8"?>
-<p:sldLayout xmlns:a="http://schemas.openxmlformats.org/drawingml/2006/main" xmlns:r="http://schemas.openxmlformats.org/officeDocument/2006/relationships" xmlns:p="http://schemas.openxmlformats.org/presentationml/2006/main" preserve="1">
-  <p:cSld name="True or False">
-    <p:spTree>
-      <p:nvGrpSpPr>
-        <p:cNvPr id="1" name=""/>
-        <p:cNvGrpSpPr/>
-        <p:nvPr/>
-      </p:nvGrpSpPr>
-      <p:grpSpPr>
-        <a:xfrm>
-          <a:off x="0" y="0"/>
-          <a:ext cx="0" cy="0"/>
-          <a:chOff x="0" y="0"/>
-          <a:chExt cx="0" cy="0"/>
-        </a:xfrm>
-      </p:grpSpPr>
-      <p:sp>
-        <p:nvSpPr>
-          <p:cNvPr id="2" name="Title 1"/>
-          <p:cNvSpPr>
-            <a:spLocks noGrp="1"/>
-          </p:cNvSpPr>
-          <p:nvPr>
-            <p:ph type="title"/>
-          </p:nvPr>
-        </p:nvSpPr>
-        <p:spPr>
-          <a:xfrm>
-            <a:off x="1941910" y="522839"/>
-            <a:ext cx="6686549" cy="2400017"/>
-          </a:xfrm>
-        </p:spPr>
-        <p:txBody>
-          <a:bodyPr anchor="ctr">
-            <a:normAutofit/>
-          </a:bodyPr>
-          <a:lstStyle>
-            <a:lvl1pPr algn="l">
-              <a:defRPr sz="3600" b="0"/>
-            </a:lvl1pPr>
-          </a:lstStyle>
-          <a:p>
-            <a:r>
-              <a:rPr lang="en-US"/>
-              <a:t>Click to edit Master title style</a:t>
-            </a:r>
-            <a:endParaRPr lang="en-US" dirty="0"/>
-          </a:p>
-        </p:txBody>
-      </p:sp>
-      <p:sp>
-        <p:nvSpPr>
-          <p:cNvPr id="21" name="Text Placeholder 9"/>
-          <p:cNvSpPr>
-            <a:spLocks noGrp="1"/>
-          </p:cNvSpPr>
-          <p:nvPr>
-            <p:ph type="body" sz="quarter" idx="13"/>
-          </p:nvPr>
-        </p:nvSpPr>
-        <p:spPr>
-          <a:xfrm>
-            <a:off x="1941909" y="3619500"/>
-            <a:ext cx="6686550" cy="698500"/>
-          </a:xfrm>
-        </p:spPr>
-        <p:txBody>
-          <a:bodyPr anchor="b">
-            <a:noAutofit/>
-          </a:bodyPr>
-          <a:lstStyle>
-            <a:lvl1pPr marL="0" indent="0">
-              <a:buFontTx/>
-              <a:buNone/>
-              <a:defRPr sz="1800">
-                <a:solidFill>
-                  <a:schemeClr val="accent1"/>
-                </a:solidFill>
-              </a:defRPr>
-            </a:lvl1pPr>
-            <a:lvl2pPr marL="342900" indent="0">
-              <a:buFontTx/>
-              <a:buNone/>
-              <a:defRPr/>
-            </a:lvl2pPr>
-            <a:lvl3pPr marL="685800" indent="0">
-              <a:buFontTx/>
-              <a:buNone/>
-              <a:defRPr/>
-            </a:lvl3pPr>
-            <a:lvl4pPr marL="1028700" indent="0">
-              <a:buFontTx/>
-              <a:buNone/>
-              <a:defRPr/>
-            </a:lvl4pPr>
-            <a:lvl5pPr marL="1371600" indent="0">
-              <a:buFontTx/>
-              <a:buNone/>
-              <a:defRPr/>
-            </a:lvl5pPr>
-          </a:lstStyle>
-          <a:p>
-            <a:pPr lvl="0"/>
-            <a:r>
-              <a:rPr lang="en-US"/>
-              <a:t>Edit Master text styles</a:t>
-            </a:r>
-          </a:p>
-        </p:txBody>
-      </p:sp>
-      <p:sp>
-        <p:nvSpPr>
-          <p:cNvPr id="4" name="Text Placeholder 3"/>
-          <p:cNvSpPr>
-            <a:spLocks noGrp="1"/>
-          </p:cNvSpPr>
-          <p:nvPr>
-            <p:ph type="body" sz="half" idx="2"/>
-          </p:nvPr>
-        </p:nvSpPr>
-        <p:spPr>
-          <a:xfrm>
-            <a:off x="1941910" y="4318000"/>
-            <a:ext cx="6686550" cy="608018"/>
-          </a:xfrm>
-        </p:spPr>
-        <p:txBody>
-          <a:bodyPr vert="horz" lIns="91440" tIns="45720" rIns="91440" bIns="45720" rtlCol="0" anchor="t">
-            <a:normAutofit/>
-          </a:bodyPr>
-          <a:lstStyle>
-            <a:lvl1pPr>
-              <a:buNone/>
-              <a:defRPr lang="en-US">
-                <a:solidFill>
-                  <a:schemeClr val="tx1">
-                    <a:lumMod val="65000"/>
-                    <a:lumOff val="35000"/>
-                  </a:schemeClr>
-                </a:solidFill>
-              </a:defRPr>
-            </a:lvl1pPr>
-          </a:lstStyle>
-          <a:p>
-            <a:pPr marL="0" lvl="0" indent="0">
-              <a:buNone/>
-            </a:pPr>
-            <a:r>
-              <a:rPr lang="en-US"/>
-              <a:t>Edit Master text styles</a:t>
-            </a:r>
-          </a:p>
-        </p:txBody>
-      </p:sp>
-      <p:sp>
-        <p:nvSpPr>
-          <p:cNvPr id="5" name="Date Placeholder 4"/>
-          <p:cNvSpPr>
-            <a:spLocks noGrp="1"/>
-          </p:cNvSpPr>
-          <p:nvPr>
-            <p:ph type="dt" sz="half" idx="10"/>
-          </p:nvPr>
-        </p:nvSpPr>
-        <p:spPr/>
-        <p:txBody>
-          <a:bodyPr/>
-          <a:lstStyle/>
-          <a:p>
-            <a:fld id="{AB2458EA-1F5A-154D-AFF5-4CF2DF8977D4}" type="datetimeFigureOut">
-              <a:rPr lang="en-US" smtClean="0"/>
-              <a:t>11/18/19</a:t>
-            </a:fld>
-            <a:endParaRPr lang="en-US"/>
-          </a:p>
-        </p:txBody>
-      </p:sp>
-      <p:sp>
-        <p:nvSpPr>
-          <p:cNvPr id="6" name="Footer Placeholder 5"/>
-          <p:cNvSpPr>
-            <a:spLocks noGrp="1"/>
-          </p:cNvSpPr>
-          <p:nvPr>
-            <p:ph type="ftr" sz="quarter" idx="11"/>
-          </p:nvPr>
-        </p:nvSpPr>
-        <p:spPr/>
-        <p:txBody>
-          <a:bodyPr/>
-          <a:lstStyle/>
-          <a:p>
-            <a:endParaRPr lang="en-US"/>
-          </a:p>
-        </p:txBody>
-      </p:sp>
-      <p:sp>
-        <p:nvSpPr>
-          <p:cNvPr id="9" name="Freeform 11"/>
-          <p:cNvSpPr/>
-          <p:nvPr/>
-        </p:nvSpPr>
-        <p:spPr bwMode="auto">
-          <a:xfrm flipV="1">
-            <a:off x="-3141" y="4093104"/>
-            <a:ext cx="1191395" cy="422748"/>
-          </a:xfrm>
-          <a:custGeom>
-            <a:avLst/>
-            <a:gdLst/>
-            <a:ahLst/>
-            <a:cxnLst/>
-            <a:rect l="l" t="t" r="r" b="b"/>
-            <a:pathLst>
-              <a:path w="9248" h="10000">
-                <a:moveTo>
-                  <a:pt x="9248" y="4701"/>
-                </a:moveTo>
-                <a:lnTo>
-                  <a:pt x="7915" y="188"/>
-                </a:lnTo>
-                <a:cubicBezTo>
-                  <a:pt x="7906" y="156"/>
-                  <a:pt x="7895" y="126"/>
-                  <a:pt x="7886" y="94"/>
-                </a:cubicBezTo>
-                <a:cubicBezTo>
-                  <a:pt x="7859" y="0"/>
-                  <a:pt x="7831" y="0"/>
-                  <a:pt x="7803" y="0"/>
-                </a:cubicBezTo>
-                <a:lnTo>
-                  <a:pt x="7275" y="0"/>
-                </a:lnTo>
-                <a:lnTo>
-                  <a:pt x="0" y="70"/>
-                </a:lnTo>
-                <a:cubicBezTo>
-                  <a:pt x="8" y="3380"/>
-                  <a:pt x="17" y="6690"/>
-                  <a:pt x="25" y="10000"/>
-                </a:cubicBezTo>
-                <a:lnTo>
-                  <a:pt x="7275" y="9966"/>
-                </a:lnTo>
-                <a:lnTo>
-                  <a:pt x="7803" y="9966"/>
-                </a:lnTo>
-                <a:cubicBezTo>
-                  <a:pt x="7831" y="9966"/>
-                  <a:pt x="7859" y="9872"/>
-                  <a:pt x="7886" y="9872"/>
-                </a:cubicBezTo>
-                <a:cubicBezTo>
-                  <a:pt x="7886" y="9778"/>
-                  <a:pt x="7915" y="9778"/>
-                  <a:pt x="7915" y="9778"/>
-                </a:cubicBezTo>
-                <a:lnTo>
-                  <a:pt x="9248" y="5265"/>
-                </a:lnTo>
-                <a:cubicBezTo>
-                  <a:pt x="9303" y="5077"/>
-                  <a:pt x="9303" y="4889"/>
-                  <a:pt x="9248" y="4701"/>
-                </a:cubicBezTo>
-                <a:close/>
-              </a:path>
-            </a:pathLst>
-          </a:custGeom>
-          <a:solidFill>
-            <a:schemeClr val="accent1"/>
-          </a:solidFill>
-          <a:ln>
-            <a:noFill/>
-          </a:ln>
-        </p:spPr>
-      </p:sp>
-      <p:sp>
-        <p:nvSpPr>
-          <p:cNvPr id="7" name="Slide Number Placeholder 6"/>
-          <p:cNvSpPr>
-            <a:spLocks noGrp="1"/>
-          </p:cNvSpPr>
-          <p:nvPr>
-            <p:ph type="sldNum" sz="quarter" idx="12"/>
-          </p:nvPr>
-        </p:nvSpPr>
-        <p:spPr>
-          <a:xfrm>
-            <a:off x="398860" y="4152573"/>
-            <a:ext cx="584825" cy="304271"/>
-          </a:xfrm>
-        </p:spPr>
-        <p:txBody>
-          <a:bodyPr/>
-          <a:lstStyle/>
-          <a:p>
-            <a:fld id="{45D8DECA-3F01-4D4D-9CE8-CE0BA91433C8}" type="slidenum">
-              <a:rPr lang="en-US" smtClean="0"/>
-              <a:t>‹#›</a:t>
-            </a:fld>
-            <a:endParaRPr lang="en-US"/>
-          </a:p>
-        </p:txBody>
-      </p:sp>
-    </p:spTree>
-    <p:extLst>
-      <p:ext uri="{BB962C8B-B14F-4D97-AF65-F5344CB8AC3E}">
-        <p14:creationId xmlns:p14="http://schemas.microsoft.com/office/powerpoint/2010/main" val="829123754"/>
-      </p:ext>
-    </p:extLst>
-  </p:cSld>
-  <p:clrMapOvr>
-    <a:masterClrMapping/>
-  </p:clrMapOvr>
-</p:sldLayout>
-</file>
-
-<file path=ppt/slideLayouts/slideLayout15.xml><?xml version="1.0" encoding="utf-8"?>
 <p:sldLayout xmlns:a="http://schemas.openxmlformats.org/drawingml/2006/main" xmlns:r="http://schemas.openxmlformats.org/officeDocument/2006/relationships" xmlns:p="http://schemas.openxmlformats.org/presentationml/2006/main" type="vertTx" preserve="1">
   <p:cSld name="Title and Vertical Text">
     <p:spTree>
@@ -2470,7 +1649,7 @@
         </p:nvSpPr>
         <p:spPr/>
         <p:txBody>
-          <a:bodyPr vert="eaVert" anchor="t"/>
+          <a:bodyPr vert="eaVert"/>
           <a:lstStyle/>
           <a:p>
             <a:pPr lvl="0"/>
@@ -2525,11 +1704,11 @@
           <a:bodyPr/>
           <a:lstStyle/>
           <a:p>
-            <a:fld id="{AB2458EA-1F5A-154D-AFF5-4CF2DF8977D4}" type="datetimeFigureOut">
+            <a:fld id="{4509A250-FF31-4206-8172-F9D3106AACB1}" type="datetimeFigureOut">
               <a:rPr lang="en-US" smtClean="0"/>
-              <a:t>11/18/19</a:t>
+              <a:t>11/19/19</a:t>
             </a:fld>
-            <a:endParaRPr lang="en-US"/>
+            <a:endParaRPr lang="en-US" dirty="0"/>
           </a:p>
         </p:txBody>
       </p:sp>
@@ -2548,91 +1727,9 @@
           <a:bodyPr/>
           <a:lstStyle/>
           <a:p>
-            <a:endParaRPr lang="en-US"/>
-          </a:p>
-        </p:txBody>
-      </p:sp>
-      <p:sp>
-        <p:nvSpPr>
-          <p:cNvPr id="8" name="Freeform 11"/>
-          <p:cNvSpPr/>
-          <p:nvPr/>
-        </p:nvSpPr>
-        <p:spPr bwMode="auto">
-          <a:xfrm flipV="1">
-            <a:off x="-3141" y="595313"/>
-            <a:ext cx="1191395" cy="422748"/>
-          </a:xfrm>
-          <a:custGeom>
-            <a:avLst/>
-            <a:gdLst/>
-            <a:ahLst/>
-            <a:cxnLst/>
-            <a:rect l="l" t="t" r="r" b="b"/>
-            <a:pathLst>
-              <a:path w="9248" h="10000">
-                <a:moveTo>
-                  <a:pt x="9248" y="4701"/>
-                </a:moveTo>
-                <a:lnTo>
-                  <a:pt x="7915" y="188"/>
-                </a:lnTo>
-                <a:cubicBezTo>
-                  <a:pt x="7906" y="156"/>
-                  <a:pt x="7895" y="126"/>
-                  <a:pt x="7886" y="94"/>
-                </a:cubicBezTo>
-                <a:cubicBezTo>
-                  <a:pt x="7859" y="0"/>
-                  <a:pt x="7831" y="0"/>
-                  <a:pt x="7803" y="0"/>
-                </a:cubicBezTo>
-                <a:lnTo>
-                  <a:pt x="7275" y="0"/>
-                </a:lnTo>
-                <a:lnTo>
-                  <a:pt x="0" y="70"/>
-                </a:lnTo>
-                <a:cubicBezTo>
-                  <a:pt x="8" y="3380"/>
-                  <a:pt x="17" y="6690"/>
-                  <a:pt x="25" y="10000"/>
-                </a:cubicBezTo>
-                <a:lnTo>
-                  <a:pt x="7275" y="9966"/>
-                </a:lnTo>
-                <a:lnTo>
-                  <a:pt x="7803" y="9966"/>
-                </a:lnTo>
-                <a:cubicBezTo>
-                  <a:pt x="7831" y="9966"/>
-                  <a:pt x="7859" y="9872"/>
-                  <a:pt x="7886" y="9872"/>
-                </a:cubicBezTo>
-                <a:cubicBezTo>
-                  <a:pt x="7886" y="9778"/>
-                  <a:pt x="7915" y="9778"/>
-                  <a:pt x="7915" y="9778"/>
-                </a:cubicBezTo>
-                <a:lnTo>
-                  <a:pt x="9248" y="5265"/>
-                </a:lnTo>
-                <a:cubicBezTo>
-                  <a:pt x="9303" y="5077"/>
-                  <a:pt x="9303" y="4889"/>
-                  <a:pt x="9248" y="4701"/>
-                </a:cubicBezTo>
-                <a:close/>
-              </a:path>
-            </a:pathLst>
-          </a:custGeom>
-          <a:solidFill>
-            <a:schemeClr val="accent1"/>
-          </a:solidFill>
-          <a:ln>
-            <a:noFill/>
-          </a:ln>
-        </p:spPr>
+            <a:endParaRPr lang="en-US" dirty="0"/>
+          </a:p>
+        </p:txBody>
       </p:sp>
       <p:sp>
         <p:nvSpPr>
@@ -2649,18 +1746,18 @@
           <a:bodyPr/>
           <a:lstStyle/>
           <a:p>
-            <a:fld id="{45D8DECA-3F01-4D4D-9CE8-CE0BA91433C8}" type="slidenum">
+            <a:fld id="{D57F1E4F-1CFF-5643-939E-02111984F565}" type="slidenum">
               <a:rPr lang="en-US" smtClean="0"/>
               <a:t>‹#›</a:t>
             </a:fld>
-            <a:endParaRPr lang="en-US"/>
+            <a:endParaRPr lang="en-US" dirty="0"/>
           </a:p>
         </p:txBody>
       </p:sp>
     </p:spTree>
     <p:extLst>
       <p:ext uri="{BB962C8B-B14F-4D97-AF65-F5344CB8AC3E}">
-        <p14:creationId xmlns:p14="http://schemas.microsoft.com/office/powerpoint/2010/main" val="1206924652"/>
+        <p14:creationId xmlns:p14="http://schemas.microsoft.com/office/powerpoint/2010/main" val="2102194714"/>
       </p:ext>
     </p:extLst>
   </p:cSld>
@@ -2670,7 +1767,7 @@
 </p:sldLayout>
 </file>
 
-<file path=ppt/slideLayouts/slideLayout16.xml><?xml version="1.0" encoding="utf-8"?>
+<file path=ppt/slideLayouts/slideLayout11.xml><?xml version="1.0" encoding="utf-8"?>
 <p:sldLayout xmlns:a="http://schemas.openxmlformats.org/drawingml/2006/main" xmlns:r="http://schemas.openxmlformats.org/officeDocument/2006/relationships" xmlns:p="http://schemas.openxmlformats.org/presentationml/2006/main" type="vertTitleAndTx" preserve="1">
   <p:cSld name="Vertical Title and Text">
     <p:spTree>
@@ -2699,12 +1796,12 @@
         </p:nvSpPr>
         <p:spPr>
           <a:xfrm>
-            <a:off x="6971109" y="522838"/>
-            <a:ext cx="1655701" cy="4403181"/>
+            <a:off x="6543675" y="304271"/>
+            <a:ext cx="1971675" cy="4843198"/>
           </a:xfrm>
         </p:spPr>
         <p:txBody>
-          <a:bodyPr vert="eaVert" anchor="ctr"/>
+          <a:bodyPr vert="eaVert"/>
           <a:lstStyle/>
           <a:p>
             <a:r>
@@ -2727,8 +1824,8 @@
         </p:nvSpPr>
         <p:spPr>
           <a:xfrm>
-            <a:off x="1941909" y="522838"/>
-            <a:ext cx="4857750" cy="4403181"/>
+            <a:off x="628650" y="304271"/>
+            <a:ext cx="5800725" cy="4843198"/>
           </a:xfrm>
         </p:spPr>
         <p:txBody>
@@ -2787,11 +1884,11 @@
           <a:bodyPr/>
           <a:lstStyle/>
           <a:p>
-            <a:fld id="{AB2458EA-1F5A-154D-AFF5-4CF2DF8977D4}" type="datetimeFigureOut">
+            <a:fld id="{4509A250-FF31-4206-8172-F9D3106AACB1}" type="datetimeFigureOut">
               <a:rPr lang="en-US" smtClean="0"/>
-              <a:t>11/18/19</a:t>
+              <a:t>11/19/19</a:t>
             </a:fld>
-            <a:endParaRPr lang="en-US"/>
+            <a:endParaRPr lang="en-US" dirty="0"/>
           </a:p>
         </p:txBody>
       </p:sp>
@@ -2810,91 +1907,9 @@
           <a:bodyPr/>
           <a:lstStyle/>
           <a:p>
-            <a:endParaRPr lang="en-US"/>
-          </a:p>
-        </p:txBody>
-      </p:sp>
-      <p:sp>
-        <p:nvSpPr>
-          <p:cNvPr id="8" name="Freeform 11"/>
-          <p:cNvSpPr/>
-          <p:nvPr/>
-        </p:nvSpPr>
-        <p:spPr bwMode="auto">
-          <a:xfrm flipV="1">
-            <a:off x="-3141" y="595313"/>
-            <a:ext cx="1191395" cy="422748"/>
-          </a:xfrm>
-          <a:custGeom>
-            <a:avLst/>
-            <a:gdLst/>
-            <a:ahLst/>
-            <a:cxnLst/>
-            <a:rect l="l" t="t" r="r" b="b"/>
-            <a:pathLst>
-              <a:path w="9248" h="10000">
-                <a:moveTo>
-                  <a:pt x="9248" y="4701"/>
-                </a:moveTo>
-                <a:lnTo>
-                  <a:pt x="7915" y="188"/>
-                </a:lnTo>
-                <a:cubicBezTo>
-                  <a:pt x="7906" y="156"/>
-                  <a:pt x="7895" y="126"/>
-                  <a:pt x="7886" y="94"/>
-                </a:cubicBezTo>
-                <a:cubicBezTo>
-                  <a:pt x="7859" y="0"/>
-                  <a:pt x="7831" y="0"/>
-                  <a:pt x="7803" y="0"/>
-                </a:cubicBezTo>
-                <a:lnTo>
-                  <a:pt x="7275" y="0"/>
-                </a:lnTo>
-                <a:lnTo>
-                  <a:pt x="0" y="70"/>
-                </a:lnTo>
-                <a:cubicBezTo>
-                  <a:pt x="8" y="3380"/>
-                  <a:pt x="17" y="6690"/>
-                  <a:pt x="25" y="10000"/>
-                </a:cubicBezTo>
-                <a:lnTo>
-                  <a:pt x="7275" y="9966"/>
-                </a:lnTo>
-                <a:lnTo>
-                  <a:pt x="7803" y="9966"/>
-                </a:lnTo>
-                <a:cubicBezTo>
-                  <a:pt x="7831" y="9966"/>
-                  <a:pt x="7859" y="9872"/>
-                  <a:pt x="7886" y="9872"/>
-                </a:cubicBezTo>
-                <a:cubicBezTo>
-                  <a:pt x="7886" y="9778"/>
-                  <a:pt x="7915" y="9778"/>
-                  <a:pt x="7915" y="9778"/>
-                </a:cubicBezTo>
-                <a:lnTo>
-                  <a:pt x="9248" y="5265"/>
-                </a:lnTo>
-                <a:cubicBezTo>
-                  <a:pt x="9303" y="5077"/>
-                  <a:pt x="9303" y="4889"/>
-                  <a:pt x="9248" y="4701"/>
-                </a:cubicBezTo>
-                <a:close/>
-              </a:path>
-            </a:pathLst>
-          </a:custGeom>
-          <a:solidFill>
-            <a:schemeClr val="accent1"/>
-          </a:solidFill>
-          <a:ln>
-            <a:noFill/>
-          </a:ln>
-        </p:spPr>
+            <a:endParaRPr lang="en-US" dirty="0"/>
+          </a:p>
+        </p:txBody>
       </p:sp>
       <p:sp>
         <p:nvSpPr>
@@ -2911,18 +1926,18 @@
           <a:bodyPr/>
           <a:lstStyle/>
           <a:p>
-            <a:fld id="{45D8DECA-3F01-4D4D-9CE8-CE0BA91433C8}" type="slidenum">
+            <a:fld id="{D57F1E4F-1CFF-5643-939E-02111984F565}" type="slidenum">
               <a:rPr lang="en-US" smtClean="0"/>
               <a:t>‹#›</a:t>
             </a:fld>
-            <a:endParaRPr lang="en-US"/>
+            <a:endParaRPr lang="en-US" dirty="0"/>
           </a:p>
         </p:txBody>
       </p:sp>
     </p:spTree>
     <p:extLst>
       <p:ext uri="{BB962C8B-B14F-4D97-AF65-F5344CB8AC3E}">
-        <p14:creationId xmlns:p14="http://schemas.microsoft.com/office/powerpoint/2010/main" val="450388928"/>
+        <p14:creationId xmlns:p14="http://schemas.microsoft.com/office/powerpoint/2010/main" val="2452237543"/>
       </p:ext>
     </p:extLst>
   </p:cSld>
@@ -2959,12 +1974,7 @@
             <p:ph type="title"/>
           </p:nvPr>
         </p:nvSpPr>
-        <p:spPr>
-          <a:xfrm>
-            <a:off x="1944694" y="520092"/>
-            <a:ext cx="6683765" cy="1067408"/>
-          </a:xfrm>
-        </p:spPr>
+        <p:spPr/>
         <p:txBody>
           <a:bodyPr/>
           <a:lstStyle/>
@@ -2987,12 +1997,7 @@
             <p:ph idx="1"/>
           </p:nvPr>
         </p:nvSpPr>
-        <p:spPr>
-          <a:xfrm>
-            <a:off x="1941909" y="1778000"/>
-            <a:ext cx="6686550" cy="3148018"/>
-          </a:xfrm>
-        </p:spPr>
+        <p:spPr/>
         <p:txBody>
           <a:bodyPr/>
           <a:lstStyle/>
@@ -3049,11 +2054,11 @@
           <a:bodyPr/>
           <a:lstStyle/>
           <a:p>
-            <a:fld id="{AB2458EA-1F5A-154D-AFF5-4CF2DF8977D4}" type="datetimeFigureOut">
+            <a:fld id="{4509A250-FF31-4206-8172-F9D3106AACB1}" type="datetimeFigureOut">
               <a:rPr lang="en-US" smtClean="0"/>
-              <a:t>11/18/19</a:t>
+              <a:t>11/19/19</a:t>
             </a:fld>
-            <a:endParaRPr lang="en-US"/>
+            <a:endParaRPr lang="en-US" dirty="0"/>
           </a:p>
         </p:txBody>
       </p:sp>
@@ -3072,91 +2077,9 @@
           <a:bodyPr/>
           <a:lstStyle/>
           <a:p>
-            <a:endParaRPr lang="en-US"/>
-          </a:p>
-        </p:txBody>
-      </p:sp>
-      <p:sp>
-        <p:nvSpPr>
-          <p:cNvPr id="8" name="Freeform 11"/>
-          <p:cNvSpPr/>
-          <p:nvPr/>
-        </p:nvSpPr>
-        <p:spPr bwMode="auto">
-          <a:xfrm flipV="1">
-            <a:off x="-3141" y="595313"/>
-            <a:ext cx="1191395" cy="422748"/>
-          </a:xfrm>
-          <a:custGeom>
-            <a:avLst/>
-            <a:gdLst/>
-            <a:ahLst/>
-            <a:cxnLst/>
-            <a:rect l="l" t="t" r="r" b="b"/>
-            <a:pathLst>
-              <a:path w="9248" h="10000">
-                <a:moveTo>
-                  <a:pt x="9248" y="4701"/>
-                </a:moveTo>
-                <a:lnTo>
-                  <a:pt x="7915" y="188"/>
-                </a:lnTo>
-                <a:cubicBezTo>
-                  <a:pt x="7906" y="156"/>
-                  <a:pt x="7895" y="126"/>
-                  <a:pt x="7886" y="94"/>
-                </a:cubicBezTo>
-                <a:cubicBezTo>
-                  <a:pt x="7859" y="0"/>
-                  <a:pt x="7831" y="0"/>
-                  <a:pt x="7803" y="0"/>
-                </a:cubicBezTo>
-                <a:lnTo>
-                  <a:pt x="7275" y="0"/>
-                </a:lnTo>
-                <a:lnTo>
-                  <a:pt x="0" y="70"/>
-                </a:lnTo>
-                <a:cubicBezTo>
-                  <a:pt x="8" y="3380"/>
-                  <a:pt x="17" y="6690"/>
-                  <a:pt x="25" y="10000"/>
-                </a:cubicBezTo>
-                <a:lnTo>
-                  <a:pt x="7275" y="9966"/>
-                </a:lnTo>
-                <a:lnTo>
-                  <a:pt x="7803" y="9966"/>
-                </a:lnTo>
-                <a:cubicBezTo>
-                  <a:pt x="7831" y="9966"/>
-                  <a:pt x="7859" y="9872"/>
-                  <a:pt x="7886" y="9872"/>
-                </a:cubicBezTo>
-                <a:cubicBezTo>
-                  <a:pt x="7886" y="9778"/>
-                  <a:pt x="7915" y="9778"/>
-                  <a:pt x="7915" y="9778"/>
-                </a:cubicBezTo>
-                <a:lnTo>
-                  <a:pt x="9248" y="5265"/>
-                </a:lnTo>
-                <a:cubicBezTo>
-                  <a:pt x="9303" y="5077"/>
-                  <a:pt x="9303" y="4889"/>
-                  <a:pt x="9248" y="4701"/>
-                </a:cubicBezTo>
-                <a:close/>
-              </a:path>
-            </a:pathLst>
-          </a:custGeom>
-          <a:solidFill>
-            <a:schemeClr val="accent1"/>
-          </a:solidFill>
-          <a:ln>
-            <a:noFill/>
-          </a:ln>
-        </p:spPr>
+            <a:endParaRPr lang="en-US" dirty="0"/>
+          </a:p>
+        </p:txBody>
       </p:sp>
       <p:sp>
         <p:nvSpPr>
@@ -3173,18 +2096,18 @@
           <a:bodyPr/>
           <a:lstStyle/>
           <a:p>
-            <a:fld id="{45D8DECA-3F01-4D4D-9CE8-CE0BA91433C8}" type="slidenum">
+            <a:fld id="{D57F1E4F-1CFF-5643-939E-02111984F565}" type="slidenum">
               <a:rPr lang="en-US" smtClean="0"/>
               <a:t>‹#›</a:t>
             </a:fld>
-            <a:endParaRPr lang="en-US"/>
+            <a:endParaRPr lang="en-US" dirty="0"/>
           </a:p>
         </p:txBody>
       </p:sp>
     </p:spTree>
     <p:extLst>
       <p:ext uri="{BB962C8B-B14F-4D97-AF65-F5344CB8AC3E}">
-        <p14:creationId xmlns:p14="http://schemas.microsoft.com/office/powerpoint/2010/main" val="3954532618"/>
+        <p14:creationId xmlns:p14="http://schemas.microsoft.com/office/powerpoint/2010/main" val="2809770191"/>
       </p:ext>
     </p:extLst>
   </p:cSld>
@@ -3223,15 +2146,15 @@
         </p:nvSpPr>
         <p:spPr>
           <a:xfrm>
-            <a:off x="1941910" y="1715625"/>
-            <a:ext cx="6686549" cy="1224000"/>
+            <a:off x="623888" y="1424782"/>
+            <a:ext cx="7886700" cy="2377281"/>
           </a:xfrm>
         </p:spPr>
         <p:txBody>
           <a:bodyPr anchor="b"/>
           <a:lstStyle>
-            <a:lvl1pPr algn="l">
-              <a:defRPr sz="3000" b="0" cap="none"/>
+            <a:lvl1pPr>
+              <a:defRPr sz="4500"/>
             </a:lvl1pPr>
           </a:lstStyle>
           <a:p>
@@ -3255,27 +2178,26 @@
         </p:nvSpPr>
         <p:spPr>
           <a:xfrm>
-            <a:off x="1941910" y="2941774"/>
-            <a:ext cx="6686549" cy="717000"/>
+            <a:off x="623888" y="3824553"/>
+            <a:ext cx="7886700" cy="1250156"/>
           </a:xfrm>
         </p:spPr>
         <p:txBody>
-          <a:bodyPr anchor="t"/>
+          <a:bodyPr/>
           <a:lstStyle>
-            <a:lvl1pPr marL="0" indent="0" algn="l">
-              <a:buNone/>
-              <a:defRPr sz="1500">
+            <a:lvl1pPr marL="0" indent="0">
+              <a:buNone/>
+              <a:defRPr sz="1800">
                 <a:solidFill>
                   <a:schemeClr val="tx1">
-                    <a:lumMod val="65000"/>
-                    <a:lumOff val="35000"/>
+                    <a:tint val="75000"/>
                   </a:schemeClr>
                 </a:solidFill>
               </a:defRPr>
             </a:lvl1pPr>
             <a:lvl2pPr marL="342900" indent="0">
               <a:buNone/>
-              <a:defRPr sz="1350">
+              <a:defRPr sz="1500">
                 <a:solidFill>
                   <a:schemeClr val="tx1">
                     <a:tint val="75000"/>
@@ -3285,7 +2207,7 @@
             </a:lvl2pPr>
             <a:lvl3pPr marL="685800" indent="0">
               <a:buNone/>
-              <a:defRPr sz="1200">
+              <a:defRPr sz="1350">
                 <a:solidFill>
                   <a:schemeClr val="tx1">
                     <a:tint val="75000"/>
@@ -3295,7 +2217,7 @@
             </a:lvl3pPr>
             <a:lvl4pPr marL="1028700" indent="0">
               <a:buNone/>
-              <a:defRPr sz="1050">
+              <a:defRPr sz="1200">
                 <a:solidFill>
                   <a:schemeClr val="tx1">
                     <a:tint val="75000"/>
@@ -3305,7 +2227,7 @@
             </a:lvl4pPr>
             <a:lvl5pPr marL="1371600" indent="0">
               <a:buNone/>
-              <a:defRPr sz="1050">
+              <a:defRPr sz="1200">
                 <a:solidFill>
                   <a:schemeClr val="tx1">
                     <a:tint val="75000"/>
@@ -3315,7 +2237,7 @@
             </a:lvl5pPr>
             <a:lvl6pPr marL="1714500" indent="0">
               <a:buNone/>
-              <a:defRPr sz="1050">
+              <a:defRPr sz="1200">
                 <a:solidFill>
                   <a:schemeClr val="tx1">
                     <a:tint val="75000"/>
@@ -3325,7 +2247,7 @@
             </a:lvl6pPr>
             <a:lvl7pPr marL="2057400" indent="0">
               <a:buNone/>
-              <a:defRPr sz="1050">
+              <a:defRPr sz="1200">
                 <a:solidFill>
                   <a:schemeClr val="tx1">
                     <a:tint val="75000"/>
@@ -3335,7 +2257,7 @@
             </a:lvl7pPr>
             <a:lvl8pPr marL="2400300" indent="0">
               <a:buNone/>
-              <a:defRPr sz="1050">
+              <a:defRPr sz="1200">
                 <a:solidFill>
                   <a:schemeClr val="tx1">
                     <a:tint val="75000"/>
@@ -3345,7 +2267,7 @@
             </a:lvl8pPr>
             <a:lvl9pPr marL="2743200" indent="0">
               <a:buNone/>
-              <a:defRPr sz="1050">
+              <a:defRPr sz="1200">
                 <a:solidFill>
                   <a:schemeClr val="tx1">
                     <a:tint val="75000"/>
@@ -3378,11 +2300,11 @@
           <a:bodyPr/>
           <a:lstStyle/>
           <a:p>
-            <a:fld id="{AB2458EA-1F5A-154D-AFF5-4CF2DF8977D4}" type="datetimeFigureOut">
+            <a:fld id="{9796027F-7875-4030-9381-8BD8C4F21935}" type="datetimeFigureOut">
               <a:rPr lang="en-US" smtClean="0"/>
-              <a:t>11/18/19</a:t>
+              <a:t>11/19/19</a:t>
             </a:fld>
-            <a:endParaRPr lang="en-US"/>
+            <a:endParaRPr lang="en-US" dirty="0"/>
           </a:p>
         </p:txBody>
       </p:sp>
@@ -3401,91 +2323,9 @@
           <a:bodyPr/>
           <a:lstStyle/>
           <a:p>
-            <a:endParaRPr lang="en-US"/>
-          </a:p>
-        </p:txBody>
-      </p:sp>
-      <p:sp>
-        <p:nvSpPr>
-          <p:cNvPr id="9" name="Freeform 11"/>
-          <p:cNvSpPr/>
-          <p:nvPr/>
-        </p:nvSpPr>
-        <p:spPr bwMode="auto">
-          <a:xfrm flipV="1">
-            <a:off x="-3141" y="2648479"/>
-            <a:ext cx="1191395" cy="422748"/>
-          </a:xfrm>
-          <a:custGeom>
-            <a:avLst/>
-            <a:gdLst/>
-            <a:ahLst/>
-            <a:cxnLst/>
-            <a:rect l="l" t="t" r="r" b="b"/>
-            <a:pathLst>
-              <a:path w="9248" h="10000">
-                <a:moveTo>
-                  <a:pt x="9248" y="4701"/>
-                </a:moveTo>
-                <a:lnTo>
-                  <a:pt x="7915" y="188"/>
-                </a:lnTo>
-                <a:cubicBezTo>
-                  <a:pt x="7906" y="156"/>
-                  <a:pt x="7895" y="126"/>
-                  <a:pt x="7886" y="94"/>
-                </a:cubicBezTo>
-                <a:cubicBezTo>
-                  <a:pt x="7859" y="0"/>
-                  <a:pt x="7831" y="0"/>
-                  <a:pt x="7803" y="0"/>
-                </a:cubicBezTo>
-                <a:lnTo>
-                  <a:pt x="7275" y="0"/>
-                </a:lnTo>
-                <a:lnTo>
-                  <a:pt x="0" y="70"/>
-                </a:lnTo>
-                <a:cubicBezTo>
-                  <a:pt x="8" y="3380"/>
-                  <a:pt x="17" y="6690"/>
-                  <a:pt x="25" y="10000"/>
-                </a:cubicBezTo>
-                <a:lnTo>
-                  <a:pt x="7275" y="9966"/>
-                </a:lnTo>
-                <a:lnTo>
-                  <a:pt x="7803" y="9966"/>
-                </a:lnTo>
-                <a:cubicBezTo>
-                  <a:pt x="7831" y="9966"/>
-                  <a:pt x="7859" y="9872"/>
-                  <a:pt x="7886" y="9872"/>
-                </a:cubicBezTo>
-                <a:cubicBezTo>
-                  <a:pt x="7886" y="9778"/>
-                  <a:pt x="7915" y="9778"/>
-                  <a:pt x="7915" y="9778"/>
-                </a:cubicBezTo>
-                <a:lnTo>
-                  <a:pt x="9248" y="5265"/>
-                </a:lnTo>
-                <a:cubicBezTo>
-                  <a:pt x="9303" y="5077"/>
-                  <a:pt x="9303" y="4889"/>
-                  <a:pt x="9248" y="4701"/>
-                </a:cubicBezTo>
-                <a:close/>
-              </a:path>
-            </a:pathLst>
-          </a:custGeom>
-          <a:solidFill>
-            <a:schemeClr val="accent1"/>
-          </a:solidFill>
-          <a:ln>
-            <a:noFill/>
-          </a:ln>
-        </p:spPr>
+            <a:endParaRPr lang="en-US" dirty="0"/>
+          </a:p>
+        </p:txBody>
       </p:sp>
       <p:sp>
         <p:nvSpPr>
@@ -3497,28 +2337,23 @@
             <p:ph type="sldNum" sz="quarter" idx="12"/>
           </p:nvPr>
         </p:nvSpPr>
-        <p:spPr>
-          <a:xfrm>
-            <a:off x="398860" y="2703450"/>
-            <a:ext cx="584825" cy="304271"/>
-          </a:xfrm>
-        </p:spPr>
+        <p:spPr/>
         <p:txBody>
           <a:bodyPr/>
           <a:lstStyle/>
           <a:p>
-            <a:fld id="{45D8DECA-3F01-4D4D-9CE8-CE0BA91433C8}" type="slidenum">
+            <a:fld id="{D57F1E4F-1CFF-5643-939E-02111984F565}" type="slidenum">
               <a:rPr lang="en-US" smtClean="0"/>
               <a:t>‹#›</a:t>
             </a:fld>
-            <a:endParaRPr lang="en-US"/>
+            <a:endParaRPr lang="en-US" dirty="0"/>
           </a:p>
         </p:txBody>
       </p:sp>
     </p:spTree>
     <p:extLst>
       <p:ext uri="{BB962C8B-B14F-4D97-AF65-F5344CB8AC3E}">
-        <p14:creationId xmlns:p14="http://schemas.microsoft.com/office/powerpoint/2010/main" val="3574061778"/>
+        <p14:creationId xmlns:p14="http://schemas.microsoft.com/office/powerpoint/2010/main" val="3884383673"/>
       </p:ext>
     </p:extLst>
   </p:cSld>
@@ -3547,7 +2382,7 @@
       </p:grpSpPr>
       <p:sp>
         <p:nvSpPr>
-          <p:cNvPr id="8" name="Title 7"/>
+          <p:cNvPr id="2" name="Title 1"/>
           <p:cNvSpPr>
             <a:spLocks noGrp="1"/>
           </p:cNvSpPr>
@@ -3580,14 +2415,12 @@
         </p:nvSpPr>
         <p:spPr>
           <a:xfrm>
-            <a:off x="1941909" y="1778000"/>
-            <a:ext cx="3235398" cy="3148018"/>
+            <a:off x="628650" y="1521354"/>
+            <a:ext cx="3886200" cy="3626115"/>
           </a:xfrm>
         </p:spPr>
         <p:txBody>
-          <a:bodyPr>
-            <a:normAutofit/>
-          </a:bodyPr>
+          <a:bodyPr/>
           <a:lstStyle/>
           <a:p>
             <a:pPr lvl="0"/>
@@ -3639,14 +2472,12 @@
         </p:nvSpPr>
         <p:spPr>
           <a:xfrm>
-            <a:off x="5393060" y="1771852"/>
-            <a:ext cx="3235398" cy="3148018"/>
+            <a:off x="4629150" y="1521354"/>
+            <a:ext cx="3886200" cy="3626115"/>
           </a:xfrm>
         </p:spPr>
         <p:txBody>
-          <a:bodyPr>
-            <a:normAutofit/>
-          </a:bodyPr>
+          <a:bodyPr/>
           <a:lstStyle/>
           <a:p>
             <a:pPr lvl="0"/>
@@ -3701,11 +2532,11 @@
           <a:bodyPr/>
           <a:lstStyle/>
           <a:p>
-            <a:fld id="{AB2458EA-1F5A-154D-AFF5-4CF2DF8977D4}" type="datetimeFigureOut">
+            <a:fld id="{9796027F-7875-4030-9381-8BD8C4F21935}" type="datetimeFigureOut">
               <a:rPr lang="en-US" smtClean="0"/>
-              <a:t>11/18/19</a:t>
+              <a:t>11/19/19</a:t>
             </a:fld>
-            <a:endParaRPr lang="en-US"/>
+            <a:endParaRPr lang="en-US" dirty="0"/>
           </a:p>
         </p:txBody>
       </p:sp>
@@ -3724,95 +2555,13 @@
           <a:bodyPr/>
           <a:lstStyle/>
           <a:p>
-            <a:endParaRPr lang="en-US"/>
-          </a:p>
-        </p:txBody>
-      </p:sp>
-      <p:sp>
-        <p:nvSpPr>
-          <p:cNvPr id="10" name="Freeform 11"/>
-          <p:cNvSpPr/>
-          <p:nvPr/>
-        </p:nvSpPr>
-        <p:spPr bwMode="auto">
-          <a:xfrm flipV="1">
-            <a:off x="-3141" y="595313"/>
-            <a:ext cx="1191395" cy="422748"/>
-          </a:xfrm>
-          <a:custGeom>
-            <a:avLst/>
-            <a:gdLst/>
-            <a:ahLst/>
-            <a:cxnLst/>
-            <a:rect l="l" t="t" r="r" b="b"/>
-            <a:pathLst>
-              <a:path w="9248" h="10000">
-                <a:moveTo>
-                  <a:pt x="9248" y="4701"/>
-                </a:moveTo>
-                <a:lnTo>
-                  <a:pt x="7915" y="188"/>
-                </a:lnTo>
-                <a:cubicBezTo>
-                  <a:pt x="7906" y="156"/>
-                  <a:pt x="7895" y="126"/>
-                  <a:pt x="7886" y="94"/>
-                </a:cubicBezTo>
-                <a:cubicBezTo>
-                  <a:pt x="7859" y="0"/>
-                  <a:pt x="7831" y="0"/>
-                  <a:pt x="7803" y="0"/>
-                </a:cubicBezTo>
-                <a:lnTo>
-                  <a:pt x="7275" y="0"/>
-                </a:lnTo>
-                <a:lnTo>
-                  <a:pt x="0" y="70"/>
-                </a:lnTo>
-                <a:cubicBezTo>
-                  <a:pt x="8" y="3380"/>
-                  <a:pt x="17" y="6690"/>
-                  <a:pt x="25" y="10000"/>
-                </a:cubicBezTo>
-                <a:lnTo>
-                  <a:pt x="7275" y="9966"/>
-                </a:lnTo>
-                <a:lnTo>
-                  <a:pt x="7803" y="9966"/>
-                </a:lnTo>
-                <a:cubicBezTo>
-                  <a:pt x="7831" y="9966"/>
-                  <a:pt x="7859" y="9872"/>
-                  <a:pt x="7886" y="9872"/>
-                </a:cubicBezTo>
-                <a:cubicBezTo>
-                  <a:pt x="7886" y="9778"/>
-                  <a:pt x="7915" y="9778"/>
-                  <a:pt x="7915" y="9778"/>
-                </a:cubicBezTo>
-                <a:lnTo>
-                  <a:pt x="9248" y="5265"/>
-                </a:lnTo>
-                <a:cubicBezTo>
-                  <a:pt x="9303" y="5077"/>
-                  <a:pt x="9303" y="4889"/>
-                  <a:pt x="9248" y="4701"/>
-                </a:cubicBezTo>
-                <a:close/>
-              </a:path>
-            </a:pathLst>
-          </a:custGeom>
-          <a:solidFill>
-            <a:schemeClr val="accent1"/>
-          </a:solidFill>
-          <a:ln>
-            <a:noFill/>
-          </a:ln>
-        </p:spPr>
-      </p:sp>
-      <p:sp>
-        <p:nvSpPr>
-          <p:cNvPr id="11" name="Slide Number Placeholder 5"/>
+            <a:endParaRPr lang="en-US" dirty="0"/>
+          </a:p>
+        </p:txBody>
+      </p:sp>
+      <p:sp>
+        <p:nvSpPr>
+          <p:cNvPr id="7" name="Slide Number Placeholder 6"/>
           <p:cNvSpPr>
             <a:spLocks noGrp="1"/>
           </p:cNvSpPr>
@@ -3820,39 +2569,29 @@
             <p:ph type="sldNum" sz="quarter" idx="12"/>
           </p:nvPr>
         </p:nvSpPr>
-        <p:spPr>
-          <a:xfrm>
-            <a:off x="398860" y="656485"/>
-            <a:ext cx="584825" cy="304271"/>
-          </a:xfrm>
-        </p:spPr>
+        <p:spPr/>
         <p:txBody>
           <a:bodyPr/>
           <a:lstStyle/>
           <a:p>
-            <a:fld id="{45D8DECA-3F01-4D4D-9CE8-CE0BA91433C8}" type="slidenum">
+            <a:fld id="{D57F1E4F-1CFF-5643-939E-02111984F565}" type="slidenum">
               <a:rPr lang="en-US" smtClean="0"/>
               <a:t>‹#›</a:t>
             </a:fld>
-            <a:endParaRPr lang="en-US"/>
+            <a:endParaRPr lang="en-US" dirty="0"/>
           </a:p>
         </p:txBody>
       </p:sp>
     </p:spTree>
     <p:extLst>
       <p:ext uri="{BB962C8B-B14F-4D97-AF65-F5344CB8AC3E}">
-        <p14:creationId xmlns:p14="http://schemas.microsoft.com/office/powerpoint/2010/main" val="1957116483"/>
+        <p14:creationId xmlns:p14="http://schemas.microsoft.com/office/powerpoint/2010/main" val="2674480817"/>
       </p:ext>
     </p:extLst>
   </p:cSld>
   <p:clrMapOvr>
     <a:masterClrMapping/>
   </p:clrMapOvr>
-  <p:extLst>
-    <p:ext uri="{DCECCB84-F9BA-43D5-87BE-67443E8EF086}">
-      <p15:sldGuideLst xmlns:p15="http://schemas.microsoft.com/office/powerpoint/2012/main"/>
-    </p:ext>
-  </p:extLst>
 </p:sldLayout>
 </file>
 
@@ -3875,7 +2614,7 @@
       </p:grpSpPr>
       <p:sp>
         <p:nvSpPr>
-          <p:cNvPr id="10" name="Title 9"/>
+          <p:cNvPr id="2" name="Title 1"/>
           <p:cNvSpPr>
             <a:spLocks noGrp="1"/>
           </p:cNvSpPr>
@@ -3883,7 +2622,12 @@
             <p:ph type="title"/>
           </p:nvPr>
         </p:nvSpPr>
-        <p:spPr/>
+        <p:spPr>
+          <a:xfrm>
+            <a:off x="629841" y="304271"/>
+            <a:ext cx="7886700" cy="1104636"/>
+          </a:xfrm>
+        </p:spPr>
         <p:txBody>
           <a:bodyPr/>
           <a:lstStyle/>
@@ -3908,18 +2652,16 @@
         </p:nvSpPr>
         <p:spPr>
           <a:xfrm>
-            <a:off x="2204530" y="1643919"/>
-            <a:ext cx="2994549" cy="480218"/>
+            <a:off x="629842" y="1400969"/>
+            <a:ext cx="3868340" cy="686593"/>
           </a:xfrm>
         </p:spPr>
         <p:txBody>
-          <a:bodyPr anchor="b">
-            <a:noAutofit/>
-          </a:bodyPr>
+          <a:bodyPr anchor="b"/>
           <a:lstStyle>
             <a:lvl1pPr marL="0" indent="0">
               <a:buNone/>
-              <a:defRPr sz="1800" b="0"/>
+              <a:defRPr sz="1800" b="1"/>
             </a:lvl1pPr>
             <a:lvl2pPr marL="342900" indent="0">
               <a:buNone/>
@@ -3975,14 +2717,12 @@
         </p:nvSpPr>
         <p:spPr>
           <a:xfrm>
-            <a:off x="1941909" y="2124138"/>
-            <a:ext cx="3257170" cy="2795050"/>
+            <a:off x="629842" y="2087563"/>
+            <a:ext cx="3868340" cy="3070490"/>
           </a:xfrm>
         </p:spPr>
         <p:txBody>
-          <a:bodyPr>
-            <a:normAutofit/>
-          </a:bodyPr>
+          <a:bodyPr/>
           <a:lstStyle/>
           <a:p>
             <a:pPr lvl="0"/>
@@ -4034,18 +2774,16 @@
         </p:nvSpPr>
         <p:spPr>
           <a:xfrm>
-            <a:off x="5629972" y="1641229"/>
-            <a:ext cx="2999251" cy="480218"/>
+            <a:off x="4629150" y="1400969"/>
+            <a:ext cx="3887391" cy="686593"/>
           </a:xfrm>
         </p:spPr>
         <p:txBody>
-          <a:bodyPr anchor="b">
-            <a:noAutofit/>
-          </a:bodyPr>
+          <a:bodyPr anchor="b"/>
           <a:lstStyle>
             <a:lvl1pPr marL="0" indent="0">
               <a:buNone/>
-              <a:defRPr sz="1800" b="0"/>
+              <a:defRPr sz="1800" b="1"/>
             </a:lvl1pPr>
             <a:lvl2pPr marL="342900" indent="0">
               <a:buNone/>
@@ -4101,14 +2839,12 @@
         </p:nvSpPr>
         <p:spPr>
           <a:xfrm>
-            <a:off x="5375218" y="2121448"/>
-            <a:ext cx="3254006" cy="2795050"/>
+            <a:off x="4629150" y="2087563"/>
+            <a:ext cx="3887391" cy="3070490"/>
           </a:xfrm>
         </p:spPr>
         <p:txBody>
-          <a:bodyPr>
-            <a:normAutofit/>
-          </a:bodyPr>
+          <a:bodyPr/>
           <a:lstStyle/>
           <a:p>
             <a:pPr lvl="0"/>
@@ -4163,11 +2899,11 @@
           <a:bodyPr/>
           <a:lstStyle/>
           <a:p>
-            <a:fld id="{AB2458EA-1F5A-154D-AFF5-4CF2DF8977D4}" type="datetimeFigureOut">
+            <a:fld id="{9796027F-7875-4030-9381-8BD8C4F21935}" type="datetimeFigureOut">
               <a:rPr lang="en-US" smtClean="0"/>
-              <a:t>11/18/19</a:t>
+              <a:t>11/19/19</a:t>
             </a:fld>
-            <a:endParaRPr lang="en-US"/>
+            <a:endParaRPr lang="en-US" dirty="0"/>
           </a:p>
         </p:txBody>
       </p:sp>
@@ -4186,95 +2922,13 @@
           <a:bodyPr/>
           <a:lstStyle/>
           <a:p>
-            <a:endParaRPr lang="en-US"/>
-          </a:p>
-        </p:txBody>
-      </p:sp>
-      <p:sp>
-        <p:nvSpPr>
-          <p:cNvPr id="12" name="Freeform 11"/>
-          <p:cNvSpPr/>
-          <p:nvPr/>
-        </p:nvSpPr>
-        <p:spPr bwMode="auto">
-          <a:xfrm flipV="1">
-            <a:off x="-3141" y="595313"/>
-            <a:ext cx="1191395" cy="422748"/>
-          </a:xfrm>
-          <a:custGeom>
-            <a:avLst/>
-            <a:gdLst/>
-            <a:ahLst/>
-            <a:cxnLst/>
-            <a:rect l="l" t="t" r="r" b="b"/>
-            <a:pathLst>
-              <a:path w="9248" h="10000">
-                <a:moveTo>
-                  <a:pt x="9248" y="4701"/>
-                </a:moveTo>
-                <a:lnTo>
-                  <a:pt x="7915" y="188"/>
-                </a:lnTo>
-                <a:cubicBezTo>
-                  <a:pt x="7906" y="156"/>
-                  <a:pt x="7895" y="126"/>
-                  <a:pt x="7886" y="94"/>
-                </a:cubicBezTo>
-                <a:cubicBezTo>
-                  <a:pt x="7859" y="0"/>
-                  <a:pt x="7831" y="0"/>
-                  <a:pt x="7803" y="0"/>
-                </a:cubicBezTo>
-                <a:lnTo>
-                  <a:pt x="7275" y="0"/>
-                </a:lnTo>
-                <a:lnTo>
-                  <a:pt x="0" y="70"/>
-                </a:lnTo>
-                <a:cubicBezTo>
-                  <a:pt x="8" y="3380"/>
-                  <a:pt x="17" y="6690"/>
-                  <a:pt x="25" y="10000"/>
-                </a:cubicBezTo>
-                <a:lnTo>
-                  <a:pt x="7275" y="9966"/>
-                </a:lnTo>
-                <a:lnTo>
-                  <a:pt x="7803" y="9966"/>
-                </a:lnTo>
-                <a:cubicBezTo>
-                  <a:pt x="7831" y="9966"/>
-                  <a:pt x="7859" y="9872"/>
-                  <a:pt x="7886" y="9872"/>
-                </a:cubicBezTo>
-                <a:cubicBezTo>
-                  <a:pt x="7886" y="9778"/>
-                  <a:pt x="7915" y="9778"/>
-                  <a:pt x="7915" y="9778"/>
-                </a:cubicBezTo>
-                <a:lnTo>
-                  <a:pt x="9248" y="5265"/>
-                </a:lnTo>
-                <a:cubicBezTo>
-                  <a:pt x="9303" y="5077"/>
-                  <a:pt x="9303" y="4889"/>
-                  <a:pt x="9248" y="4701"/>
-                </a:cubicBezTo>
-                <a:close/>
-              </a:path>
-            </a:pathLst>
-          </a:custGeom>
-          <a:solidFill>
-            <a:schemeClr val="accent1"/>
-          </a:solidFill>
-          <a:ln>
-            <a:noFill/>
-          </a:ln>
-        </p:spPr>
-      </p:sp>
-      <p:sp>
-        <p:nvSpPr>
-          <p:cNvPr id="13" name="Slide Number Placeholder 5"/>
+            <a:endParaRPr lang="en-US" dirty="0"/>
+          </a:p>
+        </p:txBody>
+      </p:sp>
+      <p:sp>
+        <p:nvSpPr>
+          <p:cNvPr id="9" name="Slide Number Placeholder 8"/>
           <p:cNvSpPr>
             <a:spLocks noGrp="1"/>
           </p:cNvSpPr>
@@ -4282,39 +2936,29 @@
             <p:ph type="sldNum" sz="quarter" idx="12"/>
           </p:nvPr>
         </p:nvSpPr>
-        <p:spPr>
-          <a:xfrm>
-            <a:off x="398860" y="656485"/>
-            <a:ext cx="584825" cy="304271"/>
-          </a:xfrm>
-        </p:spPr>
+        <p:spPr/>
         <p:txBody>
           <a:bodyPr/>
           <a:lstStyle/>
           <a:p>
-            <a:fld id="{45D8DECA-3F01-4D4D-9CE8-CE0BA91433C8}" type="slidenum">
+            <a:fld id="{D57F1E4F-1CFF-5643-939E-02111984F565}" type="slidenum">
               <a:rPr lang="en-US" smtClean="0"/>
               <a:t>‹#›</a:t>
             </a:fld>
-            <a:endParaRPr lang="en-US"/>
+            <a:endParaRPr lang="en-US" dirty="0"/>
           </a:p>
         </p:txBody>
       </p:sp>
     </p:spTree>
     <p:extLst>
       <p:ext uri="{BB962C8B-B14F-4D97-AF65-F5344CB8AC3E}">
-        <p14:creationId xmlns:p14="http://schemas.microsoft.com/office/powerpoint/2010/main" val="3291662951"/>
+        <p14:creationId xmlns:p14="http://schemas.microsoft.com/office/powerpoint/2010/main" val="2099681077"/>
       </p:ext>
     </p:extLst>
   </p:cSld>
   <p:clrMapOvr>
     <a:masterClrMapping/>
   </p:clrMapOvr>
-  <p:extLst>
-    <p:ext uri="{DCECCB84-F9BA-43D5-87BE-67443E8EF086}">
-      <p15:sldGuideLst xmlns:p15="http://schemas.microsoft.com/office/powerpoint/2012/main"/>
-    </p:ext>
-  </p:extLst>
 </p:sldLayout>
 </file>
 
@@ -4373,11 +3017,11 @@
           <a:bodyPr/>
           <a:lstStyle/>
           <a:p>
-            <a:fld id="{AB2458EA-1F5A-154D-AFF5-4CF2DF8977D4}" type="datetimeFigureOut">
+            <a:fld id="{4509A250-FF31-4206-8172-F9D3106AACB1}" type="datetimeFigureOut">
               <a:rPr lang="en-US" smtClean="0"/>
-              <a:t>11/18/19</a:t>
+              <a:t>11/19/19</a:t>
             </a:fld>
-            <a:endParaRPr lang="en-US"/>
+            <a:endParaRPr lang="en-US" dirty="0"/>
           </a:p>
         </p:txBody>
       </p:sp>
@@ -4396,91 +3040,9 @@
           <a:bodyPr/>
           <a:lstStyle/>
           <a:p>
-            <a:endParaRPr lang="en-US"/>
-          </a:p>
-        </p:txBody>
-      </p:sp>
-      <p:sp>
-        <p:nvSpPr>
-          <p:cNvPr id="7" name="Freeform 11"/>
-          <p:cNvSpPr/>
-          <p:nvPr/>
-        </p:nvSpPr>
-        <p:spPr bwMode="auto">
-          <a:xfrm flipV="1">
-            <a:off x="-3141" y="595313"/>
-            <a:ext cx="1191395" cy="422748"/>
-          </a:xfrm>
-          <a:custGeom>
-            <a:avLst/>
-            <a:gdLst/>
-            <a:ahLst/>
-            <a:cxnLst/>
-            <a:rect l="l" t="t" r="r" b="b"/>
-            <a:pathLst>
-              <a:path w="9248" h="10000">
-                <a:moveTo>
-                  <a:pt x="9248" y="4701"/>
-                </a:moveTo>
-                <a:lnTo>
-                  <a:pt x="7915" y="188"/>
-                </a:lnTo>
-                <a:cubicBezTo>
-                  <a:pt x="7906" y="156"/>
-                  <a:pt x="7895" y="126"/>
-                  <a:pt x="7886" y="94"/>
-                </a:cubicBezTo>
-                <a:cubicBezTo>
-                  <a:pt x="7859" y="0"/>
-                  <a:pt x="7831" y="0"/>
-                  <a:pt x="7803" y="0"/>
-                </a:cubicBezTo>
-                <a:lnTo>
-                  <a:pt x="7275" y="0"/>
-                </a:lnTo>
-                <a:lnTo>
-                  <a:pt x="0" y="70"/>
-                </a:lnTo>
-                <a:cubicBezTo>
-                  <a:pt x="8" y="3380"/>
-                  <a:pt x="17" y="6690"/>
-                  <a:pt x="25" y="10000"/>
-                </a:cubicBezTo>
-                <a:lnTo>
-                  <a:pt x="7275" y="9966"/>
-                </a:lnTo>
-                <a:lnTo>
-                  <a:pt x="7803" y="9966"/>
-                </a:lnTo>
-                <a:cubicBezTo>
-                  <a:pt x="7831" y="9966"/>
-                  <a:pt x="7859" y="9872"/>
-                  <a:pt x="7886" y="9872"/>
-                </a:cubicBezTo>
-                <a:cubicBezTo>
-                  <a:pt x="7886" y="9778"/>
-                  <a:pt x="7915" y="9778"/>
-                  <a:pt x="7915" y="9778"/>
-                </a:cubicBezTo>
-                <a:lnTo>
-                  <a:pt x="9248" y="5265"/>
-                </a:lnTo>
-                <a:cubicBezTo>
-                  <a:pt x="9303" y="5077"/>
-                  <a:pt x="9303" y="4889"/>
-                  <a:pt x="9248" y="4701"/>
-                </a:cubicBezTo>
-                <a:close/>
-              </a:path>
-            </a:pathLst>
-          </a:custGeom>
-          <a:solidFill>
-            <a:schemeClr val="accent1"/>
-          </a:solidFill>
-          <a:ln>
-            <a:noFill/>
-          </a:ln>
-        </p:spPr>
+            <a:endParaRPr lang="en-US" dirty="0"/>
+          </a:p>
+        </p:txBody>
       </p:sp>
       <p:sp>
         <p:nvSpPr>
@@ -4497,18 +3059,18 @@
           <a:bodyPr/>
           <a:lstStyle/>
           <a:p>
-            <a:fld id="{45D8DECA-3F01-4D4D-9CE8-CE0BA91433C8}" type="slidenum">
+            <a:fld id="{D57F1E4F-1CFF-5643-939E-02111984F565}" type="slidenum">
               <a:rPr lang="en-US" smtClean="0"/>
               <a:t>‹#›</a:t>
             </a:fld>
-            <a:endParaRPr lang="en-US"/>
+            <a:endParaRPr lang="en-US" dirty="0"/>
           </a:p>
         </p:txBody>
       </p:sp>
     </p:spTree>
     <p:extLst>
       <p:ext uri="{BB962C8B-B14F-4D97-AF65-F5344CB8AC3E}">
-        <p14:creationId xmlns:p14="http://schemas.microsoft.com/office/powerpoint/2010/main" val="1472760922"/>
+        <p14:creationId xmlns:p14="http://schemas.microsoft.com/office/powerpoint/2010/main" val="308543471"/>
       </p:ext>
     </p:extLst>
   </p:cSld>
@@ -4550,11 +3112,11 @@
           <a:bodyPr/>
           <a:lstStyle/>
           <a:p>
-            <a:fld id="{AB2458EA-1F5A-154D-AFF5-4CF2DF8977D4}" type="datetimeFigureOut">
+            <a:fld id="{4509A250-FF31-4206-8172-F9D3106AACB1}" type="datetimeFigureOut">
               <a:rPr lang="en-US" smtClean="0"/>
-              <a:t>11/18/19</a:t>
+              <a:t>11/19/19</a:t>
             </a:fld>
-            <a:endParaRPr lang="en-US"/>
+            <a:endParaRPr lang="en-US" dirty="0"/>
           </a:p>
         </p:txBody>
       </p:sp>
@@ -4573,91 +3135,9 @@
           <a:bodyPr/>
           <a:lstStyle/>
           <a:p>
-            <a:endParaRPr lang="en-US"/>
-          </a:p>
-        </p:txBody>
-      </p:sp>
-      <p:sp>
-        <p:nvSpPr>
-          <p:cNvPr id="6" name="Freeform 11"/>
-          <p:cNvSpPr/>
-          <p:nvPr/>
-        </p:nvSpPr>
-        <p:spPr bwMode="auto">
-          <a:xfrm flipV="1">
-            <a:off x="-3141" y="595313"/>
-            <a:ext cx="1191395" cy="422748"/>
-          </a:xfrm>
-          <a:custGeom>
-            <a:avLst/>
-            <a:gdLst/>
-            <a:ahLst/>
-            <a:cxnLst/>
-            <a:rect l="l" t="t" r="r" b="b"/>
-            <a:pathLst>
-              <a:path w="9248" h="10000">
-                <a:moveTo>
-                  <a:pt x="9248" y="4701"/>
-                </a:moveTo>
-                <a:lnTo>
-                  <a:pt x="7915" y="188"/>
-                </a:lnTo>
-                <a:cubicBezTo>
-                  <a:pt x="7906" y="156"/>
-                  <a:pt x="7895" y="126"/>
-                  <a:pt x="7886" y="94"/>
-                </a:cubicBezTo>
-                <a:cubicBezTo>
-                  <a:pt x="7859" y="0"/>
-                  <a:pt x="7831" y="0"/>
-                  <a:pt x="7803" y="0"/>
-                </a:cubicBezTo>
-                <a:lnTo>
-                  <a:pt x="7275" y="0"/>
-                </a:lnTo>
-                <a:lnTo>
-                  <a:pt x="0" y="70"/>
-                </a:lnTo>
-                <a:cubicBezTo>
-                  <a:pt x="8" y="3380"/>
-                  <a:pt x="17" y="6690"/>
-                  <a:pt x="25" y="10000"/>
-                </a:cubicBezTo>
-                <a:lnTo>
-                  <a:pt x="7275" y="9966"/>
-                </a:lnTo>
-                <a:lnTo>
-                  <a:pt x="7803" y="9966"/>
-                </a:lnTo>
-                <a:cubicBezTo>
-                  <a:pt x="7831" y="9966"/>
-                  <a:pt x="7859" y="9872"/>
-                  <a:pt x="7886" y="9872"/>
-                </a:cubicBezTo>
-                <a:cubicBezTo>
-                  <a:pt x="7886" y="9778"/>
-                  <a:pt x="7915" y="9778"/>
-                  <a:pt x="7915" y="9778"/>
-                </a:cubicBezTo>
-                <a:lnTo>
-                  <a:pt x="9248" y="5265"/>
-                </a:lnTo>
-                <a:cubicBezTo>
-                  <a:pt x="9303" y="5077"/>
-                  <a:pt x="9303" y="4889"/>
-                  <a:pt x="9248" y="4701"/>
-                </a:cubicBezTo>
-                <a:close/>
-              </a:path>
-            </a:pathLst>
-          </a:custGeom>
-          <a:solidFill>
-            <a:schemeClr val="accent1"/>
-          </a:solidFill>
-          <a:ln>
-            <a:noFill/>
-          </a:ln>
-        </p:spPr>
+            <a:endParaRPr lang="en-US" dirty="0"/>
+          </a:p>
+        </p:txBody>
       </p:sp>
       <p:sp>
         <p:nvSpPr>
@@ -4674,18 +3154,18 @@
           <a:bodyPr/>
           <a:lstStyle/>
           <a:p>
-            <a:fld id="{45D8DECA-3F01-4D4D-9CE8-CE0BA91433C8}" type="slidenum">
+            <a:fld id="{D57F1E4F-1CFF-5643-939E-02111984F565}" type="slidenum">
               <a:rPr lang="en-US" smtClean="0"/>
               <a:t>‹#›</a:t>
             </a:fld>
-            <a:endParaRPr lang="en-US"/>
+            <a:endParaRPr lang="en-US" dirty="0"/>
           </a:p>
         </p:txBody>
       </p:sp>
     </p:spTree>
     <p:extLst>
       <p:ext uri="{BB962C8B-B14F-4D97-AF65-F5344CB8AC3E}">
-        <p14:creationId xmlns:p14="http://schemas.microsoft.com/office/powerpoint/2010/main" val="1095233237"/>
+        <p14:creationId xmlns:p14="http://schemas.microsoft.com/office/powerpoint/2010/main" val="3042545756"/>
       </p:ext>
     </p:extLst>
   </p:cSld>
@@ -4724,15 +3204,15 @@
         </p:nvSpPr>
         <p:spPr>
           <a:xfrm>
-            <a:off x="1941910" y="371740"/>
-            <a:ext cx="2628899" cy="813593"/>
+            <a:off x="629841" y="381000"/>
+            <a:ext cx="2949178" cy="1333500"/>
           </a:xfrm>
         </p:spPr>
         <p:txBody>
           <a:bodyPr anchor="b"/>
           <a:lstStyle>
-            <a:lvl1pPr algn="l">
-              <a:defRPr sz="1500" b="0"/>
+            <a:lvl1pPr>
+              <a:defRPr sz="2400"/>
             </a:lvl1pPr>
           </a:lstStyle>
           <a:p>
@@ -4756,15 +3236,41 @@
         </p:nvSpPr>
         <p:spPr>
           <a:xfrm>
-            <a:off x="4742259" y="371741"/>
-            <a:ext cx="3886200" cy="4512469"/>
+            <a:off x="3887391" y="822855"/>
+            <a:ext cx="4629150" cy="4061354"/>
           </a:xfrm>
         </p:spPr>
         <p:txBody>
-          <a:bodyPr anchor="ctr">
-            <a:normAutofit/>
-          </a:bodyPr>
-          <a:lstStyle/>
+          <a:bodyPr/>
+          <a:lstStyle>
+            <a:lvl1pPr>
+              <a:defRPr sz="2400"/>
+            </a:lvl1pPr>
+            <a:lvl2pPr>
+              <a:defRPr sz="2100"/>
+            </a:lvl2pPr>
+            <a:lvl3pPr>
+              <a:defRPr sz="1800"/>
+            </a:lvl3pPr>
+            <a:lvl4pPr>
+              <a:defRPr sz="1500"/>
+            </a:lvl4pPr>
+            <a:lvl5pPr>
+              <a:defRPr sz="1500"/>
+            </a:lvl5pPr>
+            <a:lvl6pPr>
+              <a:defRPr sz="1500"/>
+            </a:lvl6pPr>
+            <a:lvl7pPr>
+              <a:defRPr sz="1500"/>
+            </a:lvl7pPr>
+            <a:lvl8pPr>
+              <a:defRPr sz="1500"/>
+            </a:lvl8pPr>
+            <a:lvl9pPr>
+              <a:defRPr sz="1500"/>
+            </a:lvl9pPr>
+          </a:lstStyle>
           <a:p>
             <a:pPr lvl="0"/>
             <a:r>
@@ -4815,8 +3321,8 @@
         </p:nvSpPr>
         <p:spPr>
           <a:xfrm>
-            <a:off x="1941910" y="1332178"/>
-            <a:ext cx="2628899" cy="3552030"/>
+            <a:off x="629841" y="1714500"/>
+            <a:ext cx="2949178" cy="3176323"/>
           </a:xfrm>
         </p:spPr>
         <p:txBody>
@@ -4824,39 +3330,39 @@
           <a:lstStyle>
             <a:lvl1pPr marL="0" indent="0">
               <a:buNone/>
-              <a:defRPr sz="1050"/>
+              <a:defRPr sz="1200"/>
             </a:lvl1pPr>
             <a:lvl2pPr marL="342900" indent="0">
               <a:buNone/>
-              <a:defRPr sz="900"/>
+              <a:defRPr sz="1050"/>
             </a:lvl2pPr>
             <a:lvl3pPr marL="685800" indent="0">
               <a:buNone/>
-              <a:defRPr sz="750"/>
+              <a:defRPr sz="900"/>
             </a:lvl3pPr>
             <a:lvl4pPr marL="1028700" indent="0">
               <a:buNone/>
-              <a:defRPr sz="675"/>
+              <a:defRPr sz="750"/>
             </a:lvl4pPr>
             <a:lvl5pPr marL="1371600" indent="0">
               <a:buNone/>
-              <a:defRPr sz="675"/>
+              <a:defRPr sz="750"/>
             </a:lvl5pPr>
             <a:lvl6pPr marL="1714500" indent="0">
               <a:buNone/>
-              <a:defRPr sz="675"/>
+              <a:defRPr sz="750"/>
             </a:lvl6pPr>
             <a:lvl7pPr marL="2057400" indent="0">
               <a:buNone/>
-              <a:defRPr sz="675"/>
+              <a:defRPr sz="750"/>
             </a:lvl7pPr>
             <a:lvl8pPr marL="2400300" indent="0">
               <a:buNone/>
-              <a:defRPr sz="675"/>
+              <a:defRPr sz="750"/>
             </a:lvl8pPr>
             <a:lvl9pPr marL="2743200" indent="0">
               <a:buNone/>
-              <a:defRPr sz="675"/>
+              <a:defRPr sz="750"/>
             </a:lvl9pPr>
           </a:lstStyle>
           <a:p>
@@ -4883,11 +3389,11 @@
           <a:bodyPr/>
           <a:lstStyle/>
           <a:p>
-            <a:fld id="{AB2458EA-1F5A-154D-AFF5-4CF2DF8977D4}" type="datetimeFigureOut">
+            <a:fld id="{4509A250-FF31-4206-8172-F9D3106AACB1}" type="datetimeFigureOut">
               <a:rPr lang="en-US" smtClean="0"/>
-              <a:t>11/18/19</a:t>
+              <a:t>11/19/19</a:t>
             </a:fld>
-            <a:endParaRPr lang="en-US"/>
+            <a:endParaRPr lang="en-US" dirty="0"/>
           </a:p>
         </p:txBody>
       </p:sp>
@@ -4906,91 +3412,9 @@
           <a:bodyPr/>
           <a:lstStyle/>
           <a:p>
-            <a:endParaRPr lang="en-US"/>
-          </a:p>
-        </p:txBody>
-      </p:sp>
-      <p:sp>
-        <p:nvSpPr>
-          <p:cNvPr id="9" name="Freeform 11"/>
-          <p:cNvSpPr/>
-          <p:nvPr/>
-        </p:nvSpPr>
-        <p:spPr bwMode="auto">
-          <a:xfrm flipV="1">
-            <a:off x="-3141" y="595313"/>
-            <a:ext cx="1191395" cy="422748"/>
-          </a:xfrm>
-          <a:custGeom>
-            <a:avLst/>
-            <a:gdLst/>
-            <a:ahLst/>
-            <a:cxnLst/>
-            <a:rect l="l" t="t" r="r" b="b"/>
-            <a:pathLst>
-              <a:path w="9248" h="10000">
-                <a:moveTo>
-                  <a:pt x="9248" y="4701"/>
-                </a:moveTo>
-                <a:lnTo>
-                  <a:pt x="7915" y="188"/>
-                </a:lnTo>
-                <a:cubicBezTo>
-                  <a:pt x="7906" y="156"/>
-                  <a:pt x="7895" y="126"/>
-                  <a:pt x="7886" y="94"/>
-                </a:cubicBezTo>
-                <a:cubicBezTo>
-                  <a:pt x="7859" y="0"/>
-                  <a:pt x="7831" y="0"/>
-                  <a:pt x="7803" y="0"/>
-                </a:cubicBezTo>
-                <a:lnTo>
-                  <a:pt x="7275" y="0"/>
-                </a:lnTo>
-                <a:lnTo>
-                  <a:pt x="0" y="70"/>
-                </a:lnTo>
-                <a:cubicBezTo>
-                  <a:pt x="8" y="3380"/>
-                  <a:pt x="17" y="6690"/>
-                  <a:pt x="25" y="10000"/>
-                </a:cubicBezTo>
-                <a:lnTo>
-                  <a:pt x="7275" y="9966"/>
-                </a:lnTo>
-                <a:lnTo>
-                  <a:pt x="7803" y="9966"/>
-                </a:lnTo>
-                <a:cubicBezTo>
-                  <a:pt x="7831" y="9966"/>
-                  <a:pt x="7859" y="9872"/>
-                  <a:pt x="7886" y="9872"/>
-                </a:cubicBezTo>
-                <a:cubicBezTo>
-                  <a:pt x="7886" y="9778"/>
-                  <a:pt x="7915" y="9778"/>
-                  <a:pt x="7915" y="9778"/>
-                </a:cubicBezTo>
-                <a:lnTo>
-                  <a:pt x="9248" y="5265"/>
-                </a:lnTo>
-                <a:cubicBezTo>
-                  <a:pt x="9303" y="5077"/>
-                  <a:pt x="9303" y="4889"/>
-                  <a:pt x="9248" y="4701"/>
-                </a:cubicBezTo>
-                <a:close/>
-              </a:path>
-            </a:pathLst>
-          </a:custGeom>
-          <a:solidFill>
-            <a:schemeClr val="accent1"/>
-          </a:solidFill>
-          <a:ln>
-            <a:noFill/>
-          </a:ln>
-        </p:spPr>
+            <a:endParaRPr lang="en-US" dirty="0"/>
+          </a:p>
+        </p:txBody>
       </p:sp>
       <p:sp>
         <p:nvSpPr>
@@ -5007,29 +3431,24 @@
           <a:bodyPr/>
           <a:lstStyle/>
           <a:p>
-            <a:fld id="{45D8DECA-3F01-4D4D-9CE8-CE0BA91433C8}" type="slidenum">
+            <a:fld id="{D57F1E4F-1CFF-5643-939E-02111984F565}" type="slidenum">
               <a:rPr lang="en-US" smtClean="0"/>
               <a:t>‹#›</a:t>
             </a:fld>
-            <a:endParaRPr lang="en-US"/>
+            <a:endParaRPr lang="en-US" dirty="0"/>
           </a:p>
         </p:txBody>
       </p:sp>
     </p:spTree>
     <p:extLst>
       <p:ext uri="{BB962C8B-B14F-4D97-AF65-F5344CB8AC3E}">
-        <p14:creationId xmlns:p14="http://schemas.microsoft.com/office/powerpoint/2010/main" val="3756608574"/>
+        <p14:creationId xmlns:p14="http://schemas.microsoft.com/office/powerpoint/2010/main" val="1103316182"/>
       </p:ext>
     </p:extLst>
   </p:cSld>
   <p:clrMapOvr>
     <a:masterClrMapping/>
   </p:clrMapOvr>
-  <p:extLst>
-    <p:ext uri="{DCECCB84-F9BA-43D5-87BE-67443E8EF086}">
-      <p15:sldGuideLst xmlns:p15="http://schemas.microsoft.com/office/powerpoint/2012/main"/>
-    </p:ext>
-  </p:extLst>
 </p:sldLayout>
 </file>
 
@@ -5062,17 +3481,15 @@
         </p:nvSpPr>
         <p:spPr>
           <a:xfrm>
-            <a:off x="1941910" y="4000500"/>
-            <a:ext cx="6686550" cy="472282"/>
+            <a:off x="629841" y="381000"/>
+            <a:ext cx="2949178" cy="1333500"/>
           </a:xfrm>
         </p:spPr>
         <p:txBody>
-          <a:bodyPr anchor="b">
-            <a:normAutofit/>
-          </a:bodyPr>
+          <a:bodyPr anchor="b"/>
           <a:lstStyle>
-            <a:lvl1pPr algn="l">
-              <a:defRPr sz="1800" b="0"/>
+            <a:lvl1pPr>
+              <a:defRPr sz="2400"/>
             </a:lvl1pPr>
           </a:lstStyle>
           <a:p>
@@ -5096,117 +3513,113 @@
         </p:nvSpPr>
         <p:spPr>
           <a:xfrm>
-            <a:off x="1941909" y="529138"/>
-            <a:ext cx="6686550" cy="3212475"/>
+            <a:off x="3887391" y="822855"/>
+            <a:ext cx="4629150" cy="4061354"/>
           </a:xfrm>
         </p:spPr>
         <p:txBody>
-          <a:bodyPr anchor="t">
-            <a:normAutofit/>
-          </a:bodyPr>
+          <a:bodyPr anchor="t"/>
           <a:lstStyle>
-            <a:lvl1pPr marL="0" indent="0" algn="ctr">
+            <a:lvl1pPr marL="0" indent="0">
+              <a:buNone/>
+              <a:defRPr sz="2400"/>
+            </a:lvl1pPr>
+            <a:lvl2pPr marL="342900" indent="0">
+              <a:buNone/>
+              <a:defRPr sz="2100"/>
+            </a:lvl2pPr>
+            <a:lvl3pPr marL="685800" indent="0">
+              <a:buNone/>
+              <a:defRPr sz="1800"/>
+            </a:lvl3pPr>
+            <a:lvl4pPr marL="1028700" indent="0">
+              <a:buNone/>
+              <a:defRPr sz="1500"/>
+            </a:lvl4pPr>
+            <a:lvl5pPr marL="1371600" indent="0">
+              <a:buNone/>
+              <a:defRPr sz="1500"/>
+            </a:lvl5pPr>
+            <a:lvl6pPr marL="1714500" indent="0">
+              <a:buNone/>
+              <a:defRPr sz="1500"/>
+            </a:lvl6pPr>
+            <a:lvl7pPr marL="2057400" indent="0">
+              <a:buNone/>
+              <a:defRPr sz="1500"/>
+            </a:lvl7pPr>
+            <a:lvl8pPr marL="2400300" indent="0">
+              <a:buNone/>
+              <a:defRPr sz="1500"/>
+            </a:lvl8pPr>
+            <a:lvl9pPr marL="2743200" indent="0">
+              <a:buNone/>
+              <a:defRPr sz="1500"/>
+            </a:lvl9pPr>
+          </a:lstStyle>
+          <a:p>
+            <a:r>
+              <a:rPr lang="en-US"/>
+              <a:t>Click icon to add picture</a:t>
+            </a:r>
+            <a:endParaRPr lang="en-US" dirty="0"/>
+          </a:p>
+        </p:txBody>
+      </p:sp>
+      <p:sp>
+        <p:nvSpPr>
+          <p:cNvPr id="4" name="Text Placeholder 3"/>
+          <p:cNvSpPr>
+            <a:spLocks noGrp="1"/>
+          </p:cNvSpPr>
+          <p:nvPr>
+            <p:ph type="body" sz="half" idx="2"/>
+          </p:nvPr>
+        </p:nvSpPr>
+        <p:spPr>
+          <a:xfrm>
+            <a:off x="629841" y="1714500"/>
+            <a:ext cx="2949178" cy="3176323"/>
+          </a:xfrm>
+        </p:spPr>
+        <p:txBody>
+          <a:bodyPr/>
+          <a:lstStyle>
+            <a:lvl1pPr marL="0" indent="0">
               <a:buNone/>
               <a:defRPr sz="1200"/>
             </a:lvl1pPr>
             <a:lvl2pPr marL="342900" indent="0">
               <a:buNone/>
-              <a:defRPr sz="1200"/>
+              <a:defRPr sz="1050"/>
             </a:lvl2pPr>
             <a:lvl3pPr marL="685800" indent="0">
               <a:buNone/>
-              <a:defRPr sz="1200"/>
+              <a:defRPr sz="900"/>
             </a:lvl3pPr>
             <a:lvl4pPr marL="1028700" indent="0">
               <a:buNone/>
-              <a:defRPr sz="1200"/>
+              <a:defRPr sz="750"/>
             </a:lvl4pPr>
             <a:lvl5pPr marL="1371600" indent="0">
               <a:buNone/>
-              <a:defRPr sz="1200"/>
+              <a:defRPr sz="750"/>
             </a:lvl5pPr>
             <a:lvl6pPr marL="1714500" indent="0">
               <a:buNone/>
-              <a:defRPr sz="1200"/>
+              <a:defRPr sz="750"/>
             </a:lvl6pPr>
             <a:lvl7pPr marL="2057400" indent="0">
               <a:buNone/>
-              <a:defRPr sz="1200"/>
+              <a:defRPr sz="750"/>
             </a:lvl7pPr>
             <a:lvl8pPr marL="2400300" indent="0">
               <a:buNone/>
-              <a:defRPr sz="1200"/>
+              <a:defRPr sz="750"/>
             </a:lvl8pPr>
             <a:lvl9pPr marL="2743200" indent="0">
               <a:buNone/>
-              <a:defRPr sz="1200"/>
-            </a:lvl9pPr>
-          </a:lstStyle>
-          <a:p>
-            <a:r>
-              <a:rPr lang="en-US"/>
-              <a:t>Click icon to add picture</a:t>
-            </a:r>
-            <a:endParaRPr lang="en-US" dirty="0"/>
-          </a:p>
-        </p:txBody>
-      </p:sp>
-      <p:sp>
-        <p:nvSpPr>
-          <p:cNvPr id="4" name="Text Placeholder 3"/>
-          <p:cNvSpPr>
-            <a:spLocks noGrp="1"/>
-          </p:cNvSpPr>
-          <p:nvPr>
-            <p:ph type="body" sz="half" idx="2"/>
-          </p:nvPr>
-        </p:nvSpPr>
-        <p:spPr>
-          <a:xfrm>
-            <a:off x="1941910" y="4472782"/>
-            <a:ext cx="6686550" cy="411427"/>
-          </a:xfrm>
-        </p:spPr>
-        <p:txBody>
-          <a:bodyPr>
-            <a:normAutofit/>
-          </a:bodyPr>
-          <a:lstStyle>
-            <a:lvl1pPr marL="0" indent="0">
-              <a:buNone/>
-              <a:defRPr sz="900"/>
-            </a:lvl1pPr>
-            <a:lvl2pPr marL="342900" indent="0">
-              <a:buNone/>
-              <a:defRPr sz="900"/>
-            </a:lvl2pPr>
-            <a:lvl3pPr marL="685800" indent="0">
-              <a:buNone/>
               <a:defRPr sz="750"/>
-            </a:lvl3pPr>
-            <a:lvl4pPr marL="1028700" indent="0">
-              <a:buNone/>
-              <a:defRPr sz="675"/>
-            </a:lvl4pPr>
-            <a:lvl5pPr marL="1371600" indent="0">
-              <a:buNone/>
-              <a:defRPr sz="675"/>
-            </a:lvl5pPr>
-            <a:lvl6pPr marL="1714500" indent="0">
-              <a:buNone/>
-              <a:defRPr sz="675"/>
-            </a:lvl6pPr>
-            <a:lvl7pPr marL="2057400" indent="0">
-              <a:buNone/>
-              <a:defRPr sz="675"/>
-            </a:lvl7pPr>
-            <a:lvl8pPr marL="2400300" indent="0">
-              <a:buNone/>
-              <a:defRPr sz="675"/>
-            </a:lvl8pPr>
-            <a:lvl9pPr marL="2743200" indent="0">
-              <a:buNone/>
-              <a:defRPr sz="675"/>
             </a:lvl9pPr>
           </a:lstStyle>
           <a:p>
@@ -5233,11 +3646,11 @@
           <a:bodyPr/>
           <a:lstStyle/>
           <a:p>
-            <a:fld id="{AB2458EA-1F5A-154D-AFF5-4CF2DF8977D4}" type="datetimeFigureOut">
+            <a:fld id="{4509A250-FF31-4206-8172-F9D3106AACB1}" type="datetimeFigureOut">
               <a:rPr lang="en-US" smtClean="0"/>
-              <a:t>11/18/19</a:t>
+              <a:t>11/19/19</a:t>
             </a:fld>
-            <a:endParaRPr lang="en-US"/>
+            <a:endParaRPr lang="en-US" dirty="0"/>
           </a:p>
         </p:txBody>
       </p:sp>
@@ -5256,91 +3669,9 @@
           <a:bodyPr/>
           <a:lstStyle/>
           <a:p>
-            <a:endParaRPr lang="en-US"/>
-          </a:p>
-        </p:txBody>
-      </p:sp>
-      <p:sp>
-        <p:nvSpPr>
-          <p:cNvPr id="9" name="Freeform 11"/>
-          <p:cNvSpPr/>
-          <p:nvPr/>
-        </p:nvSpPr>
-        <p:spPr bwMode="auto">
-          <a:xfrm flipV="1">
-            <a:off x="-3141" y="4093104"/>
-            <a:ext cx="1191395" cy="422748"/>
-          </a:xfrm>
-          <a:custGeom>
-            <a:avLst/>
-            <a:gdLst/>
-            <a:ahLst/>
-            <a:cxnLst/>
-            <a:rect l="l" t="t" r="r" b="b"/>
-            <a:pathLst>
-              <a:path w="9248" h="10000">
-                <a:moveTo>
-                  <a:pt x="9248" y="4701"/>
-                </a:moveTo>
-                <a:lnTo>
-                  <a:pt x="7915" y="188"/>
-                </a:lnTo>
-                <a:cubicBezTo>
-                  <a:pt x="7906" y="156"/>
-                  <a:pt x="7895" y="126"/>
-                  <a:pt x="7886" y="94"/>
-                </a:cubicBezTo>
-                <a:cubicBezTo>
-                  <a:pt x="7859" y="0"/>
-                  <a:pt x="7831" y="0"/>
-                  <a:pt x="7803" y="0"/>
-                </a:cubicBezTo>
-                <a:lnTo>
-                  <a:pt x="7275" y="0"/>
-                </a:lnTo>
-                <a:lnTo>
-                  <a:pt x="0" y="70"/>
-                </a:lnTo>
-                <a:cubicBezTo>
-                  <a:pt x="8" y="3380"/>
-                  <a:pt x="17" y="6690"/>
-                  <a:pt x="25" y="10000"/>
-                </a:cubicBezTo>
-                <a:lnTo>
-                  <a:pt x="7275" y="9966"/>
-                </a:lnTo>
-                <a:lnTo>
-                  <a:pt x="7803" y="9966"/>
-                </a:lnTo>
-                <a:cubicBezTo>
-                  <a:pt x="7831" y="9966"/>
-                  <a:pt x="7859" y="9872"/>
-                  <a:pt x="7886" y="9872"/>
-                </a:cubicBezTo>
-                <a:cubicBezTo>
-                  <a:pt x="7886" y="9778"/>
-                  <a:pt x="7915" y="9778"/>
-                  <a:pt x="7915" y="9778"/>
-                </a:cubicBezTo>
-                <a:lnTo>
-                  <a:pt x="9248" y="5265"/>
-                </a:lnTo>
-                <a:cubicBezTo>
-                  <a:pt x="9303" y="5077"/>
-                  <a:pt x="9303" y="4889"/>
-                  <a:pt x="9248" y="4701"/>
-                </a:cubicBezTo>
-                <a:close/>
-              </a:path>
-            </a:pathLst>
-          </a:custGeom>
-          <a:solidFill>
-            <a:schemeClr val="accent1"/>
-          </a:solidFill>
-          <a:ln>
-            <a:noFill/>
-          </a:ln>
-        </p:spPr>
+            <a:endParaRPr lang="en-US" dirty="0"/>
+          </a:p>
+        </p:txBody>
       </p:sp>
       <p:sp>
         <p:nvSpPr>
@@ -5352,28 +3683,23 @@
             <p:ph type="sldNum" sz="quarter" idx="12"/>
           </p:nvPr>
         </p:nvSpPr>
-        <p:spPr>
-          <a:xfrm>
-            <a:off x="398860" y="4152573"/>
-            <a:ext cx="584825" cy="304271"/>
-          </a:xfrm>
-        </p:spPr>
+        <p:spPr/>
         <p:txBody>
           <a:bodyPr/>
           <a:lstStyle/>
           <a:p>
-            <a:fld id="{45D8DECA-3F01-4D4D-9CE8-CE0BA91433C8}" type="slidenum">
+            <a:fld id="{D57F1E4F-1CFF-5643-939E-02111984F565}" type="slidenum">
               <a:rPr lang="en-US" smtClean="0"/>
               <a:t>‹#›</a:t>
             </a:fld>
-            <a:endParaRPr lang="en-US"/>
+            <a:endParaRPr lang="en-US" dirty="0"/>
           </a:p>
         </p:txBody>
       </p:sp>
     </p:spTree>
     <p:extLst>
       <p:ext uri="{BB962C8B-B14F-4D97-AF65-F5344CB8AC3E}">
-        <p14:creationId xmlns:p14="http://schemas.microsoft.com/office/powerpoint/2010/main" val="1417303461"/>
+        <p14:creationId xmlns:p14="http://schemas.microsoft.com/office/powerpoint/2010/main" val="1066140422"/>
       </p:ext>
     </p:extLst>
   </p:cSld>
@@ -5387,8 +3713,8 @@
 <p:sldMaster xmlns:a="http://schemas.openxmlformats.org/drawingml/2006/main" xmlns:r="http://schemas.openxmlformats.org/officeDocument/2006/relationships" xmlns:p="http://schemas.openxmlformats.org/presentationml/2006/main">
   <p:cSld>
     <p:bg>
-      <p:bgRef idx="1003">
-        <a:schemeClr val="bg2"/>
+      <p:bgRef idx="1001">
+        <a:schemeClr val="bg1"/>
       </p:bgRef>
     </p:bg>
     <p:spTree>
@@ -5405,1823 +3731,6 @@
           <a:chExt cx="0" cy="0"/>
         </a:xfrm>
       </p:grpSpPr>
-      <p:grpSp>
-        <p:nvGrpSpPr>
-          <p:cNvPr id="23" name="Group 22"/>
-          <p:cNvGrpSpPr/>
-          <p:nvPr/>
-        </p:nvGrpSpPr>
-        <p:grpSpPr>
-          <a:xfrm>
-            <a:off x="1" y="190500"/>
-            <a:ext cx="2138637" cy="5532190"/>
-            <a:chOff x="2487613" y="285750"/>
-            <a:chExt cx="2428875" cy="5654676"/>
-          </a:xfrm>
-        </p:grpSpPr>
-        <p:sp>
-          <p:nvSpPr>
-            <p:cNvPr id="24" name="Freeform 11"/>
-            <p:cNvSpPr/>
-            <p:nvPr/>
-          </p:nvSpPr>
-          <p:spPr bwMode="auto">
-            <a:xfrm>
-              <a:off x="2487613" y="2284413"/>
-              <a:ext cx="85725" cy="533400"/>
-            </a:xfrm>
-            <a:custGeom>
-              <a:avLst/>
-              <a:gdLst/>
-              <a:ahLst/>
-              <a:cxnLst/>
-              <a:rect l="0" t="0" r="r" b="b"/>
-              <a:pathLst>
-                <a:path w="22" h="136">
-                  <a:moveTo>
-                    <a:pt x="22" y="136"/>
-                  </a:moveTo>
-                  <a:cubicBezTo>
-                    <a:pt x="20" y="117"/>
-                    <a:pt x="19" y="99"/>
-                    <a:pt x="17" y="80"/>
-                  </a:cubicBezTo>
-                  <a:cubicBezTo>
-                    <a:pt x="11" y="54"/>
-                    <a:pt x="6" y="27"/>
-                    <a:pt x="0" y="0"/>
-                  </a:cubicBezTo>
-                  <a:cubicBezTo>
-                    <a:pt x="0" y="35"/>
-                    <a:pt x="0" y="35"/>
-                    <a:pt x="0" y="35"/>
-                  </a:cubicBezTo>
-                  <a:cubicBezTo>
-                    <a:pt x="6" y="64"/>
-                    <a:pt x="13" y="94"/>
-                    <a:pt x="20" y="124"/>
-                  </a:cubicBezTo>
-                  <a:cubicBezTo>
-                    <a:pt x="20" y="128"/>
-                    <a:pt x="21" y="132"/>
-                    <a:pt x="22" y="136"/>
-                  </a:cubicBezTo>
-                  <a:close/>
-                </a:path>
-              </a:pathLst>
-            </a:custGeom>
-            <a:solidFill>
-              <a:schemeClr val="tx2">
-                <a:alpha val="20000"/>
-              </a:schemeClr>
-            </a:solidFill>
-            <a:ln>
-              <a:noFill/>
-            </a:ln>
-          </p:spPr>
-        </p:sp>
-        <p:sp>
-          <p:nvSpPr>
-            <p:cNvPr id="25" name="Freeform 12"/>
-            <p:cNvSpPr/>
-            <p:nvPr/>
-          </p:nvSpPr>
-          <p:spPr bwMode="auto">
-            <a:xfrm>
-              <a:off x="2597151" y="2779713"/>
-              <a:ext cx="550863" cy="1978025"/>
-            </a:xfrm>
-            <a:custGeom>
-              <a:avLst/>
-              <a:gdLst/>
-              <a:ahLst/>
-              <a:cxnLst/>
-              <a:rect l="0" t="0" r="r" b="b"/>
-              <a:pathLst>
-                <a:path w="140" h="504">
-                  <a:moveTo>
-                    <a:pt x="86" y="350"/>
-                  </a:moveTo>
-                  <a:cubicBezTo>
-                    <a:pt x="103" y="402"/>
-                    <a:pt x="120" y="453"/>
-                    <a:pt x="139" y="504"/>
-                  </a:cubicBezTo>
-                  <a:cubicBezTo>
-                    <a:pt x="139" y="495"/>
-                    <a:pt x="139" y="487"/>
-                    <a:pt x="140" y="478"/>
-                  </a:cubicBezTo>
-                  <a:cubicBezTo>
-                    <a:pt x="124" y="435"/>
-                    <a:pt x="109" y="391"/>
-                    <a:pt x="95" y="347"/>
-                  </a:cubicBezTo>
-                  <a:cubicBezTo>
-                    <a:pt x="58" y="233"/>
-                    <a:pt x="27" y="117"/>
-                    <a:pt x="0" y="0"/>
-                  </a:cubicBezTo>
-                  <a:cubicBezTo>
-                    <a:pt x="2" y="20"/>
-                    <a:pt x="4" y="41"/>
-                    <a:pt x="6" y="61"/>
-                  </a:cubicBezTo>
-                  <a:cubicBezTo>
-                    <a:pt x="30" y="158"/>
-                    <a:pt x="56" y="255"/>
-                    <a:pt x="86" y="350"/>
-                  </a:cubicBezTo>
-                  <a:close/>
-                </a:path>
-              </a:pathLst>
-            </a:custGeom>
-            <a:solidFill>
-              <a:schemeClr val="tx2">
-                <a:alpha val="20000"/>
-              </a:schemeClr>
-            </a:solidFill>
-            <a:ln>
-              <a:noFill/>
-            </a:ln>
-          </p:spPr>
-        </p:sp>
-        <p:sp>
-          <p:nvSpPr>
-            <p:cNvPr id="26" name="Freeform 13"/>
-            <p:cNvSpPr/>
-            <p:nvPr/>
-          </p:nvSpPr>
-          <p:spPr bwMode="auto">
-            <a:xfrm>
-              <a:off x="3175001" y="4730750"/>
-              <a:ext cx="519113" cy="1209675"/>
-            </a:xfrm>
-            <a:custGeom>
-              <a:avLst/>
-              <a:gdLst/>
-              <a:ahLst/>
-              <a:cxnLst/>
-              <a:rect l="0" t="0" r="r" b="b"/>
-              <a:pathLst>
-                <a:path w="132" h="308">
-                  <a:moveTo>
-                    <a:pt x="8" y="22"/>
-                  </a:moveTo>
-                  <a:cubicBezTo>
-                    <a:pt x="5" y="15"/>
-                    <a:pt x="2" y="8"/>
-                    <a:pt x="0" y="0"/>
-                  </a:cubicBezTo>
-                  <a:cubicBezTo>
-                    <a:pt x="0" y="10"/>
-                    <a:pt x="0" y="19"/>
-                    <a:pt x="0" y="29"/>
-                  </a:cubicBezTo>
-                  <a:cubicBezTo>
-                    <a:pt x="21" y="85"/>
-                    <a:pt x="44" y="140"/>
-                    <a:pt x="68" y="194"/>
-                  </a:cubicBezTo>
-                  <a:cubicBezTo>
-                    <a:pt x="85" y="232"/>
-                    <a:pt x="104" y="270"/>
-                    <a:pt x="123" y="308"/>
-                  </a:cubicBezTo>
-                  <a:cubicBezTo>
-                    <a:pt x="132" y="308"/>
-                    <a:pt x="132" y="308"/>
-                    <a:pt x="132" y="308"/>
-                  </a:cubicBezTo>
-                  <a:cubicBezTo>
-                    <a:pt x="113" y="269"/>
-                    <a:pt x="94" y="230"/>
-                    <a:pt x="77" y="190"/>
-                  </a:cubicBezTo>
-                  <a:cubicBezTo>
-                    <a:pt x="52" y="135"/>
-                    <a:pt x="29" y="79"/>
-                    <a:pt x="8" y="22"/>
-                  </a:cubicBezTo>
-                  <a:close/>
-                </a:path>
-              </a:pathLst>
-            </a:custGeom>
-            <a:solidFill>
-              <a:schemeClr val="tx2">
-                <a:alpha val="20000"/>
-              </a:schemeClr>
-            </a:solidFill>
-            <a:ln>
-              <a:noFill/>
-            </a:ln>
-          </p:spPr>
-        </p:sp>
-        <p:sp>
-          <p:nvSpPr>
-            <p:cNvPr id="27" name="Freeform 14"/>
-            <p:cNvSpPr/>
-            <p:nvPr/>
-          </p:nvSpPr>
-          <p:spPr bwMode="auto">
-            <a:xfrm>
-              <a:off x="3305176" y="5630863"/>
-              <a:ext cx="146050" cy="309563"/>
-            </a:xfrm>
-            <a:custGeom>
-              <a:avLst/>
-              <a:gdLst/>
-              <a:ahLst/>
-              <a:cxnLst/>
-              <a:rect l="0" t="0" r="r" b="b"/>
-              <a:pathLst>
-                <a:path w="37" h="79">
-                  <a:moveTo>
-                    <a:pt x="28" y="79"/>
-                  </a:moveTo>
-                  <a:cubicBezTo>
-                    <a:pt x="37" y="79"/>
-                    <a:pt x="37" y="79"/>
-                    <a:pt x="37" y="79"/>
-                  </a:cubicBezTo>
-                  <a:cubicBezTo>
-                    <a:pt x="24" y="53"/>
-                    <a:pt x="12" y="27"/>
-                    <a:pt x="0" y="0"/>
-                  </a:cubicBezTo>
-                  <a:cubicBezTo>
-                    <a:pt x="8" y="27"/>
-                    <a:pt x="17" y="53"/>
-                    <a:pt x="28" y="79"/>
-                  </a:cubicBezTo>
-                  <a:close/>
-                </a:path>
-              </a:pathLst>
-            </a:custGeom>
-            <a:solidFill>
-              <a:schemeClr val="tx2">
-                <a:alpha val="20000"/>
-              </a:schemeClr>
-            </a:solidFill>
-            <a:ln>
-              <a:noFill/>
-            </a:ln>
-          </p:spPr>
-        </p:sp>
-        <p:sp>
-          <p:nvSpPr>
-            <p:cNvPr id="28" name="Freeform 15"/>
-            <p:cNvSpPr/>
-            <p:nvPr/>
-          </p:nvSpPr>
-          <p:spPr bwMode="auto">
-            <a:xfrm>
-              <a:off x="2573338" y="2817813"/>
-              <a:ext cx="700088" cy="2835275"/>
-            </a:xfrm>
-            <a:custGeom>
-              <a:avLst/>
-              <a:gdLst/>
-              <a:ahLst/>
-              <a:cxnLst/>
-              <a:rect l="0" t="0" r="r" b="b"/>
-              <a:pathLst>
-                <a:path w="178" h="722">
-                  <a:moveTo>
-                    <a:pt x="162" y="660"/>
-                  </a:moveTo>
-                  <a:cubicBezTo>
-                    <a:pt x="145" y="618"/>
-                    <a:pt x="130" y="576"/>
-                    <a:pt x="116" y="534"/>
-                  </a:cubicBezTo>
-                  <a:cubicBezTo>
-                    <a:pt x="84" y="437"/>
-                    <a:pt x="59" y="337"/>
-                    <a:pt x="40" y="236"/>
-                  </a:cubicBezTo>
-                  <a:cubicBezTo>
-                    <a:pt x="29" y="175"/>
-                    <a:pt x="20" y="113"/>
-                    <a:pt x="12" y="51"/>
-                  </a:cubicBezTo>
-                  <a:cubicBezTo>
-                    <a:pt x="8" y="34"/>
-                    <a:pt x="4" y="17"/>
-                    <a:pt x="0" y="0"/>
-                  </a:cubicBezTo>
-                  <a:cubicBezTo>
-                    <a:pt x="8" y="79"/>
-                    <a:pt x="19" y="159"/>
-                    <a:pt x="33" y="237"/>
-                  </a:cubicBezTo>
-                  <a:cubicBezTo>
-                    <a:pt x="51" y="339"/>
-                    <a:pt x="76" y="439"/>
-                    <a:pt x="107" y="537"/>
-                  </a:cubicBezTo>
-                  <a:cubicBezTo>
-                    <a:pt x="123" y="586"/>
-                    <a:pt x="141" y="634"/>
-                    <a:pt x="160" y="681"/>
-                  </a:cubicBezTo>
-                  <a:cubicBezTo>
-                    <a:pt x="166" y="695"/>
-                    <a:pt x="172" y="708"/>
-                    <a:pt x="178" y="722"/>
-                  </a:cubicBezTo>
-                  <a:cubicBezTo>
-                    <a:pt x="176" y="717"/>
-                    <a:pt x="175" y="713"/>
-                    <a:pt x="174" y="708"/>
-                  </a:cubicBezTo>
-                  <a:cubicBezTo>
-                    <a:pt x="169" y="692"/>
-                    <a:pt x="165" y="676"/>
-                    <a:pt x="162" y="660"/>
-                  </a:cubicBezTo>
-                  <a:close/>
-                </a:path>
-              </a:pathLst>
-            </a:custGeom>
-            <a:solidFill>
-              <a:schemeClr val="tx2">
-                <a:alpha val="20000"/>
-              </a:schemeClr>
-            </a:solidFill>
-            <a:ln>
-              <a:noFill/>
-            </a:ln>
-          </p:spPr>
-        </p:sp>
-        <p:sp>
-          <p:nvSpPr>
-            <p:cNvPr id="29" name="Freeform 16"/>
-            <p:cNvSpPr/>
-            <p:nvPr/>
-          </p:nvSpPr>
-          <p:spPr bwMode="auto">
-            <a:xfrm>
-              <a:off x="2506663" y="285750"/>
-              <a:ext cx="90488" cy="2493963"/>
-            </a:xfrm>
-            <a:custGeom>
-              <a:avLst/>
-              <a:gdLst/>
-              <a:ahLst/>
-              <a:cxnLst/>
-              <a:rect l="0" t="0" r="r" b="b"/>
-              <a:pathLst>
-                <a:path w="23" h="635">
-                  <a:moveTo>
-                    <a:pt x="11" y="577"/>
-                  </a:moveTo>
-                  <a:cubicBezTo>
-                    <a:pt x="12" y="581"/>
-                    <a:pt x="12" y="585"/>
-                    <a:pt x="12" y="589"/>
-                  </a:cubicBezTo>
-                  <a:cubicBezTo>
-                    <a:pt x="15" y="603"/>
-                    <a:pt x="19" y="617"/>
-                    <a:pt x="22" y="632"/>
-                  </a:cubicBezTo>
-                  <a:cubicBezTo>
-                    <a:pt x="22" y="633"/>
-                    <a:pt x="22" y="634"/>
-                    <a:pt x="23" y="635"/>
-                  </a:cubicBezTo>
-                  <a:cubicBezTo>
-                    <a:pt x="21" y="615"/>
-                    <a:pt x="19" y="596"/>
-                    <a:pt x="17" y="576"/>
-                  </a:cubicBezTo>
-                  <a:cubicBezTo>
-                    <a:pt x="9" y="474"/>
-                    <a:pt x="5" y="372"/>
-                    <a:pt x="5" y="269"/>
-                  </a:cubicBezTo>
-                  <a:cubicBezTo>
-                    <a:pt x="6" y="179"/>
-                    <a:pt x="9" y="90"/>
-                    <a:pt x="15" y="0"/>
-                  </a:cubicBezTo>
-                  <a:cubicBezTo>
-                    <a:pt x="12" y="0"/>
-                    <a:pt x="12" y="0"/>
-                    <a:pt x="12" y="0"/>
-                  </a:cubicBezTo>
-                  <a:cubicBezTo>
-                    <a:pt x="5" y="89"/>
-                    <a:pt x="2" y="179"/>
-                    <a:pt x="1" y="269"/>
-                  </a:cubicBezTo>
-                  <a:cubicBezTo>
-                    <a:pt x="0" y="372"/>
-                    <a:pt x="3" y="474"/>
-                    <a:pt x="11" y="577"/>
-                  </a:cubicBezTo>
-                  <a:close/>
-                </a:path>
-              </a:pathLst>
-            </a:custGeom>
-            <a:solidFill>
-              <a:schemeClr val="tx2">
-                <a:alpha val="20000"/>
-              </a:schemeClr>
-            </a:solidFill>
-            <a:ln>
-              <a:noFill/>
-            </a:ln>
-          </p:spPr>
-        </p:sp>
-        <p:sp>
-          <p:nvSpPr>
-            <p:cNvPr id="30" name="Freeform 17"/>
-            <p:cNvSpPr/>
-            <p:nvPr/>
-          </p:nvSpPr>
-          <p:spPr bwMode="auto">
-            <a:xfrm>
-              <a:off x="2554288" y="2598738"/>
-              <a:ext cx="66675" cy="420688"/>
-            </a:xfrm>
-            <a:custGeom>
-              <a:avLst/>
-              <a:gdLst/>
-              <a:ahLst/>
-              <a:cxnLst/>
-              <a:rect l="0" t="0" r="r" b="b"/>
-              <a:pathLst>
-                <a:path w="17" h="107">
-                  <a:moveTo>
-                    <a:pt x="0" y="0"/>
-                  </a:moveTo>
-                  <a:cubicBezTo>
-                    <a:pt x="2" y="19"/>
-                    <a:pt x="3" y="37"/>
-                    <a:pt x="5" y="56"/>
-                  </a:cubicBezTo>
-                  <a:cubicBezTo>
-                    <a:pt x="9" y="73"/>
-                    <a:pt x="13" y="90"/>
-                    <a:pt x="17" y="107"/>
-                  </a:cubicBezTo>
-                  <a:cubicBezTo>
-                    <a:pt x="15" y="87"/>
-                    <a:pt x="13" y="66"/>
-                    <a:pt x="11" y="46"/>
-                  </a:cubicBezTo>
-                  <a:cubicBezTo>
-                    <a:pt x="10" y="45"/>
-                    <a:pt x="10" y="44"/>
-                    <a:pt x="10" y="43"/>
-                  </a:cubicBezTo>
-                  <a:cubicBezTo>
-                    <a:pt x="7" y="28"/>
-                    <a:pt x="3" y="14"/>
-                    <a:pt x="0" y="0"/>
-                  </a:cubicBezTo>
-                  <a:close/>
-                </a:path>
-              </a:pathLst>
-            </a:custGeom>
-            <a:solidFill>
-              <a:schemeClr val="tx2">
-                <a:alpha val="20000"/>
-              </a:schemeClr>
-            </a:solidFill>
-            <a:ln>
-              <a:noFill/>
-            </a:ln>
-          </p:spPr>
-        </p:sp>
-        <p:sp>
-          <p:nvSpPr>
-            <p:cNvPr id="31" name="Freeform 18"/>
-            <p:cNvSpPr/>
-            <p:nvPr/>
-          </p:nvSpPr>
-          <p:spPr bwMode="auto">
-            <a:xfrm>
-              <a:off x="3143251" y="4757738"/>
-              <a:ext cx="161925" cy="873125"/>
-            </a:xfrm>
-            <a:custGeom>
-              <a:avLst/>
-              <a:gdLst/>
-              <a:ahLst/>
-              <a:cxnLst/>
-              <a:rect l="0" t="0" r="r" b="b"/>
-              <a:pathLst>
-                <a:path w="41" h="222">
-                  <a:moveTo>
-                    <a:pt x="0" y="0"/>
-                  </a:moveTo>
-                  <a:cubicBezTo>
-                    <a:pt x="0" y="31"/>
-                    <a:pt x="2" y="62"/>
-                    <a:pt x="5" y="93"/>
-                  </a:cubicBezTo>
-                  <a:cubicBezTo>
-                    <a:pt x="8" y="117"/>
-                    <a:pt x="12" y="142"/>
-                    <a:pt x="17" y="166"/>
-                  </a:cubicBezTo>
-                  <a:cubicBezTo>
-                    <a:pt x="19" y="172"/>
-                    <a:pt x="22" y="178"/>
-                    <a:pt x="24" y="184"/>
-                  </a:cubicBezTo>
-                  <a:cubicBezTo>
-                    <a:pt x="30" y="197"/>
-                    <a:pt x="35" y="209"/>
-                    <a:pt x="41" y="222"/>
-                  </a:cubicBezTo>
-                  <a:cubicBezTo>
-                    <a:pt x="40" y="219"/>
-                    <a:pt x="39" y="215"/>
-                    <a:pt x="38" y="212"/>
-                  </a:cubicBezTo>
-                  <a:cubicBezTo>
-                    <a:pt x="26" y="172"/>
-                    <a:pt x="18" y="132"/>
-                    <a:pt x="13" y="92"/>
-                  </a:cubicBezTo>
-                  <a:cubicBezTo>
-                    <a:pt x="11" y="68"/>
-                    <a:pt x="9" y="45"/>
-                    <a:pt x="8" y="22"/>
-                  </a:cubicBezTo>
-                  <a:cubicBezTo>
-                    <a:pt x="8" y="21"/>
-                    <a:pt x="7" y="20"/>
-                    <a:pt x="7" y="18"/>
-                  </a:cubicBezTo>
-                  <a:cubicBezTo>
-                    <a:pt x="5" y="12"/>
-                    <a:pt x="2" y="6"/>
-                    <a:pt x="0" y="0"/>
-                  </a:cubicBezTo>
-                  <a:close/>
-                </a:path>
-              </a:pathLst>
-            </a:custGeom>
-            <a:solidFill>
-              <a:schemeClr val="tx2">
-                <a:alpha val="20000"/>
-              </a:schemeClr>
-            </a:solidFill>
-            <a:ln>
-              <a:noFill/>
-            </a:ln>
-          </p:spPr>
-        </p:sp>
-        <p:sp>
-          <p:nvSpPr>
-            <p:cNvPr id="32" name="Freeform 19"/>
-            <p:cNvSpPr/>
-            <p:nvPr/>
-          </p:nvSpPr>
-          <p:spPr bwMode="auto">
-            <a:xfrm>
-              <a:off x="3148013" y="1282700"/>
-              <a:ext cx="1768475" cy="3448050"/>
-            </a:xfrm>
-            <a:custGeom>
-              <a:avLst/>
-              <a:gdLst/>
-              <a:ahLst/>
-              <a:cxnLst/>
-              <a:rect l="0" t="0" r="r" b="b"/>
-              <a:pathLst>
-                <a:path w="450" h="878">
-                  <a:moveTo>
-                    <a:pt x="7" y="854"/>
-                  </a:moveTo>
-                  <a:cubicBezTo>
-                    <a:pt x="10" y="772"/>
-                    <a:pt x="26" y="691"/>
-                    <a:pt x="50" y="613"/>
-                  </a:cubicBezTo>
-                  <a:cubicBezTo>
-                    <a:pt x="75" y="535"/>
-                    <a:pt x="109" y="460"/>
-                    <a:pt x="149" y="388"/>
-                  </a:cubicBezTo>
-                  <a:cubicBezTo>
-                    <a:pt x="189" y="316"/>
-                    <a:pt x="235" y="248"/>
-                    <a:pt x="285" y="183"/>
-                  </a:cubicBezTo>
-                  <a:cubicBezTo>
-                    <a:pt x="310" y="151"/>
-                    <a:pt x="337" y="119"/>
-                    <a:pt x="364" y="89"/>
-                  </a:cubicBezTo>
-                  <a:cubicBezTo>
-                    <a:pt x="378" y="74"/>
-                    <a:pt x="392" y="58"/>
-                    <a:pt x="406" y="44"/>
-                  </a:cubicBezTo>
-                  <a:cubicBezTo>
-                    <a:pt x="421" y="29"/>
-                    <a:pt x="435" y="15"/>
-                    <a:pt x="450" y="1"/>
-                  </a:cubicBezTo>
-                  <a:cubicBezTo>
-                    <a:pt x="450" y="0"/>
-                    <a:pt x="450" y="0"/>
-                    <a:pt x="450" y="0"/>
-                  </a:cubicBezTo>
-                  <a:cubicBezTo>
-                    <a:pt x="434" y="14"/>
-                    <a:pt x="420" y="28"/>
-                    <a:pt x="405" y="43"/>
-                  </a:cubicBezTo>
-                  <a:cubicBezTo>
-                    <a:pt x="391" y="57"/>
-                    <a:pt x="377" y="72"/>
-                    <a:pt x="363" y="88"/>
-                  </a:cubicBezTo>
-                  <a:cubicBezTo>
-                    <a:pt x="335" y="118"/>
-                    <a:pt x="308" y="149"/>
-                    <a:pt x="283" y="181"/>
-                  </a:cubicBezTo>
-                  <a:cubicBezTo>
-                    <a:pt x="232" y="246"/>
-                    <a:pt x="185" y="314"/>
-                    <a:pt x="145" y="386"/>
-                  </a:cubicBezTo>
-                  <a:cubicBezTo>
-                    <a:pt x="104" y="457"/>
-                    <a:pt x="70" y="533"/>
-                    <a:pt x="45" y="611"/>
-                  </a:cubicBezTo>
-                  <a:cubicBezTo>
-                    <a:pt x="19" y="690"/>
-                    <a:pt x="3" y="771"/>
-                    <a:pt x="0" y="854"/>
-                  </a:cubicBezTo>
-                  <a:cubicBezTo>
-                    <a:pt x="0" y="856"/>
-                    <a:pt x="0" y="857"/>
-                    <a:pt x="0" y="859"/>
-                  </a:cubicBezTo>
-                  <a:cubicBezTo>
-                    <a:pt x="2" y="865"/>
-                    <a:pt x="4" y="872"/>
-                    <a:pt x="7" y="878"/>
-                  </a:cubicBezTo>
-                  <a:cubicBezTo>
-                    <a:pt x="7" y="870"/>
-                    <a:pt x="7" y="862"/>
-                    <a:pt x="7" y="854"/>
-                  </a:cubicBezTo>
-                  <a:close/>
-                </a:path>
-              </a:pathLst>
-            </a:custGeom>
-            <a:solidFill>
-              <a:schemeClr val="tx2">
-                <a:alpha val="20000"/>
-              </a:schemeClr>
-            </a:solidFill>
-            <a:ln>
-              <a:noFill/>
-            </a:ln>
-          </p:spPr>
-        </p:sp>
-        <p:sp>
-          <p:nvSpPr>
-            <p:cNvPr id="33" name="Freeform 20"/>
-            <p:cNvSpPr/>
-            <p:nvPr/>
-          </p:nvSpPr>
-          <p:spPr bwMode="auto">
-            <a:xfrm>
-              <a:off x="3273426" y="5653088"/>
-              <a:ext cx="138113" cy="287338"/>
-            </a:xfrm>
-            <a:custGeom>
-              <a:avLst/>
-              <a:gdLst/>
-              <a:ahLst/>
-              <a:cxnLst/>
-              <a:rect l="0" t="0" r="r" b="b"/>
-              <a:pathLst>
-                <a:path w="35" h="73">
-                  <a:moveTo>
-                    <a:pt x="0" y="0"/>
-                  </a:moveTo>
-                  <a:cubicBezTo>
-                    <a:pt x="7" y="24"/>
-                    <a:pt x="16" y="49"/>
-                    <a:pt x="26" y="73"/>
-                  </a:cubicBezTo>
-                  <a:cubicBezTo>
-                    <a:pt x="35" y="73"/>
-                    <a:pt x="35" y="73"/>
-                    <a:pt x="35" y="73"/>
-                  </a:cubicBezTo>
-                  <a:cubicBezTo>
-                    <a:pt x="23" y="49"/>
-                    <a:pt x="11" y="24"/>
-                    <a:pt x="0" y="0"/>
-                  </a:cubicBezTo>
-                  <a:close/>
-                </a:path>
-              </a:pathLst>
-            </a:custGeom>
-            <a:solidFill>
-              <a:schemeClr val="tx2">
-                <a:alpha val="20000"/>
-              </a:schemeClr>
-            </a:solidFill>
-            <a:ln>
-              <a:noFill/>
-            </a:ln>
-          </p:spPr>
-        </p:sp>
-        <p:sp>
-          <p:nvSpPr>
-            <p:cNvPr id="34" name="Freeform 21"/>
-            <p:cNvSpPr/>
-            <p:nvPr/>
-          </p:nvSpPr>
-          <p:spPr bwMode="auto">
-            <a:xfrm>
-              <a:off x="3143251" y="4656138"/>
-              <a:ext cx="31750" cy="188913"/>
-            </a:xfrm>
-            <a:custGeom>
-              <a:avLst/>
-              <a:gdLst/>
-              <a:ahLst/>
-              <a:cxnLst/>
-              <a:rect l="0" t="0" r="r" b="b"/>
-              <a:pathLst>
-                <a:path w="8" h="48">
-                  <a:moveTo>
-                    <a:pt x="7" y="44"/>
-                  </a:moveTo>
-                  <a:cubicBezTo>
-                    <a:pt x="7" y="46"/>
-                    <a:pt x="8" y="47"/>
-                    <a:pt x="8" y="48"/>
-                  </a:cubicBezTo>
-                  <a:cubicBezTo>
-                    <a:pt x="8" y="38"/>
-                    <a:pt x="8" y="29"/>
-                    <a:pt x="8" y="19"/>
-                  </a:cubicBezTo>
-                  <a:cubicBezTo>
-                    <a:pt x="5" y="13"/>
-                    <a:pt x="3" y="6"/>
-                    <a:pt x="1" y="0"/>
-                  </a:cubicBezTo>
-                  <a:cubicBezTo>
-                    <a:pt x="0" y="9"/>
-                    <a:pt x="0" y="17"/>
-                    <a:pt x="0" y="26"/>
-                  </a:cubicBezTo>
-                  <a:cubicBezTo>
-                    <a:pt x="2" y="32"/>
-                    <a:pt x="5" y="38"/>
-                    <a:pt x="7" y="44"/>
-                  </a:cubicBezTo>
-                  <a:close/>
-                </a:path>
-              </a:pathLst>
-            </a:custGeom>
-            <a:solidFill>
-              <a:schemeClr val="tx2">
-                <a:alpha val="20000"/>
-              </a:schemeClr>
-            </a:solidFill>
-            <a:ln>
-              <a:noFill/>
-            </a:ln>
-          </p:spPr>
-        </p:sp>
-        <p:sp>
-          <p:nvSpPr>
-            <p:cNvPr id="35" name="Freeform 22"/>
-            <p:cNvSpPr/>
-            <p:nvPr/>
-          </p:nvSpPr>
-          <p:spPr bwMode="auto">
-            <a:xfrm>
-              <a:off x="3211513" y="5410200"/>
-              <a:ext cx="203200" cy="530225"/>
-            </a:xfrm>
-            <a:custGeom>
-              <a:avLst/>
-              <a:gdLst/>
-              <a:ahLst/>
-              <a:cxnLst/>
-              <a:rect l="0" t="0" r="r" b="b"/>
-              <a:pathLst>
-                <a:path w="52" h="135">
-                  <a:moveTo>
-                    <a:pt x="7" y="18"/>
-                  </a:moveTo>
-                  <a:cubicBezTo>
-                    <a:pt x="5" y="12"/>
-                    <a:pt x="2" y="6"/>
-                    <a:pt x="0" y="0"/>
-                  </a:cubicBezTo>
-                  <a:cubicBezTo>
-                    <a:pt x="3" y="16"/>
-                    <a:pt x="7" y="32"/>
-                    <a:pt x="12" y="48"/>
-                  </a:cubicBezTo>
-                  <a:cubicBezTo>
-                    <a:pt x="13" y="53"/>
-                    <a:pt x="14" y="57"/>
-                    <a:pt x="16" y="62"/>
-                  </a:cubicBezTo>
-                  <a:cubicBezTo>
-                    <a:pt x="27" y="86"/>
-                    <a:pt x="39" y="111"/>
-                    <a:pt x="51" y="135"/>
-                  </a:cubicBezTo>
-                  <a:cubicBezTo>
-                    <a:pt x="52" y="135"/>
-                    <a:pt x="52" y="135"/>
-                    <a:pt x="52" y="135"/>
-                  </a:cubicBezTo>
-                  <a:cubicBezTo>
-                    <a:pt x="41" y="109"/>
-                    <a:pt x="32" y="83"/>
-                    <a:pt x="24" y="56"/>
-                  </a:cubicBezTo>
-                  <a:cubicBezTo>
-                    <a:pt x="18" y="43"/>
-                    <a:pt x="13" y="31"/>
-                    <a:pt x="7" y="18"/>
-                  </a:cubicBezTo>
-                  <a:close/>
-                </a:path>
-              </a:pathLst>
-            </a:custGeom>
-            <a:solidFill>
-              <a:schemeClr val="tx2">
-                <a:alpha val="20000"/>
-              </a:schemeClr>
-            </a:solidFill>
-            <a:ln>
-              <a:noFill/>
-            </a:ln>
-          </p:spPr>
-        </p:sp>
-      </p:grpSp>
-      <p:grpSp>
-        <p:nvGrpSpPr>
-          <p:cNvPr id="10" name="Group 9"/>
-          <p:cNvGrpSpPr/>
-          <p:nvPr/>
-        </p:nvGrpSpPr>
-        <p:grpSpPr>
-          <a:xfrm>
-            <a:off x="20416" y="-655"/>
-            <a:ext cx="1767506" cy="5711699"/>
-            <a:chOff x="6627813" y="194833"/>
-            <a:chExt cx="1952625" cy="5678918"/>
-          </a:xfrm>
-        </p:grpSpPr>
-        <p:sp>
-          <p:nvSpPr>
-            <p:cNvPr id="11" name="Freeform 27"/>
-            <p:cNvSpPr/>
-            <p:nvPr/>
-          </p:nvSpPr>
-          <p:spPr bwMode="auto">
-            <a:xfrm>
-              <a:off x="6627813" y="194833"/>
-              <a:ext cx="409575" cy="3646488"/>
-            </a:xfrm>
-            <a:custGeom>
-              <a:avLst/>
-              <a:gdLst/>
-              <a:ahLst/>
-              <a:cxnLst/>
-              <a:rect l="0" t="0" r="r" b="b"/>
-              <a:pathLst>
-                <a:path w="103" h="920">
-                  <a:moveTo>
-                    <a:pt x="7" y="210"/>
-                  </a:moveTo>
-                  <a:cubicBezTo>
-                    <a:pt x="11" y="288"/>
-                    <a:pt x="17" y="367"/>
-                    <a:pt x="26" y="445"/>
-                  </a:cubicBezTo>
-                  <a:cubicBezTo>
-                    <a:pt x="34" y="523"/>
-                    <a:pt x="44" y="601"/>
-                    <a:pt x="57" y="679"/>
-                  </a:cubicBezTo>
-                  <a:cubicBezTo>
-                    <a:pt x="69" y="757"/>
-                    <a:pt x="84" y="834"/>
-                    <a:pt x="101" y="911"/>
-                  </a:cubicBezTo>
-                  <a:cubicBezTo>
-                    <a:pt x="102" y="914"/>
-                    <a:pt x="103" y="917"/>
-                    <a:pt x="103" y="920"/>
-                  </a:cubicBezTo>
-                  <a:cubicBezTo>
-                    <a:pt x="102" y="905"/>
-                    <a:pt x="100" y="889"/>
-                    <a:pt x="99" y="874"/>
-                  </a:cubicBezTo>
-                  <a:cubicBezTo>
-                    <a:pt x="99" y="871"/>
-                    <a:pt x="99" y="868"/>
-                    <a:pt x="99" y="866"/>
-                  </a:cubicBezTo>
-                  <a:cubicBezTo>
-                    <a:pt x="85" y="803"/>
-                    <a:pt x="73" y="741"/>
-                    <a:pt x="63" y="678"/>
-                  </a:cubicBezTo>
-                  <a:cubicBezTo>
-                    <a:pt x="50" y="600"/>
-                    <a:pt x="39" y="523"/>
-                    <a:pt x="30" y="444"/>
-                  </a:cubicBezTo>
-                  <a:cubicBezTo>
-                    <a:pt x="21" y="366"/>
-                    <a:pt x="14" y="288"/>
-                    <a:pt x="9" y="209"/>
-                  </a:cubicBezTo>
-                  <a:cubicBezTo>
-                    <a:pt x="7" y="170"/>
-                    <a:pt x="5" y="131"/>
-                    <a:pt x="3" y="92"/>
-                  </a:cubicBezTo>
-                  <a:cubicBezTo>
-                    <a:pt x="2" y="61"/>
-                    <a:pt x="1" y="31"/>
-                    <a:pt x="1" y="0"/>
-                  </a:cubicBezTo>
-                  <a:cubicBezTo>
-                    <a:pt x="0" y="0"/>
-                    <a:pt x="0" y="0"/>
-                    <a:pt x="0" y="0"/>
-                  </a:cubicBezTo>
-                  <a:cubicBezTo>
-                    <a:pt x="0" y="31"/>
-                    <a:pt x="1" y="61"/>
-                    <a:pt x="1" y="92"/>
-                  </a:cubicBezTo>
-                  <a:cubicBezTo>
-                    <a:pt x="3" y="131"/>
-                    <a:pt x="4" y="170"/>
-                    <a:pt x="7" y="210"/>
-                  </a:cubicBezTo>
-                  <a:close/>
-                </a:path>
-              </a:pathLst>
-            </a:custGeom>
-            <a:solidFill>
-              <a:schemeClr val="tx2"/>
-            </a:solidFill>
-            <a:ln>
-              <a:noFill/>
-            </a:ln>
-          </p:spPr>
-        </p:sp>
-        <p:sp>
-          <p:nvSpPr>
-            <p:cNvPr id="12" name="Freeform 28"/>
-            <p:cNvSpPr/>
-            <p:nvPr/>
-          </p:nvSpPr>
-          <p:spPr bwMode="auto">
-            <a:xfrm>
-              <a:off x="7061201" y="3771900"/>
-              <a:ext cx="350838" cy="1309688"/>
-            </a:xfrm>
-            <a:custGeom>
-              <a:avLst/>
-              <a:gdLst/>
-              <a:ahLst/>
-              <a:cxnLst/>
-              <a:rect l="0" t="0" r="r" b="b"/>
-              <a:pathLst>
-                <a:path w="88" h="330">
-                  <a:moveTo>
-                    <a:pt x="53" y="229"/>
-                  </a:moveTo>
-                  <a:cubicBezTo>
-                    <a:pt x="64" y="263"/>
-                    <a:pt x="75" y="297"/>
-                    <a:pt x="88" y="330"/>
-                  </a:cubicBezTo>
-                  <a:cubicBezTo>
-                    <a:pt x="88" y="323"/>
-                    <a:pt x="88" y="315"/>
-                    <a:pt x="88" y="308"/>
-                  </a:cubicBezTo>
-                  <a:cubicBezTo>
-                    <a:pt x="88" y="307"/>
-                    <a:pt x="88" y="305"/>
-                    <a:pt x="88" y="304"/>
-                  </a:cubicBezTo>
-                  <a:cubicBezTo>
-                    <a:pt x="79" y="278"/>
-                    <a:pt x="70" y="252"/>
-                    <a:pt x="62" y="226"/>
-                  </a:cubicBezTo>
-                  <a:cubicBezTo>
-                    <a:pt x="38" y="152"/>
-                    <a:pt x="17" y="76"/>
-                    <a:pt x="0" y="0"/>
-                  </a:cubicBezTo>
-                  <a:cubicBezTo>
-                    <a:pt x="2" y="21"/>
-                    <a:pt x="4" y="42"/>
-                    <a:pt x="7" y="63"/>
-                  </a:cubicBezTo>
-                  <a:cubicBezTo>
-                    <a:pt x="21" y="119"/>
-                    <a:pt x="36" y="174"/>
-                    <a:pt x="53" y="229"/>
-                  </a:cubicBezTo>
-                  <a:close/>
-                </a:path>
-              </a:pathLst>
-            </a:custGeom>
-            <a:solidFill>
-              <a:schemeClr val="tx2"/>
-            </a:solidFill>
-            <a:ln>
-              <a:noFill/>
-            </a:ln>
-          </p:spPr>
-        </p:sp>
-        <p:sp>
-          <p:nvSpPr>
-            <p:cNvPr id="13" name="Freeform 29"/>
-            <p:cNvSpPr/>
-            <p:nvPr/>
-          </p:nvSpPr>
-          <p:spPr bwMode="auto">
-            <a:xfrm>
-              <a:off x="7439026" y="5053013"/>
-              <a:ext cx="357188" cy="820738"/>
-            </a:xfrm>
-            <a:custGeom>
-              <a:avLst/>
-              <a:gdLst/>
-              <a:ahLst/>
-              <a:cxnLst/>
-              <a:rect l="0" t="0" r="r" b="b"/>
-              <a:pathLst>
-                <a:path w="90" h="207">
-                  <a:moveTo>
-                    <a:pt x="6" y="15"/>
-                  </a:moveTo>
-                  <a:cubicBezTo>
-                    <a:pt x="4" y="10"/>
-                    <a:pt x="2" y="5"/>
-                    <a:pt x="0" y="0"/>
-                  </a:cubicBezTo>
-                  <a:cubicBezTo>
-                    <a:pt x="0" y="9"/>
-                    <a:pt x="0" y="19"/>
-                    <a:pt x="1" y="29"/>
-                  </a:cubicBezTo>
-                  <a:cubicBezTo>
-                    <a:pt x="14" y="62"/>
-                    <a:pt x="27" y="95"/>
-                    <a:pt x="42" y="127"/>
-                  </a:cubicBezTo>
-                  <a:cubicBezTo>
-                    <a:pt x="54" y="154"/>
-                    <a:pt x="67" y="181"/>
-                    <a:pt x="80" y="207"/>
-                  </a:cubicBezTo>
-                  <a:cubicBezTo>
-                    <a:pt x="90" y="207"/>
-                    <a:pt x="90" y="207"/>
-                    <a:pt x="90" y="207"/>
-                  </a:cubicBezTo>
-                  <a:cubicBezTo>
-                    <a:pt x="76" y="180"/>
-                    <a:pt x="63" y="152"/>
-                    <a:pt x="50" y="123"/>
-                  </a:cubicBezTo>
-                  <a:cubicBezTo>
-                    <a:pt x="34" y="88"/>
-                    <a:pt x="20" y="51"/>
-                    <a:pt x="6" y="15"/>
-                  </a:cubicBezTo>
-                  <a:close/>
-                </a:path>
-              </a:pathLst>
-            </a:custGeom>
-            <a:solidFill>
-              <a:schemeClr val="tx2"/>
-            </a:solidFill>
-            <a:ln>
-              <a:noFill/>
-            </a:ln>
-          </p:spPr>
-        </p:sp>
-        <p:sp>
-          <p:nvSpPr>
-            <p:cNvPr id="14" name="Freeform 30"/>
-            <p:cNvSpPr/>
-            <p:nvPr/>
-          </p:nvSpPr>
-          <p:spPr bwMode="auto">
-            <a:xfrm>
-              <a:off x="7037388" y="3811588"/>
-              <a:ext cx="457200" cy="1852613"/>
-            </a:xfrm>
-            <a:custGeom>
-              <a:avLst/>
-              <a:gdLst/>
-              <a:ahLst/>
-              <a:cxnLst/>
-              <a:rect l="0" t="0" r="r" b="b"/>
-              <a:pathLst>
-                <a:path w="115" h="467">
-                  <a:moveTo>
-                    <a:pt x="101" y="409"/>
-                  </a:moveTo>
-                  <a:cubicBezTo>
-                    <a:pt x="93" y="388"/>
-                    <a:pt x="85" y="366"/>
-                    <a:pt x="78" y="344"/>
-                  </a:cubicBezTo>
-                  <a:cubicBezTo>
-                    <a:pt x="57" y="281"/>
-                    <a:pt x="41" y="216"/>
-                    <a:pt x="29" y="151"/>
-                  </a:cubicBezTo>
-                  <a:cubicBezTo>
-                    <a:pt x="22" y="119"/>
-                    <a:pt x="17" y="86"/>
-                    <a:pt x="13" y="53"/>
-                  </a:cubicBezTo>
-                  <a:cubicBezTo>
-                    <a:pt x="9" y="35"/>
-                    <a:pt x="4" y="18"/>
-                    <a:pt x="0" y="0"/>
-                  </a:cubicBezTo>
-                  <a:cubicBezTo>
-                    <a:pt x="5" y="51"/>
-                    <a:pt x="12" y="102"/>
-                    <a:pt x="21" y="152"/>
-                  </a:cubicBezTo>
-                  <a:cubicBezTo>
-                    <a:pt x="33" y="218"/>
-                    <a:pt x="49" y="283"/>
-                    <a:pt x="69" y="347"/>
-                  </a:cubicBezTo>
-                  <a:cubicBezTo>
-                    <a:pt x="79" y="378"/>
-                    <a:pt x="90" y="410"/>
-                    <a:pt x="103" y="441"/>
-                  </a:cubicBezTo>
-                  <a:cubicBezTo>
-                    <a:pt x="107" y="449"/>
-                    <a:pt x="111" y="458"/>
-                    <a:pt x="115" y="467"/>
-                  </a:cubicBezTo>
-                  <a:cubicBezTo>
-                    <a:pt x="114" y="464"/>
-                    <a:pt x="113" y="461"/>
-                    <a:pt x="112" y="458"/>
-                  </a:cubicBezTo>
-                  <a:cubicBezTo>
-                    <a:pt x="108" y="442"/>
-                    <a:pt x="104" y="425"/>
-                    <a:pt x="101" y="409"/>
-                  </a:cubicBezTo>
-                  <a:close/>
-                </a:path>
-              </a:pathLst>
-            </a:custGeom>
-            <a:solidFill>
-              <a:schemeClr val="tx2"/>
-            </a:solidFill>
-            <a:ln>
-              <a:noFill/>
-            </a:ln>
-          </p:spPr>
-        </p:sp>
-        <p:sp>
-          <p:nvSpPr>
-            <p:cNvPr id="15" name="Freeform 31"/>
-            <p:cNvSpPr/>
-            <p:nvPr/>
-          </p:nvSpPr>
-          <p:spPr bwMode="auto">
-            <a:xfrm>
-              <a:off x="6992938" y="1263650"/>
-              <a:ext cx="144463" cy="2508250"/>
-            </a:xfrm>
-            <a:custGeom>
-              <a:avLst/>
-              <a:gdLst/>
-              <a:ahLst/>
-              <a:cxnLst/>
-              <a:rect l="0" t="0" r="r" b="b"/>
-              <a:pathLst>
-                <a:path w="36" h="633">
-                  <a:moveTo>
-                    <a:pt x="17" y="633"/>
-                  </a:moveTo>
-                  <a:cubicBezTo>
-                    <a:pt x="15" y="621"/>
-                    <a:pt x="14" y="609"/>
-                    <a:pt x="13" y="597"/>
-                  </a:cubicBezTo>
-                  <a:cubicBezTo>
-                    <a:pt x="8" y="530"/>
-                    <a:pt x="5" y="464"/>
-                    <a:pt x="5" y="398"/>
-                  </a:cubicBezTo>
-                  <a:cubicBezTo>
-                    <a:pt x="5" y="331"/>
-                    <a:pt x="8" y="265"/>
-                    <a:pt x="13" y="198"/>
-                  </a:cubicBezTo>
-                  <a:cubicBezTo>
-                    <a:pt x="15" y="165"/>
-                    <a:pt x="18" y="132"/>
-                    <a:pt x="22" y="99"/>
-                  </a:cubicBezTo>
-                  <a:cubicBezTo>
-                    <a:pt x="26" y="66"/>
-                    <a:pt x="30" y="33"/>
-                    <a:pt x="36" y="0"/>
-                  </a:cubicBezTo>
-                  <a:cubicBezTo>
-                    <a:pt x="35" y="0"/>
-                    <a:pt x="35" y="0"/>
-                    <a:pt x="35" y="0"/>
-                  </a:cubicBezTo>
-                  <a:cubicBezTo>
-                    <a:pt x="29" y="33"/>
-                    <a:pt x="24" y="66"/>
-                    <a:pt x="20" y="99"/>
-                  </a:cubicBezTo>
-                  <a:cubicBezTo>
-                    <a:pt x="16" y="132"/>
-                    <a:pt x="13" y="165"/>
-                    <a:pt x="10" y="198"/>
-                  </a:cubicBezTo>
-                  <a:cubicBezTo>
-                    <a:pt x="4" y="264"/>
-                    <a:pt x="1" y="331"/>
-                    <a:pt x="1" y="398"/>
-                  </a:cubicBezTo>
-                  <a:cubicBezTo>
-                    <a:pt x="0" y="461"/>
-                    <a:pt x="2" y="525"/>
-                    <a:pt x="7" y="589"/>
-                  </a:cubicBezTo>
-                  <a:cubicBezTo>
-                    <a:pt x="10" y="603"/>
-                    <a:pt x="13" y="618"/>
-                    <a:pt x="16" y="632"/>
-                  </a:cubicBezTo>
-                  <a:cubicBezTo>
-                    <a:pt x="16" y="632"/>
-                    <a:pt x="17" y="633"/>
-                    <a:pt x="17" y="633"/>
-                  </a:cubicBezTo>
-                  <a:close/>
-                </a:path>
-              </a:pathLst>
-            </a:custGeom>
-            <a:solidFill>
-              <a:schemeClr val="tx2"/>
-            </a:solidFill>
-            <a:ln>
-              <a:noFill/>
-            </a:ln>
-          </p:spPr>
-        </p:sp>
-        <p:sp>
-          <p:nvSpPr>
-            <p:cNvPr id="16" name="Freeform 32"/>
-            <p:cNvSpPr/>
-            <p:nvPr/>
-          </p:nvSpPr>
-          <p:spPr bwMode="auto">
-            <a:xfrm>
-              <a:off x="7526338" y="5640388"/>
-              <a:ext cx="111125" cy="233363"/>
-            </a:xfrm>
-            <a:custGeom>
-              <a:avLst/>
-              <a:gdLst/>
-              <a:ahLst/>
-              <a:cxnLst/>
-              <a:rect l="0" t="0" r="r" b="b"/>
-              <a:pathLst>
-                <a:path w="28" h="59">
-                  <a:moveTo>
-                    <a:pt x="22" y="59"/>
-                  </a:moveTo>
-                  <a:cubicBezTo>
-                    <a:pt x="28" y="59"/>
-                    <a:pt x="28" y="59"/>
-                    <a:pt x="28" y="59"/>
-                  </a:cubicBezTo>
-                  <a:cubicBezTo>
-                    <a:pt x="18" y="40"/>
-                    <a:pt x="9" y="20"/>
-                    <a:pt x="0" y="0"/>
-                  </a:cubicBezTo>
-                  <a:cubicBezTo>
-                    <a:pt x="6" y="20"/>
-                    <a:pt x="13" y="40"/>
-                    <a:pt x="22" y="59"/>
-                  </a:cubicBezTo>
-                  <a:close/>
-                </a:path>
-              </a:pathLst>
-            </a:custGeom>
-            <a:solidFill>
-              <a:schemeClr val="tx2"/>
-            </a:solidFill>
-            <a:ln>
-              <a:noFill/>
-            </a:ln>
-          </p:spPr>
-        </p:sp>
-        <p:sp>
-          <p:nvSpPr>
-            <p:cNvPr id="17" name="Freeform 33"/>
-            <p:cNvSpPr/>
-            <p:nvPr/>
-          </p:nvSpPr>
-          <p:spPr bwMode="auto">
-            <a:xfrm>
-              <a:off x="7021513" y="3598863"/>
-              <a:ext cx="68263" cy="423863"/>
-            </a:xfrm>
-            <a:custGeom>
-              <a:avLst/>
-              <a:gdLst/>
-              <a:ahLst/>
-              <a:cxnLst/>
-              <a:rect l="0" t="0" r="r" b="b"/>
-              <a:pathLst>
-                <a:path w="17" h="107">
-                  <a:moveTo>
-                    <a:pt x="4" y="54"/>
-                  </a:moveTo>
-                  <a:cubicBezTo>
-                    <a:pt x="8" y="72"/>
-                    <a:pt x="13" y="89"/>
-                    <a:pt x="17" y="107"/>
-                  </a:cubicBezTo>
-                  <a:cubicBezTo>
-                    <a:pt x="14" y="86"/>
-                    <a:pt x="12" y="65"/>
-                    <a:pt x="10" y="44"/>
-                  </a:cubicBezTo>
-                  <a:cubicBezTo>
-                    <a:pt x="10" y="44"/>
-                    <a:pt x="9" y="43"/>
-                    <a:pt x="9" y="43"/>
-                  </a:cubicBezTo>
-                  <a:cubicBezTo>
-                    <a:pt x="6" y="29"/>
-                    <a:pt x="3" y="14"/>
-                    <a:pt x="0" y="0"/>
-                  </a:cubicBezTo>
-                  <a:cubicBezTo>
-                    <a:pt x="0" y="2"/>
-                    <a:pt x="0" y="5"/>
-                    <a:pt x="0" y="8"/>
-                  </a:cubicBezTo>
-                  <a:cubicBezTo>
-                    <a:pt x="1" y="23"/>
-                    <a:pt x="3" y="39"/>
-                    <a:pt x="4" y="54"/>
-                  </a:cubicBezTo>
-                  <a:close/>
-                </a:path>
-              </a:pathLst>
-            </a:custGeom>
-            <a:solidFill>
-              <a:schemeClr val="tx2"/>
-            </a:solidFill>
-            <a:ln>
-              <a:noFill/>
-            </a:ln>
-          </p:spPr>
-        </p:sp>
-        <p:sp>
-          <p:nvSpPr>
-            <p:cNvPr id="18" name="Freeform 34"/>
-            <p:cNvSpPr/>
-            <p:nvPr/>
-          </p:nvSpPr>
-          <p:spPr bwMode="auto">
-            <a:xfrm>
-              <a:off x="7412038" y="2801938"/>
-              <a:ext cx="1168400" cy="2251075"/>
-            </a:xfrm>
-            <a:custGeom>
-              <a:avLst/>
-              <a:gdLst/>
-              <a:ahLst/>
-              <a:cxnLst/>
-              <a:rect l="0" t="0" r="r" b="b"/>
-              <a:pathLst>
-                <a:path w="294" h="568">
-                  <a:moveTo>
-                    <a:pt x="8" y="553"/>
-                  </a:moveTo>
-                  <a:cubicBezTo>
-                    <a:pt x="9" y="501"/>
-                    <a:pt x="19" y="448"/>
-                    <a:pt x="35" y="397"/>
-                  </a:cubicBezTo>
-                  <a:cubicBezTo>
-                    <a:pt x="51" y="347"/>
-                    <a:pt x="73" y="298"/>
-                    <a:pt x="99" y="252"/>
-                  </a:cubicBezTo>
-                  <a:cubicBezTo>
-                    <a:pt x="124" y="205"/>
-                    <a:pt x="154" y="161"/>
-                    <a:pt x="187" y="119"/>
-                  </a:cubicBezTo>
-                  <a:cubicBezTo>
-                    <a:pt x="203" y="98"/>
-                    <a:pt x="220" y="77"/>
-                    <a:pt x="238" y="58"/>
-                  </a:cubicBezTo>
-                  <a:cubicBezTo>
-                    <a:pt x="247" y="48"/>
-                    <a:pt x="256" y="38"/>
-                    <a:pt x="265" y="28"/>
-                  </a:cubicBezTo>
-                  <a:cubicBezTo>
-                    <a:pt x="274" y="19"/>
-                    <a:pt x="284" y="9"/>
-                    <a:pt x="294" y="0"/>
-                  </a:cubicBezTo>
-                  <a:cubicBezTo>
-                    <a:pt x="293" y="0"/>
-                    <a:pt x="293" y="0"/>
-                    <a:pt x="293" y="0"/>
-                  </a:cubicBezTo>
-                  <a:cubicBezTo>
-                    <a:pt x="283" y="9"/>
-                    <a:pt x="273" y="18"/>
-                    <a:pt x="264" y="27"/>
-                  </a:cubicBezTo>
-                  <a:cubicBezTo>
-                    <a:pt x="255" y="37"/>
-                    <a:pt x="246" y="47"/>
-                    <a:pt x="237" y="56"/>
-                  </a:cubicBezTo>
-                  <a:cubicBezTo>
-                    <a:pt x="218" y="76"/>
-                    <a:pt x="201" y="96"/>
-                    <a:pt x="185" y="117"/>
-                  </a:cubicBezTo>
-                  <a:cubicBezTo>
-                    <a:pt x="151" y="159"/>
-                    <a:pt x="121" y="203"/>
-                    <a:pt x="95" y="249"/>
-                  </a:cubicBezTo>
-                  <a:cubicBezTo>
-                    <a:pt x="68" y="296"/>
-                    <a:pt x="46" y="345"/>
-                    <a:pt x="30" y="396"/>
-                  </a:cubicBezTo>
-                  <a:cubicBezTo>
-                    <a:pt x="13" y="445"/>
-                    <a:pt x="3" y="497"/>
-                    <a:pt x="0" y="549"/>
-                  </a:cubicBezTo>
-                  <a:cubicBezTo>
-                    <a:pt x="3" y="555"/>
-                    <a:pt x="5" y="561"/>
-                    <a:pt x="7" y="568"/>
-                  </a:cubicBezTo>
-                  <a:cubicBezTo>
-                    <a:pt x="7" y="563"/>
-                    <a:pt x="7" y="558"/>
-                    <a:pt x="8" y="553"/>
-                  </a:cubicBezTo>
-                  <a:close/>
-                </a:path>
-              </a:pathLst>
-            </a:custGeom>
-            <a:solidFill>
-              <a:schemeClr val="tx2"/>
-            </a:solidFill>
-            <a:ln>
-              <a:noFill/>
-            </a:ln>
-          </p:spPr>
-        </p:sp>
-        <p:sp>
-          <p:nvSpPr>
-            <p:cNvPr id="19" name="Freeform 35"/>
-            <p:cNvSpPr/>
-            <p:nvPr/>
-          </p:nvSpPr>
-          <p:spPr bwMode="auto">
-            <a:xfrm>
-              <a:off x="7494588" y="5664200"/>
-              <a:ext cx="100013" cy="209550"/>
-            </a:xfrm>
-            <a:custGeom>
-              <a:avLst/>
-              <a:gdLst/>
-              <a:ahLst/>
-              <a:cxnLst/>
-              <a:rect l="0" t="0" r="r" b="b"/>
-              <a:pathLst>
-                <a:path w="25" h="53">
-                  <a:moveTo>
-                    <a:pt x="0" y="0"/>
-                  </a:moveTo>
-                  <a:cubicBezTo>
-                    <a:pt x="5" y="18"/>
-                    <a:pt x="12" y="36"/>
-                    <a:pt x="19" y="53"/>
-                  </a:cubicBezTo>
-                  <a:cubicBezTo>
-                    <a:pt x="25" y="53"/>
-                    <a:pt x="25" y="53"/>
-                    <a:pt x="25" y="53"/>
-                  </a:cubicBezTo>
-                  <a:cubicBezTo>
-                    <a:pt x="16" y="36"/>
-                    <a:pt x="8" y="18"/>
-                    <a:pt x="0" y="0"/>
-                  </a:cubicBezTo>
-                  <a:close/>
-                </a:path>
-              </a:pathLst>
-            </a:custGeom>
-            <a:solidFill>
-              <a:schemeClr val="tx2"/>
-            </a:solidFill>
-            <a:ln>
-              <a:noFill/>
-            </a:ln>
-          </p:spPr>
-        </p:sp>
-        <p:sp>
-          <p:nvSpPr>
-            <p:cNvPr id="20" name="Freeform 36"/>
-            <p:cNvSpPr/>
-            <p:nvPr/>
-          </p:nvSpPr>
-          <p:spPr bwMode="auto">
-            <a:xfrm>
-              <a:off x="7412038" y="5081588"/>
-              <a:ext cx="114300" cy="558800"/>
-            </a:xfrm>
-            <a:custGeom>
-              <a:avLst/>
-              <a:gdLst/>
-              <a:ahLst/>
-              <a:cxnLst/>
-              <a:rect l="0" t="0" r="r" b="b"/>
-              <a:pathLst>
-                <a:path w="29" h="141">
-                  <a:moveTo>
-                    <a:pt x="0" y="0"/>
-                  </a:moveTo>
-                  <a:cubicBezTo>
-                    <a:pt x="0" y="30"/>
-                    <a:pt x="2" y="60"/>
-                    <a:pt x="7" y="89"/>
-                  </a:cubicBezTo>
-                  <a:cubicBezTo>
-                    <a:pt x="11" y="98"/>
-                    <a:pt x="14" y="108"/>
-                    <a:pt x="18" y="117"/>
-                  </a:cubicBezTo>
-                  <a:cubicBezTo>
-                    <a:pt x="22" y="125"/>
-                    <a:pt x="25" y="133"/>
-                    <a:pt x="29" y="141"/>
-                  </a:cubicBezTo>
-                  <a:cubicBezTo>
-                    <a:pt x="28" y="139"/>
-                    <a:pt x="28" y="137"/>
-                    <a:pt x="27" y="135"/>
-                  </a:cubicBezTo>
-                  <a:cubicBezTo>
-                    <a:pt x="16" y="98"/>
-                    <a:pt x="10" y="60"/>
-                    <a:pt x="8" y="22"/>
-                  </a:cubicBezTo>
-                  <a:cubicBezTo>
-                    <a:pt x="7" y="18"/>
-                    <a:pt x="5" y="15"/>
-                    <a:pt x="4" y="11"/>
-                  </a:cubicBezTo>
-                  <a:cubicBezTo>
-                    <a:pt x="2" y="7"/>
-                    <a:pt x="1" y="3"/>
-                    <a:pt x="0" y="0"/>
-                  </a:cubicBezTo>
-                  <a:close/>
-                </a:path>
-              </a:pathLst>
-            </a:custGeom>
-            <a:solidFill>
-              <a:schemeClr val="tx2"/>
-            </a:solidFill>
-            <a:ln>
-              <a:noFill/>
-            </a:ln>
-          </p:spPr>
-        </p:sp>
-        <p:sp>
-          <p:nvSpPr>
-            <p:cNvPr id="21" name="Freeform 37"/>
-            <p:cNvSpPr/>
-            <p:nvPr/>
-          </p:nvSpPr>
-          <p:spPr bwMode="auto">
-            <a:xfrm>
-              <a:off x="7412038" y="4978400"/>
-              <a:ext cx="31750" cy="188913"/>
-            </a:xfrm>
-            <a:custGeom>
-              <a:avLst/>
-              <a:gdLst/>
-              <a:ahLst/>
-              <a:cxnLst/>
-              <a:rect l="0" t="0" r="r" b="b"/>
-              <a:pathLst>
-                <a:path w="8" h="48">
-                  <a:moveTo>
-                    <a:pt x="0" y="26"/>
-                  </a:moveTo>
-                  <a:cubicBezTo>
-                    <a:pt x="1" y="29"/>
-                    <a:pt x="2" y="33"/>
-                    <a:pt x="4" y="37"/>
-                  </a:cubicBezTo>
-                  <a:cubicBezTo>
-                    <a:pt x="5" y="41"/>
-                    <a:pt x="7" y="44"/>
-                    <a:pt x="8" y="48"/>
-                  </a:cubicBezTo>
-                  <a:cubicBezTo>
-                    <a:pt x="7" y="38"/>
-                    <a:pt x="7" y="28"/>
-                    <a:pt x="7" y="19"/>
-                  </a:cubicBezTo>
-                  <a:cubicBezTo>
-                    <a:pt x="5" y="12"/>
-                    <a:pt x="3" y="6"/>
-                    <a:pt x="0" y="0"/>
-                  </a:cubicBezTo>
-                  <a:cubicBezTo>
-                    <a:pt x="0" y="1"/>
-                    <a:pt x="0" y="3"/>
-                    <a:pt x="0" y="4"/>
-                  </a:cubicBezTo>
-                  <a:cubicBezTo>
-                    <a:pt x="0" y="11"/>
-                    <a:pt x="0" y="19"/>
-                    <a:pt x="0" y="26"/>
-                  </a:cubicBezTo>
-                  <a:close/>
-                </a:path>
-              </a:pathLst>
-            </a:custGeom>
-            <a:solidFill>
-              <a:schemeClr val="tx2"/>
-            </a:solidFill>
-            <a:ln>
-              <a:noFill/>
-            </a:ln>
-          </p:spPr>
-        </p:sp>
-        <p:sp>
-          <p:nvSpPr>
-            <p:cNvPr id="22" name="Freeform 38"/>
-            <p:cNvSpPr/>
-            <p:nvPr/>
-          </p:nvSpPr>
-          <p:spPr bwMode="auto">
-            <a:xfrm>
-              <a:off x="7439026" y="5434013"/>
-              <a:ext cx="174625" cy="439738"/>
-            </a:xfrm>
-            <a:custGeom>
-              <a:avLst/>
-              <a:gdLst/>
-              <a:ahLst/>
-              <a:cxnLst/>
-              <a:rect l="0" t="0" r="r" b="b"/>
-              <a:pathLst>
-                <a:path w="44" h="111">
-                  <a:moveTo>
-                    <a:pt x="11" y="28"/>
-                  </a:moveTo>
-                  <a:cubicBezTo>
-                    <a:pt x="7" y="19"/>
-                    <a:pt x="4" y="9"/>
-                    <a:pt x="0" y="0"/>
-                  </a:cubicBezTo>
-                  <a:cubicBezTo>
-                    <a:pt x="3" y="16"/>
-                    <a:pt x="7" y="33"/>
-                    <a:pt x="11" y="49"/>
-                  </a:cubicBezTo>
-                  <a:cubicBezTo>
-                    <a:pt x="12" y="52"/>
-                    <a:pt x="13" y="55"/>
-                    <a:pt x="14" y="58"/>
-                  </a:cubicBezTo>
-                  <a:cubicBezTo>
-                    <a:pt x="22" y="76"/>
-                    <a:pt x="30" y="94"/>
-                    <a:pt x="39" y="111"/>
-                  </a:cubicBezTo>
-                  <a:cubicBezTo>
-                    <a:pt x="44" y="111"/>
-                    <a:pt x="44" y="111"/>
-                    <a:pt x="44" y="111"/>
-                  </a:cubicBezTo>
-                  <a:cubicBezTo>
-                    <a:pt x="35" y="92"/>
-                    <a:pt x="28" y="72"/>
-                    <a:pt x="22" y="52"/>
-                  </a:cubicBezTo>
-                  <a:cubicBezTo>
-                    <a:pt x="18" y="44"/>
-                    <a:pt x="15" y="36"/>
-                    <a:pt x="11" y="28"/>
-                  </a:cubicBezTo>
-                  <a:close/>
-                </a:path>
-              </a:pathLst>
-            </a:custGeom>
-            <a:solidFill>
-              <a:schemeClr val="tx2"/>
-            </a:solidFill>
-            <a:ln>
-              <a:noFill/>
-            </a:ln>
-          </p:spPr>
-        </p:sp>
-      </p:grpSp>
-      <p:sp>
-        <p:nvSpPr>
-          <p:cNvPr id="7" name="Rectangle 6"/>
-          <p:cNvSpPr/>
-          <p:nvPr/>
-        </p:nvSpPr>
-        <p:spPr>
-          <a:xfrm>
-            <a:off x="0" y="0"/>
-            <a:ext cx="137160" cy="5715000"/>
-          </a:xfrm>
-          <a:prstGeom prst="rect">
-            <a:avLst/>
-          </a:prstGeom>
-          <a:solidFill>
-            <a:schemeClr val="tx2"/>
-          </a:solidFill>
-          <a:ln>
-            <a:noFill/>
-          </a:ln>
-          <a:effectLst/>
-        </p:spPr>
-        <p:style>
-          <a:lnRef idx="1">
-            <a:schemeClr val="accent1"/>
-          </a:lnRef>
-          <a:fillRef idx="3">
-            <a:schemeClr val="accent1"/>
-          </a:fillRef>
-          <a:effectRef idx="2">
-            <a:schemeClr val="accent1"/>
-          </a:effectRef>
-          <a:fontRef idx="minor">
-            <a:schemeClr val="lt1"/>
-          </a:fontRef>
-        </p:style>
-      </p:sp>
       <p:sp>
         <p:nvSpPr>
           <p:cNvPr id="2" name="Title Placeholder 1"/>
@@ -7234,15 +3743,15 @@
         </p:nvSpPr>
         <p:spPr>
           <a:xfrm>
-            <a:off x="1944694" y="520092"/>
-            <a:ext cx="6683765" cy="1067408"/>
+            <a:off x="628650" y="304271"/>
+            <a:ext cx="7886700" cy="1104636"/>
           </a:xfrm>
           <a:prstGeom prst="rect">
             <a:avLst/>
           </a:prstGeom>
         </p:spPr>
         <p:txBody>
-          <a:bodyPr vert="horz" lIns="91440" tIns="45720" rIns="91440" bIns="45720" rtlCol="0" anchor="t">
+          <a:bodyPr vert="horz" lIns="91440" tIns="45720" rIns="91440" bIns="45720" rtlCol="0" anchor="ctr">
             <a:normAutofit/>
           </a:bodyPr>
           <a:lstStyle/>
@@ -7267,8 +3776,8 @@
         </p:nvSpPr>
         <p:spPr>
           <a:xfrm>
-            <a:off x="1941909" y="1778000"/>
-            <a:ext cx="6686550" cy="3238500"/>
+            <a:off x="628650" y="1521354"/>
+            <a:ext cx="7886700" cy="3626115"/>
           </a:xfrm>
           <a:prstGeom prst="rect">
             <a:avLst/>
@@ -7329,8 +3838,8 @@
         </p:nvSpPr>
         <p:spPr>
           <a:xfrm>
-            <a:off x="7771210" y="5108698"/>
-            <a:ext cx="859712" cy="308663"/>
+            <a:off x="628650" y="5296959"/>
+            <a:ext cx="2057400" cy="304271"/>
           </a:xfrm>
           <a:prstGeom prst="rect">
             <a:avLst/>
@@ -7339,8 +3848,8 @@
         <p:txBody>
           <a:bodyPr vert="horz" lIns="91440" tIns="45720" rIns="91440" bIns="45720" rtlCol="0" anchor="ctr"/>
           <a:lstStyle>
-            <a:lvl1pPr algn="r">
-              <a:defRPr sz="675">
+            <a:lvl1pPr algn="l">
+              <a:defRPr sz="900">
                 <a:solidFill>
                   <a:schemeClr val="tx1">
                     <a:tint val="75000"/>
@@ -7350,11 +3859,11 @@
             </a:lvl1pPr>
           </a:lstStyle>
           <a:p>
-            <a:fld id="{AB2458EA-1F5A-154D-AFF5-4CF2DF8977D4}" type="datetimeFigureOut">
+            <a:fld id="{4AAD347D-5ACD-4C99-B74B-A9C85AD731AF}" type="datetimeFigureOut">
               <a:rPr lang="en-US" smtClean="0"/>
-              <a:t>11/18/19</a:t>
+              <a:t>11/19/19</a:t>
             </a:fld>
-            <a:endParaRPr lang="en-US"/>
+            <a:endParaRPr lang="en-US" dirty="0"/>
           </a:p>
         </p:txBody>
       </p:sp>
@@ -7370,8 +3879,8 @@
         </p:nvSpPr>
         <p:spPr>
           <a:xfrm>
-            <a:off x="1941910" y="5113174"/>
-            <a:ext cx="5714999" cy="304271"/>
+            <a:off x="3028950" y="5296959"/>
+            <a:ext cx="3086100" cy="304271"/>
           </a:xfrm>
           <a:prstGeom prst="rect">
             <a:avLst/>
@@ -7380,8 +3889,8 @@
         <p:txBody>
           <a:bodyPr vert="horz" lIns="91440" tIns="45720" rIns="91440" bIns="45720" rtlCol="0" anchor="ctr"/>
           <a:lstStyle>
-            <a:lvl1pPr algn="l">
-              <a:defRPr sz="675">
+            <a:lvl1pPr algn="ctr">
+              <a:defRPr sz="900">
                 <a:solidFill>
                   <a:schemeClr val="tx1">
                     <a:tint val="75000"/>
@@ -7391,7 +3900,7 @@
             </a:lvl1pPr>
           </a:lstStyle>
           <a:p>
-            <a:endParaRPr lang="en-US"/>
+            <a:endParaRPr lang="en-US" dirty="0"/>
           </a:p>
         </p:txBody>
       </p:sp>
@@ -7405,10 +3914,10 @@
             <p:ph type="sldNum" sz="quarter" idx="4"/>
           </p:nvPr>
         </p:nvSpPr>
-        <p:spPr bwMode="gray">
+        <p:spPr>
           <a:xfrm>
-            <a:off x="398860" y="656485"/>
-            <a:ext cx="584825" cy="304271"/>
+            <a:off x="6457950" y="5296959"/>
+            <a:ext cx="2057400" cy="304271"/>
           </a:xfrm>
           <a:prstGeom prst="rect">
             <a:avLst/>
@@ -7418,335 +3927,223 @@
           <a:bodyPr vert="horz" lIns="91440" tIns="45720" rIns="91440" bIns="45720" rtlCol="0" anchor="ctr"/>
           <a:lstStyle>
             <a:lvl1pPr algn="r">
-              <a:defRPr sz="1500">
+              <a:defRPr sz="900">
                 <a:solidFill>
-                  <a:srgbClr val="FEFFFF"/>
+                  <a:schemeClr val="tx1">
+                    <a:tint val="75000"/>
+                  </a:schemeClr>
                 </a:solidFill>
               </a:defRPr>
             </a:lvl1pPr>
           </a:lstStyle>
           <a:p>
-            <a:fld id="{45D8DECA-3F01-4D4D-9CE8-CE0BA91433C8}" type="slidenum">
+            <a:fld id="{D57F1E4F-1CFF-5643-939E-02111984F565}" type="slidenum">
               <a:rPr lang="en-US" smtClean="0"/>
               <a:t>‹#›</a:t>
             </a:fld>
-            <a:endParaRPr lang="en-US"/>
+            <a:endParaRPr lang="en-US" dirty="0"/>
           </a:p>
         </p:txBody>
       </p:sp>
     </p:spTree>
     <p:extLst>
       <p:ext uri="{BB962C8B-B14F-4D97-AF65-F5344CB8AC3E}">
-        <p14:creationId xmlns:p14="http://schemas.microsoft.com/office/powerpoint/2010/main" val="3943043087"/>
+        <p14:creationId xmlns:p14="http://schemas.microsoft.com/office/powerpoint/2010/main" val="2137727167"/>
       </p:ext>
     </p:extLst>
   </p:cSld>
   <p:clrMap bg1="lt1" tx1="dk1" bg2="lt2" tx2="dk2" accent1="accent1" accent2="accent2" accent3="accent3" accent4="accent4" accent5="accent5" accent6="accent6" hlink="hlink" folHlink="folHlink"/>
   <p:sldLayoutIdLst>
-    <p:sldLayoutId id="2147484243" r:id="rId1"/>
-    <p:sldLayoutId id="2147484244" r:id="rId2"/>
-    <p:sldLayoutId id="2147484245" r:id="rId3"/>
-    <p:sldLayoutId id="2147484246" r:id="rId4"/>
-    <p:sldLayoutId id="2147484247" r:id="rId5"/>
-    <p:sldLayoutId id="2147484248" r:id="rId6"/>
-    <p:sldLayoutId id="2147484249" r:id="rId7"/>
-    <p:sldLayoutId id="2147484250" r:id="rId8"/>
-    <p:sldLayoutId id="2147484251" r:id="rId9"/>
-    <p:sldLayoutId id="2147484252" r:id="rId10"/>
-    <p:sldLayoutId id="2147484253" r:id="rId11"/>
-    <p:sldLayoutId id="2147484254" r:id="rId12"/>
-    <p:sldLayoutId id="2147484255" r:id="rId13"/>
-    <p:sldLayoutId id="2147484256" r:id="rId14"/>
-    <p:sldLayoutId id="2147484257" r:id="rId15"/>
-    <p:sldLayoutId id="2147484258" r:id="rId16"/>
+    <p:sldLayoutId id="2147483792" r:id="rId1"/>
+    <p:sldLayoutId id="2147483793" r:id="rId2"/>
+    <p:sldLayoutId id="2147483794" r:id="rId3"/>
+    <p:sldLayoutId id="2147483795" r:id="rId4"/>
+    <p:sldLayoutId id="2147483796" r:id="rId5"/>
+    <p:sldLayoutId id="2147483797" r:id="rId6"/>
+    <p:sldLayoutId id="2147483798" r:id="rId7"/>
+    <p:sldLayoutId id="2147483799" r:id="rId8"/>
+    <p:sldLayoutId id="2147483800" r:id="rId9"/>
+    <p:sldLayoutId id="2147483801" r:id="rId10"/>
+    <p:sldLayoutId id="2147483802" r:id="rId11"/>
   </p:sldLayoutIdLst>
+  <p:hf sldNum="0" hdr="0" ftr="0" dt="0"/>
   <p:txStyles>
     <p:titleStyle>
-      <a:lvl1pPr algn="l" defTabSz="342900" rtl="0" eaLnBrk="1" latinLnBrk="0" hangingPunct="1">
+      <a:lvl1pPr algn="l" defTabSz="685800" rtl="0" eaLnBrk="1" latinLnBrk="0" hangingPunct="1">
+        <a:lnSpc>
+          <a:spcPct val="90000"/>
+        </a:lnSpc>
         <a:spcBef>
           <a:spcPct val="0"/>
         </a:spcBef>
         <a:buNone/>
-        <a:defRPr sz="2700" kern="1200">
+        <a:defRPr sz="3300" kern="1200">
           <a:solidFill>
-            <a:schemeClr val="tx1">
-              <a:lumMod val="85000"/>
-              <a:lumOff val="15000"/>
-            </a:schemeClr>
+            <a:schemeClr val="tx1"/>
           </a:solidFill>
           <a:latin typeface="+mj-lt"/>
           <a:ea typeface="+mj-ea"/>
           <a:cs typeface="+mj-cs"/>
         </a:defRPr>
       </a:lvl1pPr>
-      <a:lvl2pPr eaLnBrk="1" hangingPunct="1">
-        <a:defRPr>
-          <a:solidFill>
-            <a:schemeClr val="tx2"/>
-          </a:solidFill>
-        </a:defRPr>
-      </a:lvl2pPr>
-      <a:lvl3pPr eaLnBrk="1" hangingPunct="1">
-        <a:defRPr>
-          <a:solidFill>
-            <a:schemeClr val="tx2"/>
-          </a:solidFill>
-        </a:defRPr>
-      </a:lvl3pPr>
-      <a:lvl4pPr eaLnBrk="1" hangingPunct="1">
-        <a:defRPr>
-          <a:solidFill>
-            <a:schemeClr val="tx2"/>
-          </a:solidFill>
-        </a:defRPr>
-      </a:lvl4pPr>
-      <a:lvl5pPr eaLnBrk="1" hangingPunct="1">
-        <a:defRPr>
-          <a:solidFill>
-            <a:schemeClr val="tx2"/>
-          </a:solidFill>
-        </a:defRPr>
-      </a:lvl5pPr>
-      <a:lvl6pPr eaLnBrk="1" hangingPunct="1">
-        <a:defRPr>
-          <a:solidFill>
-            <a:schemeClr val="tx2"/>
-          </a:solidFill>
-        </a:defRPr>
-      </a:lvl6pPr>
-      <a:lvl7pPr eaLnBrk="1" hangingPunct="1">
-        <a:defRPr>
-          <a:solidFill>
-            <a:schemeClr val="tx2"/>
-          </a:solidFill>
-        </a:defRPr>
-      </a:lvl7pPr>
-      <a:lvl8pPr eaLnBrk="1" hangingPunct="1">
-        <a:defRPr>
-          <a:solidFill>
-            <a:schemeClr val="tx2"/>
-          </a:solidFill>
-        </a:defRPr>
-      </a:lvl8pPr>
-      <a:lvl9pPr eaLnBrk="1" hangingPunct="1">
-        <a:defRPr>
-          <a:solidFill>
-            <a:schemeClr val="tx2"/>
-          </a:solidFill>
-        </a:defRPr>
-      </a:lvl9pPr>
     </p:titleStyle>
     <p:bodyStyle>
-      <a:lvl1pPr marL="257175" indent="-257175" algn="l" defTabSz="342900" rtl="0" eaLnBrk="1" latinLnBrk="0" hangingPunct="1">
+      <a:lvl1pPr marL="171450" indent="-171450" algn="l" defTabSz="685800" rtl="0" eaLnBrk="1" latinLnBrk="0" hangingPunct="1">
+        <a:lnSpc>
+          <a:spcPct val="90000"/>
+        </a:lnSpc>
         <a:spcBef>
           <a:spcPts val="750"/>
         </a:spcBef>
-        <a:spcAft>
-          <a:spcPts val="0"/>
-        </a:spcAft>
-        <a:buClr>
-          <a:schemeClr val="accent1"/>
-        </a:buClr>
-        <a:buFont typeface="Wingdings 3" charset="2"/>
-        <a:buChar char=""/>
-        <a:defRPr sz="1350" kern="1200">
+        <a:buFont typeface="Arial" panose="020B0604020202020204" pitchFamily="34" charset="0"/>
+        <a:buChar char="•"/>
+        <a:defRPr sz="2100" kern="1200">
           <a:solidFill>
-            <a:schemeClr val="tx1">
-              <a:lumMod val="75000"/>
-              <a:lumOff val="25000"/>
-            </a:schemeClr>
+            <a:schemeClr val="tx1"/>
           </a:solidFill>
           <a:latin typeface="+mn-lt"/>
           <a:ea typeface="+mn-ea"/>
           <a:cs typeface="+mn-cs"/>
         </a:defRPr>
       </a:lvl1pPr>
-      <a:lvl2pPr marL="557213" indent="-214313" algn="l" defTabSz="342900" rtl="0" eaLnBrk="1" latinLnBrk="0" hangingPunct="1">
+      <a:lvl2pPr marL="514350" indent="-171450" algn="l" defTabSz="685800" rtl="0" eaLnBrk="1" latinLnBrk="0" hangingPunct="1">
+        <a:lnSpc>
+          <a:spcPct val="90000"/>
+        </a:lnSpc>
         <a:spcBef>
-          <a:spcPts val="750"/>
+          <a:spcPts val="375"/>
         </a:spcBef>
-        <a:spcAft>
-          <a:spcPts val="0"/>
-        </a:spcAft>
-        <a:buClr>
-          <a:schemeClr val="accent1"/>
-        </a:buClr>
-        <a:buFont typeface="Wingdings 3" charset="2"/>
-        <a:buChar char=""/>
-        <a:defRPr sz="1200" kern="1200">
+        <a:buFont typeface="Arial" panose="020B0604020202020204" pitchFamily="34" charset="0"/>
+        <a:buChar char="•"/>
+        <a:defRPr sz="1800" kern="1200">
           <a:solidFill>
-            <a:schemeClr val="tx1">
-              <a:lumMod val="75000"/>
-              <a:lumOff val="25000"/>
-            </a:schemeClr>
+            <a:schemeClr val="tx1"/>
           </a:solidFill>
           <a:latin typeface="+mn-lt"/>
           <a:ea typeface="+mn-ea"/>
           <a:cs typeface="+mn-cs"/>
         </a:defRPr>
       </a:lvl2pPr>
-      <a:lvl3pPr marL="857250" indent="-171450" algn="l" defTabSz="342900" rtl="0" eaLnBrk="1" latinLnBrk="0" hangingPunct="1">
+      <a:lvl3pPr marL="857250" indent="-171450" algn="l" defTabSz="685800" rtl="0" eaLnBrk="1" latinLnBrk="0" hangingPunct="1">
+        <a:lnSpc>
+          <a:spcPct val="90000"/>
+        </a:lnSpc>
         <a:spcBef>
-          <a:spcPts val="750"/>
+          <a:spcPts val="375"/>
         </a:spcBef>
-        <a:spcAft>
-          <a:spcPts val="0"/>
-        </a:spcAft>
-        <a:buClr>
-          <a:schemeClr val="accent1"/>
-        </a:buClr>
-        <a:buFont typeface="Wingdings 3" charset="2"/>
-        <a:buChar char=""/>
-        <a:defRPr sz="1050" kern="1200">
+        <a:buFont typeface="Arial" panose="020B0604020202020204" pitchFamily="34" charset="0"/>
+        <a:buChar char="•"/>
+        <a:defRPr sz="1500" kern="1200">
           <a:solidFill>
-            <a:schemeClr val="tx1">
-              <a:lumMod val="75000"/>
-              <a:lumOff val="25000"/>
-            </a:schemeClr>
+            <a:schemeClr val="tx1"/>
           </a:solidFill>
           <a:latin typeface="+mn-lt"/>
           <a:ea typeface="+mn-ea"/>
           <a:cs typeface="+mn-cs"/>
         </a:defRPr>
       </a:lvl3pPr>
-      <a:lvl4pPr marL="1200150" indent="-171450" algn="l" defTabSz="342900" rtl="0" eaLnBrk="1" latinLnBrk="0" hangingPunct="1">
+      <a:lvl4pPr marL="1200150" indent="-171450" algn="l" defTabSz="685800" rtl="0" eaLnBrk="1" latinLnBrk="0" hangingPunct="1">
+        <a:lnSpc>
+          <a:spcPct val="90000"/>
+        </a:lnSpc>
         <a:spcBef>
-          <a:spcPts val="750"/>
+          <a:spcPts val="375"/>
         </a:spcBef>
-        <a:spcAft>
-          <a:spcPts val="0"/>
-        </a:spcAft>
-        <a:buClr>
-          <a:schemeClr val="accent1"/>
-        </a:buClr>
-        <a:buFont typeface="Wingdings 3" charset="2"/>
-        <a:buChar char=""/>
-        <a:defRPr sz="900" kern="1200">
+        <a:buFont typeface="Arial" panose="020B0604020202020204" pitchFamily="34" charset="0"/>
+        <a:buChar char="•"/>
+        <a:defRPr sz="1350" kern="1200">
           <a:solidFill>
-            <a:schemeClr val="tx1">
-              <a:lumMod val="75000"/>
-              <a:lumOff val="25000"/>
-            </a:schemeClr>
+            <a:schemeClr val="tx1"/>
           </a:solidFill>
           <a:latin typeface="+mn-lt"/>
           <a:ea typeface="+mn-ea"/>
           <a:cs typeface="+mn-cs"/>
         </a:defRPr>
       </a:lvl4pPr>
-      <a:lvl5pPr marL="1543050" indent="-171450" algn="l" defTabSz="342900" rtl="0" eaLnBrk="1" latinLnBrk="0" hangingPunct="1">
+      <a:lvl5pPr marL="1543050" indent="-171450" algn="l" defTabSz="685800" rtl="0" eaLnBrk="1" latinLnBrk="0" hangingPunct="1">
+        <a:lnSpc>
+          <a:spcPct val="90000"/>
+        </a:lnSpc>
         <a:spcBef>
-          <a:spcPts val="750"/>
+          <a:spcPts val="375"/>
         </a:spcBef>
-        <a:spcAft>
-          <a:spcPts val="0"/>
-        </a:spcAft>
-        <a:buClr>
-          <a:schemeClr val="accent1"/>
-        </a:buClr>
-        <a:buFont typeface="Wingdings 3" charset="2"/>
-        <a:buChar char=""/>
-        <a:defRPr sz="900" kern="1200">
+        <a:buFont typeface="Arial" panose="020B0604020202020204" pitchFamily="34" charset="0"/>
+        <a:buChar char="•"/>
+        <a:defRPr sz="1350" kern="1200">
           <a:solidFill>
-            <a:schemeClr val="tx1">
-              <a:lumMod val="75000"/>
-              <a:lumOff val="25000"/>
-            </a:schemeClr>
+            <a:schemeClr val="tx1"/>
           </a:solidFill>
           <a:latin typeface="+mn-lt"/>
           <a:ea typeface="+mn-ea"/>
           <a:cs typeface="+mn-cs"/>
         </a:defRPr>
       </a:lvl5pPr>
-      <a:lvl6pPr marL="1885950" indent="-171450" algn="l" defTabSz="342900" rtl="0" eaLnBrk="1" latinLnBrk="0" hangingPunct="1">
+      <a:lvl6pPr marL="1885950" indent="-171450" algn="l" defTabSz="685800" rtl="0" eaLnBrk="1" latinLnBrk="0" hangingPunct="1">
+        <a:lnSpc>
+          <a:spcPct val="90000"/>
+        </a:lnSpc>
         <a:spcBef>
-          <a:spcPts val="750"/>
+          <a:spcPts val="375"/>
         </a:spcBef>
-        <a:spcAft>
-          <a:spcPts val="0"/>
-        </a:spcAft>
-        <a:buClr>
-          <a:schemeClr val="accent1"/>
-        </a:buClr>
-        <a:buFont typeface="Wingdings 3" charset="2"/>
-        <a:buChar char=""/>
-        <a:defRPr sz="900" kern="1200">
+        <a:buFont typeface="Arial" panose="020B0604020202020204" pitchFamily="34" charset="0"/>
+        <a:buChar char="•"/>
+        <a:defRPr sz="1350" kern="1200">
           <a:solidFill>
-            <a:schemeClr val="tx1">
-              <a:lumMod val="75000"/>
-              <a:lumOff val="25000"/>
-            </a:schemeClr>
+            <a:schemeClr val="tx1"/>
           </a:solidFill>
           <a:latin typeface="+mn-lt"/>
           <a:ea typeface="+mn-ea"/>
           <a:cs typeface="+mn-cs"/>
         </a:defRPr>
       </a:lvl6pPr>
-      <a:lvl7pPr marL="2228850" indent="-171450" algn="l" defTabSz="342900" rtl="0" eaLnBrk="1" latinLnBrk="0" hangingPunct="1">
+      <a:lvl7pPr marL="2228850" indent="-171450" algn="l" defTabSz="685800" rtl="0" eaLnBrk="1" latinLnBrk="0" hangingPunct="1">
+        <a:lnSpc>
+          <a:spcPct val="90000"/>
+        </a:lnSpc>
         <a:spcBef>
-          <a:spcPts val="750"/>
+          <a:spcPts val="375"/>
         </a:spcBef>
-        <a:spcAft>
-          <a:spcPts val="0"/>
-        </a:spcAft>
-        <a:buClr>
-          <a:schemeClr val="accent1"/>
-        </a:buClr>
-        <a:buFont typeface="Wingdings 3" charset="2"/>
-        <a:buChar char=""/>
-        <a:defRPr sz="900" kern="1200">
+        <a:buFont typeface="Arial" panose="020B0604020202020204" pitchFamily="34" charset="0"/>
+        <a:buChar char="•"/>
+        <a:defRPr sz="1350" kern="1200">
           <a:solidFill>
-            <a:schemeClr val="tx1">
-              <a:lumMod val="75000"/>
-              <a:lumOff val="25000"/>
-            </a:schemeClr>
+            <a:schemeClr val="tx1"/>
           </a:solidFill>
           <a:latin typeface="+mn-lt"/>
           <a:ea typeface="+mn-ea"/>
           <a:cs typeface="+mn-cs"/>
         </a:defRPr>
       </a:lvl7pPr>
-      <a:lvl8pPr marL="2571750" indent="-171450" algn="l" defTabSz="342900" rtl="0" eaLnBrk="1" latinLnBrk="0" hangingPunct="1">
+      <a:lvl8pPr marL="2571750" indent="-171450" algn="l" defTabSz="685800" rtl="0" eaLnBrk="1" latinLnBrk="0" hangingPunct="1">
+        <a:lnSpc>
+          <a:spcPct val="90000"/>
+        </a:lnSpc>
         <a:spcBef>
-          <a:spcPts val="750"/>
+          <a:spcPts val="375"/>
         </a:spcBef>
-        <a:spcAft>
-          <a:spcPts val="0"/>
-        </a:spcAft>
-        <a:buClr>
-          <a:schemeClr val="accent1"/>
-        </a:buClr>
-        <a:buFont typeface="Wingdings 3" charset="2"/>
-        <a:buChar char=""/>
-        <a:defRPr sz="900" kern="1200">
+        <a:buFont typeface="Arial" panose="020B0604020202020204" pitchFamily="34" charset="0"/>
+        <a:buChar char="•"/>
+        <a:defRPr sz="1350" kern="1200">
           <a:solidFill>
-            <a:schemeClr val="tx1">
-              <a:lumMod val="75000"/>
-              <a:lumOff val="25000"/>
-            </a:schemeClr>
+            <a:schemeClr val="tx1"/>
           </a:solidFill>
           <a:latin typeface="+mn-lt"/>
           <a:ea typeface="+mn-ea"/>
           <a:cs typeface="+mn-cs"/>
         </a:defRPr>
       </a:lvl8pPr>
-      <a:lvl9pPr marL="2914650" indent="-171450" algn="l" defTabSz="342900" rtl="0" eaLnBrk="1" latinLnBrk="0" hangingPunct="1">
+      <a:lvl9pPr marL="2914650" indent="-171450" algn="l" defTabSz="685800" rtl="0" eaLnBrk="1" latinLnBrk="0" hangingPunct="1">
+        <a:lnSpc>
+          <a:spcPct val="90000"/>
+        </a:lnSpc>
         <a:spcBef>
-          <a:spcPts val="750"/>
+          <a:spcPts val="375"/>
         </a:spcBef>
-        <a:spcAft>
-          <a:spcPts val="0"/>
-        </a:spcAft>
-        <a:buClr>
-          <a:schemeClr val="accent1"/>
-        </a:buClr>
-        <a:buFont typeface="Wingdings 3" charset="2"/>
-        <a:buChar char=""/>
-        <a:defRPr sz="900" kern="1200">
+        <a:buFont typeface="Arial" panose="020B0604020202020204" pitchFamily="34" charset="0"/>
+        <a:buChar char="•"/>
+        <a:defRPr sz="1350" kern="1200">
           <a:solidFill>
-            <a:schemeClr val="tx1">
-              <a:lumMod val="75000"/>
-              <a:lumOff val="25000"/>
-            </a:schemeClr>
+            <a:schemeClr val="tx1"/>
           </a:solidFill>
           <a:latin typeface="+mn-lt"/>
           <a:ea typeface="+mn-ea"/>
@@ -7758,7 +4155,7 @@
       <a:defPPr>
         <a:defRPr lang="en-US"/>
       </a:defPPr>
-      <a:lvl1pPr marL="0" algn="l" defTabSz="342900" rtl="0" eaLnBrk="1" latinLnBrk="0" hangingPunct="1">
+      <a:lvl1pPr marL="0" algn="l" defTabSz="685800" rtl="0" eaLnBrk="1" latinLnBrk="0" hangingPunct="1">
         <a:defRPr sz="1350" kern="1200">
           <a:solidFill>
             <a:schemeClr val="tx1"/>
@@ -7768,7 +4165,7 @@
           <a:cs typeface="+mn-cs"/>
         </a:defRPr>
       </a:lvl1pPr>
-      <a:lvl2pPr marL="342900" algn="l" defTabSz="342900" rtl="0" eaLnBrk="1" latinLnBrk="0" hangingPunct="1">
+      <a:lvl2pPr marL="342900" algn="l" defTabSz="685800" rtl="0" eaLnBrk="1" latinLnBrk="0" hangingPunct="1">
         <a:defRPr sz="1350" kern="1200">
           <a:solidFill>
             <a:schemeClr val="tx1"/>
@@ -7778,7 +4175,7 @@
           <a:cs typeface="+mn-cs"/>
         </a:defRPr>
       </a:lvl2pPr>
-      <a:lvl3pPr marL="685800" algn="l" defTabSz="342900" rtl="0" eaLnBrk="1" latinLnBrk="0" hangingPunct="1">
+      <a:lvl3pPr marL="685800" algn="l" defTabSz="685800" rtl="0" eaLnBrk="1" latinLnBrk="0" hangingPunct="1">
         <a:defRPr sz="1350" kern="1200">
           <a:solidFill>
             <a:schemeClr val="tx1"/>
@@ -7788,7 +4185,7 @@
           <a:cs typeface="+mn-cs"/>
         </a:defRPr>
       </a:lvl3pPr>
-      <a:lvl4pPr marL="1028700" algn="l" defTabSz="342900" rtl="0" eaLnBrk="1" latinLnBrk="0" hangingPunct="1">
+      <a:lvl4pPr marL="1028700" algn="l" defTabSz="685800" rtl="0" eaLnBrk="1" latinLnBrk="0" hangingPunct="1">
         <a:defRPr sz="1350" kern="1200">
           <a:solidFill>
             <a:schemeClr val="tx1"/>
@@ -7798,7 +4195,7 @@
           <a:cs typeface="+mn-cs"/>
         </a:defRPr>
       </a:lvl4pPr>
-      <a:lvl5pPr marL="1371600" algn="l" defTabSz="342900" rtl="0" eaLnBrk="1" latinLnBrk="0" hangingPunct="1">
+      <a:lvl5pPr marL="1371600" algn="l" defTabSz="685800" rtl="0" eaLnBrk="1" latinLnBrk="0" hangingPunct="1">
         <a:defRPr sz="1350" kern="1200">
           <a:solidFill>
             <a:schemeClr val="tx1"/>
@@ -7808,7 +4205,7 @@
           <a:cs typeface="+mn-cs"/>
         </a:defRPr>
       </a:lvl5pPr>
-      <a:lvl6pPr marL="1714500" algn="l" defTabSz="342900" rtl="0" eaLnBrk="1" latinLnBrk="0" hangingPunct="1">
+      <a:lvl6pPr marL="1714500" algn="l" defTabSz="685800" rtl="0" eaLnBrk="1" latinLnBrk="0" hangingPunct="1">
         <a:defRPr sz="1350" kern="1200">
           <a:solidFill>
             <a:schemeClr val="tx1"/>
@@ -7818,7 +4215,7 @@
           <a:cs typeface="+mn-cs"/>
         </a:defRPr>
       </a:lvl6pPr>
-      <a:lvl7pPr marL="2057400" algn="l" defTabSz="342900" rtl="0" eaLnBrk="1" latinLnBrk="0" hangingPunct="1">
+      <a:lvl7pPr marL="2057400" algn="l" defTabSz="685800" rtl="0" eaLnBrk="1" latinLnBrk="0" hangingPunct="1">
         <a:defRPr sz="1350" kern="1200">
           <a:solidFill>
             <a:schemeClr val="tx1"/>
@@ -7828,7 +4225,7 @@
           <a:cs typeface="+mn-cs"/>
         </a:defRPr>
       </a:lvl7pPr>
-      <a:lvl8pPr marL="2400300" algn="l" defTabSz="342900" rtl="0" eaLnBrk="1" latinLnBrk="0" hangingPunct="1">
+      <a:lvl8pPr marL="2400300" algn="l" defTabSz="685800" rtl="0" eaLnBrk="1" latinLnBrk="0" hangingPunct="1">
         <a:defRPr sz="1350" kern="1200">
           <a:solidFill>
             <a:schemeClr val="tx1"/>
@@ -7838,7 +4235,7 @@
           <a:cs typeface="+mn-cs"/>
         </a:defRPr>
       </a:lvl8pPr>
-      <a:lvl9pPr marL="2743200" algn="l" defTabSz="342900" rtl="0" eaLnBrk="1" latinLnBrk="0" hangingPunct="1">
+      <a:lvl9pPr marL="2743200" algn="l" defTabSz="685800" rtl="0" eaLnBrk="1" latinLnBrk="0" hangingPunct="1">
         <a:defRPr sz="1350" kern="1200">
           <a:solidFill>
             <a:schemeClr val="tx1"/>
@@ -7850,11 +4247,6 @@
       </a:lvl9pPr>
     </p:otherStyle>
   </p:txStyles>
-  <p:extLst>
-    <p:ext uri="{27BBF7A9-308A-43DC-89C8-2F10F3537804}">
-      <p15:sldGuideLst xmlns:p15="http://schemas.microsoft.com/office/powerpoint/2012/main"/>
-    </p:ext>
-  </p:extLst>
 </p:sldMaster>
 </file>
 
@@ -7952,7 +4344,7 @@
     </p:spTree>
     <p:extLst>
       <p:ext uri="{BB962C8B-B14F-4D97-AF65-F5344CB8AC3E}">
-        <p14:creationId xmlns:p14="http://schemas.microsoft.com/office/powerpoint/2010/main" val="3974137643"/>
+        <p14:creationId xmlns:p14="http://schemas.microsoft.com/office/powerpoint/2010/main" val="1714056449"/>
       </p:ext>
     </p:extLst>
   </p:cSld>
@@ -7997,7 +4389,7 @@
         </p:nvSpPr>
         <p:spPr>
           <a:xfrm>
-            <a:off x="1422180" y="178448"/>
+            <a:off x="612555" y="168923"/>
             <a:ext cx="6927999" cy="685710"/>
           </a:xfrm>
         </p:spPr>
@@ -8030,7 +4422,7 @@
         </p:nvSpPr>
         <p:spPr>
           <a:xfrm>
-            <a:off x="1422180" y="1155559"/>
+            <a:off x="612555" y="1098409"/>
             <a:ext cx="7206279" cy="4371033"/>
           </a:xfrm>
         </p:spPr>
@@ -8046,7 +4438,7 @@
             </a:pPr>
             <a:r>
               <a:rPr lang="en-US" altLang="en-US" sz="1600" b="1" dirty="0">
-                <a:latin typeface="Tahoma" panose="020B0604030504040204" pitchFamily="34" charset="0"/>
+                <a:latin typeface="Gill Sans MT" panose="020B0502020104020203" pitchFamily="34" charset="77"/>
                 <a:ea typeface="Tahoma" panose="020B0604030504040204" pitchFamily="34" charset="0"/>
                 <a:cs typeface="Tahoma" panose="020B0604030504040204" pitchFamily="34" charset="0"/>
               </a:rPr>
@@ -8100,7 +4492,7 @@
             </a:pPr>
             <a:r>
               <a:rPr lang="en-US" sz="2000" dirty="0">
-                <a:latin typeface="Tahoma" panose="020B0604030504040204" pitchFamily="34" charset="0"/>
+                <a:latin typeface="Gill Sans MT" panose="020B0502020104020203" pitchFamily="34" charset="77"/>
                 <a:ea typeface="Tahoma" panose="020B0604030504040204" pitchFamily="34" charset="0"/>
                 <a:cs typeface="Tahoma" panose="020B0604030504040204" pitchFamily="34" charset="0"/>
               </a:rPr>
@@ -8108,7 +4500,7 @@
             </a:r>
             <a:r>
               <a:rPr lang="en-US" sz="2000" dirty="0">
-                <a:latin typeface="Tahoma" panose="020B0604030504040204" pitchFamily="34" charset="0"/>
+                <a:latin typeface="Gill Sans MT" panose="020B0502020104020203" pitchFamily="34" charset="77"/>
                 <a:ea typeface="Tahoma" panose="020B0604030504040204" pitchFamily="34" charset="0"/>
                 <a:cs typeface="Tahoma" panose="020B0604030504040204" pitchFamily="34" charset="0"/>
                 <a:hlinkClick r:id="rId3"/>
@@ -8119,7 +4511,36 @@
               <a:solidFill>
                 <a:schemeClr val="accent1"/>
               </a:solidFill>
-              <a:latin typeface="Tahoma" panose="020B0604030504040204" pitchFamily="34" charset="0"/>
+              <a:latin typeface="Gill Sans MT" panose="020B0502020104020203" pitchFamily="34" charset="77"/>
+              <a:ea typeface="Tahoma" panose="020B0604030504040204" pitchFamily="34" charset="0"/>
+              <a:cs typeface="Tahoma" panose="020B0604030504040204" pitchFamily="34" charset="0"/>
+            </a:endParaRPr>
+          </a:p>
+          <a:p>
+            <a:pPr>
+              <a:defRPr/>
+            </a:pPr>
+            <a:endParaRPr lang="en-US" sz="2000" dirty="0">
+              <a:latin typeface="Gill Sans MT" panose="020B0502020104020203" pitchFamily="34" charset="77"/>
+              <a:ea typeface="Tahoma" panose="020B0604030504040204" pitchFamily="34" charset="0"/>
+              <a:cs typeface="Tahoma" panose="020B0604030504040204" pitchFamily="34" charset="0"/>
+            </a:endParaRPr>
+          </a:p>
+          <a:p>
+            <a:pPr>
+              <a:defRPr/>
+            </a:pPr>
+            <a:r>
+              <a:rPr lang="en-US" sz="2000" dirty="0">
+                <a:latin typeface="Gill Sans MT" panose="020B0502020104020203" pitchFamily="34" charset="77"/>
+                <a:ea typeface="Tahoma" panose="020B0604030504040204" pitchFamily="34" charset="0"/>
+                <a:cs typeface="Tahoma" panose="020B0604030504040204" pitchFamily="34" charset="0"/>
+                <a:hlinkClick r:id="rId4"/>
+              </a:rPr>
+              <a:t>https://processing.org/tutorials/</a:t>
+            </a:r>
+            <a:endParaRPr lang="en-US" sz="2000" dirty="0">
+              <a:latin typeface="Gill Sans MT" panose="020B0502020104020203" pitchFamily="34" charset="77"/>
               <a:ea typeface="Tahoma" panose="020B0604030504040204" pitchFamily="34" charset="0"/>
               <a:cs typeface="Tahoma" panose="020B0604030504040204" pitchFamily="34" charset="0"/>
             </a:endParaRPr>
@@ -8134,41 +4555,12 @@
               <a:cs typeface="Tahoma" panose="020B0604030504040204" pitchFamily="34" charset="0"/>
             </a:endParaRPr>
           </a:p>
-          <a:p>
-            <a:pPr>
-              <a:defRPr/>
-            </a:pPr>
-            <a:r>
-              <a:rPr lang="en-US" sz="2000" dirty="0">
-                <a:latin typeface="Tahoma" panose="020B0604030504040204" pitchFamily="34" charset="0"/>
-                <a:ea typeface="Tahoma" panose="020B0604030504040204" pitchFamily="34" charset="0"/>
-                <a:cs typeface="Tahoma" panose="020B0604030504040204" pitchFamily="34" charset="0"/>
-                <a:hlinkClick r:id="rId4"/>
-              </a:rPr>
-              <a:t>https://processing.org/tutorials/</a:t>
-            </a:r>
-            <a:endParaRPr lang="en-US" sz="2000" dirty="0">
-              <a:latin typeface="Tahoma" panose="020B0604030504040204" pitchFamily="34" charset="0"/>
-              <a:ea typeface="Tahoma" panose="020B0604030504040204" pitchFamily="34" charset="0"/>
-              <a:cs typeface="Tahoma" panose="020B0604030504040204" pitchFamily="34" charset="0"/>
-            </a:endParaRPr>
-          </a:p>
-          <a:p>
-            <a:pPr>
-              <a:defRPr/>
-            </a:pPr>
-            <a:endParaRPr lang="en-US" sz="2000" dirty="0">
-              <a:latin typeface="Tahoma" panose="020B0604030504040204" pitchFamily="34" charset="0"/>
-              <a:ea typeface="Tahoma" panose="020B0604030504040204" pitchFamily="34" charset="0"/>
-              <a:cs typeface="Tahoma" panose="020B0604030504040204" pitchFamily="34" charset="0"/>
-            </a:endParaRPr>
-          </a:p>
         </p:txBody>
       </p:sp>
     </p:spTree>
     <p:extLst>
       <p:ext uri="{BB962C8B-B14F-4D97-AF65-F5344CB8AC3E}">
-        <p14:creationId xmlns:p14="http://schemas.microsoft.com/office/powerpoint/2010/main" val="484339364"/>
+        <p14:creationId xmlns:p14="http://schemas.microsoft.com/office/powerpoint/2010/main" val="3694176140"/>
       </p:ext>
     </p:extLst>
   </p:cSld>
@@ -8229,7 +4621,7 @@
             </a:pPr>
             <a:r>
               <a:rPr lang="en-US" sz="2000" dirty="0" err="1">
-                <a:latin typeface="Tahoma" panose="020B0604030504040204" pitchFamily="34" charset="0"/>
+                <a:latin typeface="Gill Sans MT" panose="020B0502020104020203" pitchFamily="34" charset="77"/>
                 <a:ea typeface="Tahoma" panose="020B0604030504040204" pitchFamily="34" charset="0"/>
                 <a:cs typeface="Tahoma" panose="020B0604030504040204" pitchFamily="34" charset="0"/>
               </a:rPr>
@@ -8237,7 +4629,7 @@
             </a:r>
             <a:r>
               <a:rPr lang="en-US" sz="2000" dirty="0">
-                <a:latin typeface="Tahoma" panose="020B0604030504040204" pitchFamily="34" charset="0"/>
+                <a:latin typeface="Gill Sans MT" panose="020B0502020104020203" pitchFamily="34" charset="77"/>
                 <a:ea typeface="Tahoma" panose="020B0604030504040204" pitchFamily="34" charset="0"/>
                 <a:cs typeface="Tahoma" panose="020B0604030504040204" pitchFamily="34" charset="0"/>
               </a:rPr>
@@ -8245,7 +4637,7 @@
             </a:r>
             <a:r>
               <a:rPr lang="en-US" sz="2000" dirty="0" err="1">
-                <a:latin typeface="Tahoma" panose="020B0604030504040204" pitchFamily="34" charset="0"/>
+                <a:latin typeface="Gill Sans MT" panose="020B0502020104020203" pitchFamily="34" charset="77"/>
                 <a:ea typeface="Tahoma" panose="020B0604030504040204" pitchFamily="34" charset="0"/>
                 <a:cs typeface="Tahoma" panose="020B0604030504040204" pitchFamily="34" charset="0"/>
               </a:rPr>
@@ -8253,7 +4645,7 @@
             </a:r>
             <a:r>
               <a:rPr lang="en-US" sz="2000" dirty="0">
-                <a:latin typeface="Tahoma" panose="020B0604030504040204" pitchFamily="34" charset="0"/>
+                <a:latin typeface="Gill Sans MT" panose="020B0502020104020203" pitchFamily="34" charset="77"/>
                 <a:ea typeface="Tahoma" panose="020B0604030504040204" pitchFamily="34" charset="0"/>
                 <a:cs typeface="Tahoma" panose="020B0604030504040204" pitchFamily="34" charset="0"/>
               </a:rPr>
@@ -8266,7 +4658,7 @@
               <a:defRPr/>
             </a:pPr>
             <a:endParaRPr lang="en-US" sz="2000" dirty="0">
-              <a:latin typeface="Tahoma" panose="020B0604030504040204" pitchFamily="34" charset="0"/>
+              <a:latin typeface="Gill Sans MT" panose="020B0502020104020203" pitchFamily="34" charset="77"/>
               <a:ea typeface="Tahoma" panose="020B0604030504040204" pitchFamily="34" charset="0"/>
               <a:cs typeface="Tahoma" panose="020B0604030504040204" pitchFamily="34" charset="0"/>
             </a:endParaRPr>
@@ -8278,7 +4670,7 @@
             </a:pPr>
             <a:r>
               <a:rPr lang="en-US" sz="2000" dirty="0">
-                <a:latin typeface="Tahoma" panose="020B0604030504040204" pitchFamily="34" charset="0"/>
+                <a:latin typeface="Gill Sans MT" panose="020B0502020104020203" pitchFamily="34" charset="77"/>
                 <a:ea typeface="Tahoma" panose="020B0604030504040204" pitchFamily="34" charset="0"/>
                 <a:cs typeface="Tahoma" panose="020B0604030504040204" pitchFamily="34" charset="0"/>
               </a:rPr>
@@ -8291,7 +4683,7 @@
               <a:defRPr/>
             </a:pPr>
             <a:endParaRPr lang="en-US" sz="2000" dirty="0">
-              <a:latin typeface="Tahoma" panose="020B0604030504040204" pitchFamily="34" charset="0"/>
+              <a:latin typeface="Gill Sans MT" panose="020B0502020104020203" pitchFamily="34" charset="77"/>
               <a:ea typeface="Tahoma" panose="020B0604030504040204" pitchFamily="34" charset="0"/>
               <a:cs typeface="Tahoma" panose="020B0604030504040204" pitchFamily="34" charset="0"/>
             </a:endParaRPr>
@@ -8303,7 +4695,7 @@
             </a:pPr>
             <a:r>
               <a:rPr lang="en-US" sz="2000" dirty="0">
-                <a:latin typeface="Tahoma" panose="020B0604030504040204" pitchFamily="34" charset="0"/>
+                <a:latin typeface="Gill Sans MT" panose="020B0502020104020203" pitchFamily="34" charset="77"/>
                 <a:ea typeface="Tahoma" panose="020B0604030504040204" pitchFamily="34" charset="0"/>
                 <a:cs typeface="Tahoma" panose="020B0604030504040204" pitchFamily="34" charset="0"/>
               </a:rPr>
@@ -8311,7 +4703,7 @@
             </a:r>
             <a:r>
               <a:rPr lang="en-US" sz="2000" dirty="0" err="1">
-                <a:latin typeface="Tahoma" panose="020B0604030504040204" pitchFamily="34" charset="0"/>
+                <a:latin typeface="Gill Sans MT" panose="020B0502020104020203" pitchFamily="34" charset="77"/>
                 <a:ea typeface="Tahoma" panose="020B0604030504040204" pitchFamily="34" charset="0"/>
                 <a:cs typeface="Tahoma" panose="020B0604030504040204" pitchFamily="34" charset="0"/>
               </a:rPr>
@@ -8319,14 +4711,14 @@
             </a:r>
             <a:r>
               <a:rPr lang="en-US" sz="2000" dirty="0">
-                <a:latin typeface="Tahoma" panose="020B0604030504040204" pitchFamily="34" charset="0"/>
+                <a:latin typeface="Gill Sans MT" panose="020B0502020104020203" pitchFamily="34" charset="77"/>
                 <a:ea typeface="Tahoma" panose="020B0604030504040204" pitchFamily="34" charset="0"/>
                 <a:cs typeface="Tahoma" panose="020B0604030504040204" pitchFamily="34" charset="0"/>
               </a:rPr>
               <a:t>() function. </a:t>
             </a:r>
             <a:endParaRPr lang="en-US" sz="2000" b="1" dirty="0">
-              <a:latin typeface="Tahoma" panose="020B0604030504040204" pitchFamily="34" charset="0"/>
+              <a:latin typeface="Gill Sans MT" panose="020B0502020104020203" pitchFamily="34" charset="77"/>
               <a:ea typeface="Tahoma" panose="020B0604030504040204" pitchFamily="34" charset="0"/>
               <a:cs typeface="Tahoma" panose="020B0604030504040204" pitchFamily="34" charset="0"/>
             </a:endParaRPr>
@@ -8338,7 +4730,7 @@
             </a:pPr>
             <a:r>
               <a:rPr lang="en-US" sz="2000" b="1" dirty="0" err="1">
-                <a:latin typeface="Courier New" panose="02070309020205020404" pitchFamily="49" charset="0"/>
+                <a:latin typeface="Gill Sans MT" panose="020B0502020104020203" pitchFamily="34" charset="77"/>
                 <a:ea typeface="Tahoma" panose="020B0604030504040204" pitchFamily="34" charset="0"/>
                 <a:cs typeface="Courier New" panose="02070309020205020404" pitchFamily="49" charset="0"/>
               </a:rPr>
@@ -8346,7 +4738,7 @@
             </a:r>
             <a:r>
               <a:rPr lang="en-US" sz="2000" b="1" dirty="0">
-                <a:latin typeface="Courier New" panose="02070309020205020404" pitchFamily="49" charset="0"/>
+                <a:latin typeface="Gill Sans MT" panose="020B0502020104020203" pitchFamily="34" charset="77"/>
                 <a:ea typeface="Tahoma" panose="020B0604030504040204" pitchFamily="34" charset="0"/>
                 <a:cs typeface="Courier New" panose="02070309020205020404" pitchFamily="49" charset="0"/>
               </a:rPr>
@@ -8354,7 +4746,7 @@
             </a:r>
             <a:r>
               <a:rPr lang="en-US" sz="2000" b="1" dirty="0" err="1">
-                <a:latin typeface="Courier New" panose="02070309020205020404" pitchFamily="49" charset="0"/>
+                <a:latin typeface="Gill Sans MT" panose="020B0502020104020203" pitchFamily="34" charset="77"/>
                 <a:ea typeface="Tahoma" panose="020B0604030504040204" pitchFamily="34" charset="0"/>
                 <a:cs typeface="Courier New" panose="02070309020205020404" pitchFamily="49" charset="0"/>
               </a:rPr>
@@ -8362,7 +4754,7 @@
             </a:r>
             <a:r>
               <a:rPr lang="en-US" sz="2000" b="1" dirty="0">
-                <a:latin typeface="Courier New" panose="02070309020205020404" pitchFamily="49" charset="0"/>
+                <a:latin typeface="Gill Sans MT" panose="020B0502020104020203" pitchFamily="34" charset="77"/>
                 <a:ea typeface="Tahoma" panose="020B0604030504040204" pitchFamily="34" charset="0"/>
                 <a:cs typeface="Courier New" panose="02070309020205020404" pitchFamily="49" charset="0"/>
               </a:rPr>
@@ -8376,7 +4768,7 @@
             </a:pPr>
             <a:r>
               <a:rPr lang="en-US" sz="2000" b="1" dirty="0" err="1">
-                <a:latin typeface="Courier New" panose="02070309020205020404" pitchFamily="49" charset="0"/>
+                <a:latin typeface="Gill Sans MT" panose="020B0502020104020203" pitchFamily="34" charset="77"/>
                 <a:ea typeface="Tahoma" panose="020B0604030504040204" pitchFamily="34" charset="0"/>
                 <a:cs typeface="Courier New" panose="02070309020205020404" pitchFamily="49" charset="0"/>
               </a:rPr>
@@ -8384,7 +4776,7 @@
             </a:r>
             <a:r>
               <a:rPr lang="en-US" sz="2000" b="1" dirty="0">
-                <a:latin typeface="Courier New" panose="02070309020205020404" pitchFamily="49" charset="0"/>
+                <a:latin typeface="Gill Sans MT" panose="020B0502020104020203" pitchFamily="34" charset="77"/>
                 <a:ea typeface="Tahoma" panose="020B0604030504040204" pitchFamily="34" charset="0"/>
                 <a:cs typeface="Courier New" panose="02070309020205020404" pitchFamily="49" charset="0"/>
               </a:rPr>
@@ -8392,7 +4784,7 @@
             </a:r>
             <a:r>
               <a:rPr lang="en-US" sz="2000" b="1" dirty="0" err="1">
-                <a:latin typeface="Courier New" panose="02070309020205020404" pitchFamily="49" charset="0"/>
+                <a:latin typeface="Gill Sans MT" panose="020B0502020104020203" pitchFamily="34" charset="77"/>
                 <a:ea typeface="Tahoma" panose="020B0604030504040204" pitchFamily="34" charset="0"/>
                 <a:cs typeface="Courier New" panose="02070309020205020404" pitchFamily="49" charset="0"/>
               </a:rPr>
@@ -8400,7 +4792,7 @@
             </a:r>
             <a:r>
               <a:rPr lang="en-US" sz="2000" b="1" dirty="0">
-                <a:latin typeface="Courier New" panose="02070309020205020404" pitchFamily="49" charset="0"/>
+                <a:latin typeface="Gill Sans MT" panose="020B0502020104020203" pitchFamily="34" charset="77"/>
                 <a:ea typeface="Tahoma" panose="020B0604030504040204" pitchFamily="34" charset="0"/>
                 <a:cs typeface="Courier New" panose="02070309020205020404" pitchFamily="49" charset="0"/>
               </a:rPr>
@@ -8408,7 +4800,7 @@
             </a:r>
             <a:r>
               <a:rPr lang="en-US" sz="2000" b="1" dirty="0" err="1">
-                <a:latin typeface="Courier New" panose="02070309020205020404" pitchFamily="49" charset="0"/>
+                <a:latin typeface="Gill Sans MT" panose="020B0502020104020203" pitchFamily="34" charset="77"/>
                 <a:ea typeface="Tahoma" panose="020B0604030504040204" pitchFamily="34" charset="0"/>
                 <a:cs typeface="Courier New" panose="02070309020205020404" pitchFamily="49" charset="0"/>
               </a:rPr>
@@ -8416,7 +4808,7 @@
             </a:r>
             <a:r>
               <a:rPr lang="en-US" sz="2000" b="1" dirty="0">
-                <a:latin typeface="Courier New" panose="02070309020205020404" pitchFamily="49" charset="0"/>
+                <a:latin typeface="Gill Sans MT" panose="020B0502020104020203" pitchFamily="34" charset="77"/>
                 <a:ea typeface="Tahoma" panose="020B0604030504040204" pitchFamily="34" charset="0"/>
                 <a:cs typeface="Courier New" panose="02070309020205020404" pitchFamily="49" charset="0"/>
               </a:rPr>
@@ -8429,7 +4821,7 @@
               <a:defRPr/>
             </a:pPr>
             <a:endParaRPr lang="en-US" sz="2000" b="1" dirty="0">
-              <a:latin typeface="Courier New" panose="02070309020205020404" pitchFamily="49" charset="0"/>
+              <a:latin typeface="Gill Sans MT" panose="020B0502020104020203" pitchFamily="34" charset="77"/>
               <a:ea typeface="Tahoma" panose="020B0604030504040204" pitchFamily="34" charset="0"/>
               <a:cs typeface="Courier New" panose="02070309020205020404" pitchFamily="49" charset="0"/>
             </a:endParaRPr>
@@ -8441,7 +4833,7 @@
             </a:pPr>
             <a:r>
               <a:rPr lang="en-US" sz="2000" b="1" dirty="0">
-                <a:latin typeface="Courier New" panose="02070309020205020404" pitchFamily="49" charset="0"/>
+                <a:latin typeface="Gill Sans MT" panose="020B0502020104020203" pitchFamily="34" charset="77"/>
                 <a:ea typeface="Tahoma" panose="020B0604030504040204" pitchFamily="34" charset="0"/>
                 <a:cs typeface="Courier New" panose="02070309020205020404" pitchFamily="49" charset="0"/>
               </a:rPr>
@@ -8455,7 +4847,7 @@
             </a:pPr>
             <a:r>
               <a:rPr lang="en-US" sz="2000" b="1" dirty="0">
-                <a:latin typeface="Courier New" panose="02070309020205020404" pitchFamily="49" charset="0"/>
+                <a:latin typeface="Gill Sans MT" panose="020B0502020104020203" pitchFamily="34" charset="77"/>
                 <a:ea typeface="Tahoma" panose="020B0604030504040204" pitchFamily="34" charset="0"/>
                 <a:cs typeface="Courier New" panose="02070309020205020404" pitchFamily="49" charset="0"/>
               </a:rPr>
@@ -8463,7 +4855,7 @@
             </a:r>
             <a:r>
               <a:rPr lang="en-US" sz="2000" b="1" dirty="0" err="1">
-                <a:latin typeface="Courier New" panose="02070309020205020404" pitchFamily="49" charset="0"/>
+                <a:latin typeface="Gill Sans MT" panose="020B0502020104020203" pitchFamily="34" charset="77"/>
                 <a:ea typeface="Tahoma" panose="020B0604030504040204" pitchFamily="34" charset="0"/>
                 <a:cs typeface="Courier New" panose="02070309020205020404" pitchFamily="49" charset="0"/>
               </a:rPr>
@@ -8471,7 +4863,7 @@
             </a:r>
             <a:r>
               <a:rPr lang="en-US" sz="2000" b="1" dirty="0">
-                <a:latin typeface="Courier New" panose="02070309020205020404" pitchFamily="49" charset="0"/>
+                <a:latin typeface="Gill Sans MT" panose="020B0502020104020203" pitchFamily="34" charset="77"/>
                 <a:ea typeface="Tahoma" panose="020B0604030504040204" pitchFamily="34" charset="0"/>
                 <a:cs typeface="Courier New" panose="02070309020205020404" pitchFamily="49" charset="0"/>
               </a:rPr>
@@ -8479,7 +4871,7 @@
             </a:r>
             <a:r>
               <a:rPr lang="en-US" sz="2000" b="1" dirty="0" err="1">
-                <a:latin typeface="Courier New" panose="02070309020205020404" pitchFamily="49" charset="0"/>
+                <a:latin typeface="Gill Sans MT" panose="020B0502020104020203" pitchFamily="34" charset="77"/>
                 <a:ea typeface="Tahoma" panose="020B0604030504040204" pitchFamily="34" charset="0"/>
                 <a:cs typeface="Courier New" panose="02070309020205020404" pitchFamily="49" charset="0"/>
               </a:rPr>
@@ -8487,7 +4879,7 @@
             </a:r>
             <a:r>
               <a:rPr lang="en-US" sz="2000" b="1" dirty="0">
-                <a:latin typeface="Courier New" panose="02070309020205020404" pitchFamily="49" charset="0"/>
+                <a:latin typeface="Gill Sans MT" panose="020B0502020104020203" pitchFamily="34" charset="77"/>
                 <a:ea typeface="Tahoma" panose="020B0604030504040204" pitchFamily="34" charset="0"/>
                 <a:cs typeface="Courier New" panose="02070309020205020404" pitchFamily="49" charset="0"/>
               </a:rPr>
@@ -8495,7 +4887,7 @@
             </a:r>
             <a:r>
               <a:rPr lang="en-US" sz="2000" b="1" dirty="0" err="1">
-                <a:latin typeface="Courier New" panose="02070309020205020404" pitchFamily="49" charset="0"/>
+                <a:latin typeface="Gill Sans MT" panose="020B0502020104020203" pitchFamily="34" charset="77"/>
                 <a:ea typeface="Tahoma" panose="020B0604030504040204" pitchFamily="34" charset="0"/>
                 <a:cs typeface="Courier New" panose="02070309020205020404" pitchFamily="49" charset="0"/>
               </a:rPr>
@@ -8503,7 +4895,7 @@
             </a:r>
             <a:r>
               <a:rPr lang="en-US" sz="2000" b="1" dirty="0">
-                <a:latin typeface="Courier New" panose="02070309020205020404" pitchFamily="49" charset="0"/>
+                <a:latin typeface="Gill Sans MT" panose="020B0502020104020203" pitchFamily="34" charset="77"/>
                 <a:ea typeface="Tahoma" panose="020B0604030504040204" pitchFamily="34" charset="0"/>
                 <a:cs typeface="Courier New" panose="02070309020205020404" pitchFamily="49" charset="0"/>
               </a:rPr>
@@ -8516,7 +4908,7 @@
               <a:defRPr/>
             </a:pPr>
             <a:endParaRPr lang="en-US" sz="2000" b="1" dirty="0">
-              <a:latin typeface="Courier New" panose="02070309020205020404" pitchFamily="49" charset="0"/>
+              <a:latin typeface="Gill Sans MT" panose="020B0502020104020203" pitchFamily="34" charset="77"/>
               <a:ea typeface="Tahoma" panose="020B0604030504040204" pitchFamily="34" charset="0"/>
               <a:cs typeface="Courier New" panose="02070309020205020404" pitchFamily="49" charset="0"/>
             </a:endParaRPr>
@@ -8638,7 +5030,7 @@
     </p:spTree>
     <p:extLst>
       <p:ext uri="{BB962C8B-B14F-4D97-AF65-F5344CB8AC3E}">
-        <p14:creationId xmlns:p14="http://schemas.microsoft.com/office/powerpoint/2010/main" val="2679786585"/>
+        <p14:creationId xmlns:p14="http://schemas.microsoft.com/office/powerpoint/2010/main" val="168213597"/>
       </p:ext>
     </p:extLst>
   </p:cSld>
@@ -8957,14 +5349,14 @@
             </a:pPr>
             <a:r>
               <a:rPr lang="en-US" sz="2000" dirty="0">
-                <a:latin typeface="Tahoma" panose="020B0604030504040204" pitchFamily="34" charset="0"/>
+                <a:latin typeface="Gill Sans MT" panose="020B0502020104020203" pitchFamily="34" charset="77"/>
                 <a:ea typeface="Tahoma" panose="020B0604030504040204" pitchFamily="34" charset="0"/>
                 <a:cs typeface="Tahoma" panose="020B0604030504040204" pitchFamily="34" charset="0"/>
               </a:rPr>
               <a:t>The image() function draws an image to the display window. </a:t>
             </a:r>
             <a:endParaRPr lang="en-US" sz="2000" b="1" dirty="0">
-              <a:latin typeface="Tahoma" panose="020B0604030504040204" pitchFamily="34" charset="0"/>
+              <a:latin typeface="Gill Sans MT" panose="020B0502020104020203" pitchFamily="34" charset="77"/>
               <a:ea typeface="Tahoma" panose="020B0604030504040204" pitchFamily="34" charset="0"/>
               <a:cs typeface="Tahoma" panose="020B0604030504040204" pitchFamily="34" charset="0"/>
             </a:endParaRPr>
@@ -8975,15 +5367,21 @@
               <a:defRPr/>
             </a:pPr>
             <a:r>
-              <a:rPr lang="en-US" sz="2000" dirty="0"/>
+              <a:rPr lang="en-US" sz="2000" dirty="0">
+                <a:latin typeface="Gill Sans MT" panose="020B0502020104020203" pitchFamily="34" charset="77"/>
+              </a:rPr>
               <a:t>image(</a:t>
             </a:r>
             <a:r>
-              <a:rPr lang="en-US" sz="2000" dirty="0" err="1"/>
+              <a:rPr lang="en-US" sz="2000" dirty="0" err="1">
+                <a:latin typeface="Gill Sans MT" panose="020B0502020104020203" pitchFamily="34" charset="77"/>
+              </a:rPr>
               <a:t>img</a:t>
             </a:r>
             <a:r>
-              <a:rPr lang="en-US" sz="2000" dirty="0"/>
+              <a:rPr lang="en-US" sz="2000" dirty="0">
+                <a:latin typeface="Gill Sans MT" panose="020B0502020104020203" pitchFamily="34" charset="77"/>
+              </a:rPr>
               <a:t>, x, y);</a:t>
             </a:r>
           </a:p>
@@ -8993,15 +5391,21 @@
               <a:defRPr/>
             </a:pPr>
             <a:r>
-              <a:rPr lang="en-US" sz="2000" dirty="0"/>
+              <a:rPr lang="en-US" sz="2000" dirty="0">
+                <a:latin typeface="Gill Sans MT" panose="020B0502020104020203" pitchFamily="34" charset="77"/>
+              </a:rPr>
               <a:t>image(</a:t>
             </a:r>
             <a:r>
-              <a:rPr lang="en-US" sz="2000" dirty="0" err="1"/>
+              <a:rPr lang="en-US" sz="2000" dirty="0" err="1">
+                <a:latin typeface="Gill Sans MT" panose="020B0502020104020203" pitchFamily="34" charset="77"/>
+              </a:rPr>
               <a:t>img</a:t>
             </a:r>
             <a:r>
-              <a:rPr lang="en-US" sz="2000" dirty="0"/>
+              <a:rPr lang="en-US" sz="2000" dirty="0">
+                <a:latin typeface="Gill Sans MT" panose="020B0502020104020203" pitchFamily="34" charset="77"/>
+              </a:rPr>
               <a:t>, x, y, width, height);</a:t>
             </a:r>
           </a:p>
@@ -9010,7 +5414,9 @@
               <a:buNone/>
               <a:defRPr/>
             </a:pPr>
-            <a:endParaRPr lang="en-US" sz="2000" dirty="0"/>
+            <a:endParaRPr lang="en-US" sz="2000" dirty="0">
+              <a:latin typeface="Gill Sans MT" panose="020B0502020104020203" pitchFamily="34" charset="77"/>
+            </a:endParaRPr>
           </a:p>
           <a:p>
             <a:pPr marL="0" indent="0">
@@ -9019,7 +5425,7 @@
             </a:pPr>
             <a:r>
               <a:rPr lang="en-US" sz="2000" dirty="0">
-                <a:latin typeface="Tahoma" panose="020B0604030504040204" pitchFamily="34" charset="0"/>
+                <a:latin typeface="Gill Sans MT" panose="020B0502020104020203" pitchFamily="34" charset="77"/>
                 <a:ea typeface="Tahoma" panose="020B0604030504040204" pitchFamily="34" charset="0"/>
                 <a:cs typeface="Tahoma" panose="020B0604030504040204" pitchFamily="34" charset="0"/>
               </a:rPr>
@@ -9027,7 +5433,7 @@
             </a:r>
             <a:r>
               <a:rPr lang="en-US" sz="2000" dirty="0" err="1">
-                <a:latin typeface="Courier New" panose="02070309020205020404" pitchFamily="49" charset="0"/>
+                <a:latin typeface="Gill Sans MT" panose="020B0502020104020203" pitchFamily="34" charset="77"/>
                 <a:ea typeface="Tahoma" panose="020B0604030504040204" pitchFamily="34" charset="0"/>
                 <a:cs typeface="Courier New" panose="02070309020205020404" pitchFamily="49" charset="0"/>
               </a:rPr>
@@ -9035,7 +5441,7 @@
             </a:r>
             <a:r>
               <a:rPr lang="en-US" sz="2000" dirty="0">
-                <a:latin typeface="Tahoma" panose="020B0604030504040204" pitchFamily="34" charset="0"/>
+                <a:latin typeface="Gill Sans MT" panose="020B0502020104020203" pitchFamily="34" charset="77"/>
                 <a:ea typeface="Tahoma" panose="020B0604030504040204" pitchFamily="34" charset="0"/>
                 <a:cs typeface="Tahoma" panose="020B0604030504040204" pitchFamily="34" charset="0"/>
               </a:rPr>
@@ -9048,7 +5454,7 @@
               <a:defRPr/>
             </a:pPr>
             <a:endParaRPr lang="en-US" sz="2000" dirty="0">
-              <a:latin typeface="Tahoma" panose="020B0604030504040204" pitchFamily="34" charset="0"/>
+              <a:latin typeface="Gill Sans MT" panose="020B0502020104020203" pitchFamily="34" charset="77"/>
               <a:ea typeface="Tahoma" panose="020B0604030504040204" pitchFamily="34" charset="0"/>
               <a:cs typeface="Tahoma" panose="020B0604030504040204" pitchFamily="34" charset="0"/>
             </a:endParaRPr>
@@ -9060,7 +5466,7 @@
             </a:pPr>
             <a:r>
               <a:rPr lang="en-US" sz="2000" dirty="0">
-                <a:latin typeface="Tahoma" panose="020B0604030504040204" pitchFamily="34" charset="0"/>
+                <a:latin typeface="Gill Sans MT" panose="020B0502020104020203" pitchFamily="34" charset="77"/>
                 <a:ea typeface="Tahoma" panose="020B0604030504040204" pitchFamily="34" charset="0"/>
                 <a:cs typeface="Tahoma" panose="020B0604030504040204" pitchFamily="34" charset="0"/>
               </a:rPr>
@@ -9068,7 +5474,7 @@
             </a:r>
             <a:r>
               <a:rPr lang="en-US" sz="2000" dirty="0" err="1">
-                <a:latin typeface="Tahoma" panose="020B0604030504040204" pitchFamily="34" charset="0"/>
+                <a:latin typeface="Gill Sans MT" panose="020B0502020104020203" pitchFamily="34" charset="77"/>
                 <a:ea typeface="Tahoma" panose="020B0604030504040204" pitchFamily="34" charset="0"/>
                 <a:cs typeface="Tahoma" panose="020B0604030504040204" pitchFamily="34" charset="0"/>
               </a:rPr>
@@ -9076,7 +5482,7 @@
             </a:r>
             <a:r>
               <a:rPr lang="en-US" sz="2000" dirty="0">
-                <a:latin typeface="Tahoma" panose="020B0604030504040204" pitchFamily="34" charset="0"/>
+                <a:latin typeface="Gill Sans MT" panose="020B0502020104020203" pitchFamily="34" charset="77"/>
                 <a:ea typeface="Tahoma" panose="020B0604030504040204" pitchFamily="34" charset="0"/>
                 <a:cs typeface="Tahoma" panose="020B0604030504040204" pitchFamily="34" charset="0"/>
               </a:rPr>
@@ -9090,7 +5496,7 @@
             </a:pPr>
             <a:r>
               <a:rPr lang="en-US" sz="2000" dirty="0" err="1">
-                <a:latin typeface="Tahoma" panose="020B0604030504040204" pitchFamily="34" charset="0"/>
+                <a:latin typeface="Gill Sans MT" panose="020B0502020104020203" pitchFamily="34" charset="77"/>
                 <a:ea typeface="Tahoma" panose="020B0604030504040204" pitchFamily="34" charset="0"/>
                 <a:cs typeface="Tahoma" panose="020B0604030504040204" pitchFamily="34" charset="0"/>
               </a:rPr>
@@ -9098,7 +5504,7 @@
             </a:r>
             <a:r>
               <a:rPr lang="en-US" sz="2000" dirty="0">
-                <a:latin typeface="Tahoma" panose="020B0604030504040204" pitchFamily="34" charset="0"/>
+                <a:latin typeface="Gill Sans MT" panose="020B0502020104020203" pitchFamily="34" charset="77"/>
                 <a:ea typeface="Tahoma" panose="020B0604030504040204" pitchFamily="34" charset="0"/>
                 <a:cs typeface="Tahoma" panose="020B0604030504040204" pitchFamily="34" charset="0"/>
               </a:rPr>
@@ -9112,7 +5518,7 @@
             </a:pPr>
             <a:r>
               <a:rPr lang="en-US" sz="2000" dirty="0">
-                <a:latin typeface="Tahoma" panose="020B0604030504040204" pitchFamily="34" charset="0"/>
+                <a:latin typeface="Gill Sans MT" panose="020B0502020104020203" pitchFamily="34" charset="77"/>
                 <a:ea typeface="Tahoma" panose="020B0604030504040204" pitchFamily="34" charset="0"/>
                 <a:cs typeface="Tahoma" panose="020B0604030504040204" pitchFamily="34" charset="0"/>
               </a:rPr>
@@ -9125,7 +5531,7 @@
               <a:defRPr/>
             </a:pPr>
             <a:endParaRPr lang="en-US" sz="2000" dirty="0">
-              <a:latin typeface="Tahoma" panose="020B0604030504040204" pitchFamily="34" charset="0"/>
+              <a:latin typeface="Gill Sans MT" panose="020B0502020104020203" pitchFamily="34" charset="77"/>
               <a:ea typeface="Tahoma" panose="020B0604030504040204" pitchFamily="34" charset="0"/>
               <a:cs typeface="Tahoma" panose="020B0604030504040204" pitchFamily="34" charset="0"/>
             </a:endParaRPr>
@@ -9136,7 +5542,7 @@
               <a:defRPr/>
             </a:pPr>
             <a:endParaRPr lang="en-US" sz="2000" dirty="0">
-              <a:latin typeface="Tahoma" panose="020B0604030504040204" pitchFamily="34" charset="0"/>
+              <a:latin typeface="Gill Sans MT" panose="020B0502020104020203" pitchFamily="34" charset="77"/>
               <a:ea typeface="Tahoma" panose="020B0604030504040204" pitchFamily="34" charset="0"/>
               <a:cs typeface="Tahoma" panose="020B0604030504040204" pitchFamily="34" charset="0"/>
             </a:endParaRPr>
@@ -9148,7 +5554,7 @@
             </a:pPr>
             <a:r>
               <a:rPr lang="en-US" sz="2000" dirty="0">
-                <a:latin typeface="Tahoma" panose="020B0604030504040204" pitchFamily="34" charset="0"/>
+                <a:latin typeface="Gill Sans MT" panose="020B0502020104020203" pitchFamily="34" charset="77"/>
                 <a:ea typeface="Tahoma" panose="020B0604030504040204" pitchFamily="34" charset="0"/>
                 <a:cs typeface="Tahoma" panose="020B0604030504040204" pitchFamily="34" charset="0"/>
               </a:rPr>
@@ -9156,13 +5562,13 @@
             </a:r>
             <a:br>
               <a:rPr lang="en-US" sz="2000" dirty="0">
-                <a:latin typeface="Tahoma" panose="020B0604030504040204" pitchFamily="34" charset="0"/>
+                <a:latin typeface="Gill Sans MT" panose="020B0502020104020203" pitchFamily="34" charset="77"/>
                 <a:ea typeface="Tahoma" panose="020B0604030504040204" pitchFamily="34" charset="0"/>
                 <a:cs typeface="Tahoma" panose="020B0604030504040204" pitchFamily="34" charset="0"/>
               </a:rPr>
             </a:br>
             <a:endParaRPr lang="en-US" sz="2000" dirty="0">
-              <a:latin typeface="Tahoma" panose="020B0604030504040204" pitchFamily="34" charset="0"/>
+              <a:latin typeface="Gill Sans MT" panose="020B0502020104020203" pitchFamily="34" charset="77"/>
               <a:ea typeface="Tahoma" panose="020B0604030504040204" pitchFamily="34" charset="0"/>
               <a:cs typeface="Tahoma" panose="020B0604030504040204" pitchFamily="34" charset="0"/>
             </a:endParaRPr>
@@ -9173,7 +5579,7 @@
               <a:defRPr/>
             </a:pPr>
             <a:endParaRPr lang="en-US" sz="2000" b="1" dirty="0">
-              <a:latin typeface="Tahoma" panose="020B0604030504040204" pitchFamily="34" charset="0"/>
+              <a:latin typeface="Gill Sans MT" panose="020B0502020104020203" pitchFamily="34" charset="77"/>
               <a:ea typeface="Tahoma" panose="020B0604030504040204" pitchFamily="34" charset="0"/>
               <a:cs typeface="Tahoma" panose="020B0604030504040204" pitchFamily="34" charset="0"/>
             </a:endParaRPr>
@@ -9294,7 +5700,7 @@
     </p:spTree>
     <p:extLst>
       <p:ext uri="{BB962C8B-B14F-4D97-AF65-F5344CB8AC3E}">
-        <p14:creationId xmlns:p14="http://schemas.microsoft.com/office/powerpoint/2010/main" val="9623921"/>
+        <p14:creationId xmlns:p14="http://schemas.microsoft.com/office/powerpoint/2010/main" val="4194890169"/>
       </p:ext>
     </p:extLst>
   </p:cSld>
@@ -9563,7 +5969,7 @@
               <a:defRPr/>
             </a:pPr>
             <a:endParaRPr lang="en-US" sz="2000" dirty="0">
-              <a:latin typeface="Tahoma" panose="020B0604030504040204" pitchFamily="34" charset="0"/>
+              <a:latin typeface="Gill Sans MT" panose="020B0502020104020203" pitchFamily="34" charset="77"/>
               <a:ea typeface="Tahoma" panose="020B0604030504040204" pitchFamily="34" charset="0"/>
               <a:cs typeface="Tahoma" panose="020B0604030504040204" pitchFamily="34" charset="0"/>
             </a:endParaRPr>
@@ -9575,7 +5981,7 @@
             </a:pPr>
             <a:r>
               <a:rPr lang="en-US" sz="2000" dirty="0">
-                <a:latin typeface="Tahoma" panose="020B0604030504040204" pitchFamily="34" charset="0"/>
+                <a:latin typeface="Gill Sans MT" panose="020B0502020104020203" pitchFamily="34" charset="77"/>
                 <a:ea typeface="Tahoma" panose="020B0604030504040204" pitchFamily="34" charset="0"/>
                 <a:cs typeface="Tahoma" panose="020B0604030504040204" pitchFamily="34" charset="0"/>
               </a:rPr>
@@ -9588,7 +5994,7 @@
               <a:defRPr/>
             </a:pPr>
             <a:endParaRPr lang="en-US" sz="2000" dirty="0">
-              <a:latin typeface="Tahoma" panose="020B0604030504040204" pitchFamily="34" charset="0"/>
+              <a:latin typeface="Gill Sans MT" panose="020B0502020104020203" pitchFamily="34" charset="77"/>
               <a:ea typeface="Tahoma" panose="020B0604030504040204" pitchFamily="34" charset="0"/>
               <a:cs typeface="Tahoma" panose="020B0604030504040204" pitchFamily="34" charset="0"/>
             </a:endParaRPr>
@@ -9600,7 +6006,7 @@
             </a:pPr>
             <a:r>
               <a:rPr lang="en-US" sz="2000" dirty="0">
-                <a:latin typeface="Tahoma" panose="020B0604030504040204" pitchFamily="34" charset="0"/>
+                <a:latin typeface="Gill Sans MT" panose="020B0502020104020203" pitchFamily="34" charset="77"/>
                 <a:ea typeface="Tahoma" panose="020B0604030504040204" pitchFamily="34" charset="0"/>
                 <a:cs typeface="Tahoma" panose="020B0604030504040204" pitchFamily="34" charset="0"/>
               </a:rPr>
@@ -9613,7 +6019,7 @@
               <a:defRPr/>
             </a:pPr>
             <a:endParaRPr lang="en-US" sz="2000" dirty="0">
-              <a:latin typeface="Tahoma" panose="020B0604030504040204" pitchFamily="34" charset="0"/>
+              <a:latin typeface="Gill Sans MT" panose="020B0502020104020203" pitchFamily="34" charset="77"/>
               <a:ea typeface="Tahoma" panose="020B0604030504040204" pitchFamily="34" charset="0"/>
               <a:cs typeface="Tahoma" panose="020B0604030504040204" pitchFamily="34" charset="0"/>
             </a:endParaRPr>
@@ -9625,7 +6031,7 @@
             </a:pPr>
             <a:r>
               <a:rPr lang="en-US" sz="2000" dirty="0">
-                <a:latin typeface="Tahoma" panose="020B0604030504040204" pitchFamily="34" charset="0"/>
+                <a:latin typeface="Gill Sans MT" panose="020B0502020104020203" pitchFamily="34" charset="77"/>
                 <a:ea typeface="Tahoma" panose="020B0604030504040204" pitchFamily="34" charset="0"/>
                 <a:cs typeface="Tahoma" panose="020B0604030504040204" pitchFamily="34" charset="0"/>
               </a:rPr>
@@ -9638,7 +6044,7 @@
               <a:defRPr/>
             </a:pPr>
             <a:endParaRPr lang="en-US" sz="2000" dirty="0">
-              <a:latin typeface="Tahoma" panose="020B0604030504040204" pitchFamily="34" charset="0"/>
+              <a:latin typeface="Gill Sans MT" panose="020B0502020104020203" pitchFamily="34" charset="77"/>
               <a:ea typeface="Tahoma" panose="020B0604030504040204" pitchFamily="34" charset="0"/>
               <a:cs typeface="Tahoma" panose="020B0604030504040204" pitchFamily="34" charset="0"/>
             </a:endParaRPr>
@@ -9650,7 +6056,7 @@
             </a:pPr>
             <a:r>
               <a:rPr lang="en-US" sz="2000" dirty="0">
-                <a:latin typeface="Tahoma" panose="020B0604030504040204" pitchFamily="34" charset="0"/>
+                <a:latin typeface="Gill Sans MT" panose="020B0502020104020203" pitchFamily="34" charset="77"/>
                 <a:ea typeface="Tahoma" panose="020B0604030504040204" pitchFamily="34" charset="0"/>
                 <a:cs typeface="Tahoma" panose="020B0604030504040204" pitchFamily="34" charset="0"/>
               </a:rPr>
@@ -9773,7 +6179,7 @@
     </p:spTree>
     <p:extLst>
       <p:ext uri="{BB962C8B-B14F-4D97-AF65-F5344CB8AC3E}">
-        <p14:creationId xmlns:p14="http://schemas.microsoft.com/office/powerpoint/2010/main" val="1113409002"/>
+        <p14:creationId xmlns:p14="http://schemas.microsoft.com/office/powerpoint/2010/main" val="716297116"/>
       </p:ext>
     </p:extLst>
   </p:cSld>
@@ -10021,7 +6427,7 @@
             </a:pPr>
             <a:r>
               <a:rPr lang="en-US" sz="2000" dirty="0">
-                <a:latin typeface="Tahoma" panose="020B0604030504040204" pitchFamily="34" charset="0"/>
+                <a:latin typeface="Gill Sans MT" panose="020B0502020104020203" pitchFamily="34" charset="77"/>
                 <a:ea typeface="Tahoma" panose="020B0604030504040204" pitchFamily="34" charset="0"/>
                 <a:cs typeface="Tahoma" panose="020B0604030504040204" pitchFamily="34" charset="0"/>
               </a:rPr>
@@ -10197,7 +6603,7 @@
     </p:spTree>
     <p:extLst>
       <p:ext uri="{BB962C8B-B14F-4D97-AF65-F5344CB8AC3E}">
-        <p14:creationId xmlns:p14="http://schemas.microsoft.com/office/powerpoint/2010/main" val="3479415306"/>
+        <p14:creationId xmlns:p14="http://schemas.microsoft.com/office/powerpoint/2010/main" val="1459311756"/>
       </p:ext>
     </p:extLst>
   </p:cSld>
@@ -10258,7 +6664,7 @@
               <a:defRPr/>
             </a:pPr>
             <a:endParaRPr lang="en-US" sz="2000" dirty="0">
-              <a:latin typeface="Tahoma" panose="020B0604030504040204" pitchFamily="34" charset="0"/>
+              <a:latin typeface="Gill Sans MT" panose="020B0502020104020203" pitchFamily="34" charset="77"/>
               <a:ea typeface="Tahoma" panose="020B0604030504040204" pitchFamily="34" charset="0"/>
               <a:cs typeface="Tahoma" panose="020B0604030504040204" pitchFamily="34" charset="0"/>
             </a:endParaRPr>
@@ -10270,7 +6676,7 @@
             </a:pPr>
             <a:r>
               <a:rPr lang="en-US" sz="2000" dirty="0">
-                <a:latin typeface="Tahoma" panose="020B0604030504040204" pitchFamily="34" charset="0"/>
+                <a:latin typeface="Gill Sans MT" panose="020B0502020104020203" pitchFamily="34" charset="77"/>
                 <a:ea typeface="Tahoma" panose="020B0604030504040204" pitchFamily="34" charset="0"/>
                 <a:cs typeface="Tahoma" panose="020B0604030504040204" pitchFamily="34" charset="0"/>
               </a:rPr>
@@ -10278,7 +6684,7 @@
             </a:r>
             <a:r>
               <a:rPr lang="en-US" sz="2000" dirty="0" err="1">
-                <a:latin typeface="Tahoma" panose="020B0604030504040204" pitchFamily="34" charset="0"/>
+                <a:latin typeface="Gill Sans MT" panose="020B0502020104020203" pitchFamily="34" charset="77"/>
                 <a:ea typeface="Tahoma" panose="020B0604030504040204" pitchFamily="34" charset="0"/>
                 <a:cs typeface="Tahoma" panose="020B0604030504040204" pitchFamily="34" charset="0"/>
               </a:rPr>
@@ -10286,7 +6692,7 @@
             </a:r>
             <a:r>
               <a:rPr lang="en-US" sz="2000" dirty="0">
-                <a:latin typeface="Tahoma" panose="020B0604030504040204" pitchFamily="34" charset="0"/>
+                <a:latin typeface="Gill Sans MT" panose="020B0502020104020203" pitchFamily="34" charset="77"/>
                 <a:ea typeface="Tahoma" panose="020B0604030504040204" pitchFamily="34" charset="0"/>
                 <a:cs typeface="Tahoma" panose="020B0604030504040204" pitchFamily="34" charset="0"/>
               </a:rPr>
@@ -10299,7 +6705,7 @@
               <a:defRPr/>
             </a:pPr>
             <a:endParaRPr lang="en-US" sz="2000" dirty="0">
-              <a:latin typeface="Tahoma" panose="020B0604030504040204" pitchFamily="34" charset="0"/>
+              <a:latin typeface="Gill Sans MT" panose="020B0502020104020203" pitchFamily="34" charset="77"/>
               <a:ea typeface="Tahoma" panose="020B0604030504040204" pitchFamily="34" charset="0"/>
               <a:cs typeface="Tahoma" panose="020B0604030504040204" pitchFamily="34" charset="0"/>
             </a:endParaRPr>
@@ -10311,7 +6717,7 @@
             </a:pPr>
             <a:r>
               <a:rPr lang="en-US" sz="2000" dirty="0">
-                <a:latin typeface="Tahoma" panose="020B0604030504040204" pitchFamily="34" charset="0"/>
+                <a:latin typeface="Gill Sans MT" panose="020B0502020104020203" pitchFamily="34" charset="77"/>
                 <a:ea typeface="Tahoma" panose="020B0604030504040204" pitchFamily="34" charset="0"/>
                 <a:cs typeface="Tahoma" panose="020B0604030504040204" pitchFamily="34" charset="0"/>
               </a:rPr>
@@ -10319,7 +6725,7 @@
             </a:r>
             <a:r>
               <a:rPr lang="en-US" sz="2000" dirty="0" err="1">
-                <a:latin typeface="Tahoma" panose="020B0604030504040204" pitchFamily="34" charset="0"/>
+                <a:latin typeface="Gill Sans MT" panose="020B0502020104020203" pitchFamily="34" charset="77"/>
                 <a:ea typeface="Tahoma" panose="020B0604030504040204" pitchFamily="34" charset="0"/>
                 <a:cs typeface="Tahoma" panose="020B0604030504040204" pitchFamily="34" charset="0"/>
               </a:rPr>
@@ -10327,7 +6733,7 @@
             </a:r>
             <a:r>
               <a:rPr lang="en-US" sz="2000" dirty="0">
-                <a:latin typeface="Tahoma" panose="020B0604030504040204" pitchFamily="34" charset="0"/>
+                <a:latin typeface="Gill Sans MT" panose="020B0502020104020203" pitchFamily="34" charset="77"/>
                 <a:ea typeface="Tahoma" panose="020B0604030504040204" pitchFamily="34" charset="0"/>
                 <a:cs typeface="Tahoma" panose="020B0604030504040204" pitchFamily="34" charset="0"/>
               </a:rPr>
@@ -10335,7 +6741,7 @@
             </a:r>
             <a:r>
               <a:rPr lang="en-US" sz="2000" dirty="0" err="1">
-                <a:latin typeface="Tahoma" panose="020B0604030504040204" pitchFamily="34" charset="0"/>
+                <a:latin typeface="Gill Sans MT" panose="020B0502020104020203" pitchFamily="34" charset="77"/>
                 <a:ea typeface="Tahoma" panose="020B0604030504040204" pitchFamily="34" charset="0"/>
                 <a:cs typeface="Tahoma" panose="020B0604030504040204" pitchFamily="34" charset="0"/>
               </a:rPr>
@@ -10343,7 +6749,7 @@
             </a:r>
             <a:r>
               <a:rPr lang="en-US" sz="2000" dirty="0">
-                <a:latin typeface="Tahoma" panose="020B0604030504040204" pitchFamily="34" charset="0"/>
+                <a:latin typeface="Gill Sans MT" panose="020B0502020104020203" pitchFamily="34" charset="77"/>
                 <a:ea typeface="Tahoma" panose="020B0604030504040204" pitchFamily="34" charset="0"/>
                 <a:cs typeface="Tahoma" panose="020B0604030504040204" pitchFamily="34" charset="0"/>
               </a:rPr>
@@ -10356,7 +6762,7 @@
               <a:defRPr/>
             </a:pPr>
             <a:endParaRPr lang="en-US" sz="2000" dirty="0">
-              <a:latin typeface="Tahoma" panose="020B0604030504040204" pitchFamily="34" charset="0"/>
+              <a:latin typeface="Gill Sans MT" panose="020B0502020104020203" pitchFamily="34" charset="77"/>
               <a:ea typeface="Tahoma" panose="020B0604030504040204" pitchFamily="34" charset="0"/>
               <a:cs typeface="Tahoma" panose="020B0604030504040204" pitchFamily="34" charset="0"/>
             </a:endParaRPr>
@@ -10368,7 +6774,7 @@
             </a:pPr>
             <a:r>
               <a:rPr lang="en-US" sz="2000" dirty="0">
-                <a:latin typeface="Tahoma" panose="020B0604030504040204" pitchFamily="34" charset="0"/>
+                <a:latin typeface="Gill Sans MT" panose="020B0502020104020203" pitchFamily="34" charset="77"/>
                 <a:ea typeface="Tahoma" panose="020B0604030504040204" pitchFamily="34" charset="0"/>
                 <a:cs typeface="Tahoma" panose="020B0604030504040204" pitchFamily="34" charset="0"/>
               </a:rPr>
@@ -10376,7 +6782,7 @@
             </a:r>
             <a:r>
               <a:rPr lang="en-US" sz="2000" dirty="0" err="1">
-                <a:latin typeface="Tahoma" panose="020B0604030504040204" pitchFamily="34" charset="0"/>
+                <a:latin typeface="Gill Sans MT" panose="020B0502020104020203" pitchFamily="34" charset="77"/>
                 <a:ea typeface="Tahoma" panose="020B0604030504040204" pitchFamily="34" charset="0"/>
                 <a:cs typeface="Tahoma" panose="020B0604030504040204" pitchFamily="34" charset="0"/>
               </a:rPr>
@@ -10384,7 +6790,7 @@
             </a:r>
             <a:r>
               <a:rPr lang="en-US" sz="2000" dirty="0">
-                <a:latin typeface="Tahoma" panose="020B0604030504040204" pitchFamily="34" charset="0"/>
+                <a:latin typeface="Gill Sans MT" panose="020B0502020104020203" pitchFamily="34" charset="77"/>
                 <a:ea typeface="Tahoma" panose="020B0604030504040204" pitchFamily="34" charset="0"/>
                 <a:cs typeface="Tahoma" panose="020B0604030504040204" pitchFamily="34" charset="0"/>
               </a:rPr>
@@ -10397,7 +6803,7 @@
               <a:defRPr/>
             </a:pPr>
             <a:endParaRPr lang="en-US" sz="2000" dirty="0">
-              <a:latin typeface="Tahoma" panose="020B0604030504040204" pitchFamily="34" charset="0"/>
+              <a:latin typeface="Gill Sans MT" panose="020B0502020104020203" pitchFamily="34" charset="77"/>
               <a:ea typeface="Tahoma" panose="020B0604030504040204" pitchFamily="34" charset="0"/>
               <a:cs typeface="Tahoma" panose="020B0604030504040204" pitchFamily="34" charset="0"/>
             </a:endParaRPr>
@@ -10408,7 +6814,7 @@
               <a:defRPr/>
             </a:pPr>
             <a:endParaRPr lang="en-US" sz="2000" dirty="0">
-              <a:latin typeface="Tahoma" panose="020B0604030504040204" pitchFamily="34" charset="0"/>
+              <a:latin typeface="Gill Sans MT" panose="020B0502020104020203" pitchFamily="34" charset="77"/>
               <a:ea typeface="Tahoma" panose="020B0604030504040204" pitchFamily="34" charset="0"/>
               <a:cs typeface="Tahoma" panose="020B0604030504040204" pitchFamily="34" charset="0"/>
             </a:endParaRPr>
@@ -10419,7 +6825,7 @@
               <a:defRPr/>
             </a:pPr>
             <a:endParaRPr lang="en-US" sz="2000" b="1" dirty="0">
-              <a:latin typeface="Tahoma" panose="020B0604030504040204" pitchFamily="34" charset="0"/>
+              <a:latin typeface="Gill Sans MT" panose="020B0502020104020203" pitchFamily="34" charset="77"/>
               <a:ea typeface="Tahoma" panose="020B0604030504040204" pitchFamily="34" charset="0"/>
               <a:cs typeface="Tahoma" panose="020B0604030504040204" pitchFamily="34" charset="0"/>
             </a:endParaRPr>
@@ -10544,7 +6950,7 @@
     </p:spTree>
     <p:extLst>
       <p:ext uri="{BB962C8B-B14F-4D97-AF65-F5344CB8AC3E}">
-        <p14:creationId xmlns:p14="http://schemas.microsoft.com/office/powerpoint/2010/main" val="694632301"/>
+        <p14:creationId xmlns:p14="http://schemas.microsoft.com/office/powerpoint/2010/main" val="1532997108"/>
       </p:ext>
     </p:extLst>
   </p:cSld>
@@ -10734,7 +7140,7 @@
             </a:pPr>
             <a:r>
               <a:rPr lang="en-US" sz="2000" dirty="0">
-                <a:latin typeface="Tahoma" panose="020B0604030504040204" pitchFamily="34" charset="0"/>
+                <a:latin typeface="Gill Sans MT" panose="020B0502020104020203" pitchFamily="34" charset="77"/>
                 <a:ea typeface="Tahoma" panose="020B0604030504040204" pitchFamily="34" charset="0"/>
                 <a:cs typeface="Tahoma" panose="020B0604030504040204" pitchFamily="34" charset="0"/>
               </a:rPr>
@@ -10874,7 +7280,7 @@
             </a:pPr>
             <a:r>
               <a:rPr lang="en-US" sz="2000" dirty="0">
-                <a:latin typeface="Tahoma" panose="020B0604030504040204" pitchFamily="34" charset="0"/>
+                <a:latin typeface="Gill Sans MT" panose="020B0502020104020203" pitchFamily="34" charset="77"/>
                 <a:ea typeface="Tahoma" panose="020B0604030504040204" pitchFamily="34" charset="0"/>
                 <a:cs typeface="Tahoma" panose="020B0604030504040204" pitchFamily="34" charset="0"/>
               </a:rPr>
@@ -11056,7 +7462,7 @@
     </p:spTree>
     <p:extLst>
       <p:ext uri="{BB962C8B-B14F-4D97-AF65-F5344CB8AC3E}">
-        <p14:creationId xmlns:p14="http://schemas.microsoft.com/office/powerpoint/2010/main" val="1982394124"/>
+        <p14:creationId xmlns:p14="http://schemas.microsoft.com/office/powerpoint/2010/main" val="1883803649"/>
       </p:ext>
     </p:extLst>
   </p:cSld>
@@ -11604,7 +8010,7 @@
     </p:spTree>
     <p:extLst>
       <p:ext uri="{BB962C8B-B14F-4D97-AF65-F5344CB8AC3E}">
-        <p14:creationId xmlns:p14="http://schemas.microsoft.com/office/powerpoint/2010/main" val="1150545473"/>
+        <p14:creationId xmlns:p14="http://schemas.microsoft.com/office/powerpoint/2010/main" val="665576319"/>
       </p:ext>
     </p:extLst>
   </p:cSld>
@@ -11650,7 +8056,7 @@
         </p:nvSpPr>
         <p:spPr>
           <a:xfrm>
-            <a:off x="1944694" y="520092"/>
+            <a:off x="887419" y="423622"/>
             <a:ext cx="6683765" cy="549756"/>
           </a:xfrm>
         </p:spPr>
@@ -11690,8 +8096,8 @@
         </p:nvSpPr>
         <p:spPr>
           <a:xfrm>
-            <a:off x="1941909" y="1170432"/>
-            <a:ext cx="6686550" cy="3846068"/>
+            <a:off x="884634" y="1170432"/>
+            <a:ext cx="8068866" cy="3846068"/>
           </a:xfrm>
         </p:spPr>
         <p:txBody>
@@ -11707,6 +8113,7 @@
               <a:solidFill>
                 <a:schemeClr val="tx2"/>
               </a:solidFill>
+              <a:latin typeface="Gill Sans MT" panose="020B0502020104020203" pitchFamily="34" charset="77"/>
               <a:ea typeface="ＭＳ Ｐゴシック" panose="020B0600070205080204" pitchFamily="34" charset="-128"/>
             </a:endParaRPr>
           </a:p>
@@ -11718,7 +8125,7 @@
               <a:solidFill>
                 <a:schemeClr val="tx1"/>
               </a:solidFill>
-              <a:latin typeface="Tahoma" panose="020B0604030504040204" pitchFamily="34" charset="0"/>
+              <a:latin typeface="Gill Sans MT" panose="020B0502020104020203" pitchFamily="34" charset="77"/>
               <a:ea typeface="Tahoma" panose="020B0604030504040204" pitchFamily="34" charset="0"/>
               <a:cs typeface="Tahoma" panose="020B0604030504040204" pitchFamily="34" charset="0"/>
             </a:endParaRPr>
@@ -11731,7 +8138,7 @@
               <a:solidFill>
                 <a:schemeClr val="tx1"/>
               </a:solidFill>
-              <a:latin typeface="Tahoma" panose="020B0604030504040204" pitchFamily="34" charset="0"/>
+              <a:latin typeface="Gill Sans MT" panose="020B0502020104020203" pitchFamily="34" charset="77"/>
               <a:ea typeface="Tahoma" panose="020B0604030504040204" pitchFamily="34" charset="0"/>
               <a:cs typeface="Tahoma" panose="020B0604030504040204" pitchFamily="34" charset="0"/>
             </a:endParaRPr>
@@ -11745,7 +8152,7 @@
                 <a:solidFill>
                   <a:schemeClr val="tx1"/>
                 </a:solidFill>
-                <a:latin typeface="Tahoma" panose="020B0604030504040204" pitchFamily="34" charset="0"/>
+                <a:latin typeface="Gill Sans MT" panose="020B0502020104020203" pitchFamily="34" charset="77"/>
                 <a:ea typeface="Tahoma" panose="020B0604030504040204" pitchFamily="34" charset="0"/>
                 <a:cs typeface="Tahoma" panose="020B0604030504040204" pitchFamily="34" charset="0"/>
               </a:rPr>
@@ -11760,7 +8167,7 @@
               <a:solidFill>
                 <a:schemeClr val="tx1"/>
               </a:solidFill>
-              <a:latin typeface="Tahoma" panose="020B0604030504040204" pitchFamily="34" charset="0"/>
+              <a:latin typeface="Gill Sans MT" panose="020B0502020104020203" pitchFamily="34" charset="77"/>
               <a:ea typeface="Tahoma" panose="020B0604030504040204" pitchFamily="34" charset="0"/>
               <a:cs typeface="Tahoma" panose="020B0604030504040204" pitchFamily="34" charset="0"/>
             </a:endParaRPr>
@@ -11774,7 +8181,7 @@
                 <a:solidFill>
                   <a:schemeClr val="tx1"/>
                 </a:solidFill>
-                <a:latin typeface="Tahoma" panose="020B0604030504040204" pitchFamily="34" charset="0"/>
+                <a:latin typeface="Gill Sans MT" panose="020B0502020104020203" pitchFamily="34" charset="77"/>
                 <a:ea typeface="Tahoma" panose="020B0604030504040204" pitchFamily="34" charset="0"/>
                 <a:cs typeface="Tahoma" panose="020B0604030504040204" pitchFamily="34" charset="0"/>
               </a:rPr>
@@ -11785,7 +8192,7 @@
                 <a:solidFill>
                   <a:schemeClr val="tx1"/>
                 </a:solidFill>
-                <a:latin typeface="Tahoma" panose="020B0604030504040204" pitchFamily="34" charset="0"/>
+                <a:latin typeface="Gill Sans MT" panose="020B0502020104020203" pitchFamily="34" charset="77"/>
                 <a:ea typeface="Tahoma" panose="020B0604030504040204" pitchFamily="34" charset="0"/>
                 <a:cs typeface="Tahoma" panose="020B0604030504040204" pitchFamily="34" charset="0"/>
               </a:rPr>
@@ -11796,7 +8203,7 @@
                 <a:solidFill>
                   <a:schemeClr val="tx1"/>
                 </a:solidFill>
-                <a:latin typeface="Tahoma" panose="020B0604030504040204" pitchFamily="34" charset="0"/>
+                <a:latin typeface="Gill Sans MT" panose="020B0502020104020203" pitchFamily="34" charset="77"/>
                 <a:ea typeface="Tahoma" panose="020B0604030504040204" pitchFamily="34" charset="0"/>
                 <a:cs typeface="Tahoma" panose="020B0604030504040204" pitchFamily="34" charset="0"/>
               </a:rPr>
@@ -11808,7 +8215,7 @@
     </p:spTree>
     <p:extLst>
       <p:ext uri="{BB962C8B-B14F-4D97-AF65-F5344CB8AC3E}">
-        <p14:creationId xmlns:p14="http://schemas.microsoft.com/office/powerpoint/2010/main" val="33296356"/>
+        <p14:creationId xmlns:p14="http://schemas.microsoft.com/office/powerpoint/2010/main" val="3024345487"/>
       </p:ext>
     </p:extLst>
   </p:cSld>
@@ -11820,9 +8227,9 @@
 </file>
 
 <file path=ppt/theme/theme1.xml><?xml version="1.0" encoding="utf-8"?>
-<a:theme xmlns:a="http://schemas.openxmlformats.org/drawingml/2006/main" name="Wisp">
+<a:theme xmlns:a="http://schemas.openxmlformats.org/drawingml/2006/main" name="Office Theme">
   <a:themeElements>
-    <a:clrScheme name="Wisp">
+    <a:clrScheme name="Office Theme">
       <a:dk1>
         <a:sysClr val="windowText" lastClr="000000"/>
       </a:dk1>
@@ -11830,48 +8237,50 @@
         <a:sysClr val="window" lastClr="FFFFFF"/>
       </a:lt1>
       <a:dk2>
-        <a:srgbClr val="766F54"/>
+        <a:srgbClr val="44546A"/>
       </a:dk2>
       <a:lt2>
-        <a:srgbClr val="E3EACF"/>
+        <a:srgbClr val="E7E6E6"/>
       </a:lt2>
       <a:accent1>
-        <a:srgbClr val="A53010"/>
+        <a:srgbClr val="4472C4"/>
       </a:accent1>
       <a:accent2>
-        <a:srgbClr val="DE7E18"/>
+        <a:srgbClr val="ED7D31"/>
       </a:accent2>
       <a:accent3>
-        <a:srgbClr val="9F8351"/>
+        <a:srgbClr val="A5A5A5"/>
       </a:accent3>
       <a:accent4>
-        <a:srgbClr val="728653"/>
+        <a:srgbClr val="FFC000"/>
       </a:accent4>
       <a:accent5>
-        <a:srgbClr val="92AA4C"/>
+        <a:srgbClr val="5B9BD5"/>
       </a:accent5>
       <a:accent6>
-        <a:srgbClr val="6AAC91"/>
+        <a:srgbClr val="70AD47"/>
       </a:accent6>
       <a:hlink>
-        <a:srgbClr val="FB4A18"/>
+        <a:srgbClr val="0563C1"/>
       </a:hlink>
       <a:folHlink>
-        <a:srgbClr val="FB9318"/>
+        <a:srgbClr val="954F72"/>
       </a:folHlink>
     </a:clrScheme>
-    <a:fontScheme name="Wisp">
+    <a:fontScheme name="Gill Sans MT">
       <a:majorFont>
-        <a:latin typeface="Century Gothic" panose="020B0502020202020204"/>
+        <a:latin typeface="Gill Sans MT" panose="020B0502020104020203"/>
         <a:ea typeface=""/>
         <a:cs typeface=""/>
-        <a:font script="Jpan" typeface="メイリオ"/>
-        <a:font script="Hang" typeface="HY중고딕"/>
-        <a:font script="Hans" typeface="幼圆"/>
+        <a:font script="Grek" typeface="Corbel"/>
+        <a:font script="Cyrl" typeface="Corbel"/>
+        <a:font script="Jpan" typeface="HGｺﾞｼｯｸE"/>
+        <a:font script="Hang" typeface="휴먼매직체"/>
+        <a:font script="Hans" typeface="华文中宋"/>
         <a:font script="Hant" typeface="微軟正黑體"/>
-        <a:font script="Arab" typeface="Tahoma"/>
-        <a:font script="Hebr" typeface="Gisha"/>
-        <a:font script="Thai" typeface="DilleniaUPC"/>
+        <a:font script="Arab" typeface="Majalla UI"/>
+        <a:font script="Hebr" typeface="Arial"/>
+        <a:font script="Thai" typeface="Cordia New"/>
         <a:font script="Ethi" typeface="Nyala"/>
         <a:font script="Beng" typeface="Vrinda"/>
         <a:font script="Gujr" typeface="Shruti"/>
@@ -11897,16 +8306,18 @@
         <a:font script="Geor" typeface="Sylfaen"/>
       </a:majorFont>
       <a:minorFont>
-        <a:latin typeface="Century Gothic" panose="020B0502020202020204"/>
+        <a:latin typeface="Gill Sans MT" panose="020B0502020104020203"/>
         <a:ea typeface=""/>
         <a:cs typeface=""/>
-        <a:font script="Jpan" typeface="メイリオ"/>
-        <a:font script="Hang" typeface="HY중고딕"/>
-        <a:font script="Hans" typeface="幼圆"/>
+        <a:font script="Grek" typeface="Corbel"/>
+        <a:font script="Cyrl" typeface="Corbel"/>
+        <a:font script="Jpan" typeface="HGｺﾞｼｯｸE"/>
+        <a:font script="Hang" typeface="휴먼매직체"/>
+        <a:font script="Hans" typeface="华文中宋"/>
         <a:font script="Hant" typeface="微軟正黑體"/>
-        <a:font script="Arab" typeface="Tahoma"/>
-        <a:font script="Hebr" typeface="Gisha"/>
-        <a:font script="Thai" typeface="DilleniaUPC"/>
+        <a:font script="Arab" typeface="Majalla UI"/>
+        <a:font script="Hebr" typeface="Arial"/>
+        <a:font script="Thai" typeface="Cordia New"/>
         <a:font script="Ethi" typeface="Nyala"/>
         <a:font script="Beng" typeface="Vrinda"/>
         <a:font script="Gujr" typeface="Shruti"/>
@@ -11932,29 +8343,58 @@
         <a:font script="Geor" typeface="Sylfaen"/>
       </a:minorFont>
     </a:fontScheme>
-    <a:fmtScheme name="Wisp">
+    <a:fmtScheme name="Office Theme">
       <a:fillStyleLst>
         <a:solidFill>
           <a:schemeClr val="phClr"/>
-        </a:solidFill>
-        <a:solidFill>
-          <a:schemeClr val="phClr">
-            <a:tint val="70000"/>
-            <a:lumMod val="104000"/>
-          </a:schemeClr>
         </a:solidFill>
         <a:gradFill rotWithShape="1">
           <a:gsLst>
             <a:gs pos="0">
               <a:schemeClr val="phClr">
-                <a:tint val="96000"/>
-                <a:lumMod val="104000"/>
+                <a:lumMod val="110000"/>
+                <a:satMod val="105000"/>
+                <a:tint val="67000"/>
+              </a:schemeClr>
+            </a:gs>
+            <a:gs pos="50000">
+              <a:schemeClr val="phClr">
+                <a:lumMod val="105000"/>
+                <a:satMod val="103000"/>
+                <a:tint val="73000"/>
               </a:schemeClr>
             </a:gs>
             <a:gs pos="100000">
               <a:schemeClr val="phClr">
-                <a:shade val="98000"/>
-                <a:lumMod val="94000"/>
+                <a:lumMod val="105000"/>
+                <a:satMod val="109000"/>
+                <a:tint val="81000"/>
+              </a:schemeClr>
+            </a:gs>
+          </a:gsLst>
+          <a:lin ang="5400000" scaled="0"/>
+        </a:gradFill>
+        <a:gradFill rotWithShape="1">
+          <a:gsLst>
+            <a:gs pos="0">
+              <a:schemeClr val="phClr">
+                <a:satMod val="103000"/>
+                <a:lumMod val="102000"/>
+                <a:tint val="94000"/>
+              </a:schemeClr>
+            </a:gs>
+            <a:gs pos="50000">
+              <a:schemeClr val="phClr">
+                <a:satMod val="110000"/>
+                <a:lumMod val="100000"/>
+                <a:shade val="100000"/>
+              </a:schemeClr>
+            </a:gs>
+            <a:gs pos="100000">
+              <a:schemeClr val="phClr">
+                <a:lumMod val="99000"/>
+                <a:satMod val="120000"/>
+                <a:shade val="78000"/>
               </a:schemeClr>
             </a:gs>
           </a:gsLst>
@@ -11962,25 +8402,26 @@
         </a:gradFill>
       </a:fillStyleLst>
       <a:lnStyleLst>
-        <a:ln w="9525" cap="rnd" cmpd="sng" algn="ctr">
-          <a:solidFill>
-            <a:schemeClr val="phClr">
-              <a:shade val="90000"/>
-            </a:schemeClr>
-          </a:solidFill>
-          <a:prstDash val="solid"/>
-        </a:ln>
-        <a:ln w="15875" cap="rnd" cmpd="sng" algn="ctr">
+        <a:ln w="6350" cap="flat" cmpd="sng" algn="ctr">
           <a:solidFill>
             <a:schemeClr val="phClr"/>
           </a:solidFill>
           <a:prstDash val="solid"/>
+          <a:miter lim="800000"/>
         </a:ln>
-        <a:ln w="22225" cap="rnd" cmpd="sng" algn="ctr">
+        <a:ln w="12700" cap="flat" cmpd="sng" algn="ctr">
           <a:solidFill>
             <a:schemeClr val="phClr"/>
           </a:solidFill>
           <a:prstDash val="solid"/>
+          <a:miter lim="800000"/>
+        </a:ln>
+        <a:ln w="19050" cap="flat" cmpd="sng" algn="ctr">
+          <a:solidFill>
+            <a:schemeClr val="phClr"/>
+          </a:solidFill>
+          <a:prstDash val="solid"/>
+          <a:miter lim="800000"/>
         </a:ln>
       </a:lnStyleLst>
       <a:effectStyleLst>
@@ -11988,19 +8429,13 @@
           <a:effectLst/>
         </a:effectStyle>
         <a:effectStyle>
-          <a:effectLst>
-            <a:outerShdw blurRad="38100" dist="25400" dir="5400000" rotWithShape="0">
-              <a:srgbClr val="000000">
-                <a:alpha val="25000"/>
-              </a:srgbClr>
-            </a:outerShdw>
-          </a:effectLst>
+          <a:effectLst/>
         </a:effectStyle>
         <a:effectStyle>
           <a:effectLst>
-            <a:outerShdw blurRad="50800" dist="38100" dir="5400000" rotWithShape="0">
+            <a:outerShdw blurRad="57150" dist="19050" dir="5400000" algn="ctr" rotWithShape="0">
               <a:srgbClr val="000000">
-                <a:alpha val="60000"/>
+                <a:alpha val="63000"/>
               </a:srgbClr>
             </a:outerShdw>
           </a:effectLst>
@@ -12010,19 +8445,225 @@
         <a:solidFill>
           <a:schemeClr val="phClr"/>
         </a:solidFill>
+        <a:solidFill>
+          <a:schemeClr val="phClr">
+            <a:tint val="95000"/>
+            <a:satMod val="170000"/>
+          </a:schemeClr>
+        </a:solidFill>
         <a:gradFill rotWithShape="1">
           <a:gsLst>
             <a:gs pos="0">
               <a:schemeClr val="phClr">
-                <a:tint val="90000"/>
-                <a:lumMod val="120000"/>
+                <a:tint val="93000"/>
+                <a:satMod val="150000"/>
+                <a:shade val="98000"/>
+                <a:lumMod val="102000"/>
+              </a:schemeClr>
+            </a:gs>
+            <a:gs pos="50000">
+              <a:schemeClr val="phClr">
+                <a:tint val="98000"/>
+                <a:satMod val="130000"/>
+                <a:shade val="90000"/>
+                <a:lumMod val="103000"/>
               </a:schemeClr>
             </a:gs>
             <a:gs pos="100000">
               <a:schemeClr val="phClr">
-                <a:shade val="98000"/>
+                <a:shade val="63000"/>
                 <a:satMod val="120000"/>
-                <a:lumMod val="98000"/>
+              </a:schemeClr>
+            </a:gs>
+          </a:gsLst>
+          <a:lin ang="5400000" scaled="0"/>
+        </a:gradFill>
+      </a:bgFillStyleLst>
+    </a:fmtScheme>
+  </a:themeElements>
+  <a:objectDefaults/>
+  <a:extraClrSchemeLst/>
+  <a:extLst>
+    <a:ext uri="{05A4C25C-085E-4340-85A3-A5531E510DB2}">
+      <thm15:themeFamily xmlns:thm15="http://schemas.microsoft.com/office/thememl/2012/main" name="Office Theme" id="{62F939B6-93AF-4DB8-9C6B-D6C7DFDC589F}" vid="{4A3C46E8-61CC-4603-A589-7422A47A8E4A}"/>
+    </a:ext>
+  </a:extLst>
+</a:theme>
+</file>
+
+<file path=ppt/theme/theme2.xml><?xml version="1.0" encoding="utf-8"?>
+<a:theme xmlns:a="http://schemas.openxmlformats.org/drawingml/2006/main" name="Office Theme">
+  <a:themeElements>
+    <a:clrScheme name="Office">
+      <a:dk1>
+        <a:sysClr val="windowText" lastClr="000000"/>
+      </a:dk1>
+      <a:lt1>
+        <a:sysClr val="window" lastClr="FFFFFF"/>
+      </a:lt1>
+      <a:dk2>
+        <a:srgbClr val="44546A"/>
+      </a:dk2>
+      <a:lt2>
+        <a:srgbClr val="E7E6E6"/>
+      </a:lt2>
+      <a:accent1>
+        <a:srgbClr val="4472C4"/>
+      </a:accent1>
+      <a:accent2>
+        <a:srgbClr val="ED7D31"/>
+      </a:accent2>
+      <a:accent3>
+        <a:srgbClr val="A5A5A5"/>
+      </a:accent3>
+      <a:accent4>
+        <a:srgbClr val="FFC000"/>
+      </a:accent4>
+      <a:accent5>
+        <a:srgbClr val="5B9BD5"/>
+      </a:accent5>
+      <a:accent6>
+        <a:srgbClr val="70AD47"/>
+      </a:accent6>
+      <a:hlink>
+        <a:srgbClr val="0563C1"/>
+      </a:hlink>
+      <a:folHlink>
+        <a:srgbClr val="954F72"/>
+      </a:folHlink>
+    </a:clrScheme>
+    <a:fontScheme name="Office">
+      <a:majorFont>
+        <a:latin typeface="Calibri Light" panose="020F0302020204030204"/>
+        <a:ea typeface=""/>
+        <a:cs typeface=""/>
+        <a:font script="Jpan" typeface="游ゴシック Light"/>
+        <a:font script="Hang" typeface="맑은 고딕"/>
+        <a:font script="Hans" typeface="等线 Light"/>
+        <a:font script="Hant" typeface="新細明體"/>
+        <a:font script="Arab" typeface="Times New Roman"/>
+        <a:font script="Hebr" typeface="Times New Roman"/>
+        <a:font script="Thai" typeface="Angsana New"/>
+        <a:font script="Ethi" typeface="Nyala"/>
+        <a:font script="Beng" typeface="Vrinda"/>
+        <a:font script="Gujr" typeface="Shruti"/>
+        <a:font script="Khmr" typeface="MoolBoran"/>
+        <a:font script="Knda" typeface="Tunga"/>
+        <a:font script="Guru" typeface="Raavi"/>
+        <a:font script="Cans" typeface="Euphemia"/>
+        <a:font script="Cher" typeface="Plantagenet Cherokee"/>
+        <a:font script="Yiii" typeface="Microsoft Yi Baiti"/>
+        <a:font script="Tibt" typeface="Microsoft Himalaya"/>
+        <a:font script="Thaa" typeface="MV Boli"/>
+        <a:font script="Deva" typeface="Mangal"/>
+        <a:font script="Telu" typeface="Gautami"/>
+        <a:font script="Taml" typeface="Latha"/>
+        <a:font script="Syrc" typeface="Estrangelo Edessa"/>
+        <a:font script="Orya" typeface="Kalinga"/>
+        <a:font script="Mlym" typeface="Kartika"/>
+        <a:font script="Laoo" typeface="DokChampa"/>
+        <a:font script="Sinh" typeface="Iskoola Pota"/>
+        <a:font script="Mong" typeface="Mongolian Baiti"/>
+        <a:font script="Viet" typeface="Times New Roman"/>
+        <a:font script="Uigh" typeface="Microsoft Uighur"/>
+        <a:font script="Geor" typeface="Sylfaen"/>
+        <a:font script="Armn" typeface="Arial"/>
+        <a:font script="Bugi" typeface="Leelawadee UI"/>
+        <a:font script="Bopo" typeface="Microsoft JhengHei"/>
+        <a:font script="Java" typeface="Javanese Text"/>
+        <a:font script="Lisu" typeface="Segoe UI"/>
+        <a:font script="Mymr" typeface="Myanmar Text"/>
+        <a:font script="Nkoo" typeface="Ebrima"/>
+        <a:font script="Olck" typeface="Nirmala UI"/>
+        <a:font script="Osma" typeface="Ebrima"/>
+        <a:font script="Phag" typeface="Phagspa"/>
+        <a:font script="Syrn" typeface="Estrangelo Edessa"/>
+        <a:font script="Syrj" typeface="Estrangelo Edessa"/>
+        <a:font script="Syre" typeface="Estrangelo Edessa"/>
+        <a:font script="Sora" typeface="Nirmala UI"/>
+        <a:font script="Tale" typeface="Microsoft Tai Le"/>
+        <a:font script="Talu" typeface="Microsoft New Tai Lue"/>
+        <a:font script="Tfng" typeface="Ebrima"/>
+      </a:majorFont>
+      <a:minorFont>
+        <a:latin typeface="Calibri" panose="020F0502020204030204"/>
+        <a:ea typeface=""/>
+        <a:cs typeface=""/>
+        <a:font script="Jpan" typeface="游ゴシック"/>
+        <a:font script="Hang" typeface="맑은 고딕"/>
+        <a:font script="Hans" typeface="等线"/>
+        <a:font script="Hant" typeface="新細明體"/>
+        <a:font script="Arab" typeface="Arial"/>
+        <a:font script="Hebr" typeface="Arial"/>
+        <a:font script="Thai" typeface="Cordia New"/>
+        <a:font script="Ethi" typeface="Nyala"/>
+        <a:font script="Beng" typeface="Vrinda"/>
+        <a:font script="Gujr" typeface="Shruti"/>
+        <a:font script="Khmr" typeface="DaunPenh"/>
+        <a:font script="Knda" typeface="Tunga"/>
+        <a:font script="Guru" typeface="Raavi"/>
+        <a:font script="Cans" typeface="Euphemia"/>
+        <a:font script="Cher" typeface="Plantagenet Cherokee"/>
+        <a:font script="Yiii" typeface="Microsoft Yi Baiti"/>
+        <a:font script="Tibt" typeface="Microsoft Himalaya"/>
+        <a:font script="Thaa" typeface="MV Boli"/>
+        <a:font script="Deva" typeface="Mangal"/>
+        <a:font script="Telu" typeface="Gautami"/>
+        <a:font script="Taml" typeface="Latha"/>
+        <a:font script="Syrc" typeface="Estrangelo Edessa"/>
+        <a:font script="Orya" typeface="Kalinga"/>
+        <a:font script="Mlym" typeface="Kartika"/>
+        <a:font script="Laoo" typeface="DokChampa"/>
+        <a:font script="Sinh" typeface="Iskoola Pota"/>
+        <a:font script="Mong" typeface="Mongolian Baiti"/>
+        <a:font script="Viet" typeface="Arial"/>
+        <a:font script="Uigh" typeface="Microsoft Uighur"/>
+        <a:font script="Geor" typeface="Sylfaen"/>
+        <a:font script="Armn" typeface="Arial"/>
+        <a:font script="Bugi" typeface="Leelawadee UI"/>
+        <a:font script="Bopo" typeface="Microsoft JhengHei"/>
+        <a:font script="Java" typeface="Javanese Text"/>
+        <a:font script="Lisu" typeface="Segoe UI"/>
+        <a:font script="Mymr" typeface="Myanmar Text"/>
+        <a:font script="Nkoo" typeface="Ebrima"/>
+        <a:font script="Olck" typeface="Nirmala UI"/>
+        <a:font script="Osma" typeface="Ebrima"/>
+        <a:font script="Phag" typeface="Phagspa"/>
+        <a:font script="Syrn" typeface="Estrangelo Edessa"/>
+        <a:font script="Syrj" typeface="Estrangelo Edessa"/>
+        <a:font script="Syre" typeface="Estrangelo Edessa"/>
+        <a:font script="Sora" typeface="Nirmala UI"/>
+        <a:font script="Tale" typeface="Microsoft Tai Le"/>
+        <a:font script="Talu" typeface="Microsoft New Tai Lue"/>
+        <a:font script="Tfng" typeface="Ebrima"/>
+      </a:minorFont>
+    </a:fontScheme>
+    <a:fmtScheme name="Office">
+      <a:fillStyleLst>
+        <a:solidFill>
+          <a:schemeClr val="phClr"/>
+        </a:solidFill>
+        <a:gradFill rotWithShape="1">
+          <a:gsLst>
+            <a:gs pos="0">
+              <a:schemeClr val="phClr">
+                <a:lumMod val="110000"/>
+                <a:satMod val="105000"/>
+                <a:tint val="67000"/>
+              </a:schemeClr>
+            </a:gs>
+            <a:gs pos="50000">
+              <a:schemeClr val="phClr">
+                <a:lumMod val="105000"/>
+                <a:satMod val="103000"/>
+                <a:tint val="73000"/>
+              </a:schemeClr>
+            </a:gs>
+            <a:gs pos="100000">
+              <a:schemeClr val="phClr">
+                <a:lumMod val="105000"/>
+                <a:satMod val="109000"/>
+                <a:tint val="81000"/>
               </a:schemeClr>
             </a:gs>
           </a:gsLst>
@@ -12032,22 +8673,105 @@
           <a:gsLst>
             <a:gs pos="0">
               <a:schemeClr val="phClr">
-                <a:tint val="90000"/>
-                <a:satMod val="92000"/>
-                <a:lumMod val="120000"/>
+                <a:satMod val="103000"/>
+                <a:lumMod val="102000"/>
+                <a:tint val="94000"/>
+              </a:schemeClr>
+            </a:gs>
+            <a:gs pos="50000">
+              <a:schemeClr val="phClr">
+                <a:satMod val="110000"/>
+                <a:lumMod val="100000"/>
+                <a:shade val="100000"/>
               </a:schemeClr>
             </a:gs>
             <a:gs pos="100000">
               <a:schemeClr val="phClr">
-                <a:shade val="98000"/>
+                <a:lumMod val="99000"/>
                 <a:satMod val="120000"/>
-                <a:lumMod val="98000"/>
+                <a:shade val="78000"/>
               </a:schemeClr>
             </a:gs>
           </a:gsLst>
-          <a:path path="circle">
-            <a:fillToRect l="50000" t="50000" r="100000" b="100000"/>
-          </a:path>
+          <a:lin ang="5400000" scaled="0"/>
+        </a:gradFill>
+      </a:fillStyleLst>
+      <a:lnStyleLst>
+        <a:ln w="6350" cap="flat" cmpd="sng" algn="ctr">
+          <a:solidFill>
+            <a:schemeClr val="phClr"/>
+          </a:solidFill>
+          <a:prstDash val="solid"/>
+          <a:miter lim="800000"/>
+        </a:ln>
+        <a:ln w="12700" cap="flat" cmpd="sng" algn="ctr">
+          <a:solidFill>
+            <a:schemeClr val="phClr"/>
+          </a:solidFill>
+          <a:prstDash val="solid"/>
+          <a:miter lim="800000"/>
+        </a:ln>
+        <a:ln w="19050" cap="flat" cmpd="sng" algn="ctr">
+          <a:solidFill>
+            <a:schemeClr val="phClr"/>
+          </a:solidFill>
+          <a:prstDash val="solid"/>
+          <a:miter lim="800000"/>
+        </a:ln>
+      </a:lnStyleLst>
+      <a:effectStyleLst>
+        <a:effectStyle>
+          <a:effectLst/>
+        </a:effectStyle>
+        <a:effectStyle>
+          <a:effectLst/>
+        </a:effectStyle>
+        <a:effectStyle>
+          <a:effectLst>
+            <a:outerShdw blurRad="57150" dist="19050" dir="5400000" algn="ctr" rotWithShape="0">
+              <a:srgbClr val="000000">
+                <a:alpha val="63000"/>
+              </a:srgbClr>
+            </a:outerShdw>
+          </a:effectLst>
+        </a:effectStyle>
+      </a:effectStyleLst>
+      <a:bgFillStyleLst>
+        <a:solidFill>
+          <a:schemeClr val="phClr"/>
+        </a:solidFill>
+        <a:solidFill>
+          <a:schemeClr val="phClr">
+            <a:tint val="95000"/>
+            <a:satMod val="170000"/>
+          </a:schemeClr>
+        </a:solidFill>
+        <a:gradFill rotWithShape="1">
+          <a:gsLst>
+            <a:gs pos="0">
+              <a:schemeClr val="phClr">
+                <a:tint val="93000"/>
+                <a:satMod val="150000"/>
+                <a:shade val="98000"/>
+                <a:lumMod val="102000"/>
+              </a:schemeClr>
+            </a:gs>
+            <a:gs pos="50000">
+              <a:schemeClr val="phClr">
+                <a:tint val="98000"/>
+                <a:satMod val="130000"/>
+                <a:shade val="90000"/>
+                <a:lumMod val="103000"/>
+              </a:schemeClr>
+            </a:gs>
+            <a:gs pos="100000">
+              <a:schemeClr val="phClr">
+                <a:shade val="63000"/>
+                <a:satMod val="120000"/>
+              </a:schemeClr>
+            </a:gs>
+          </a:gsLst>
+          <a:lin ang="5400000" scaled="0"/>
         </a:gradFill>
       </a:bgFillStyleLst>
     </a:fmtScheme>
@@ -12056,7 +8780,7 @@
   <a:extraClrSchemeLst/>
   <a:extLst>
     <a:ext uri="{05A4C25C-085E-4340-85A3-A5531E510DB2}">
-      <thm15:themeFamily xmlns:thm15="http://schemas.microsoft.com/office/thememl/2012/main" name="Wisp" id="{7CB32D59-10C0-40DD-B7BD-2E94284A981C}" vid="{24B1A44C-C006-48B2-A4D7-E5549B3D8CD4}"/>
+      <thm15:themeFamily xmlns:thm15="http://schemas.microsoft.com/office/thememl/2012/main" name="Office Theme" id="{62F939B6-93AF-4DB8-9C6B-D6C7DFDC589F}" vid="{4A3C46E8-61CC-4603-A589-7422A47A8E4A}"/>
     </a:ext>
   </a:extLst>
 </a:theme>

--- a/courses/apcsa/processing/processing2.pptx
+++ b/courses/apcsa/processing/processing2.pptx
@@ -5,7 +5,7 @@
     <p:sldMasterId id="2147483791" r:id="rId1"/>
   </p:sldMasterIdLst>
   <p:notesMasterIdLst>
-    <p:notesMasterId r:id="rId12"/>
+    <p:notesMasterId r:id="rId13"/>
   </p:notesMasterIdLst>
   <p:sldIdLst>
     <p:sldId id="256" r:id="rId2"/>
@@ -17,7 +17,8 @@
     <p:sldId id="427" r:id="rId8"/>
     <p:sldId id="428" r:id="rId9"/>
     <p:sldId id="569" r:id="rId10"/>
-    <p:sldId id="570" r:id="rId11"/>
+    <p:sldId id="571" r:id="rId11"/>
+    <p:sldId id="570" r:id="rId12"/>
   </p:sldIdLst>
   <p:sldSz cx="9144000" cy="5715000" type="screen16x10"/>
   <p:notesSz cx="6858000" cy="9144000"/>
@@ -129,7 +130,7 @@
   <p1510:revLst>
     <p1510:client id="{308CFCF3-47BA-8D4A-8A80-5ECC75BA7E52}" v="2" dt="2019-11-19T12:50:23.367"/>
     <p1510:client id="{59CB9C7B-CBC7-E549-B176-97F9C29CB310}" v="4309" dt="2019-11-19T12:45:57.102"/>
-    <p1510:client id="{BDC82348-6690-564E-BA8B-82B4FD2B7CED}" v="5" dt="2019-11-19T12:51:58.075"/>
+    <p1510:client id="{BDC82348-6690-564E-BA8B-82B4FD2B7CED}" v="6" dt="2019-11-19T16:26:00.344"/>
   </p1510:revLst>
 </p1510:revInfo>
 </file>
@@ -664,7 +665,7 @@
   <pc:docChgLst>
     <pc:chgData name="Long B Nguyen" userId="f59fb8f3-a021-417a-8bc1-65c8d471c621" providerId="ADAL" clId="{BDC82348-6690-564E-BA8B-82B4FD2B7CED}"/>
     <pc:docChg chg="addSld delSld modSld">
-      <pc:chgData name="Long B Nguyen" userId="f59fb8f3-a021-417a-8bc1-65c8d471c621" providerId="ADAL" clId="{BDC82348-6690-564E-BA8B-82B4FD2B7CED}" dt="2019-11-19T12:52:47.581" v="47" actId="2711"/>
+      <pc:chgData name="Long B Nguyen" userId="f59fb8f3-a021-417a-8bc1-65c8d471c621" providerId="ADAL" clId="{BDC82348-6690-564E-BA8B-82B4FD2B7CED}" dt="2019-11-19T16:27:20.663" v="317" actId="20577"/>
       <pc:docMkLst>
         <pc:docMk/>
       </pc:docMkLst>
@@ -997,13 +998,13 @@
         </pc:spChg>
       </pc:sldChg>
       <pc:sldChg chg="modSp add">
-        <pc:chgData name="Long B Nguyen" userId="f59fb8f3-a021-417a-8bc1-65c8d471c621" providerId="ADAL" clId="{BDC82348-6690-564E-BA8B-82B4FD2B7CED}" dt="2019-11-19T12:52:27.188" v="43" actId="2711"/>
+        <pc:chgData name="Long B Nguyen" userId="f59fb8f3-a021-417a-8bc1-65c8d471c621" providerId="ADAL" clId="{BDC82348-6690-564E-BA8B-82B4FD2B7CED}" dt="2019-11-19T16:25:56.458" v="52" actId="20577"/>
         <pc:sldMkLst>
           <pc:docMk/>
           <pc:sldMk cId="3024345487" sldId="569"/>
         </pc:sldMkLst>
         <pc:spChg chg="mod">
-          <ac:chgData name="Long B Nguyen" userId="f59fb8f3-a021-417a-8bc1-65c8d471c621" providerId="ADAL" clId="{BDC82348-6690-564E-BA8B-82B4FD2B7CED}" dt="2019-11-19T12:52:18.839" v="40" actId="1076"/>
+          <ac:chgData name="Long B Nguyen" userId="f59fb8f3-a021-417a-8bc1-65c8d471c621" providerId="ADAL" clId="{BDC82348-6690-564E-BA8B-82B4FD2B7CED}" dt="2019-11-19T16:25:56.458" v="52" actId="20577"/>
           <ac:spMkLst>
             <pc:docMk/>
             <pc:sldMk cId="3024345487" sldId="569"/>
@@ -1039,6 +1040,29 @@
             <pc:docMk/>
             <pc:sldMk cId="3694176140" sldId="570"/>
             <ac:spMk id="3" creationId="{BFE83E29-C6D2-1346-875F-F3C7C40F68EE}"/>
+          </ac:spMkLst>
+        </pc:spChg>
+      </pc:sldChg>
+      <pc:sldChg chg="modSp add">
+        <pc:chgData name="Long B Nguyen" userId="f59fb8f3-a021-417a-8bc1-65c8d471c621" providerId="ADAL" clId="{BDC82348-6690-564E-BA8B-82B4FD2B7CED}" dt="2019-11-19T16:27:20.663" v="317" actId="20577"/>
+        <pc:sldMkLst>
+          <pc:docMk/>
+          <pc:sldMk cId="974939462" sldId="571"/>
+        </pc:sldMkLst>
+        <pc:spChg chg="mod">
+          <ac:chgData name="Long B Nguyen" userId="f59fb8f3-a021-417a-8bc1-65c8d471c621" providerId="ADAL" clId="{BDC82348-6690-564E-BA8B-82B4FD2B7CED}" dt="2019-11-19T16:26:03.718" v="55" actId="20577"/>
+          <ac:spMkLst>
+            <pc:docMk/>
+            <pc:sldMk cId="974939462" sldId="571"/>
+            <ac:spMk id="20482" creationId="{715B9C82-A852-1148-8BDF-9817DF71C5AF}"/>
+          </ac:spMkLst>
+        </pc:spChg>
+        <pc:spChg chg="mod">
+          <ac:chgData name="Long B Nguyen" userId="f59fb8f3-a021-417a-8bc1-65c8d471c621" providerId="ADAL" clId="{BDC82348-6690-564E-BA8B-82B4FD2B7CED}" dt="2019-11-19T16:27:20.663" v="317" actId="20577"/>
+          <ac:spMkLst>
+            <pc:docMk/>
+            <pc:sldMk cId="974939462" sldId="571"/>
+            <ac:spMk id="39938" creationId="{8B30D4E8-B5FD-A64F-B15C-85F2EA90B3F7}"/>
           </ac:spMkLst>
         </pc:spChg>
       </pc:sldChg>
@@ -4373,6 +4397,184 @@
       </p:grpSpPr>
       <p:sp>
         <p:nvSpPr>
+          <p:cNvPr id="20482" name="Rectangle 2">
+            <a:extLst>
+              <a:ext uri="{FF2B5EF4-FFF2-40B4-BE49-F238E27FC236}">
+                <a16:creationId xmlns:a16="http://schemas.microsoft.com/office/drawing/2014/main" id="{715B9C82-A852-1148-8BDF-9817DF71C5AF}"/>
+              </a:ext>
+            </a:extLst>
+          </p:cNvPr>
+          <p:cNvSpPr>
+            <a:spLocks noGrp="1" noChangeArrowheads="1"/>
+          </p:cNvSpPr>
+          <p:nvPr>
+            <p:ph type="title" idx="4294967295"/>
+          </p:nvPr>
+        </p:nvSpPr>
+        <p:spPr>
+          <a:xfrm>
+            <a:off x="887419" y="423622"/>
+            <a:ext cx="6683765" cy="549756"/>
+          </a:xfrm>
+        </p:spPr>
+        <p:txBody>
+          <a:bodyPr vert="horz" lIns="0" tIns="45720" rIns="0" bIns="0" rtlCol="0" anchor="b">
+            <a:normAutofit/>
+          </a:bodyPr>
+          <a:lstStyle/>
+          <a:p>
+            <a:pPr eaLnBrk="1" hangingPunct="1">
+              <a:defRPr/>
+            </a:pPr>
+            <a:r>
+              <a:rPr lang="en-US" dirty="0">
+                <a:latin typeface="Century Gothic" panose="020B0502020202020204" pitchFamily="34" charset="0"/>
+              </a:rPr>
+              <a:t>Lab 2</a:t>
+            </a:r>
+          </a:p>
+        </p:txBody>
+      </p:sp>
+      <p:sp>
+        <p:nvSpPr>
+          <p:cNvPr id="39938" name="Rectangle 3">
+            <a:extLst>
+              <a:ext uri="{FF2B5EF4-FFF2-40B4-BE49-F238E27FC236}">
+                <a16:creationId xmlns:a16="http://schemas.microsoft.com/office/drawing/2014/main" id="{8B30D4E8-B5FD-A64F-B15C-85F2EA90B3F7}"/>
+              </a:ext>
+            </a:extLst>
+          </p:cNvPr>
+          <p:cNvSpPr>
+            <a:spLocks noGrp="1" noChangeArrowheads="1"/>
+          </p:cNvSpPr>
+          <p:nvPr>
+            <p:ph idx="4294967295"/>
+          </p:nvPr>
+        </p:nvSpPr>
+        <p:spPr>
+          <a:xfrm>
+            <a:off x="884634" y="1170432"/>
+            <a:ext cx="8068866" cy="3846068"/>
+          </a:xfrm>
+        </p:spPr>
+        <p:txBody>
+          <a:bodyPr>
+            <a:normAutofit/>
+          </a:bodyPr>
+          <a:lstStyle/>
+          <a:p>
+            <a:pPr marL="0" indent="0">
+              <a:buNone/>
+            </a:pPr>
+            <a:endParaRPr lang="en-US" altLang="en-US" sz="2000" dirty="0">
+              <a:solidFill>
+                <a:schemeClr val="tx2"/>
+              </a:solidFill>
+              <a:latin typeface="Gill Sans MT" panose="020B0502020104020203" pitchFamily="34" charset="77"/>
+              <a:ea typeface="ＭＳ Ｐゴシック" panose="020B0600070205080204" pitchFamily="34" charset="-128"/>
+            </a:endParaRPr>
+          </a:p>
+          <a:p>
+            <a:pPr marL="0" indent="0">
+              <a:buNone/>
+            </a:pPr>
+            <a:endParaRPr lang="en-US" altLang="en-US" sz="2000" dirty="0">
+              <a:solidFill>
+                <a:schemeClr val="tx1"/>
+              </a:solidFill>
+              <a:latin typeface="Gill Sans MT" panose="020B0502020104020203" pitchFamily="34" charset="77"/>
+              <a:ea typeface="Tahoma" panose="020B0604030504040204" pitchFamily="34" charset="0"/>
+              <a:cs typeface="Tahoma" panose="020B0604030504040204" pitchFamily="34" charset="0"/>
+            </a:endParaRPr>
+          </a:p>
+          <a:p>
+            <a:pPr marL="0" indent="0">
+              <a:buNone/>
+            </a:pPr>
+            <a:endParaRPr lang="en-US" altLang="en-US" sz="2000" dirty="0">
+              <a:solidFill>
+                <a:schemeClr val="tx1"/>
+              </a:solidFill>
+              <a:latin typeface="Gill Sans MT" panose="020B0502020104020203" pitchFamily="34" charset="77"/>
+              <a:ea typeface="Tahoma" panose="020B0604030504040204" pitchFamily="34" charset="0"/>
+              <a:cs typeface="Tahoma" panose="020B0604030504040204" pitchFamily="34" charset="0"/>
+            </a:endParaRPr>
+          </a:p>
+          <a:p>
+            <a:pPr marL="0" indent="0">
+              <a:buNone/>
+            </a:pPr>
+            <a:r>
+              <a:rPr lang="en-US" altLang="en-US" sz="2000" dirty="0">
+                <a:solidFill>
+                  <a:schemeClr val="tx1"/>
+                </a:solidFill>
+                <a:latin typeface="Gill Sans MT" panose="020B0502020104020203" pitchFamily="34" charset="77"/>
+                <a:ea typeface="Tahoma" panose="020B0604030504040204" pitchFamily="34" charset="0"/>
+                <a:cs typeface="Tahoma" panose="020B0604030504040204" pitchFamily="34" charset="0"/>
+              </a:rPr>
+              <a:t>Modify your previous lab so that </a:t>
+            </a:r>
+            <a:r>
+              <a:rPr lang="en-US" altLang="en-US" sz="2000" dirty="0">
+                <a:latin typeface="Gill Sans MT" panose="020B0502020104020203" pitchFamily="34" charset="77"/>
+                <a:ea typeface="Tahoma" panose="020B0604030504040204" pitchFamily="34" charset="0"/>
+                <a:cs typeface="Tahoma" panose="020B0604030504040204" pitchFamily="34" charset="0"/>
+              </a:rPr>
+              <a:t>a rectangle and a circle is drawn on the screen with some set colors. If the character's center enters the circle/rectangle, then that shape </a:t>
+            </a:r>
+            <a:r>
+              <a:rPr lang="en-US" altLang="en-US" sz="2000">
+                <a:latin typeface="Gill Sans MT" panose="020B0502020104020203" pitchFamily="34" charset="77"/>
+                <a:ea typeface="Tahoma" panose="020B0604030504040204" pitchFamily="34" charset="0"/>
+                <a:cs typeface="Tahoma" panose="020B0604030504040204" pitchFamily="34" charset="0"/>
+              </a:rPr>
+              <a:t>changes color. </a:t>
+            </a:r>
+            <a:endParaRPr lang="en-US" altLang="en-US" sz="2000" dirty="0">
+              <a:solidFill>
+                <a:schemeClr val="tx1"/>
+              </a:solidFill>
+              <a:latin typeface="Gill Sans MT" panose="020B0502020104020203" pitchFamily="34" charset="77"/>
+              <a:ea typeface="Tahoma" panose="020B0604030504040204" pitchFamily="34" charset="0"/>
+              <a:cs typeface="Tahoma" panose="020B0604030504040204" pitchFamily="34" charset="0"/>
+            </a:endParaRPr>
+          </a:p>
+        </p:txBody>
+      </p:sp>
+    </p:spTree>
+    <p:extLst>
+      <p:ext uri="{BB962C8B-B14F-4D97-AF65-F5344CB8AC3E}">
+        <p14:creationId xmlns:p14="http://schemas.microsoft.com/office/powerpoint/2010/main" val="974939462"/>
+      </p:ext>
+    </p:extLst>
+  </p:cSld>
+  <p:clrMapOvr>
+    <a:masterClrMapping/>
+  </p:clrMapOvr>
+  <p:transition/>
+</p:sld>
+</file>
+
+<file path=ppt/slides/slide11.xml><?xml version="1.0" encoding="utf-8"?>
+<p:sld xmlns:a="http://schemas.openxmlformats.org/drawingml/2006/main" xmlns:r="http://schemas.openxmlformats.org/officeDocument/2006/relationships" xmlns:p="http://schemas.openxmlformats.org/presentationml/2006/main">
+  <p:cSld>
+    <p:spTree>
+      <p:nvGrpSpPr>
+        <p:cNvPr id="1" name=""/>
+        <p:cNvGrpSpPr/>
+        <p:nvPr/>
+      </p:nvGrpSpPr>
+      <p:grpSpPr>
+        <a:xfrm>
+          <a:off x="0" y="0"/>
+          <a:ext cx="0" cy="0"/>
+          <a:chOff x="0" y="0"/>
+          <a:chExt cx="0" cy="0"/>
+        </a:xfrm>
+      </p:grpSpPr>
+      <p:sp>
+        <p:nvSpPr>
           <p:cNvPr id="2" name="Title 1">
             <a:extLst>
               <a:ext uri="{FF2B5EF4-FFF2-40B4-BE49-F238E27FC236}">
@@ -8073,7 +8275,7 @@
               <a:rPr lang="en-US" dirty="0">
                 <a:latin typeface="Century Gothic" panose="020B0502020202020204" pitchFamily="34" charset="0"/>
               </a:rPr>
-              <a:t>Things to Try</a:t>
+              <a:t>Lab 1</a:t>
             </a:r>
           </a:p>
         </p:txBody>

--- a/courses/apcsa/processing/processing2.pptx
+++ b/courses/apcsa/processing/processing2.pptx
@@ -128,9 +128,7 @@
 <file path=ppt/revisionInfo.xml><?xml version="1.0" encoding="utf-8"?>
 <p1510:revInfo xmlns:a="http://schemas.openxmlformats.org/drawingml/2006/main" xmlns:r="http://schemas.openxmlformats.org/officeDocument/2006/relationships" xmlns:p1510="http://schemas.microsoft.com/office/powerpoint/2015/10/main">
   <p1510:revLst>
-    <p1510:client id="{308CFCF3-47BA-8D4A-8A80-5ECC75BA7E52}" v="2" dt="2019-11-19T12:50:23.367"/>
-    <p1510:client id="{59CB9C7B-CBC7-E549-B176-97F9C29CB310}" v="4309" dt="2019-11-19T12:45:57.102"/>
-    <p1510:client id="{BDC82348-6690-564E-BA8B-82B4FD2B7CED}" v="6" dt="2019-11-19T16:26:00.344"/>
+    <p1510:client id="{7E9DD5D8-A5FC-A74D-B474-6F0EC7EE650C}" v="9" dt="2021-11-22T15:46:40.207"/>
   </p1510:revLst>
 </p1510:revInfo>
 </file>
@@ -655,12 +653,6 @@
         </pc:sldMkLst>
       </pc:sldChg>
     </pc:docChg>
-  </pc:docChgLst>
-  <pc:docChgLst>
-    <pc:chgData name="Long B Nguyen" userId="f59fb8f3-a021-417a-8bc1-65c8d471c621" providerId="ADAL" clId="{359527BD-9D28-FA41-9B76-D4C412CACD55}"/>
-  </pc:docChgLst>
-  <pc:docChgLst>
-    <pc:chgData name="Long B Nguyen" userId="f59fb8f3-a021-417a-8bc1-65c8d471c621" providerId="ADAL" clId="{D93B77CE-F394-FC41-B6D8-2FD1D9E1B7A2}"/>
   </pc:docChgLst>
   <pc:docChgLst>
     <pc:chgData name="Long B Nguyen" userId="f59fb8f3-a021-417a-8bc1-65c8d471c621" providerId="ADAL" clId="{BDC82348-6690-564E-BA8B-82B4FD2B7CED}"/>
@@ -1069,13 +1061,28 @@
     </pc:docChg>
   </pc:docChgLst>
   <pc:docChgLst>
-    <pc:chgData name="Long B Nguyen" userId="f59fb8f3-a021-417a-8bc1-65c8d471c621" providerId="ADAL" clId="{069311B8-5E56-E24D-993B-38D0A9C45058}"/>
-  </pc:docChgLst>
-  <pc:docChgLst>
-    <pc:chgData name="Long B Nguyen" userId="f59fb8f3-a021-417a-8bc1-65c8d471c621" providerId="ADAL" clId="{6CD83B71-C243-244B-B302-DE2E82069201}"/>
-  </pc:docChgLst>
-  <pc:docChgLst>
-    <pc:chgData name="Long B Nguyen" userId="f59fb8f3-a021-417a-8bc1-65c8d471c621" providerId="ADAL" clId="{7CBD4C01-BEFF-0849-BF53-33422C5BC0A3}"/>
+    <pc:chgData name="Long B Nguyen" userId="f59fb8f3-a021-417a-8bc1-65c8d471c621" providerId="ADAL" clId="{7E9DD5D8-A5FC-A74D-B474-6F0EC7EE650C}"/>
+    <pc:docChg chg="modSld">
+      <pc:chgData name="Long B Nguyen" userId="f59fb8f3-a021-417a-8bc1-65c8d471c621" providerId="ADAL" clId="{7E9DD5D8-A5FC-A74D-B474-6F0EC7EE650C}" dt="2021-11-22T15:46:40.206" v="8" actId="20577"/>
+      <pc:docMkLst>
+        <pc:docMk/>
+      </pc:docMkLst>
+      <pc:sldChg chg="modSp">
+        <pc:chgData name="Long B Nguyen" userId="f59fb8f3-a021-417a-8bc1-65c8d471c621" providerId="ADAL" clId="{7E9DD5D8-A5FC-A74D-B474-6F0EC7EE650C}" dt="2021-11-22T15:46:40.206" v="8" actId="20577"/>
+        <pc:sldMkLst>
+          <pc:docMk/>
+          <pc:sldMk cId="4194890169" sldId="422"/>
+        </pc:sldMkLst>
+        <pc:spChg chg="mod">
+          <ac:chgData name="Long B Nguyen" userId="f59fb8f3-a021-417a-8bc1-65c8d471c621" providerId="ADAL" clId="{7E9DD5D8-A5FC-A74D-B474-6F0EC7EE650C}" dt="2021-11-22T15:46:40.206" v="8" actId="20577"/>
+          <ac:spMkLst>
+            <pc:docMk/>
+            <pc:sldMk cId="4194890169" sldId="422"/>
+            <ac:spMk id="20483" creationId="{A8F31A66-1B3E-984C-AD67-E6CB9676BCA4}"/>
+          </ac:spMkLst>
+        </pc:spChg>
+      </pc:sldChg>
+    </pc:docChg>
   </pc:docChgLst>
 </pc:chgInfo>
 </file>
@@ -1162,7 +1169,7 @@
           <a:p>
             <a:fld id="{29FB45CD-1365-4F4B-B580-C19222E1A371}" type="datetimeFigureOut">
               <a:rPr lang="en-US" smtClean="0"/>
-              <a:t>11/19/19</a:t>
+              <a:t>11/22/21</a:t>
             </a:fld>
             <a:endParaRPr lang="en-US"/>
           </a:p>
@@ -1560,7 +1567,7 @@
           <a:p>
             <a:fld id="{4AAD347D-5ACD-4C99-B74B-A9C85AD731AF}" type="datetimeFigureOut">
               <a:rPr lang="en-US" smtClean="0"/>
-              <a:t>11/19/19</a:t>
+              <a:t>11/22/21</a:t>
             </a:fld>
             <a:endParaRPr lang="en-US" dirty="0"/>
           </a:p>
@@ -1730,7 +1737,7 @@
           <a:p>
             <a:fld id="{4509A250-FF31-4206-8172-F9D3106AACB1}" type="datetimeFigureOut">
               <a:rPr lang="en-US" smtClean="0"/>
-              <a:t>11/19/19</a:t>
+              <a:t>11/22/21</a:t>
             </a:fld>
             <a:endParaRPr lang="en-US" dirty="0"/>
           </a:p>
@@ -1910,7 +1917,7 @@
           <a:p>
             <a:fld id="{4509A250-FF31-4206-8172-F9D3106AACB1}" type="datetimeFigureOut">
               <a:rPr lang="en-US" smtClean="0"/>
-              <a:t>11/19/19</a:t>
+              <a:t>11/22/21</a:t>
             </a:fld>
             <a:endParaRPr lang="en-US" dirty="0"/>
           </a:p>
@@ -2080,7 +2087,7 @@
           <a:p>
             <a:fld id="{4509A250-FF31-4206-8172-F9D3106AACB1}" type="datetimeFigureOut">
               <a:rPr lang="en-US" smtClean="0"/>
-              <a:t>11/19/19</a:t>
+              <a:t>11/22/21</a:t>
             </a:fld>
             <a:endParaRPr lang="en-US" dirty="0"/>
           </a:p>
@@ -2326,7 +2333,7 @@
           <a:p>
             <a:fld id="{9796027F-7875-4030-9381-8BD8C4F21935}" type="datetimeFigureOut">
               <a:rPr lang="en-US" smtClean="0"/>
-              <a:t>11/19/19</a:t>
+              <a:t>11/22/21</a:t>
             </a:fld>
             <a:endParaRPr lang="en-US" dirty="0"/>
           </a:p>
@@ -2558,7 +2565,7 @@
           <a:p>
             <a:fld id="{9796027F-7875-4030-9381-8BD8C4F21935}" type="datetimeFigureOut">
               <a:rPr lang="en-US" smtClean="0"/>
-              <a:t>11/19/19</a:t>
+              <a:t>11/22/21</a:t>
             </a:fld>
             <a:endParaRPr lang="en-US" dirty="0"/>
           </a:p>
@@ -2925,7 +2932,7 @@
           <a:p>
             <a:fld id="{9796027F-7875-4030-9381-8BD8C4F21935}" type="datetimeFigureOut">
               <a:rPr lang="en-US" smtClean="0"/>
-              <a:t>11/19/19</a:t>
+              <a:t>11/22/21</a:t>
             </a:fld>
             <a:endParaRPr lang="en-US" dirty="0"/>
           </a:p>
@@ -3043,7 +3050,7 @@
           <a:p>
             <a:fld id="{4509A250-FF31-4206-8172-F9D3106AACB1}" type="datetimeFigureOut">
               <a:rPr lang="en-US" smtClean="0"/>
-              <a:t>11/19/19</a:t>
+              <a:t>11/22/21</a:t>
             </a:fld>
             <a:endParaRPr lang="en-US" dirty="0"/>
           </a:p>
@@ -3138,7 +3145,7 @@
           <a:p>
             <a:fld id="{4509A250-FF31-4206-8172-F9D3106AACB1}" type="datetimeFigureOut">
               <a:rPr lang="en-US" smtClean="0"/>
-              <a:t>11/19/19</a:t>
+              <a:t>11/22/21</a:t>
             </a:fld>
             <a:endParaRPr lang="en-US" dirty="0"/>
           </a:p>
@@ -3415,7 +3422,7 @@
           <a:p>
             <a:fld id="{4509A250-FF31-4206-8172-F9D3106AACB1}" type="datetimeFigureOut">
               <a:rPr lang="en-US" smtClean="0"/>
-              <a:t>11/19/19</a:t>
+              <a:t>11/22/21</a:t>
             </a:fld>
             <a:endParaRPr lang="en-US" dirty="0"/>
           </a:p>
@@ -3672,7 +3679,7 @@
           <a:p>
             <a:fld id="{4509A250-FF31-4206-8172-F9D3106AACB1}" type="datetimeFigureOut">
               <a:rPr lang="en-US" smtClean="0"/>
-              <a:t>11/19/19</a:t>
+              <a:t>11/22/21</a:t>
             </a:fld>
             <a:endParaRPr lang="en-US" dirty="0"/>
           </a:p>
@@ -3885,7 +3892,7 @@
           <a:p>
             <a:fld id="{4AAD347D-5ACD-4C99-B74B-A9C85AD731AF}" type="datetimeFigureOut">
               <a:rPr lang="en-US" smtClean="0"/>
-              <a:t>11/19/19</a:t>
+              <a:t>11/22/21</a:t>
             </a:fld>
             <a:endParaRPr lang="en-US" dirty="0"/>
           </a:p>
@@ -5702,7 +5709,7 @@
                 <a:ea typeface="Tahoma" panose="020B0604030504040204" pitchFamily="34" charset="0"/>
                 <a:cs typeface="Tahoma" panose="020B0604030504040204" pitchFamily="34" charset="0"/>
               </a:rPr>
-              <a:t>rectMode</a:t>
+              <a:t>imageMode</a:t>
             </a:r>
             <a:r>
               <a:rPr lang="en-US" sz="2000" dirty="0">
